--- a/Docs/Forum PI/RSmart presentation forum PI .pptx
+++ b/Docs/Forum PI/RSmart presentation forum PI .pptx
@@ -5,10 +5,10 @@
     <p:sldMasterId id="2147483650" r:id="rId1"/>
   </p:sldMasterIdLst>
   <p:notesMasterIdLst>
-    <p:notesMasterId r:id="rId34"/>
+    <p:notesMasterId r:id="rId35"/>
   </p:notesMasterIdLst>
   <p:handoutMasterIdLst>
-    <p:handoutMasterId r:id="rId35"/>
+    <p:handoutMasterId r:id="rId36"/>
   </p:handoutMasterIdLst>
   <p:sldIdLst>
     <p:sldId id="256" r:id="rId2"/>
@@ -34,15 +34,16 @@
     <p:sldId id="298" r:id="rId22"/>
     <p:sldId id="299" r:id="rId23"/>
     <p:sldId id="301" r:id="rId24"/>
-    <p:sldId id="300" r:id="rId25"/>
-    <p:sldId id="304" r:id="rId26"/>
-    <p:sldId id="302" r:id="rId27"/>
-    <p:sldId id="303" r:id="rId28"/>
-    <p:sldId id="305" r:id="rId29"/>
-    <p:sldId id="307" r:id="rId30"/>
-    <p:sldId id="306" r:id="rId31"/>
-    <p:sldId id="262" r:id="rId32"/>
-    <p:sldId id="308" r:id="rId33"/>
+    <p:sldId id="309" r:id="rId25"/>
+    <p:sldId id="300" r:id="rId26"/>
+    <p:sldId id="304" r:id="rId27"/>
+    <p:sldId id="302" r:id="rId28"/>
+    <p:sldId id="303" r:id="rId29"/>
+    <p:sldId id="305" r:id="rId30"/>
+    <p:sldId id="307" r:id="rId31"/>
+    <p:sldId id="306" r:id="rId32"/>
+    <p:sldId id="262" r:id="rId33"/>
+    <p:sldId id="308" r:id="rId34"/>
   </p:sldIdLst>
   <p:sldSz cx="18291175" cy="10290175"/>
   <p:notesSz cx="6858000" cy="9144000"/>
@@ -256,7 +257,7 @@
           <a:p>
             <a:fld id="{4D0CBB7A-33AF-434C-B8C5-B5F21D294CDF}" type="datetimeFigureOut">
               <a:rPr lang="tr-TR" smtClean="0"/>
-              <a:t>29.6.2015</a:t>
+              <a:t>29.06.2015</a:t>
             </a:fld>
             <a:endParaRPr lang="tr-TR"/>
           </a:p>
@@ -421,7 +422,7 @@
           <a:p>
             <a:fld id="{6C6C1039-E6FF-4F78-9751-FFD9A3AC8099}" type="datetimeFigureOut">
               <a:rPr lang="tr-TR" smtClean="0"/>
-              <a:t>29.6.2015</a:t>
+              <a:t>29.06.2015</a:t>
             </a:fld>
             <a:endParaRPr lang="tr-TR"/>
           </a:p>
@@ -2107,7 +2108,7 @@
     </p:spTree>
     <p:extLst>
       <p:ext uri="{BB962C8B-B14F-4D97-AF65-F5344CB8AC3E}">
-        <p14:creationId xmlns:p14="http://schemas.microsoft.com/office/powerpoint/2010/main" val="1489944666"/>
+        <p14:creationId xmlns:p14="http://schemas.microsoft.com/office/powerpoint/2010/main" val="603925342"/>
       </p:ext>
     </p:extLst>
   </p:cSld>
@@ -2191,7 +2192,7 @@
     </p:spTree>
     <p:extLst>
       <p:ext uri="{BB962C8B-B14F-4D97-AF65-F5344CB8AC3E}">
-        <p14:creationId xmlns:p14="http://schemas.microsoft.com/office/powerpoint/2010/main" val="93483757"/>
+        <p14:creationId xmlns:p14="http://schemas.microsoft.com/office/powerpoint/2010/main" val="1489944666"/>
       </p:ext>
     </p:extLst>
   </p:cSld>
@@ -2275,7 +2276,7 @@
     </p:spTree>
     <p:extLst>
       <p:ext uri="{BB962C8B-B14F-4D97-AF65-F5344CB8AC3E}">
-        <p14:creationId xmlns:p14="http://schemas.microsoft.com/office/powerpoint/2010/main" val="3873758862"/>
+        <p14:creationId xmlns:p14="http://schemas.microsoft.com/office/powerpoint/2010/main" val="93483757"/>
       </p:ext>
     </p:extLst>
   </p:cSld>
@@ -2359,7 +2360,7 @@
     </p:spTree>
     <p:extLst>
       <p:ext uri="{BB962C8B-B14F-4D97-AF65-F5344CB8AC3E}">
-        <p14:creationId xmlns:p14="http://schemas.microsoft.com/office/powerpoint/2010/main" val="16369870"/>
+        <p14:creationId xmlns:p14="http://schemas.microsoft.com/office/powerpoint/2010/main" val="3873758862"/>
       </p:ext>
     </p:extLst>
   </p:cSld>
@@ -2443,7 +2444,7 @@
     </p:spTree>
     <p:extLst>
       <p:ext uri="{BB962C8B-B14F-4D97-AF65-F5344CB8AC3E}">
-        <p14:creationId xmlns:p14="http://schemas.microsoft.com/office/powerpoint/2010/main" val="4041849902"/>
+        <p14:creationId xmlns:p14="http://schemas.microsoft.com/office/powerpoint/2010/main" val="16369870"/>
       </p:ext>
     </p:extLst>
   </p:cSld>
@@ -2527,7 +2528,7 @@
     </p:spTree>
     <p:extLst>
       <p:ext uri="{BB962C8B-B14F-4D97-AF65-F5344CB8AC3E}">
-        <p14:creationId xmlns:p14="http://schemas.microsoft.com/office/powerpoint/2010/main" val="2084940332"/>
+        <p14:creationId xmlns:p14="http://schemas.microsoft.com/office/powerpoint/2010/main" val="4041849902"/>
       </p:ext>
     </p:extLst>
   </p:cSld>
@@ -2695,7 +2696,7 @@
     </p:spTree>
     <p:extLst>
       <p:ext uri="{BB962C8B-B14F-4D97-AF65-F5344CB8AC3E}">
-        <p14:creationId xmlns:p14="http://schemas.microsoft.com/office/powerpoint/2010/main" val="1410789075"/>
+        <p14:creationId xmlns:p14="http://schemas.microsoft.com/office/powerpoint/2010/main" val="2084940332"/>
       </p:ext>
     </p:extLst>
   </p:cSld>
@@ -2779,7 +2780,7 @@
     </p:spTree>
     <p:extLst>
       <p:ext uri="{BB962C8B-B14F-4D97-AF65-F5344CB8AC3E}">
-        <p14:creationId xmlns:p14="http://schemas.microsoft.com/office/powerpoint/2010/main" val="605137192"/>
+        <p14:creationId xmlns:p14="http://schemas.microsoft.com/office/powerpoint/2010/main" val="1410789075"/>
       </p:ext>
     </p:extLst>
   </p:cSld>
@@ -2855,6 +2856,90 @@
             <a:fld id="{802DA432-7CF7-4A2F-BE93-45834DC6981A}" type="slidenum">
               <a:rPr lang="tr-TR" smtClean="0"/>
               <a:t>32</a:t>
+            </a:fld>
+            <a:endParaRPr lang="tr-TR"/>
+          </a:p>
+        </p:txBody>
+      </p:sp>
+    </p:spTree>
+    <p:extLst>
+      <p:ext uri="{BB962C8B-B14F-4D97-AF65-F5344CB8AC3E}">
+        <p14:creationId xmlns:p14="http://schemas.microsoft.com/office/powerpoint/2010/main" val="605137192"/>
+      </p:ext>
+    </p:extLst>
+  </p:cSld>
+  <p:clrMapOvr>
+    <a:masterClrMapping/>
+  </p:clrMapOvr>
+</p:notes>
+</file>
+
+<file path=ppt/notesSlides/notesSlide33.xml><?xml version="1.0" encoding="utf-8"?>
+<p:notes xmlns:a="http://schemas.openxmlformats.org/drawingml/2006/main" xmlns:r="http://schemas.openxmlformats.org/officeDocument/2006/relationships" xmlns:p="http://schemas.openxmlformats.org/presentationml/2006/main">
+  <p:cSld>
+    <p:spTree>
+      <p:nvGrpSpPr>
+        <p:cNvPr id="1" name=""/>
+        <p:cNvGrpSpPr/>
+        <p:nvPr/>
+      </p:nvGrpSpPr>
+      <p:grpSpPr>
+        <a:xfrm>
+          <a:off x="0" y="0"/>
+          <a:ext cx="0" cy="0"/>
+          <a:chOff x="0" y="0"/>
+          <a:chExt cx="0" cy="0"/>
+        </a:xfrm>
+      </p:grpSpPr>
+      <p:sp>
+        <p:nvSpPr>
+          <p:cNvPr id="2" name="Slide Image Placeholder 1"/>
+          <p:cNvSpPr>
+            <a:spLocks noGrp="1" noRot="1" noChangeAspect="1"/>
+          </p:cNvSpPr>
+          <p:nvPr>
+            <p:ph type="sldImg"/>
+          </p:nvPr>
+        </p:nvSpPr>
+        <p:spPr/>
+      </p:sp>
+      <p:sp>
+        <p:nvSpPr>
+          <p:cNvPr id="3" name="Notes Placeholder 2"/>
+          <p:cNvSpPr>
+            <a:spLocks noGrp="1"/>
+          </p:cNvSpPr>
+          <p:nvPr>
+            <p:ph type="body" idx="1"/>
+          </p:nvPr>
+        </p:nvSpPr>
+        <p:spPr/>
+        <p:txBody>
+          <a:bodyPr/>
+          <a:lstStyle/>
+          <a:p>
+            <a:endParaRPr lang="tr-TR" dirty="0"/>
+          </a:p>
+        </p:txBody>
+      </p:sp>
+      <p:sp>
+        <p:nvSpPr>
+          <p:cNvPr id="4" name="Slide Number Placeholder 3"/>
+          <p:cNvSpPr>
+            <a:spLocks noGrp="1"/>
+          </p:cNvSpPr>
+          <p:nvPr>
+            <p:ph type="sldNum" sz="quarter" idx="10"/>
+          </p:nvPr>
+        </p:nvSpPr>
+        <p:spPr/>
+        <p:txBody>
+          <a:bodyPr/>
+          <a:lstStyle/>
+          <a:p>
+            <a:fld id="{802DA432-7CF7-4A2F-BE93-45834DC6981A}" type="slidenum">
+              <a:rPr lang="tr-TR" smtClean="0"/>
+              <a:t>33</a:t>
             </a:fld>
             <a:endParaRPr lang="tr-TR"/>
           </a:p>
@@ -3558,7 +3643,7 @@
           <a:p>
             <a:fld id="{DC9C75F7-98FD-4D05-8C3F-C506B544AE03}" type="datetimeFigureOut">
               <a:rPr lang="tr-TR" smtClean="0"/>
-              <a:t>29.6.2015</a:t>
+              <a:t>29.06.2015</a:t>
             </a:fld>
             <a:endParaRPr lang="tr-TR"/>
           </a:p>
@@ -3747,7 +3832,7 @@
           <a:p>
             <a:fld id="{DC9C75F7-98FD-4D05-8C3F-C506B544AE03}" type="datetimeFigureOut">
               <a:rPr lang="tr-TR" smtClean="0"/>
-              <a:t>29.6.2015</a:t>
+              <a:t>29.06.2015</a:t>
             </a:fld>
             <a:endParaRPr lang="tr-TR"/>
           </a:p>
@@ -3939,7 +4024,7 @@
           <a:p>
             <a:fld id="{DC9C75F7-98FD-4D05-8C3F-C506B544AE03}" type="datetimeFigureOut">
               <a:rPr lang="tr-TR" smtClean="0"/>
-              <a:t>29.6.2015</a:t>
+              <a:t>29.06.2015</a:t>
             </a:fld>
             <a:endParaRPr lang="tr-TR"/>
           </a:p>
@@ -4121,7 +4206,7 @@
           <a:p>
             <a:fld id="{DC9C75F7-98FD-4D05-8C3F-C506B544AE03}" type="datetimeFigureOut">
               <a:rPr lang="tr-TR" smtClean="0"/>
-              <a:t>29.6.2015</a:t>
+              <a:t>29.06.2015</a:t>
             </a:fld>
             <a:endParaRPr lang="tr-TR"/>
           </a:p>
@@ -4379,7 +4464,7 @@
           <a:p>
             <a:fld id="{DC9C75F7-98FD-4D05-8C3F-C506B544AE03}" type="datetimeFigureOut">
               <a:rPr lang="tr-TR" smtClean="0"/>
-              <a:t>29.6.2015</a:t>
+              <a:t>29.06.2015</a:t>
             </a:fld>
             <a:endParaRPr lang="tr-TR"/>
           </a:p>
@@ -4679,7 +4764,7 @@
           <a:p>
             <a:fld id="{DC9C75F7-98FD-4D05-8C3F-C506B544AE03}" type="datetimeFigureOut">
               <a:rPr lang="tr-TR" smtClean="0"/>
-              <a:t>29.6.2015</a:t>
+              <a:t>29.06.2015</a:t>
             </a:fld>
             <a:endParaRPr lang="tr-TR"/>
           </a:p>
@@ -5113,7 +5198,7 @@
           <a:p>
             <a:fld id="{DC9C75F7-98FD-4D05-8C3F-C506B544AE03}" type="datetimeFigureOut">
               <a:rPr lang="tr-TR" smtClean="0"/>
-              <a:t>29.6.2015</a:t>
+              <a:t>29.06.2015</a:t>
             </a:fld>
             <a:endParaRPr lang="tr-TR"/>
           </a:p>
@@ -5243,7 +5328,7 @@
           <a:p>
             <a:fld id="{DC9C75F7-98FD-4D05-8C3F-C506B544AE03}" type="datetimeFigureOut">
               <a:rPr lang="tr-TR" smtClean="0"/>
-              <a:t>29.6.2015</a:t>
+              <a:t>29.06.2015</a:t>
             </a:fld>
             <a:endParaRPr lang="tr-TR"/>
           </a:p>
@@ -5350,7 +5435,7 @@
           <a:p>
             <a:fld id="{DC9C75F7-98FD-4D05-8C3F-C506B544AE03}" type="datetimeFigureOut">
               <a:rPr lang="tr-TR" smtClean="0"/>
-              <a:t>29.6.2015</a:t>
+              <a:t>29.06.2015</a:t>
             </a:fld>
             <a:endParaRPr lang="tr-TR"/>
           </a:p>
@@ -5639,7 +5724,7 @@
           <a:p>
             <a:fld id="{DC9C75F7-98FD-4D05-8C3F-C506B544AE03}" type="datetimeFigureOut">
               <a:rPr lang="tr-TR" smtClean="0"/>
-              <a:t>29.6.2015</a:t>
+              <a:t>29.06.2015</a:t>
             </a:fld>
             <a:endParaRPr lang="tr-TR"/>
           </a:p>
@@ -5904,7 +5989,7 @@
           <a:p>
             <a:fld id="{DC9C75F7-98FD-4D05-8C3F-C506B544AE03}" type="datetimeFigureOut">
               <a:rPr lang="tr-TR" smtClean="0"/>
-              <a:t>29.6.2015</a:t>
+              <a:t>29.06.2015</a:t>
             </a:fld>
             <a:endParaRPr lang="tr-TR"/>
           </a:p>
@@ -6152,7 +6237,7 @@
           <a:p>
             <a:fld id="{DC9C75F7-98FD-4D05-8C3F-C506B544AE03}" type="datetimeFigureOut">
               <a:rPr lang="tr-TR" smtClean="0"/>
-              <a:t>29.6.2015</a:t>
+              <a:t>29.06.2015</a:t>
             </a:fld>
             <a:endParaRPr lang="tr-TR"/>
           </a:p>
@@ -8073,13 +8158,13 @@
   <p:clrMapOvr>
     <a:masterClrMapping/>
   </p:clrMapOvr>
-  <mc:AlternateContent xmlns:mc="http://schemas.openxmlformats.org/markup-compatibility/2006">
-    <mc:Choice xmlns:p14="http://schemas.microsoft.com/office/powerpoint/2010/main" Requires="p14">
+  <mc:AlternateContent xmlns:mc="http://schemas.openxmlformats.org/markup-compatibility/2006" xmlns:p14="http://schemas.microsoft.com/office/powerpoint/2010/main">
+    <mc:Choice Requires="p14">
       <p:transition spd="med" p14:dur="700">
         <p:fade/>
       </p:transition>
     </mc:Choice>
-    <mc:Fallback>
+    <mc:Fallback xmlns="">
       <p:transition spd="med">
         <p:fade/>
       </p:transition>
@@ -8483,20 +8568,7 @@
                 <a:ea typeface="Open Sans" pitchFamily="34" charset="0"/>
                 <a:cs typeface="Open Sans" pitchFamily="34" charset="0"/>
               </a:rPr>
-              <a:t> </a:t>
-            </a:r>
-            <a:r>
-              <a:rPr lang="fr-FR" sz="4500" b="1" dirty="0" smtClean="0">
-                <a:solidFill>
-                  <a:schemeClr val="bg1">
-                    <a:lumMod val="95000"/>
-                  </a:schemeClr>
-                </a:solidFill>
-                <a:latin typeface="Caviar Dreams" pitchFamily="34" charset="-94"/>
-                <a:ea typeface="Open Sans" pitchFamily="34" charset="0"/>
-                <a:cs typeface="Open Sans" pitchFamily="34" charset="0"/>
-              </a:rPr>
-              <a:t>Applications</a:t>
+              <a:t> Applications</a:t>
             </a:r>
             <a:endParaRPr lang="tr-TR" sz="4500" b="1" dirty="0">
               <a:solidFill>
@@ -12487,13 +12559,13 @@
   <p:clrMapOvr>
     <a:masterClrMapping/>
   </p:clrMapOvr>
-  <mc:AlternateContent xmlns:mc="http://schemas.openxmlformats.org/markup-compatibility/2006">
-    <mc:Choice xmlns:p14="http://schemas.microsoft.com/office/powerpoint/2010/main" Requires="p14">
+  <mc:AlternateContent xmlns:mc="http://schemas.openxmlformats.org/markup-compatibility/2006" xmlns:p14="http://schemas.microsoft.com/office/powerpoint/2010/main">
+    <mc:Choice Requires="p14">
       <p:transition spd="med" p14:dur="700">
         <p:fade/>
       </p:transition>
     </mc:Choice>
-    <mc:Fallback>
+    <mc:Fallback xmlns="">
       <p:transition spd="med">
         <p:fade/>
       </p:transition>
@@ -13230,21 +13302,7 @@
                 <a:ea typeface="Open Sans" pitchFamily="34" charset="0"/>
                 <a:cs typeface="Open Sans" pitchFamily="34" charset="0"/>
               </a:rPr>
-              <a:t>ommunicatio</a:t>
-            </a:r>
-            <a:r>
-              <a:rPr lang="fr-FR" sz="5000" b="1" dirty="0" smtClean="0">
-                <a:solidFill>
-                  <a:schemeClr val="tx1">
-                    <a:lumMod val="65000"/>
-                    <a:lumOff val="35000"/>
-                  </a:schemeClr>
-                </a:solidFill>
-                <a:latin typeface="Caviar Dreams" pitchFamily="34" charset="-94"/>
-                <a:ea typeface="Open Sans" pitchFamily="34" charset="0"/>
-                <a:cs typeface="Open Sans" pitchFamily="34" charset="0"/>
-              </a:rPr>
-              <a:t>n avec le robot</a:t>
+              <a:t>ommunication avec le robot</a:t>
             </a:r>
             <a:endParaRPr lang="tr-TR" sz="5000" b="1" dirty="0">
               <a:solidFill>
@@ -15372,16 +15430,7 @@
                 </a:solidFill>
                 <a:latin typeface="Bebas Neue" panose="020B0606020202050201" pitchFamily="34" charset="0"/>
               </a:rPr>
-              <a:t>ro</a:t>
-            </a:r>
-            <a:r>
-              <a:rPr lang="fr-FR" b="1" dirty="0" smtClean="0">
-                <a:solidFill>
-                  <a:srgbClr val="FF0000"/>
-                </a:solidFill>
-                <a:latin typeface="Bebas Neue" panose="020B0606020202050201" pitchFamily="34" charset="0"/>
-              </a:rPr>
-              <a:t>bot</a:t>
+              <a:t>robot</a:t>
             </a:r>
             <a:endParaRPr lang="tr-TR" b="1" dirty="0">
               <a:solidFill>
@@ -17463,13 +17512,13 @@
   <p:clrMapOvr>
     <a:masterClrMapping/>
   </p:clrMapOvr>
-  <mc:AlternateContent xmlns:mc="http://schemas.openxmlformats.org/markup-compatibility/2006">
-    <mc:Choice xmlns:p14="http://schemas.microsoft.com/office/powerpoint/2010/main" Requires="p14">
+  <mc:AlternateContent xmlns:mc="http://schemas.openxmlformats.org/markup-compatibility/2006" xmlns:p14="http://schemas.microsoft.com/office/powerpoint/2010/main">
+    <mc:Choice Requires="p14">
       <p:transition spd="med" p14:dur="700">
         <p:fade/>
       </p:transition>
     </mc:Choice>
-    <mc:Fallback>
+    <mc:Fallback xmlns="">
       <p:transition spd="med">
         <p:fade/>
       </p:transition>
@@ -18451,6 +18500,510 @@
 </file>
 
 <file path=ppt/slides/slide24.xml><?xml version="1.0" encoding="utf-8"?>
+<p:sld xmlns:a="http://schemas.openxmlformats.org/drawingml/2006/main" xmlns:r="http://schemas.openxmlformats.org/officeDocument/2006/relationships" xmlns:p="http://schemas.openxmlformats.org/presentationml/2006/main">
+  <p:cSld>
+    <p:spTree>
+      <p:nvGrpSpPr>
+        <p:cNvPr id="1" name=""/>
+        <p:cNvGrpSpPr/>
+        <p:nvPr/>
+      </p:nvGrpSpPr>
+      <p:grpSpPr>
+        <a:xfrm>
+          <a:off x="0" y="0"/>
+          <a:ext cx="0" cy="0"/>
+          <a:chOff x="0" y="0"/>
+          <a:chExt cx="0" cy="0"/>
+        </a:xfrm>
+      </p:grpSpPr>
+      <p:pic>
+        <p:nvPicPr>
+          <p:cNvPr id="43" name="Picture 42"/>
+          <p:cNvPicPr>
+            <a:picLocks noChangeAspect="1"/>
+          </p:cNvPicPr>
+          <p:nvPr/>
+        </p:nvPicPr>
+        <p:blipFill>
+          <a:blip r:embed="rId3" cstate="print">
+            <a:duotone>
+              <a:prstClr val="black"/>
+              <a:schemeClr val="tx2">
+                <a:tint val="45000"/>
+                <a:satMod val="400000"/>
+              </a:schemeClr>
+            </a:duotone>
+            <a:extLst>
+              <a:ext uri="{28A0092B-C50C-407E-A947-70E740481C1C}">
+                <a14:useLocalDpi xmlns:a14="http://schemas.microsoft.com/office/drawing/2010/main" val="0"/>
+              </a:ext>
+            </a:extLst>
+          </a:blip>
+          <a:stretch>
+            <a:fillRect/>
+          </a:stretch>
+        </p:blipFill>
+        <p:spPr>
+          <a:xfrm>
+            <a:off x="-11637" y="9143199"/>
+            <a:ext cx="18302812" cy="1146976"/>
+          </a:xfrm>
+          <a:prstGeom prst="rect">
+            <a:avLst/>
+          </a:prstGeom>
+        </p:spPr>
+      </p:pic>
+      <p:sp>
+        <p:nvSpPr>
+          <p:cNvPr id="2" name="Rectangle 1"/>
+          <p:cNvSpPr/>
+          <p:nvPr/>
+        </p:nvSpPr>
+        <p:spPr>
+          <a:xfrm>
+            <a:off x="0" y="1040631"/>
+            <a:ext cx="5401171" cy="864096"/>
+          </a:xfrm>
+          <a:prstGeom prst="rect">
+            <a:avLst/>
+          </a:prstGeom>
+          <a:solidFill>
+            <a:srgbClr val="565D6F"/>
+          </a:solidFill>
+          <a:ln>
+            <a:noFill/>
+          </a:ln>
+        </p:spPr>
+        <p:style>
+          <a:lnRef idx="2">
+            <a:schemeClr val="accent1">
+              <a:shade val="50000"/>
+            </a:schemeClr>
+          </a:lnRef>
+          <a:fillRef idx="1">
+            <a:schemeClr val="accent1"/>
+          </a:fillRef>
+          <a:effectRef idx="0">
+            <a:schemeClr val="accent1"/>
+          </a:effectRef>
+          <a:fontRef idx="minor">
+            <a:schemeClr val="lt1"/>
+          </a:fontRef>
+        </p:style>
+        <p:txBody>
+          <a:bodyPr rtlCol="0" anchor="ctr"/>
+          <a:lstStyle/>
+          <a:p>
+            <a:pPr algn="ctr"/>
+            <a:endParaRPr lang="tr-TR"/>
+          </a:p>
+        </p:txBody>
+      </p:sp>
+      <p:sp>
+        <p:nvSpPr>
+          <p:cNvPr id="9" name="Rectangle 8"/>
+          <p:cNvSpPr/>
+          <p:nvPr/>
+        </p:nvSpPr>
+        <p:spPr>
+          <a:xfrm>
+            <a:off x="5401172" y="1040631"/>
+            <a:ext cx="180020" cy="864096"/>
+          </a:xfrm>
+          <a:prstGeom prst="rect">
+            <a:avLst/>
+          </a:prstGeom>
+          <a:solidFill>
+            <a:schemeClr val="bg1">
+              <a:lumMod val="75000"/>
+            </a:schemeClr>
+          </a:solidFill>
+          <a:ln>
+            <a:noFill/>
+          </a:ln>
+        </p:spPr>
+        <p:style>
+          <a:lnRef idx="2">
+            <a:schemeClr val="accent1">
+              <a:shade val="50000"/>
+            </a:schemeClr>
+          </a:lnRef>
+          <a:fillRef idx="1">
+            <a:schemeClr val="accent1"/>
+          </a:fillRef>
+          <a:effectRef idx="0">
+            <a:schemeClr val="accent1"/>
+          </a:effectRef>
+          <a:fontRef idx="minor">
+            <a:schemeClr val="lt1"/>
+          </a:fontRef>
+        </p:style>
+        <p:txBody>
+          <a:bodyPr rtlCol="0" anchor="ctr"/>
+          <a:lstStyle/>
+          <a:p>
+            <a:pPr algn="ctr"/>
+            <a:endParaRPr lang="tr-TR"/>
+          </a:p>
+        </p:txBody>
+      </p:sp>
+      <p:sp>
+        <p:nvSpPr>
+          <p:cNvPr id="12" name="TextBox 11"/>
+          <p:cNvSpPr txBox="1"/>
+          <p:nvPr/>
+        </p:nvSpPr>
+        <p:spPr>
+          <a:xfrm>
+            <a:off x="504341" y="1118736"/>
+            <a:ext cx="4663386" cy="646331"/>
+          </a:xfrm>
+          <a:prstGeom prst="rect">
+            <a:avLst/>
+          </a:prstGeom>
+          <a:noFill/>
+        </p:spPr>
+        <p:txBody>
+          <a:bodyPr wrap="square" rtlCol="0">
+            <a:spAutoFit/>
+          </a:bodyPr>
+          <a:lstStyle/>
+          <a:p>
+            <a:pPr algn="ctr"/>
+            <a:r>
+              <a:rPr lang="fr-FR" sz="3600" b="1" dirty="0" smtClean="0">
+                <a:solidFill>
+                  <a:schemeClr val="bg1">
+                    <a:lumMod val="95000"/>
+                  </a:schemeClr>
+                </a:solidFill>
+                <a:latin typeface="Caviar Dreams" pitchFamily="34" charset="-94"/>
+                <a:ea typeface="Open Sans" pitchFamily="34" charset="0"/>
+                <a:cs typeface="Open Sans" pitchFamily="34" charset="0"/>
+              </a:rPr>
+              <a:t>SUIVRE UN CHEMIN</a:t>
+            </a:r>
+            <a:endParaRPr lang="tr-TR" sz="3600" b="1" dirty="0">
+              <a:solidFill>
+                <a:schemeClr val="bg1">
+                  <a:lumMod val="95000"/>
+                </a:schemeClr>
+              </a:solidFill>
+              <a:latin typeface="Caviar Dreams" pitchFamily="34" charset="-94"/>
+              <a:ea typeface="Open Sans" pitchFamily="34" charset="0"/>
+              <a:cs typeface="Open Sans" pitchFamily="34" charset="0"/>
+            </a:endParaRPr>
+          </a:p>
+        </p:txBody>
+      </p:sp>
+      <p:sp>
+        <p:nvSpPr>
+          <p:cNvPr id="53" name="Oval 52"/>
+          <p:cNvSpPr/>
+          <p:nvPr/>
+        </p:nvSpPr>
+        <p:spPr>
+          <a:xfrm>
+            <a:off x="8816986" y="9449582"/>
+            <a:ext cx="654224" cy="648817"/>
+          </a:xfrm>
+          <a:prstGeom prst="ellipse">
+            <a:avLst/>
+          </a:prstGeom>
+          <a:solidFill>
+            <a:schemeClr val="bg1"/>
+          </a:solidFill>
+          <a:ln>
+            <a:noFill/>
+          </a:ln>
+        </p:spPr>
+        <p:style>
+          <a:lnRef idx="2">
+            <a:schemeClr val="accent1">
+              <a:shade val="50000"/>
+            </a:schemeClr>
+          </a:lnRef>
+          <a:fillRef idx="1">
+            <a:schemeClr val="accent1"/>
+          </a:fillRef>
+          <a:effectRef idx="0">
+            <a:schemeClr val="accent1"/>
+          </a:effectRef>
+          <a:fontRef idx="minor">
+            <a:schemeClr val="lt1"/>
+          </a:fontRef>
+        </p:style>
+        <p:txBody>
+          <a:bodyPr rtlCol="0" anchor="ctr"/>
+          <a:lstStyle/>
+          <a:p>
+            <a:pPr algn="ctr"/>
+            <a:endParaRPr lang="tr-TR"/>
+          </a:p>
+        </p:txBody>
+      </p:sp>
+      <p:sp>
+        <p:nvSpPr>
+          <p:cNvPr id="54" name="TextBox 53"/>
+          <p:cNvSpPr txBox="1"/>
+          <p:nvPr/>
+        </p:nvSpPr>
+        <p:spPr>
+          <a:xfrm>
+            <a:off x="8880355" y="9464822"/>
+            <a:ext cx="504056" cy="600164"/>
+          </a:xfrm>
+          <a:prstGeom prst="rect">
+            <a:avLst/>
+          </a:prstGeom>
+          <a:noFill/>
+        </p:spPr>
+        <p:txBody>
+          <a:bodyPr wrap="square" rtlCol="0">
+            <a:spAutoFit/>
+          </a:bodyPr>
+          <a:lstStyle/>
+          <a:p>
+            <a:pPr algn="ctr"/>
+            <a:r>
+              <a:rPr lang="fr-FR" sz="3300" b="1" dirty="0">
+                <a:solidFill>
+                  <a:srgbClr val="565D6F"/>
+                </a:solidFill>
+                <a:latin typeface="Caviar Dreams" pitchFamily="34" charset="-94"/>
+                <a:ea typeface="Open Sans" pitchFamily="34" charset="0"/>
+                <a:cs typeface="Open Sans" pitchFamily="34" charset="0"/>
+              </a:rPr>
+              <a:t>R</a:t>
+            </a:r>
+            <a:endParaRPr lang="tr-TR" sz="3300" b="1" dirty="0">
+              <a:solidFill>
+                <a:srgbClr val="565D6F"/>
+              </a:solidFill>
+              <a:latin typeface="Caviar Dreams" pitchFamily="34" charset="-94"/>
+              <a:ea typeface="Open Sans" pitchFamily="34" charset="0"/>
+              <a:cs typeface="Open Sans" pitchFamily="34" charset="0"/>
+            </a:endParaRPr>
+          </a:p>
+        </p:txBody>
+      </p:sp>
+      <p:pic>
+        <p:nvPicPr>
+          <p:cNvPr id="3" name="Image 2"/>
+          <p:cNvPicPr>
+            <a:picLocks noChangeAspect="1"/>
+          </p:cNvPicPr>
+          <p:nvPr/>
+        </p:nvPicPr>
+        <p:blipFill>
+          <a:blip r:embed="rId4">
+            <a:extLst>
+              <a:ext uri="{28A0092B-C50C-407E-A947-70E740481C1C}">
+                <a14:useLocalDpi xmlns:a14="http://schemas.microsoft.com/office/drawing/2010/main" val="0"/>
+              </a:ext>
+            </a:extLst>
+          </a:blip>
+          <a:stretch>
+            <a:fillRect/>
+          </a:stretch>
+        </p:blipFill>
+        <p:spPr>
+          <a:xfrm>
+            <a:off x="2952899" y="2175766"/>
+            <a:ext cx="12375854" cy="7205059"/>
+          </a:xfrm>
+          <a:prstGeom prst="rect">
+            <a:avLst/>
+          </a:prstGeom>
+        </p:spPr>
+      </p:pic>
+    </p:spTree>
+    <p:extLst>
+      <p:ext uri="{BB962C8B-B14F-4D97-AF65-F5344CB8AC3E}">
+        <p14:creationId xmlns:p14="http://schemas.microsoft.com/office/powerpoint/2010/main" val="787780222"/>
+      </p:ext>
+    </p:extLst>
+  </p:cSld>
+  <p:clrMapOvr>
+    <a:masterClrMapping/>
+  </p:clrMapOvr>
+  <mc:AlternateContent xmlns:mc="http://schemas.openxmlformats.org/markup-compatibility/2006">
+    <mc:Choice xmlns:p14="http://schemas.microsoft.com/office/powerpoint/2010/main" Requires="p14">
+      <p:transition spd="med" p14:dur="700">
+        <p:fade/>
+      </p:transition>
+    </mc:Choice>
+    <mc:Fallback>
+      <p:transition spd="med">
+        <p:fade/>
+      </p:transition>
+    </mc:Fallback>
+  </mc:AlternateContent>
+  <p:timing>
+    <p:tnLst>
+      <p:par>
+        <p:cTn id="1" dur="indefinite" restart="never" nodeType="tmRoot">
+          <p:childTnLst>
+            <p:seq concurrent="1" nextAc="seek">
+              <p:cTn id="2" dur="indefinite" nodeType="mainSeq">
+                <p:childTnLst>
+                  <p:par>
+                    <p:cTn id="3" fill="hold">
+                      <p:stCondLst>
+                        <p:cond delay="indefinite"/>
+                        <p:cond evt="onBegin" delay="0">
+                          <p:tn val="2"/>
+                        </p:cond>
+                      </p:stCondLst>
+                      <p:childTnLst>
+                        <p:par>
+                          <p:cTn id="4" fill="hold">
+                            <p:stCondLst>
+                              <p:cond delay="0"/>
+                            </p:stCondLst>
+                            <p:childTnLst>
+                              <p:par>
+                                <p:cTn id="5" presetID="10" presetClass="entr" presetSubtype="0" fill="hold" grpId="0" nodeType="withEffect">
+                                  <p:stCondLst>
+                                    <p:cond delay="0"/>
+                                  </p:stCondLst>
+                                  <p:childTnLst>
+                                    <p:set>
+                                      <p:cBhvr>
+                                        <p:cTn id="6" dur="1" fill="hold">
+                                          <p:stCondLst>
+                                            <p:cond delay="0"/>
+                                          </p:stCondLst>
+                                        </p:cTn>
+                                        <p:tgtEl>
+                                          <p:spTgt spid="2"/>
+                                        </p:tgtEl>
+                                        <p:attrNameLst>
+                                          <p:attrName>style.visibility</p:attrName>
+                                        </p:attrNameLst>
+                                      </p:cBhvr>
+                                      <p:to>
+                                        <p:strVal val="visible"/>
+                                      </p:to>
+                                    </p:set>
+                                    <p:animEffect transition="in" filter="fade">
+                                      <p:cBhvr>
+                                        <p:cTn id="7" dur="500"/>
+                                        <p:tgtEl>
+                                          <p:spTgt spid="2"/>
+                                        </p:tgtEl>
+                                      </p:cBhvr>
+                                    </p:animEffect>
+                                  </p:childTnLst>
+                                </p:cTn>
+                              </p:par>
+                              <p:par>
+                                <p:cTn id="8" presetID="10" presetClass="entr" presetSubtype="0" fill="hold" grpId="0" nodeType="withEffect">
+                                  <p:stCondLst>
+                                    <p:cond delay="0"/>
+                                  </p:stCondLst>
+                                  <p:childTnLst>
+                                    <p:set>
+                                      <p:cBhvr>
+                                        <p:cTn id="9" dur="1" fill="hold">
+                                          <p:stCondLst>
+                                            <p:cond delay="0"/>
+                                          </p:stCondLst>
+                                        </p:cTn>
+                                        <p:tgtEl>
+                                          <p:spTgt spid="9"/>
+                                        </p:tgtEl>
+                                        <p:attrNameLst>
+                                          <p:attrName>style.visibility</p:attrName>
+                                        </p:attrNameLst>
+                                      </p:cBhvr>
+                                      <p:to>
+                                        <p:strVal val="visible"/>
+                                      </p:to>
+                                    </p:set>
+                                    <p:animEffect transition="in" filter="fade">
+                                      <p:cBhvr>
+                                        <p:cTn id="10" dur="500"/>
+                                        <p:tgtEl>
+                                          <p:spTgt spid="9"/>
+                                        </p:tgtEl>
+                                      </p:cBhvr>
+                                    </p:animEffect>
+                                  </p:childTnLst>
+                                </p:cTn>
+                              </p:par>
+                              <p:par>
+                                <p:cTn id="11" presetID="10" presetClass="entr" presetSubtype="0" fill="hold" grpId="0" nodeType="withEffect">
+                                  <p:stCondLst>
+                                    <p:cond delay="0"/>
+                                  </p:stCondLst>
+                                  <p:childTnLst>
+                                    <p:set>
+                                      <p:cBhvr>
+                                        <p:cTn id="12" dur="1" fill="hold">
+                                          <p:stCondLst>
+                                            <p:cond delay="0"/>
+                                          </p:stCondLst>
+                                        </p:cTn>
+                                        <p:tgtEl>
+                                          <p:spTgt spid="12"/>
+                                        </p:tgtEl>
+                                        <p:attrNameLst>
+                                          <p:attrName>style.visibility</p:attrName>
+                                        </p:attrNameLst>
+                                      </p:cBhvr>
+                                      <p:to>
+                                        <p:strVal val="visible"/>
+                                      </p:to>
+                                    </p:set>
+                                    <p:animEffect transition="in" filter="fade">
+                                      <p:cBhvr>
+                                        <p:cTn id="13" dur="500"/>
+                                        <p:tgtEl>
+                                          <p:spTgt spid="12"/>
+                                        </p:tgtEl>
+                                      </p:cBhvr>
+                                    </p:animEffect>
+                                  </p:childTnLst>
+                                </p:cTn>
+                              </p:par>
+                            </p:childTnLst>
+                          </p:cTn>
+                        </p:par>
+                      </p:childTnLst>
+                    </p:cTn>
+                  </p:par>
+                </p:childTnLst>
+              </p:cTn>
+              <p:prevCondLst>
+                <p:cond evt="onPrev" delay="0">
+                  <p:tgtEl>
+                    <p:sldTgt/>
+                  </p:tgtEl>
+                </p:cond>
+              </p:prevCondLst>
+              <p:nextCondLst>
+                <p:cond evt="onNext" delay="0">
+                  <p:tgtEl>
+                    <p:sldTgt/>
+                  </p:tgtEl>
+                </p:cond>
+              </p:nextCondLst>
+            </p:seq>
+          </p:childTnLst>
+        </p:cTn>
+      </p:par>
+    </p:tnLst>
+    <p:bldLst>
+      <p:bldP spid="2" grpId="0" animBg="1"/>
+      <p:bldP spid="9" grpId="0" animBg="1"/>
+      <p:bldP spid="12" grpId="0"/>
+    </p:bldLst>
+  </p:timing>
+</p:sld>
+</file>
+
+<file path=ppt/slides/slide25.xml><?xml version="1.0" encoding="utf-8"?>
 <p:sld xmlns:a="http://schemas.openxmlformats.org/drawingml/2006/main" xmlns:r="http://schemas.openxmlformats.org/officeDocument/2006/relationships" xmlns:p="http://schemas.openxmlformats.org/presentationml/2006/main">
   <p:cSld>
     <p:spTree>
@@ -19952,7 +20505,7 @@
 </p:sld>
 </file>
 
-<file path=ppt/slides/slide25.xml><?xml version="1.0" encoding="utf-8"?>
+<file path=ppt/slides/slide26.xml><?xml version="1.0" encoding="utf-8"?>
 <p:sld xmlns:a="http://schemas.openxmlformats.org/drawingml/2006/main" xmlns:r="http://schemas.openxmlformats.org/officeDocument/2006/relationships" xmlns:p="http://schemas.openxmlformats.org/presentationml/2006/main">
   <p:cSld>
     <p:spTree>
@@ -21086,7 +21639,7 @@
 </p:sld>
 </file>
 
-<file path=ppt/slides/slide26.xml><?xml version="1.0" encoding="utf-8"?>
+<file path=ppt/slides/slide27.xml><?xml version="1.0" encoding="utf-8"?>
 <p:sld xmlns:a="http://schemas.openxmlformats.org/drawingml/2006/main" xmlns:r="http://schemas.openxmlformats.org/officeDocument/2006/relationships" xmlns:p="http://schemas.openxmlformats.org/presentationml/2006/main">
   <p:cSld>
     <p:spTree>
@@ -21555,7 +22108,7 @@
 </p:sld>
 </file>
 
-<file path=ppt/slides/slide27.xml><?xml version="1.0" encoding="utf-8"?>
+<file path=ppt/slides/slide28.xml><?xml version="1.0" encoding="utf-8"?>
 <p:sld xmlns:a="http://schemas.openxmlformats.org/drawingml/2006/main" xmlns:r="http://schemas.openxmlformats.org/officeDocument/2006/relationships" xmlns:p="http://schemas.openxmlformats.org/presentationml/2006/main">
   <p:cSld>
     <p:spTree>
@@ -22176,19 +22729,7 @@
                 </a:solidFill>
                 <a:latin typeface="Bebas Neue" panose="020B0606020202050201" pitchFamily="34" charset="0"/>
               </a:rPr>
-              <a:t> </a:t>
-            </a:r>
-            <a:r>
-              <a:rPr lang="fr-FR" b="1" dirty="0" smtClean="0">
-                <a:solidFill>
-                  <a:schemeClr val="tx1">
-                    <a:lumMod val="65000"/>
-                    <a:lumOff val="35000"/>
-                  </a:schemeClr>
-                </a:solidFill>
-                <a:latin typeface="Bebas Neue" panose="020B0606020202050201" pitchFamily="34" charset="0"/>
-              </a:rPr>
-              <a:t>au </a:t>
+              <a:t> au </a:t>
             </a:r>
             <a:r>
               <a:rPr lang="fr-FR" b="1" dirty="0" smtClean="0">
@@ -22209,19 +22750,7 @@
                 </a:solidFill>
                 <a:latin typeface="Bebas Neue" panose="020B0606020202050201" pitchFamily="34" charset="0"/>
               </a:rPr>
-              <a:t> </a:t>
-            </a:r>
-            <a:r>
-              <a:rPr lang="fr-FR" b="1" dirty="0" smtClean="0">
-                <a:solidFill>
-                  <a:schemeClr val="tx1">
-                    <a:lumMod val="65000"/>
-                    <a:lumOff val="35000"/>
-                  </a:schemeClr>
-                </a:solidFill>
-                <a:latin typeface="Bebas Neue" panose="020B0606020202050201" pitchFamily="34" charset="0"/>
-              </a:rPr>
-              <a:t>connecté</a:t>
+              <a:t> connecté</a:t>
             </a:r>
             <a:endParaRPr lang="tr-TR" b="1" dirty="0">
               <a:solidFill>
@@ -23442,7 +23971,7 @@
 </p:sld>
 </file>
 
-<file path=ppt/slides/slide28.xml><?xml version="1.0" encoding="utf-8"?>
+<file path=ppt/slides/slide29.xml><?xml version="1.0" encoding="utf-8"?>
 <p:sld xmlns:a="http://schemas.openxmlformats.org/drawingml/2006/main" xmlns:r="http://schemas.openxmlformats.org/officeDocument/2006/relationships" xmlns:p="http://schemas.openxmlformats.org/presentationml/2006/main">
   <p:cSld>
     <p:spTree>
@@ -23870,440 +24399,6 @@
                                         <p:cTn id="13" dur="500"/>
                                         <p:tgtEl>
                                           <p:spTgt spid="2"/>
-                                        </p:tgtEl>
-                                      </p:cBhvr>
-                                    </p:animEffect>
-                                  </p:childTnLst>
-                                </p:cTn>
-                              </p:par>
-                            </p:childTnLst>
-                          </p:cTn>
-                        </p:par>
-                      </p:childTnLst>
-                    </p:cTn>
-                  </p:par>
-                </p:childTnLst>
-              </p:cTn>
-              <p:prevCondLst>
-                <p:cond evt="onPrev" delay="0">
-                  <p:tgtEl>
-                    <p:sldTgt/>
-                  </p:tgtEl>
-                </p:cond>
-              </p:prevCondLst>
-              <p:nextCondLst>
-                <p:cond evt="onNext" delay="0">
-                  <p:tgtEl>
-                    <p:sldTgt/>
-                  </p:tgtEl>
-                </p:cond>
-              </p:nextCondLst>
-            </p:seq>
-          </p:childTnLst>
-        </p:cTn>
-      </p:par>
-    </p:tnLst>
-    <p:bldLst>
-      <p:bldP spid="6" grpId="0" animBg="1"/>
-      <p:bldP spid="10" grpId="0"/>
-    </p:bldLst>
-  </p:timing>
-</p:sld>
-</file>
-
-<file path=ppt/slides/slide29.xml><?xml version="1.0" encoding="utf-8"?>
-<p:sld xmlns:a="http://schemas.openxmlformats.org/drawingml/2006/main" xmlns:r="http://schemas.openxmlformats.org/officeDocument/2006/relationships" xmlns:p="http://schemas.openxmlformats.org/presentationml/2006/main">
-  <p:cSld>
-    <p:spTree>
-      <p:nvGrpSpPr>
-        <p:cNvPr id="1" name=""/>
-        <p:cNvGrpSpPr/>
-        <p:nvPr/>
-      </p:nvGrpSpPr>
-      <p:grpSpPr>
-        <a:xfrm>
-          <a:off x="0" y="0"/>
-          <a:ext cx="0" cy="0"/>
-          <a:chOff x="0" y="0"/>
-          <a:chExt cx="0" cy="0"/>
-        </a:xfrm>
-      </p:grpSpPr>
-      <p:pic>
-        <p:nvPicPr>
-          <p:cNvPr id="7" name="Picture 6"/>
-          <p:cNvPicPr>
-            <a:picLocks noChangeAspect="1"/>
-          </p:cNvPicPr>
-          <p:nvPr/>
-        </p:nvPicPr>
-        <p:blipFill>
-          <a:blip r:embed="rId3" cstate="print">
-            <a:duotone>
-              <a:prstClr val="black"/>
-              <a:schemeClr val="tx2">
-                <a:tint val="45000"/>
-                <a:satMod val="400000"/>
-              </a:schemeClr>
-            </a:duotone>
-            <a:extLst>
-              <a:ext uri="{28A0092B-C50C-407E-A947-70E740481C1C}">
-                <a14:useLocalDpi xmlns:a14="http://schemas.microsoft.com/office/drawing/2010/main" val="0"/>
-              </a:ext>
-            </a:extLst>
-          </a:blip>
-          <a:stretch>
-            <a:fillRect/>
-          </a:stretch>
-        </p:blipFill>
-        <p:spPr>
-          <a:xfrm>
-            <a:off x="-11637" y="9143199"/>
-            <a:ext cx="18302812" cy="1146976"/>
-          </a:xfrm>
-          <a:prstGeom prst="rect">
-            <a:avLst/>
-          </a:prstGeom>
-        </p:spPr>
-      </p:pic>
-      <p:sp>
-        <p:nvSpPr>
-          <p:cNvPr id="6" name="Oval 5"/>
-          <p:cNvSpPr/>
-          <p:nvPr/>
-        </p:nvSpPr>
-        <p:spPr>
-          <a:xfrm>
-            <a:off x="7885447" y="2912839"/>
-            <a:ext cx="2520280" cy="2520280"/>
-          </a:xfrm>
-          <a:prstGeom prst="ellipse">
-            <a:avLst/>
-          </a:prstGeom>
-          <a:solidFill>
-            <a:srgbClr val="565D6F"/>
-          </a:solidFill>
-          <a:ln>
-            <a:noFill/>
-          </a:ln>
-        </p:spPr>
-        <p:style>
-          <a:lnRef idx="2">
-            <a:schemeClr val="accent1">
-              <a:shade val="50000"/>
-            </a:schemeClr>
-          </a:lnRef>
-          <a:fillRef idx="1">
-            <a:schemeClr val="accent1"/>
-          </a:fillRef>
-          <a:effectRef idx="0">
-            <a:schemeClr val="accent1"/>
-          </a:effectRef>
-          <a:fontRef idx="minor">
-            <a:schemeClr val="lt1"/>
-          </a:fontRef>
-        </p:style>
-        <p:txBody>
-          <a:bodyPr rtlCol="0" anchor="ctr"/>
-          <a:lstStyle/>
-          <a:p>
-            <a:pPr algn="ctr"/>
-            <a:endParaRPr lang="tr-TR"/>
-          </a:p>
-        </p:txBody>
-      </p:sp>
-      <p:sp>
-        <p:nvSpPr>
-          <p:cNvPr id="10" name="TextBox 9"/>
-          <p:cNvSpPr txBox="1"/>
-          <p:nvPr/>
-        </p:nvSpPr>
-        <p:spPr>
-          <a:xfrm>
-            <a:off x="5105622" y="5793159"/>
-            <a:ext cx="8068294" cy="861774"/>
-          </a:xfrm>
-          <a:prstGeom prst="rect">
-            <a:avLst/>
-          </a:prstGeom>
-          <a:noFill/>
-        </p:spPr>
-        <p:txBody>
-          <a:bodyPr wrap="square" rtlCol="0">
-            <a:spAutoFit/>
-          </a:bodyPr>
-          <a:lstStyle/>
-          <a:p>
-            <a:pPr algn="ctr"/>
-            <a:r>
-              <a:rPr lang="fr-FR" sz="5000" b="1" dirty="0" smtClean="0">
-                <a:solidFill>
-                  <a:schemeClr val="tx1">
-                    <a:lumMod val="65000"/>
-                    <a:lumOff val="35000"/>
-                  </a:schemeClr>
-                </a:solidFill>
-                <a:latin typeface="Caviar Dreams" pitchFamily="34" charset="-94"/>
-                <a:ea typeface="Open Sans" pitchFamily="34" charset="0"/>
-                <a:cs typeface="Open Sans" pitchFamily="34" charset="0"/>
-              </a:rPr>
-              <a:t>Conclusion</a:t>
-            </a:r>
-            <a:endParaRPr lang="tr-TR" sz="5000" b="1" dirty="0">
-              <a:solidFill>
-                <a:schemeClr val="tx1">
-                  <a:lumMod val="65000"/>
-                  <a:lumOff val="35000"/>
-                </a:schemeClr>
-              </a:solidFill>
-              <a:latin typeface="Caviar Dreams" pitchFamily="34" charset="-94"/>
-              <a:ea typeface="Open Sans" pitchFamily="34" charset="0"/>
-              <a:cs typeface="Open Sans" pitchFamily="34" charset="0"/>
-            </a:endParaRPr>
-          </a:p>
-        </p:txBody>
-      </p:sp>
-      <p:sp>
-        <p:nvSpPr>
-          <p:cNvPr id="15" name="Oval 14"/>
-          <p:cNvSpPr/>
-          <p:nvPr/>
-        </p:nvSpPr>
-        <p:spPr>
-          <a:xfrm>
-            <a:off x="8816986" y="9449582"/>
-            <a:ext cx="654224" cy="648817"/>
-          </a:xfrm>
-          <a:prstGeom prst="ellipse">
-            <a:avLst/>
-          </a:prstGeom>
-          <a:solidFill>
-            <a:schemeClr val="bg1"/>
-          </a:solidFill>
-          <a:ln>
-            <a:noFill/>
-          </a:ln>
-        </p:spPr>
-        <p:style>
-          <a:lnRef idx="2">
-            <a:schemeClr val="accent1">
-              <a:shade val="50000"/>
-            </a:schemeClr>
-          </a:lnRef>
-          <a:fillRef idx="1">
-            <a:schemeClr val="accent1"/>
-          </a:fillRef>
-          <a:effectRef idx="0">
-            <a:schemeClr val="accent1"/>
-          </a:effectRef>
-          <a:fontRef idx="minor">
-            <a:schemeClr val="lt1"/>
-          </a:fontRef>
-        </p:style>
-        <p:txBody>
-          <a:bodyPr rtlCol="0" anchor="ctr"/>
-          <a:lstStyle/>
-          <a:p>
-            <a:pPr algn="ctr"/>
-            <a:endParaRPr lang="tr-TR"/>
-          </a:p>
-        </p:txBody>
-      </p:sp>
-      <p:sp>
-        <p:nvSpPr>
-          <p:cNvPr id="16" name="TextBox 15"/>
-          <p:cNvSpPr txBox="1"/>
-          <p:nvPr/>
-        </p:nvSpPr>
-        <p:spPr>
-          <a:xfrm>
-            <a:off x="8880355" y="9464822"/>
-            <a:ext cx="504056" cy="1107996"/>
-          </a:xfrm>
-          <a:prstGeom prst="rect">
-            <a:avLst/>
-          </a:prstGeom>
-          <a:noFill/>
-        </p:spPr>
-        <p:txBody>
-          <a:bodyPr wrap="square" rtlCol="0">
-            <a:spAutoFit/>
-          </a:bodyPr>
-          <a:lstStyle/>
-          <a:p>
-            <a:pPr algn="ctr"/>
-            <a:r>
-              <a:rPr lang="fr-FR" sz="3300" b="1" dirty="0">
-                <a:solidFill>
-                  <a:srgbClr val="565D6F"/>
-                </a:solidFill>
-                <a:latin typeface="Caviar Dreams" pitchFamily="34" charset="-94"/>
-                <a:ea typeface="Open Sans" pitchFamily="34" charset="0"/>
-                <a:cs typeface="Open Sans" pitchFamily="34" charset="0"/>
-              </a:rPr>
-              <a:t>R</a:t>
-            </a:r>
-            <a:endParaRPr lang="tr-TR" sz="3300" b="1" dirty="0">
-              <a:solidFill>
-                <a:srgbClr val="565D6F"/>
-              </a:solidFill>
-              <a:latin typeface="Caviar Dreams" pitchFamily="34" charset="-94"/>
-              <a:ea typeface="Open Sans" pitchFamily="34" charset="0"/>
-              <a:cs typeface="Open Sans" pitchFamily="34" charset="0"/>
-            </a:endParaRPr>
-          </a:p>
-          <a:p>
-            <a:pPr algn="ctr"/>
-            <a:endParaRPr lang="tr-TR" sz="3300" b="1" dirty="0">
-              <a:solidFill>
-                <a:srgbClr val="009CD6"/>
-              </a:solidFill>
-              <a:latin typeface="Caviar Dreams" pitchFamily="34" charset="-94"/>
-              <a:ea typeface="Open Sans" pitchFamily="34" charset="0"/>
-              <a:cs typeface="Open Sans" pitchFamily="34" charset="0"/>
-            </a:endParaRPr>
-          </a:p>
-        </p:txBody>
-      </p:sp>
-      <p:pic>
-        <p:nvPicPr>
-          <p:cNvPr id="3" name="Image 2"/>
-          <p:cNvPicPr>
-            <a:picLocks noChangeAspect="1"/>
-          </p:cNvPicPr>
-          <p:nvPr/>
-        </p:nvPicPr>
-        <p:blipFill>
-          <a:blip r:embed="rId4">
-            <a:lum bright="70000" contrast="-70000"/>
-            <a:extLst>
-              <a:ext uri="{28A0092B-C50C-407E-A947-70E740481C1C}">
-                <a14:useLocalDpi xmlns:a14="http://schemas.microsoft.com/office/drawing/2010/main" val="0"/>
-              </a:ext>
-            </a:extLst>
-          </a:blip>
-          <a:stretch>
-            <a:fillRect/>
-          </a:stretch>
-        </p:blipFill>
-        <p:spPr>
-          <a:xfrm>
-            <a:off x="8035109" y="3431462"/>
-            <a:ext cx="2194547" cy="1483034"/>
-          </a:xfrm>
-          <a:prstGeom prst="rect">
-            <a:avLst/>
-          </a:prstGeom>
-        </p:spPr>
-      </p:pic>
-    </p:spTree>
-    <p:extLst>
-      <p:ext uri="{BB962C8B-B14F-4D97-AF65-F5344CB8AC3E}">
-        <p14:creationId xmlns:p14="http://schemas.microsoft.com/office/powerpoint/2010/main" val="3408432336"/>
-      </p:ext>
-    </p:extLst>
-  </p:cSld>
-  <p:clrMapOvr>
-    <a:masterClrMapping/>
-  </p:clrMapOvr>
-  <mc:AlternateContent xmlns:mc="http://schemas.openxmlformats.org/markup-compatibility/2006" xmlns:p14="http://schemas.microsoft.com/office/powerpoint/2010/main">
-    <mc:Choice Requires="p14">
-      <p:transition spd="med" p14:dur="700">
-        <p:fade/>
-      </p:transition>
-    </mc:Choice>
-    <mc:Fallback xmlns="">
-      <p:transition spd="med">
-        <p:fade/>
-      </p:transition>
-    </mc:Fallback>
-  </mc:AlternateContent>
-  <p:timing>
-    <p:tnLst>
-      <p:par>
-        <p:cTn id="1" dur="indefinite" restart="never" nodeType="tmRoot">
-          <p:childTnLst>
-            <p:seq concurrent="1" nextAc="seek">
-              <p:cTn id="2" dur="indefinite" nodeType="mainSeq">
-                <p:childTnLst>
-                  <p:par>
-                    <p:cTn id="3" fill="hold">
-                      <p:stCondLst>
-                        <p:cond delay="indefinite"/>
-                        <p:cond evt="onBegin" delay="0">
-                          <p:tn val="2"/>
-                        </p:cond>
-                      </p:stCondLst>
-                      <p:childTnLst>
-                        <p:par>
-                          <p:cTn id="4" fill="hold">
-                            <p:stCondLst>
-                              <p:cond delay="0"/>
-                            </p:stCondLst>
-                            <p:childTnLst>
-                              <p:par>
-                                <p:cTn id="5" presetID="10" presetClass="entr" presetSubtype="0" fill="hold" grpId="0" nodeType="withEffect">
-                                  <p:stCondLst>
-                                    <p:cond delay="0"/>
-                                  </p:stCondLst>
-                                  <p:childTnLst>
-                                    <p:set>
-                                      <p:cBhvr>
-                                        <p:cTn id="6" dur="1" fill="hold">
-                                          <p:stCondLst>
-                                            <p:cond delay="0"/>
-                                          </p:stCondLst>
-                                        </p:cTn>
-                                        <p:tgtEl>
-                                          <p:spTgt spid="6"/>
-                                        </p:tgtEl>
-                                        <p:attrNameLst>
-                                          <p:attrName>style.visibility</p:attrName>
-                                        </p:attrNameLst>
-                                      </p:cBhvr>
-                                      <p:to>
-                                        <p:strVal val="visible"/>
-                                      </p:to>
-                                    </p:set>
-                                    <p:animEffect transition="in" filter="fade">
-                                      <p:cBhvr>
-                                        <p:cTn id="7" dur="500"/>
-                                        <p:tgtEl>
-                                          <p:spTgt spid="6"/>
-                                        </p:tgtEl>
-                                      </p:cBhvr>
-                                    </p:animEffect>
-                                  </p:childTnLst>
-                                </p:cTn>
-                              </p:par>
-                              <p:par>
-                                <p:cTn id="8" presetID="10" presetClass="entr" presetSubtype="0" fill="hold" grpId="0" nodeType="withEffect">
-                                  <p:stCondLst>
-                                    <p:cond delay="0"/>
-                                  </p:stCondLst>
-                                  <p:childTnLst>
-                                    <p:set>
-                                      <p:cBhvr>
-                                        <p:cTn id="9" dur="1" fill="hold">
-                                          <p:stCondLst>
-                                            <p:cond delay="0"/>
-                                          </p:stCondLst>
-                                        </p:cTn>
-                                        <p:tgtEl>
-                                          <p:spTgt spid="10"/>
-                                        </p:tgtEl>
-                                        <p:attrNameLst>
-                                          <p:attrName>style.visibility</p:attrName>
-                                        </p:attrNameLst>
-                                      </p:cBhvr>
-                                      <p:to>
-                                        <p:strVal val="visible"/>
-                                      </p:to>
-                                    </p:set>
-                                    <p:animEffect transition="in" filter="fade">
-                                      <p:cBhvr>
-                                        <p:cTn id="10" dur="500"/>
-                                        <p:tgtEl>
-                                          <p:spTgt spid="10"/>
                                         </p:tgtEl>
                                       </p:cBhvr>
                                     </p:animEffect>
@@ -25022,19 +25117,7 @@
                 </a:solidFill>
                 <a:latin typeface="Bebas Neue" panose="020B0606020202050201" pitchFamily="34" charset="0"/>
               </a:rPr>
-              <a:t>résentation </a:t>
-            </a:r>
-            <a:r>
-              <a:rPr lang="fr-FR" sz="4800" dirty="0" smtClean="0">
-                <a:solidFill>
-                  <a:schemeClr val="tx1">
-                    <a:lumMod val="65000"/>
-                    <a:lumOff val="35000"/>
-                  </a:schemeClr>
-                </a:solidFill>
-                <a:latin typeface="Bebas Neue" panose="020B0606020202050201" pitchFamily="34" charset="0"/>
-              </a:rPr>
-              <a:t>de Rsmart</a:t>
+              <a:t>résentation de Rsmart</a:t>
             </a:r>
           </a:p>
           <a:p>
@@ -25196,29 +25279,8 @@
                 </a:solidFill>
                 <a:latin typeface="Bebas Neue" panose="020B0606020202050201" pitchFamily="34" charset="0"/>
               </a:rPr>
-              <a:t>onctionnement du </a:t>
+              <a:t>onctionnement du robot</a:t>
             </a:r>
-            <a:r>
-              <a:rPr lang="fr-FR" sz="4800" dirty="0" smtClean="0">
-                <a:solidFill>
-                  <a:schemeClr val="tx1">
-                    <a:lumMod val="65000"/>
-                    <a:lumOff val="35000"/>
-                  </a:schemeClr>
-                </a:solidFill>
-                <a:latin typeface="Bebas Neue" panose="020B0606020202050201" pitchFamily="34" charset="0"/>
-              </a:rPr>
-              <a:t>robot</a:t>
-            </a:r>
-            <a:endParaRPr lang="fr-FR" sz="4800" dirty="0" smtClean="0">
-              <a:solidFill>
-                <a:schemeClr val="tx1">
-                  <a:lumMod val="65000"/>
-                  <a:lumOff val="35000"/>
-                </a:schemeClr>
-              </a:solidFill>
-              <a:latin typeface="Bebas Neue" panose="020B0606020202050201" pitchFamily="34" charset="0"/>
-            </a:endParaRPr>
           </a:p>
           <a:p>
             <a:pPr marL="457200" indent="-457200">
@@ -25623,6 +25685,440 @@
       </p:grpSpPr>
       <p:pic>
         <p:nvPicPr>
+          <p:cNvPr id="7" name="Picture 6"/>
+          <p:cNvPicPr>
+            <a:picLocks noChangeAspect="1"/>
+          </p:cNvPicPr>
+          <p:nvPr/>
+        </p:nvPicPr>
+        <p:blipFill>
+          <a:blip r:embed="rId3" cstate="print">
+            <a:duotone>
+              <a:prstClr val="black"/>
+              <a:schemeClr val="tx2">
+                <a:tint val="45000"/>
+                <a:satMod val="400000"/>
+              </a:schemeClr>
+            </a:duotone>
+            <a:extLst>
+              <a:ext uri="{28A0092B-C50C-407E-A947-70E740481C1C}">
+                <a14:useLocalDpi xmlns:a14="http://schemas.microsoft.com/office/drawing/2010/main" val="0"/>
+              </a:ext>
+            </a:extLst>
+          </a:blip>
+          <a:stretch>
+            <a:fillRect/>
+          </a:stretch>
+        </p:blipFill>
+        <p:spPr>
+          <a:xfrm>
+            <a:off x="-11637" y="9143199"/>
+            <a:ext cx="18302812" cy="1146976"/>
+          </a:xfrm>
+          <a:prstGeom prst="rect">
+            <a:avLst/>
+          </a:prstGeom>
+        </p:spPr>
+      </p:pic>
+      <p:sp>
+        <p:nvSpPr>
+          <p:cNvPr id="6" name="Oval 5"/>
+          <p:cNvSpPr/>
+          <p:nvPr/>
+        </p:nvSpPr>
+        <p:spPr>
+          <a:xfrm>
+            <a:off x="7885447" y="2912839"/>
+            <a:ext cx="2520280" cy="2520280"/>
+          </a:xfrm>
+          <a:prstGeom prst="ellipse">
+            <a:avLst/>
+          </a:prstGeom>
+          <a:solidFill>
+            <a:srgbClr val="565D6F"/>
+          </a:solidFill>
+          <a:ln>
+            <a:noFill/>
+          </a:ln>
+        </p:spPr>
+        <p:style>
+          <a:lnRef idx="2">
+            <a:schemeClr val="accent1">
+              <a:shade val="50000"/>
+            </a:schemeClr>
+          </a:lnRef>
+          <a:fillRef idx="1">
+            <a:schemeClr val="accent1"/>
+          </a:fillRef>
+          <a:effectRef idx="0">
+            <a:schemeClr val="accent1"/>
+          </a:effectRef>
+          <a:fontRef idx="minor">
+            <a:schemeClr val="lt1"/>
+          </a:fontRef>
+        </p:style>
+        <p:txBody>
+          <a:bodyPr rtlCol="0" anchor="ctr"/>
+          <a:lstStyle/>
+          <a:p>
+            <a:pPr algn="ctr"/>
+            <a:endParaRPr lang="tr-TR"/>
+          </a:p>
+        </p:txBody>
+      </p:sp>
+      <p:sp>
+        <p:nvSpPr>
+          <p:cNvPr id="10" name="TextBox 9"/>
+          <p:cNvSpPr txBox="1"/>
+          <p:nvPr/>
+        </p:nvSpPr>
+        <p:spPr>
+          <a:xfrm>
+            <a:off x="5105622" y="5793159"/>
+            <a:ext cx="8068294" cy="861774"/>
+          </a:xfrm>
+          <a:prstGeom prst="rect">
+            <a:avLst/>
+          </a:prstGeom>
+          <a:noFill/>
+        </p:spPr>
+        <p:txBody>
+          <a:bodyPr wrap="square" rtlCol="0">
+            <a:spAutoFit/>
+          </a:bodyPr>
+          <a:lstStyle/>
+          <a:p>
+            <a:pPr algn="ctr"/>
+            <a:r>
+              <a:rPr lang="fr-FR" sz="5000" b="1" dirty="0" smtClean="0">
+                <a:solidFill>
+                  <a:schemeClr val="tx1">
+                    <a:lumMod val="65000"/>
+                    <a:lumOff val="35000"/>
+                  </a:schemeClr>
+                </a:solidFill>
+                <a:latin typeface="Caviar Dreams" pitchFamily="34" charset="-94"/>
+                <a:ea typeface="Open Sans" pitchFamily="34" charset="0"/>
+                <a:cs typeface="Open Sans" pitchFamily="34" charset="0"/>
+              </a:rPr>
+              <a:t>Conclusion</a:t>
+            </a:r>
+            <a:endParaRPr lang="tr-TR" sz="5000" b="1" dirty="0">
+              <a:solidFill>
+                <a:schemeClr val="tx1">
+                  <a:lumMod val="65000"/>
+                  <a:lumOff val="35000"/>
+                </a:schemeClr>
+              </a:solidFill>
+              <a:latin typeface="Caviar Dreams" pitchFamily="34" charset="-94"/>
+              <a:ea typeface="Open Sans" pitchFamily="34" charset="0"/>
+              <a:cs typeface="Open Sans" pitchFamily="34" charset="0"/>
+            </a:endParaRPr>
+          </a:p>
+        </p:txBody>
+      </p:sp>
+      <p:sp>
+        <p:nvSpPr>
+          <p:cNvPr id="15" name="Oval 14"/>
+          <p:cNvSpPr/>
+          <p:nvPr/>
+        </p:nvSpPr>
+        <p:spPr>
+          <a:xfrm>
+            <a:off x="8816986" y="9449582"/>
+            <a:ext cx="654224" cy="648817"/>
+          </a:xfrm>
+          <a:prstGeom prst="ellipse">
+            <a:avLst/>
+          </a:prstGeom>
+          <a:solidFill>
+            <a:schemeClr val="bg1"/>
+          </a:solidFill>
+          <a:ln>
+            <a:noFill/>
+          </a:ln>
+        </p:spPr>
+        <p:style>
+          <a:lnRef idx="2">
+            <a:schemeClr val="accent1">
+              <a:shade val="50000"/>
+            </a:schemeClr>
+          </a:lnRef>
+          <a:fillRef idx="1">
+            <a:schemeClr val="accent1"/>
+          </a:fillRef>
+          <a:effectRef idx="0">
+            <a:schemeClr val="accent1"/>
+          </a:effectRef>
+          <a:fontRef idx="minor">
+            <a:schemeClr val="lt1"/>
+          </a:fontRef>
+        </p:style>
+        <p:txBody>
+          <a:bodyPr rtlCol="0" anchor="ctr"/>
+          <a:lstStyle/>
+          <a:p>
+            <a:pPr algn="ctr"/>
+            <a:endParaRPr lang="tr-TR"/>
+          </a:p>
+        </p:txBody>
+      </p:sp>
+      <p:sp>
+        <p:nvSpPr>
+          <p:cNvPr id="16" name="TextBox 15"/>
+          <p:cNvSpPr txBox="1"/>
+          <p:nvPr/>
+        </p:nvSpPr>
+        <p:spPr>
+          <a:xfrm>
+            <a:off x="8880355" y="9464822"/>
+            <a:ext cx="504056" cy="1107996"/>
+          </a:xfrm>
+          <a:prstGeom prst="rect">
+            <a:avLst/>
+          </a:prstGeom>
+          <a:noFill/>
+        </p:spPr>
+        <p:txBody>
+          <a:bodyPr wrap="square" rtlCol="0">
+            <a:spAutoFit/>
+          </a:bodyPr>
+          <a:lstStyle/>
+          <a:p>
+            <a:pPr algn="ctr"/>
+            <a:r>
+              <a:rPr lang="fr-FR" sz="3300" b="1" dirty="0">
+                <a:solidFill>
+                  <a:srgbClr val="565D6F"/>
+                </a:solidFill>
+                <a:latin typeface="Caviar Dreams" pitchFamily="34" charset="-94"/>
+                <a:ea typeface="Open Sans" pitchFamily="34" charset="0"/>
+                <a:cs typeface="Open Sans" pitchFamily="34" charset="0"/>
+              </a:rPr>
+              <a:t>R</a:t>
+            </a:r>
+            <a:endParaRPr lang="tr-TR" sz="3300" b="1" dirty="0">
+              <a:solidFill>
+                <a:srgbClr val="565D6F"/>
+              </a:solidFill>
+              <a:latin typeface="Caviar Dreams" pitchFamily="34" charset="-94"/>
+              <a:ea typeface="Open Sans" pitchFamily="34" charset="0"/>
+              <a:cs typeface="Open Sans" pitchFamily="34" charset="0"/>
+            </a:endParaRPr>
+          </a:p>
+          <a:p>
+            <a:pPr algn="ctr"/>
+            <a:endParaRPr lang="tr-TR" sz="3300" b="1" dirty="0">
+              <a:solidFill>
+                <a:srgbClr val="009CD6"/>
+              </a:solidFill>
+              <a:latin typeface="Caviar Dreams" pitchFamily="34" charset="-94"/>
+              <a:ea typeface="Open Sans" pitchFamily="34" charset="0"/>
+              <a:cs typeface="Open Sans" pitchFamily="34" charset="0"/>
+            </a:endParaRPr>
+          </a:p>
+        </p:txBody>
+      </p:sp>
+      <p:pic>
+        <p:nvPicPr>
+          <p:cNvPr id="3" name="Image 2"/>
+          <p:cNvPicPr>
+            <a:picLocks noChangeAspect="1"/>
+          </p:cNvPicPr>
+          <p:nvPr/>
+        </p:nvPicPr>
+        <p:blipFill>
+          <a:blip r:embed="rId4">
+            <a:lum bright="70000" contrast="-70000"/>
+            <a:extLst>
+              <a:ext uri="{28A0092B-C50C-407E-A947-70E740481C1C}">
+                <a14:useLocalDpi xmlns:a14="http://schemas.microsoft.com/office/drawing/2010/main" val="0"/>
+              </a:ext>
+            </a:extLst>
+          </a:blip>
+          <a:stretch>
+            <a:fillRect/>
+          </a:stretch>
+        </p:blipFill>
+        <p:spPr>
+          <a:xfrm>
+            <a:off x="8035109" y="3431462"/>
+            <a:ext cx="2194547" cy="1483034"/>
+          </a:xfrm>
+          <a:prstGeom prst="rect">
+            <a:avLst/>
+          </a:prstGeom>
+        </p:spPr>
+      </p:pic>
+    </p:spTree>
+    <p:extLst>
+      <p:ext uri="{BB962C8B-B14F-4D97-AF65-F5344CB8AC3E}">
+        <p14:creationId xmlns:p14="http://schemas.microsoft.com/office/powerpoint/2010/main" val="3408432336"/>
+      </p:ext>
+    </p:extLst>
+  </p:cSld>
+  <p:clrMapOvr>
+    <a:masterClrMapping/>
+  </p:clrMapOvr>
+  <mc:AlternateContent xmlns:mc="http://schemas.openxmlformats.org/markup-compatibility/2006" xmlns:p14="http://schemas.microsoft.com/office/powerpoint/2010/main">
+    <mc:Choice Requires="p14">
+      <p:transition spd="med" p14:dur="700">
+        <p:fade/>
+      </p:transition>
+    </mc:Choice>
+    <mc:Fallback xmlns="">
+      <p:transition spd="med">
+        <p:fade/>
+      </p:transition>
+    </mc:Fallback>
+  </mc:AlternateContent>
+  <p:timing>
+    <p:tnLst>
+      <p:par>
+        <p:cTn id="1" dur="indefinite" restart="never" nodeType="tmRoot">
+          <p:childTnLst>
+            <p:seq concurrent="1" nextAc="seek">
+              <p:cTn id="2" dur="indefinite" nodeType="mainSeq">
+                <p:childTnLst>
+                  <p:par>
+                    <p:cTn id="3" fill="hold">
+                      <p:stCondLst>
+                        <p:cond delay="indefinite"/>
+                        <p:cond evt="onBegin" delay="0">
+                          <p:tn val="2"/>
+                        </p:cond>
+                      </p:stCondLst>
+                      <p:childTnLst>
+                        <p:par>
+                          <p:cTn id="4" fill="hold">
+                            <p:stCondLst>
+                              <p:cond delay="0"/>
+                            </p:stCondLst>
+                            <p:childTnLst>
+                              <p:par>
+                                <p:cTn id="5" presetID="10" presetClass="entr" presetSubtype="0" fill="hold" grpId="0" nodeType="withEffect">
+                                  <p:stCondLst>
+                                    <p:cond delay="0"/>
+                                  </p:stCondLst>
+                                  <p:childTnLst>
+                                    <p:set>
+                                      <p:cBhvr>
+                                        <p:cTn id="6" dur="1" fill="hold">
+                                          <p:stCondLst>
+                                            <p:cond delay="0"/>
+                                          </p:stCondLst>
+                                        </p:cTn>
+                                        <p:tgtEl>
+                                          <p:spTgt spid="6"/>
+                                        </p:tgtEl>
+                                        <p:attrNameLst>
+                                          <p:attrName>style.visibility</p:attrName>
+                                        </p:attrNameLst>
+                                      </p:cBhvr>
+                                      <p:to>
+                                        <p:strVal val="visible"/>
+                                      </p:to>
+                                    </p:set>
+                                    <p:animEffect transition="in" filter="fade">
+                                      <p:cBhvr>
+                                        <p:cTn id="7" dur="500"/>
+                                        <p:tgtEl>
+                                          <p:spTgt spid="6"/>
+                                        </p:tgtEl>
+                                      </p:cBhvr>
+                                    </p:animEffect>
+                                  </p:childTnLst>
+                                </p:cTn>
+                              </p:par>
+                              <p:par>
+                                <p:cTn id="8" presetID="10" presetClass="entr" presetSubtype="0" fill="hold" grpId="0" nodeType="withEffect">
+                                  <p:stCondLst>
+                                    <p:cond delay="0"/>
+                                  </p:stCondLst>
+                                  <p:childTnLst>
+                                    <p:set>
+                                      <p:cBhvr>
+                                        <p:cTn id="9" dur="1" fill="hold">
+                                          <p:stCondLst>
+                                            <p:cond delay="0"/>
+                                          </p:stCondLst>
+                                        </p:cTn>
+                                        <p:tgtEl>
+                                          <p:spTgt spid="10"/>
+                                        </p:tgtEl>
+                                        <p:attrNameLst>
+                                          <p:attrName>style.visibility</p:attrName>
+                                        </p:attrNameLst>
+                                      </p:cBhvr>
+                                      <p:to>
+                                        <p:strVal val="visible"/>
+                                      </p:to>
+                                    </p:set>
+                                    <p:animEffect transition="in" filter="fade">
+                                      <p:cBhvr>
+                                        <p:cTn id="10" dur="500"/>
+                                        <p:tgtEl>
+                                          <p:spTgt spid="10"/>
+                                        </p:tgtEl>
+                                      </p:cBhvr>
+                                    </p:animEffect>
+                                  </p:childTnLst>
+                                </p:cTn>
+                              </p:par>
+                            </p:childTnLst>
+                          </p:cTn>
+                        </p:par>
+                      </p:childTnLst>
+                    </p:cTn>
+                  </p:par>
+                </p:childTnLst>
+              </p:cTn>
+              <p:prevCondLst>
+                <p:cond evt="onPrev" delay="0">
+                  <p:tgtEl>
+                    <p:sldTgt/>
+                  </p:tgtEl>
+                </p:cond>
+              </p:prevCondLst>
+              <p:nextCondLst>
+                <p:cond evt="onNext" delay="0">
+                  <p:tgtEl>
+                    <p:sldTgt/>
+                  </p:tgtEl>
+                </p:cond>
+              </p:nextCondLst>
+            </p:seq>
+          </p:childTnLst>
+        </p:cTn>
+      </p:par>
+    </p:tnLst>
+    <p:bldLst>
+      <p:bldP spid="6" grpId="0" animBg="1"/>
+      <p:bldP spid="10" grpId="0"/>
+    </p:bldLst>
+  </p:timing>
+</p:sld>
+</file>
+
+<file path=ppt/slides/slide31.xml><?xml version="1.0" encoding="utf-8"?>
+<p:sld xmlns:a="http://schemas.openxmlformats.org/drawingml/2006/main" xmlns:r="http://schemas.openxmlformats.org/officeDocument/2006/relationships" xmlns:p="http://schemas.openxmlformats.org/presentationml/2006/main">
+  <p:cSld>
+    <p:spTree>
+      <p:nvGrpSpPr>
+        <p:cNvPr id="1" name=""/>
+        <p:cNvGrpSpPr/>
+        <p:nvPr/>
+      </p:nvGrpSpPr>
+      <p:grpSpPr>
+        <a:xfrm>
+          <a:off x="0" y="0"/>
+          <a:ext cx="0" cy="0"/>
+          <a:chOff x="0" y="0"/>
+          <a:chExt cx="0" cy="0"/>
+        </a:xfrm>
+      </p:grpSpPr>
+      <p:pic>
+        <p:nvPicPr>
           <p:cNvPr id="37" name="Picture 36"/>
           <p:cNvPicPr>
             <a:picLocks noChangeAspect="1"/>
@@ -26598,13 +27094,13 @@
   <p:clrMapOvr>
     <a:masterClrMapping/>
   </p:clrMapOvr>
-  <mc:AlternateContent xmlns:mc="http://schemas.openxmlformats.org/markup-compatibility/2006">
-    <mc:Choice xmlns:p14="http://schemas.microsoft.com/office/powerpoint/2010/main" Requires="p14">
+  <mc:AlternateContent xmlns:mc="http://schemas.openxmlformats.org/markup-compatibility/2006" xmlns:p14="http://schemas.microsoft.com/office/powerpoint/2010/main">
+    <mc:Choice Requires="p14">
       <p:transition spd="med" p14:dur="700">
         <p:fade/>
       </p:transition>
     </mc:Choice>
-    <mc:Fallback>
+    <mc:Fallback xmlns="">
       <p:transition spd="med">
         <p:fade/>
       </p:transition>
@@ -27107,7 +27603,7 @@
 </p:sld>
 </file>
 
-<file path=ppt/slides/slide31.xml><?xml version="1.0" encoding="utf-8"?>
+<file path=ppt/slides/slide32.xml><?xml version="1.0" encoding="utf-8"?>
 <p:sld xmlns:a="http://schemas.openxmlformats.org/drawingml/2006/main" xmlns:r="http://schemas.openxmlformats.org/officeDocument/2006/relationships" xmlns:p="http://schemas.openxmlformats.org/presentationml/2006/main">
   <p:cSld>
     <p:spTree>
@@ -29044,7 +29540,7 @@
 </p:sld>
 </file>
 
-<file path=ppt/slides/slide32.xml><?xml version="1.0" encoding="utf-8"?>
+<file path=ppt/slides/slide33.xml><?xml version="1.0" encoding="utf-8"?>
 <p:sld xmlns:a="http://schemas.openxmlformats.org/drawingml/2006/main" xmlns:r="http://schemas.openxmlformats.org/officeDocument/2006/relationships" xmlns:p="http://schemas.openxmlformats.org/presentationml/2006/main">
   <p:cSld>
     <p:spTree>
@@ -36387,31 +36883,7 @@
                 </a:solidFill>
                 <a:latin typeface="Caviar Dreams" pitchFamily="34" charset="-94"/>
               </a:rPr>
-              <a:t>Pouvoir lui faire </a:t>
-            </a:r>
-            <a:r>
-              <a:rPr lang="fr-FR" sz="2200" b="1" dirty="0" smtClean="0">
-                <a:solidFill>
-                  <a:schemeClr val="tx1">
-                    <a:lumMod val="65000"/>
-                    <a:lumOff val="35000"/>
-                  </a:schemeClr>
-                </a:solidFill>
-                <a:latin typeface="Caviar Dreams" pitchFamily="34" charset="-94"/>
-              </a:rPr>
-              <a:t>exécuter rapidement </a:t>
-            </a:r>
-            <a:r>
-              <a:rPr lang="fr-FR" sz="2200" b="1" dirty="0" smtClean="0">
-                <a:solidFill>
-                  <a:schemeClr val="tx1">
-                    <a:lumMod val="65000"/>
-                    <a:lumOff val="35000"/>
-                  </a:schemeClr>
-                </a:solidFill>
-                <a:latin typeface="Caviar Dreams" pitchFamily="34" charset="-94"/>
-              </a:rPr>
-              <a:t>des tâches à distance depuis n’importe quel appareil</a:t>
+              <a:t>Pouvoir lui faire exécuter rapidement des tâches à distance depuis n’importe quel appareil</a:t>
             </a:r>
             <a:endParaRPr lang="tr-TR" sz="2200" b="1" dirty="0">
               <a:solidFill>

--- a/Docs/Forum PI/RSmart presentation forum PI .pptx
+++ b/Docs/Forum PI/RSmart presentation forum PI .pptx
@@ -24,22 +24,22 @@
     <p:sldId id="297" r:id="rId12"/>
     <p:sldId id="292" r:id="rId13"/>
     <p:sldId id="264" r:id="rId14"/>
-    <p:sldId id="287" r:id="rId15"/>
-    <p:sldId id="289" r:id="rId16"/>
-    <p:sldId id="288" r:id="rId17"/>
-    <p:sldId id="295" r:id="rId18"/>
-    <p:sldId id="291" r:id="rId19"/>
-    <p:sldId id="293" r:id="rId20"/>
-    <p:sldId id="296" r:id="rId21"/>
-    <p:sldId id="298" r:id="rId22"/>
-    <p:sldId id="299" r:id="rId23"/>
-    <p:sldId id="301" r:id="rId24"/>
-    <p:sldId id="309" r:id="rId25"/>
-    <p:sldId id="300" r:id="rId26"/>
-    <p:sldId id="304" r:id="rId27"/>
-    <p:sldId id="302" r:id="rId28"/>
-    <p:sldId id="303" r:id="rId29"/>
-    <p:sldId id="305" r:id="rId30"/>
+    <p:sldId id="293" r:id="rId15"/>
+    <p:sldId id="296" r:id="rId16"/>
+    <p:sldId id="298" r:id="rId17"/>
+    <p:sldId id="299" r:id="rId18"/>
+    <p:sldId id="301" r:id="rId19"/>
+    <p:sldId id="309" r:id="rId20"/>
+    <p:sldId id="300" r:id="rId21"/>
+    <p:sldId id="304" r:id="rId22"/>
+    <p:sldId id="302" r:id="rId23"/>
+    <p:sldId id="303" r:id="rId24"/>
+    <p:sldId id="305" r:id="rId25"/>
+    <p:sldId id="287" r:id="rId26"/>
+    <p:sldId id="289" r:id="rId27"/>
+    <p:sldId id="288" r:id="rId28"/>
+    <p:sldId id="295" r:id="rId29"/>
+    <p:sldId id="291" r:id="rId30"/>
     <p:sldId id="307" r:id="rId31"/>
     <p:sldId id="306" r:id="rId32"/>
     <p:sldId id="262" r:id="rId33"/>
@@ -257,7 +257,7 @@
           <a:p>
             <a:fld id="{4D0CBB7A-33AF-434C-B8C5-B5F21D294CDF}" type="datetimeFigureOut">
               <a:rPr lang="tr-TR" smtClean="0"/>
-              <a:t>29.06.2015</a:t>
+              <a:t>30.6.2015</a:t>
             </a:fld>
             <a:endParaRPr lang="tr-TR"/>
           </a:p>
@@ -422,7 +422,7 @@
           <a:p>
             <a:fld id="{6C6C1039-E6FF-4F78-9751-FFD9A3AC8099}" type="datetimeFigureOut">
               <a:rPr lang="tr-TR" smtClean="0"/>
-              <a:t>29.06.2015</a:t>
+              <a:t>30.6.2015</a:t>
             </a:fld>
             <a:endParaRPr lang="tr-TR"/>
           </a:p>
@@ -1184,7 +1184,7 @@
     </p:spTree>
     <p:extLst>
       <p:ext uri="{BB962C8B-B14F-4D97-AF65-F5344CB8AC3E}">
-        <p14:creationId xmlns:p14="http://schemas.microsoft.com/office/powerpoint/2010/main" val="963007782"/>
+        <p14:creationId xmlns:p14="http://schemas.microsoft.com/office/powerpoint/2010/main" val="2501195349"/>
       </p:ext>
     </p:extLst>
   </p:cSld>
@@ -1268,7 +1268,7 @@
     </p:spTree>
     <p:extLst>
       <p:ext uri="{BB962C8B-B14F-4D97-AF65-F5344CB8AC3E}">
-        <p14:creationId xmlns:p14="http://schemas.microsoft.com/office/powerpoint/2010/main" val="1530829854"/>
+        <p14:creationId xmlns:p14="http://schemas.microsoft.com/office/powerpoint/2010/main" val="3796905255"/>
       </p:ext>
     </p:extLst>
   </p:cSld>
@@ -1352,7 +1352,7 @@
     </p:spTree>
     <p:extLst>
       <p:ext uri="{BB962C8B-B14F-4D97-AF65-F5344CB8AC3E}">
-        <p14:creationId xmlns:p14="http://schemas.microsoft.com/office/powerpoint/2010/main" val="2050384605"/>
+        <p14:creationId xmlns:p14="http://schemas.microsoft.com/office/powerpoint/2010/main" val="3969166525"/>
       </p:ext>
     </p:extLst>
   </p:cSld>
@@ -1436,7 +1436,7 @@
     </p:spTree>
     <p:extLst>
       <p:ext uri="{BB962C8B-B14F-4D97-AF65-F5344CB8AC3E}">
-        <p14:creationId xmlns:p14="http://schemas.microsoft.com/office/powerpoint/2010/main" val="2283233911"/>
+        <p14:creationId xmlns:p14="http://schemas.microsoft.com/office/powerpoint/2010/main" val="598935467"/>
       </p:ext>
     </p:extLst>
   </p:cSld>
@@ -1520,7 +1520,7 @@
     </p:spTree>
     <p:extLst>
       <p:ext uri="{BB962C8B-B14F-4D97-AF65-F5344CB8AC3E}">
-        <p14:creationId xmlns:p14="http://schemas.microsoft.com/office/powerpoint/2010/main" val="3821530345"/>
+        <p14:creationId xmlns:p14="http://schemas.microsoft.com/office/powerpoint/2010/main" val="3688157452"/>
       </p:ext>
     </p:extLst>
   </p:cSld>
@@ -1604,7 +1604,7 @@
     </p:spTree>
     <p:extLst>
       <p:ext uri="{BB962C8B-B14F-4D97-AF65-F5344CB8AC3E}">
-        <p14:creationId xmlns:p14="http://schemas.microsoft.com/office/powerpoint/2010/main" val="2501195349"/>
+        <p14:creationId xmlns:p14="http://schemas.microsoft.com/office/powerpoint/2010/main" val="603925342"/>
       </p:ext>
     </p:extLst>
   </p:cSld>
@@ -1772,7 +1772,7 @@
     </p:spTree>
     <p:extLst>
       <p:ext uri="{BB962C8B-B14F-4D97-AF65-F5344CB8AC3E}">
-        <p14:creationId xmlns:p14="http://schemas.microsoft.com/office/powerpoint/2010/main" val="3796905255"/>
+        <p14:creationId xmlns:p14="http://schemas.microsoft.com/office/powerpoint/2010/main" val="1489944666"/>
       </p:ext>
     </p:extLst>
   </p:cSld>
@@ -1856,7 +1856,7 @@
     </p:spTree>
     <p:extLst>
       <p:ext uri="{BB962C8B-B14F-4D97-AF65-F5344CB8AC3E}">
-        <p14:creationId xmlns:p14="http://schemas.microsoft.com/office/powerpoint/2010/main" val="3969166525"/>
+        <p14:creationId xmlns:p14="http://schemas.microsoft.com/office/powerpoint/2010/main" val="93483757"/>
       </p:ext>
     </p:extLst>
   </p:cSld>
@@ -1940,7 +1940,7 @@
     </p:spTree>
     <p:extLst>
       <p:ext uri="{BB962C8B-B14F-4D97-AF65-F5344CB8AC3E}">
-        <p14:creationId xmlns:p14="http://schemas.microsoft.com/office/powerpoint/2010/main" val="598935467"/>
+        <p14:creationId xmlns:p14="http://schemas.microsoft.com/office/powerpoint/2010/main" val="3873758862"/>
       </p:ext>
     </p:extLst>
   </p:cSld>
@@ -2024,7 +2024,7 @@
     </p:spTree>
     <p:extLst>
       <p:ext uri="{BB962C8B-B14F-4D97-AF65-F5344CB8AC3E}">
-        <p14:creationId xmlns:p14="http://schemas.microsoft.com/office/powerpoint/2010/main" val="3688157452"/>
+        <p14:creationId xmlns:p14="http://schemas.microsoft.com/office/powerpoint/2010/main" val="16369870"/>
       </p:ext>
     </p:extLst>
   </p:cSld>
@@ -2108,7 +2108,7 @@
     </p:spTree>
     <p:extLst>
       <p:ext uri="{BB962C8B-B14F-4D97-AF65-F5344CB8AC3E}">
-        <p14:creationId xmlns:p14="http://schemas.microsoft.com/office/powerpoint/2010/main" val="603925342"/>
+        <p14:creationId xmlns:p14="http://schemas.microsoft.com/office/powerpoint/2010/main" val="4041849902"/>
       </p:ext>
     </p:extLst>
   </p:cSld>
@@ -2192,7 +2192,7 @@
     </p:spTree>
     <p:extLst>
       <p:ext uri="{BB962C8B-B14F-4D97-AF65-F5344CB8AC3E}">
-        <p14:creationId xmlns:p14="http://schemas.microsoft.com/office/powerpoint/2010/main" val="1489944666"/>
+        <p14:creationId xmlns:p14="http://schemas.microsoft.com/office/powerpoint/2010/main" val="963007782"/>
       </p:ext>
     </p:extLst>
   </p:cSld>
@@ -2276,7 +2276,7 @@
     </p:spTree>
     <p:extLst>
       <p:ext uri="{BB962C8B-B14F-4D97-AF65-F5344CB8AC3E}">
-        <p14:creationId xmlns:p14="http://schemas.microsoft.com/office/powerpoint/2010/main" val="93483757"/>
+        <p14:creationId xmlns:p14="http://schemas.microsoft.com/office/powerpoint/2010/main" val="1530829854"/>
       </p:ext>
     </p:extLst>
   </p:cSld>
@@ -2360,7 +2360,7 @@
     </p:spTree>
     <p:extLst>
       <p:ext uri="{BB962C8B-B14F-4D97-AF65-F5344CB8AC3E}">
-        <p14:creationId xmlns:p14="http://schemas.microsoft.com/office/powerpoint/2010/main" val="3873758862"/>
+        <p14:creationId xmlns:p14="http://schemas.microsoft.com/office/powerpoint/2010/main" val="2050384605"/>
       </p:ext>
     </p:extLst>
   </p:cSld>
@@ -2444,7 +2444,7 @@
     </p:spTree>
     <p:extLst>
       <p:ext uri="{BB962C8B-B14F-4D97-AF65-F5344CB8AC3E}">
-        <p14:creationId xmlns:p14="http://schemas.microsoft.com/office/powerpoint/2010/main" val="16369870"/>
+        <p14:creationId xmlns:p14="http://schemas.microsoft.com/office/powerpoint/2010/main" val="2283233911"/>
       </p:ext>
     </p:extLst>
   </p:cSld>
@@ -2528,7 +2528,7 @@
     </p:spTree>
     <p:extLst>
       <p:ext uri="{BB962C8B-B14F-4D97-AF65-F5344CB8AC3E}">
-        <p14:creationId xmlns:p14="http://schemas.microsoft.com/office/powerpoint/2010/main" val="4041849902"/>
+        <p14:creationId xmlns:p14="http://schemas.microsoft.com/office/powerpoint/2010/main" val="3821530345"/>
       </p:ext>
     </p:extLst>
   </p:cSld>
@@ -3643,7 +3643,7 @@
           <a:p>
             <a:fld id="{DC9C75F7-98FD-4D05-8C3F-C506B544AE03}" type="datetimeFigureOut">
               <a:rPr lang="tr-TR" smtClean="0"/>
-              <a:t>29.06.2015</a:t>
+              <a:t>30.6.2015</a:t>
             </a:fld>
             <a:endParaRPr lang="tr-TR"/>
           </a:p>
@@ -3832,7 +3832,7 @@
           <a:p>
             <a:fld id="{DC9C75F7-98FD-4D05-8C3F-C506B544AE03}" type="datetimeFigureOut">
               <a:rPr lang="tr-TR" smtClean="0"/>
-              <a:t>29.06.2015</a:t>
+              <a:t>30.6.2015</a:t>
             </a:fld>
             <a:endParaRPr lang="tr-TR"/>
           </a:p>
@@ -4024,7 +4024,7 @@
           <a:p>
             <a:fld id="{DC9C75F7-98FD-4D05-8C3F-C506B544AE03}" type="datetimeFigureOut">
               <a:rPr lang="tr-TR" smtClean="0"/>
-              <a:t>29.06.2015</a:t>
+              <a:t>30.6.2015</a:t>
             </a:fld>
             <a:endParaRPr lang="tr-TR"/>
           </a:p>
@@ -4206,7 +4206,7 @@
           <a:p>
             <a:fld id="{DC9C75F7-98FD-4D05-8C3F-C506B544AE03}" type="datetimeFigureOut">
               <a:rPr lang="tr-TR" smtClean="0"/>
-              <a:t>29.06.2015</a:t>
+              <a:t>30.6.2015</a:t>
             </a:fld>
             <a:endParaRPr lang="tr-TR"/>
           </a:p>
@@ -4464,7 +4464,7 @@
           <a:p>
             <a:fld id="{DC9C75F7-98FD-4D05-8C3F-C506B544AE03}" type="datetimeFigureOut">
               <a:rPr lang="tr-TR" smtClean="0"/>
-              <a:t>29.06.2015</a:t>
+              <a:t>30.6.2015</a:t>
             </a:fld>
             <a:endParaRPr lang="tr-TR"/>
           </a:p>
@@ -4764,7 +4764,7 @@
           <a:p>
             <a:fld id="{DC9C75F7-98FD-4D05-8C3F-C506B544AE03}" type="datetimeFigureOut">
               <a:rPr lang="tr-TR" smtClean="0"/>
-              <a:t>29.06.2015</a:t>
+              <a:t>30.6.2015</a:t>
             </a:fld>
             <a:endParaRPr lang="tr-TR"/>
           </a:p>
@@ -5198,7 +5198,7 @@
           <a:p>
             <a:fld id="{DC9C75F7-98FD-4D05-8C3F-C506B544AE03}" type="datetimeFigureOut">
               <a:rPr lang="tr-TR" smtClean="0"/>
-              <a:t>29.06.2015</a:t>
+              <a:t>30.6.2015</a:t>
             </a:fld>
             <a:endParaRPr lang="tr-TR"/>
           </a:p>
@@ -5328,7 +5328,7 @@
           <a:p>
             <a:fld id="{DC9C75F7-98FD-4D05-8C3F-C506B544AE03}" type="datetimeFigureOut">
               <a:rPr lang="tr-TR" smtClean="0"/>
-              <a:t>29.06.2015</a:t>
+              <a:t>30.6.2015</a:t>
             </a:fld>
             <a:endParaRPr lang="tr-TR"/>
           </a:p>
@@ -5435,7 +5435,7 @@
           <a:p>
             <a:fld id="{DC9C75F7-98FD-4D05-8C3F-C506B544AE03}" type="datetimeFigureOut">
               <a:rPr lang="tr-TR" smtClean="0"/>
-              <a:t>29.06.2015</a:t>
+              <a:t>30.6.2015</a:t>
             </a:fld>
             <a:endParaRPr lang="tr-TR"/>
           </a:p>
@@ -5724,7 +5724,7 @@
           <a:p>
             <a:fld id="{DC9C75F7-98FD-4D05-8C3F-C506B544AE03}" type="datetimeFigureOut">
               <a:rPr lang="tr-TR" smtClean="0"/>
-              <a:t>29.06.2015</a:t>
+              <a:t>30.6.2015</a:t>
             </a:fld>
             <a:endParaRPr lang="tr-TR"/>
           </a:p>
@@ -5989,7 +5989,7 @@
           <a:p>
             <a:fld id="{DC9C75F7-98FD-4D05-8C3F-C506B544AE03}" type="datetimeFigureOut">
               <a:rPr lang="tr-TR" smtClean="0"/>
-              <a:t>29.06.2015</a:t>
+              <a:t>30.6.2015</a:t>
             </a:fld>
             <a:endParaRPr lang="tr-TR"/>
           </a:p>
@@ -6237,7 +6237,7 @@
           <a:p>
             <a:fld id="{DC9C75F7-98FD-4D05-8C3F-C506B544AE03}" type="datetimeFigureOut">
               <a:rPr lang="tr-TR" smtClean="0"/>
-              <a:t>29.06.2015</a:t>
+              <a:t>30.6.2015</a:t>
             </a:fld>
             <a:endParaRPr lang="tr-TR"/>
           </a:p>
@@ -10807,2371 +10807,6 @@
       </p:grpSpPr>
       <p:pic>
         <p:nvPicPr>
-          <p:cNvPr id="43" name="Picture 42"/>
-          <p:cNvPicPr>
-            <a:picLocks noChangeAspect="1"/>
-          </p:cNvPicPr>
-          <p:nvPr/>
-        </p:nvPicPr>
-        <p:blipFill>
-          <a:blip r:embed="rId3" cstate="print">
-            <a:duotone>
-              <a:prstClr val="black"/>
-              <a:schemeClr val="tx2">
-                <a:tint val="45000"/>
-                <a:satMod val="400000"/>
-              </a:schemeClr>
-            </a:duotone>
-            <a:extLst>
-              <a:ext uri="{28A0092B-C50C-407E-A947-70E740481C1C}">
-                <a14:useLocalDpi xmlns:a14="http://schemas.microsoft.com/office/drawing/2010/main" val="0"/>
-              </a:ext>
-            </a:extLst>
-          </a:blip>
-          <a:stretch>
-            <a:fillRect/>
-          </a:stretch>
-        </p:blipFill>
-        <p:spPr>
-          <a:xfrm>
-            <a:off x="-11637" y="9143199"/>
-            <a:ext cx="18302812" cy="1146976"/>
-          </a:xfrm>
-          <a:prstGeom prst="rect">
-            <a:avLst/>
-          </a:prstGeom>
-        </p:spPr>
-      </p:pic>
-      <p:sp>
-        <p:nvSpPr>
-          <p:cNvPr id="2" name="Rectangle 1"/>
-          <p:cNvSpPr/>
-          <p:nvPr/>
-        </p:nvSpPr>
-        <p:spPr>
-          <a:xfrm>
-            <a:off x="0" y="1040631"/>
-            <a:ext cx="5401171" cy="864096"/>
-          </a:xfrm>
-          <a:prstGeom prst="rect">
-            <a:avLst/>
-          </a:prstGeom>
-          <a:solidFill>
-            <a:srgbClr val="565D6F"/>
-          </a:solidFill>
-          <a:ln>
-            <a:noFill/>
-          </a:ln>
-        </p:spPr>
-        <p:style>
-          <a:lnRef idx="2">
-            <a:schemeClr val="accent1">
-              <a:shade val="50000"/>
-            </a:schemeClr>
-          </a:lnRef>
-          <a:fillRef idx="1">
-            <a:schemeClr val="accent1"/>
-          </a:fillRef>
-          <a:effectRef idx="0">
-            <a:schemeClr val="accent1"/>
-          </a:effectRef>
-          <a:fontRef idx="minor">
-            <a:schemeClr val="lt1"/>
-          </a:fontRef>
-        </p:style>
-        <p:txBody>
-          <a:bodyPr rtlCol="0" anchor="ctr"/>
-          <a:lstStyle/>
-          <a:p>
-            <a:pPr algn="ctr"/>
-            <a:endParaRPr lang="tr-TR"/>
-          </a:p>
-        </p:txBody>
-      </p:sp>
-      <p:sp>
-        <p:nvSpPr>
-          <p:cNvPr id="9" name="Rectangle 8"/>
-          <p:cNvSpPr/>
-          <p:nvPr/>
-        </p:nvSpPr>
-        <p:spPr>
-          <a:xfrm>
-            <a:off x="5401172" y="1040631"/>
-            <a:ext cx="180020" cy="864096"/>
-          </a:xfrm>
-          <a:prstGeom prst="rect">
-            <a:avLst/>
-          </a:prstGeom>
-          <a:solidFill>
-            <a:schemeClr val="bg1">
-              <a:lumMod val="75000"/>
-            </a:schemeClr>
-          </a:solidFill>
-          <a:ln>
-            <a:noFill/>
-          </a:ln>
-        </p:spPr>
-        <p:style>
-          <a:lnRef idx="2">
-            <a:schemeClr val="accent1">
-              <a:shade val="50000"/>
-            </a:schemeClr>
-          </a:lnRef>
-          <a:fillRef idx="1">
-            <a:schemeClr val="accent1"/>
-          </a:fillRef>
-          <a:effectRef idx="0">
-            <a:schemeClr val="accent1"/>
-          </a:effectRef>
-          <a:fontRef idx="minor">
-            <a:schemeClr val="lt1"/>
-          </a:fontRef>
-        </p:style>
-        <p:txBody>
-          <a:bodyPr rtlCol="0" anchor="ctr"/>
-          <a:lstStyle/>
-          <a:p>
-            <a:pPr algn="ctr"/>
-            <a:endParaRPr lang="tr-TR"/>
-          </a:p>
-        </p:txBody>
-      </p:sp>
-      <p:sp>
-        <p:nvSpPr>
-          <p:cNvPr id="12" name="TextBox 11"/>
-          <p:cNvSpPr txBox="1"/>
-          <p:nvPr/>
-        </p:nvSpPr>
-        <p:spPr>
-          <a:xfrm>
-            <a:off x="504198" y="1118736"/>
-            <a:ext cx="4392774" cy="707886"/>
-          </a:xfrm>
-          <a:prstGeom prst="rect">
-            <a:avLst/>
-          </a:prstGeom>
-          <a:noFill/>
-        </p:spPr>
-        <p:txBody>
-          <a:bodyPr wrap="square" rtlCol="0">
-            <a:spAutoFit/>
-          </a:bodyPr>
-          <a:lstStyle/>
-          <a:p>
-            <a:pPr algn="ctr"/>
-            <a:r>
-              <a:rPr lang="fr-FR" sz="4000" b="1" dirty="0" smtClean="0">
-                <a:solidFill>
-                  <a:schemeClr val="bg1">
-                    <a:lumMod val="95000"/>
-                  </a:schemeClr>
-                </a:solidFill>
-                <a:latin typeface="Caviar Dreams" pitchFamily="34" charset="-94"/>
-                <a:ea typeface="Open Sans" pitchFamily="34" charset="0"/>
-                <a:cs typeface="Open Sans" pitchFamily="34" charset="0"/>
-              </a:rPr>
-              <a:t>ORGANISATION</a:t>
-            </a:r>
-            <a:endParaRPr lang="tr-TR" sz="4000" b="1" dirty="0">
-              <a:solidFill>
-                <a:schemeClr val="bg1">
-                  <a:lumMod val="95000"/>
-                </a:schemeClr>
-              </a:solidFill>
-              <a:latin typeface="Caviar Dreams" pitchFamily="34" charset="-94"/>
-              <a:ea typeface="Open Sans" pitchFamily="34" charset="0"/>
-              <a:cs typeface="Open Sans" pitchFamily="34" charset="0"/>
-            </a:endParaRPr>
-          </a:p>
-        </p:txBody>
-      </p:sp>
-      <p:sp>
-        <p:nvSpPr>
-          <p:cNvPr id="53" name="Oval 52"/>
-          <p:cNvSpPr/>
-          <p:nvPr/>
-        </p:nvSpPr>
-        <p:spPr>
-          <a:xfrm>
-            <a:off x="8816986" y="9449582"/>
-            <a:ext cx="654224" cy="648817"/>
-          </a:xfrm>
-          <a:prstGeom prst="ellipse">
-            <a:avLst/>
-          </a:prstGeom>
-          <a:solidFill>
-            <a:schemeClr val="bg1"/>
-          </a:solidFill>
-          <a:ln>
-            <a:noFill/>
-          </a:ln>
-        </p:spPr>
-        <p:style>
-          <a:lnRef idx="2">
-            <a:schemeClr val="accent1">
-              <a:shade val="50000"/>
-            </a:schemeClr>
-          </a:lnRef>
-          <a:fillRef idx="1">
-            <a:schemeClr val="accent1"/>
-          </a:fillRef>
-          <a:effectRef idx="0">
-            <a:schemeClr val="accent1"/>
-          </a:effectRef>
-          <a:fontRef idx="minor">
-            <a:schemeClr val="lt1"/>
-          </a:fontRef>
-        </p:style>
-        <p:txBody>
-          <a:bodyPr rtlCol="0" anchor="ctr"/>
-          <a:lstStyle/>
-          <a:p>
-            <a:pPr algn="ctr"/>
-            <a:endParaRPr lang="tr-TR"/>
-          </a:p>
-        </p:txBody>
-      </p:sp>
-      <p:sp>
-        <p:nvSpPr>
-          <p:cNvPr id="54" name="TextBox 53"/>
-          <p:cNvSpPr txBox="1"/>
-          <p:nvPr/>
-        </p:nvSpPr>
-        <p:spPr>
-          <a:xfrm>
-            <a:off x="8880355" y="9464822"/>
-            <a:ext cx="504056" cy="600164"/>
-          </a:xfrm>
-          <a:prstGeom prst="rect">
-            <a:avLst/>
-          </a:prstGeom>
-          <a:noFill/>
-        </p:spPr>
-        <p:txBody>
-          <a:bodyPr wrap="square" rtlCol="0">
-            <a:spAutoFit/>
-          </a:bodyPr>
-          <a:lstStyle/>
-          <a:p>
-            <a:pPr algn="ctr"/>
-            <a:r>
-              <a:rPr lang="fr-FR" sz="3300" b="1" dirty="0">
-                <a:solidFill>
-                  <a:srgbClr val="565D6F"/>
-                </a:solidFill>
-                <a:latin typeface="Caviar Dreams" pitchFamily="34" charset="-94"/>
-                <a:ea typeface="Open Sans" pitchFamily="34" charset="0"/>
-                <a:cs typeface="Open Sans" pitchFamily="34" charset="0"/>
-              </a:rPr>
-              <a:t>R</a:t>
-            </a:r>
-            <a:endParaRPr lang="tr-TR" sz="3300" b="1" dirty="0">
-              <a:solidFill>
-                <a:srgbClr val="565D6F"/>
-              </a:solidFill>
-              <a:latin typeface="Caviar Dreams" pitchFamily="34" charset="-94"/>
-              <a:ea typeface="Open Sans" pitchFamily="34" charset="0"/>
-              <a:cs typeface="Open Sans" pitchFamily="34" charset="0"/>
-            </a:endParaRPr>
-          </a:p>
-        </p:txBody>
-      </p:sp>
-      <p:pic>
-        <p:nvPicPr>
-          <p:cNvPr id="3" name="Image 2"/>
-          <p:cNvPicPr>
-            <a:picLocks noChangeAspect="1"/>
-          </p:cNvPicPr>
-          <p:nvPr/>
-        </p:nvPicPr>
-        <p:blipFill>
-          <a:blip r:embed="rId4">
-            <a:extLst>
-              <a:ext uri="{28A0092B-C50C-407E-A947-70E740481C1C}">
-                <a14:useLocalDpi xmlns:a14="http://schemas.microsoft.com/office/drawing/2010/main" val="0"/>
-              </a:ext>
-            </a:extLst>
-          </a:blip>
-          <a:stretch>
-            <a:fillRect/>
-          </a:stretch>
-        </p:blipFill>
-        <p:spPr>
-          <a:xfrm>
-            <a:off x="-711727" y="0"/>
-            <a:ext cx="19688220" cy="25478876"/>
-          </a:xfrm>
-          <a:prstGeom prst="rect">
-            <a:avLst/>
-          </a:prstGeom>
-        </p:spPr>
-      </p:pic>
-    </p:spTree>
-    <p:extLst>
-      <p:ext uri="{BB962C8B-B14F-4D97-AF65-F5344CB8AC3E}">
-        <p14:creationId xmlns:p14="http://schemas.microsoft.com/office/powerpoint/2010/main" val="287823677"/>
-      </p:ext>
-    </p:extLst>
-  </p:cSld>
-  <p:clrMapOvr>
-    <a:masterClrMapping/>
-  </p:clrMapOvr>
-  <mc:AlternateContent xmlns:mc="http://schemas.openxmlformats.org/markup-compatibility/2006" xmlns:p14="http://schemas.microsoft.com/office/powerpoint/2010/main">
-    <mc:Choice Requires="p14">
-      <p:transition spd="med" p14:dur="700">
-        <p:fade/>
-      </p:transition>
-    </mc:Choice>
-    <mc:Fallback xmlns="">
-      <p:transition spd="med">
-        <p:fade/>
-      </p:transition>
-    </mc:Fallback>
-  </mc:AlternateContent>
-  <p:timing>
-    <p:tnLst>
-      <p:par>
-        <p:cTn id="1" dur="indefinite" restart="never" nodeType="tmRoot">
-          <p:childTnLst>
-            <p:seq concurrent="1" nextAc="seek">
-              <p:cTn id="2" dur="indefinite" nodeType="mainSeq">
-                <p:childTnLst>
-                  <p:par>
-                    <p:cTn id="3" fill="hold">
-                      <p:stCondLst>
-                        <p:cond delay="indefinite"/>
-                        <p:cond evt="onBegin" delay="0">
-                          <p:tn val="2"/>
-                        </p:cond>
-                      </p:stCondLst>
-                      <p:childTnLst>
-                        <p:par>
-                          <p:cTn id="4" fill="hold">
-                            <p:stCondLst>
-                              <p:cond delay="0"/>
-                            </p:stCondLst>
-                            <p:childTnLst>
-                              <p:par>
-                                <p:cTn id="5" presetID="10" presetClass="entr" presetSubtype="0" fill="hold" grpId="0" nodeType="withEffect">
-                                  <p:stCondLst>
-                                    <p:cond delay="0"/>
-                                  </p:stCondLst>
-                                  <p:childTnLst>
-                                    <p:set>
-                                      <p:cBhvr>
-                                        <p:cTn id="6" dur="1" fill="hold">
-                                          <p:stCondLst>
-                                            <p:cond delay="0"/>
-                                          </p:stCondLst>
-                                        </p:cTn>
-                                        <p:tgtEl>
-                                          <p:spTgt spid="2"/>
-                                        </p:tgtEl>
-                                        <p:attrNameLst>
-                                          <p:attrName>style.visibility</p:attrName>
-                                        </p:attrNameLst>
-                                      </p:cBhvr>
-                                      <p:to>
-                                        <p:strVal val="visible"/>
-                                      </p:to>
-                                    </p:set>
-                                    <p:animEffect transition="in" filter="fade">
-                                      <p:cBhvr>
-                                        <p:cTn id="7" dur="500"/>
-                                        <p:tgtEl>
-                                          <p:spTgt spid="2"/>
-                                        </p:tgtEl>
-                                      </p:cBhvr>
-                                    </p:animEffect>
-                                  </p:childTnLst>
-                                </p:cTn>
-                              </p:par>
-                              <p:par>
-                                <p:cTn id="8" presetID="10" presetClass="entr" presetSubtype="0" fill="hold" grpId="0" nodeType="withEffect">
-                                  <p:stCondLst>
-                                    <p:cond delay="0"/>
-                                  </p:stCondLst>
-                                  <p:childTnLst>
-                                    <p:set>
-                                      <p:cBhvr>
-                                        <p:cTn id="9" dur="1" fill="hold">
-                                          <p:stCondLst>
-                                            <p:cond delay="0"/>
-                                          </p:stCondLst>
-                                        </p:cTn>
-                                        <p:tgtEl>
-                                          <p:spTgt spid="9"/>
-                                        </p:tgtEl>
-                                        <p:attrNameLst>
-                                          <p:attrName>style.visibility</p:attrName>
-                                        </p:attrNameLst>
-                                      </p:cBhvr>
-                                      <p:to>
-                                        <p:strVal val="visible"/>
-                                      </p:to>
-                                    </p:set>
-                                    <p:animEffect transition="in" filter="fade">
-                                      <p:cBhvr>
-                                        <p:cTn id="10" dur="500"/>
-                                        <p:tgtEl>
-                                          <p:spTgt spid="9"/>
-                                        </p:tgtEl>
-                                      </p:cBhvr>
-                                    </p:animEffect>
-                                  </p:childTnLst>
-                                </p:cTn>
-                              </p:par>
-                              <p:par>
-                                <p:cTn id="11" presetID="10" presetClass="entr" presetSubtype="0" fill="hold" grpId="0" nodeType="withEffect">
-                                  <p:stCondLst>
-                                    <p:cond delay="0"/>
-                                  </p:stCondLst>
-                                  <p:childTnLst>
-                                    <p:set>
-                                      <p:cBhvr>
-                                        <p:cTn id="12" dur="1" fill="hold">
-                                          <p:stCondLst>
-                                            <p:cond delay="0"/>
-                                          </p:stCondLst>
-                                        </p:cTn>
-                                        <p:tgtEl>
-                                          <p:spTgt spid="12"/>
-                                        </p:tgtEl>
-                                        <p:attrNameLst>
-                                          <p:attrName>style.visibility</p:attrName>
-                                        </p:attrNameLst>
-                                      </p:cBhvr>
-                                      <p:to>
-                                        <p:strVal val="visible"/>
-                                      </p:to>
-                                    </p:set>
-                                    <p:animEffect transition="in" filter="fade">
-                                      <p:cBhvr>
-                                        <p:cTn id="13" dur="500"/>
-                                        <p:tgtEl>
-                                          <p:spTgt spid="12"/>
-                                        </p:tgtEl>
-                                      </p:cBhvr>
-                                    </p:animEffect>
-                                  </p:childTnLst>
-                                </p:cTn>
-                              </p:par>
-                            </p:childTnLst>
-                          </p:cTn>
-                        </p:par>
-                      </p:childTnLst>
-                    </p:cTn>
-                  </p:par>
-                </p:childTnLst>
-              </p:cTn>
-              <p:prevCondLst>
-                <p:cond evt="onPrev" delay="0">
-                  <p:tgtEl>
-                    <p:sldTgt/>
-                  </p:tgtEl>
-                </p:cond>
-              </p:prevCondLst>
-              <p:nextCondLst>
-                <p:cond evt="onNext" delay="0">
-                  <p:tgtEl>
-                    <p:sldTgt/>
-                  </p:tgtEl>
-                </p:cond>
-              </p:nextCondLst>
-            </p:seq>
-          </p:childTnLst>
-        </p:cTn>
-      </p:par>
-    </p:tnLst>
-    <p:bldLst>
-      <p:bldP spid="2" grpId="0" animBg="1"/>
-      <p:bldP spid="9" grpId="0" animBg="1"/>
-      <p:bldP spid="12" grpId="0"/>
-    </p:bldLst>
-  </p:timing>
-</p:sld>
-</file>
-
-<file path=ppt/slides/slide15.xml><?xml version="1.0" encoding="utf-8"?>
-<p:sld xmlns:a="http://schemas.openxmlformats.org/drawingml/2006/main" xmlns:r="http://schemas.openxmlformats.org/officeDocument/2006/relationships" xmlns:p="http://schemas.openxmlformats.org/presentationml/2006/main">
-  <p:cSld>
-    <p:spTree>
-      <p:nvGrpSpPr>
-        <p:cNvPr id="1" name=""/>
-        <p:cNvGrpSpPr/>
-        <p:nvPr/>
-      </p:nvGrpSpPr>
-      <p:grpSpPr>
-        <a:xfrm>
-          <a:off x="0" y="0"/>
-          <a:ext cx="0" cy="0"/>
-          <a:chOff x="0" y="0"/>
-          <a:chExt cx="0" cy="0"/>
-        </a:xfrm>
-      </p:grpSpPr>
-      <p:pic>
-        <p:nvPicPr>
-          <p:cNvPr id="7" name="Picture 6"/>
-          <p:cNvPicPr>
-            <a:picLocks noChangeAspect="1"/>
-          </p:cNvPicPr>
-          <p:nvPr/>
-        </p:nvPicPr>
-        <p:blipFill>
-          <a:blip r:embed="rId3" cstate="print">
-            <a:duotone>
-              <a:prstClr val="black"/>
-              <a:schemeClr val="tx2">
-                <a:tint val="45000"/>
-                <a:satMod val="400000"/>
-              </a:schemeClr>
-            </a:duotone>
-            <a:extLst>
-              <a:ext uri="{28A0092B-C50C-407E-A947-70E740481C1C}">
-                <a14:useLocalDpi xmlns:a14="http://schemas.microsoft.com/office/drawing/2010/main" val="0"/>
-              </a:ext>
-            </a:extLst>
-          </a:blip>
-          <a:stretch>
-            <a:fillRect/>
-          </a:stretch>
-        </p:blipFill>
-        <p:spPr>
-          <a:xfrm>
-            <a:off x="-11637" y="9143199"/>
-            <a:ext cx="18302812" cy="1146976"/>
-          </a:xfrm>
-          <a:prstGeom prst="rect">
-            <a:avLst/>
-          </a:prstGeom>
-        </p:spPr>
-      </p:pic>
-      <p:sp>
-        <p:nvSpPr>
-          <p:cNvPr id="6" name="Oval 5"/>
-          <p:cNvSpPr/>
-          <p:nvPr/>
-        </p:nvSpPr>
-        <p:spPr>
-          <a:xfrm>
-            <a:off x="7885447" y="2912839"/>
-            <a:ext cx="2520280" cy="2520280"/>
-          </a:xfrm>
-          <a:prstGeom prst="ellipse">
-            <a:avLst/>
-          </a:prstGeom>
-          <a:solidFill>
-            <a:srgbClr val="565D6F"/>
-          </a:solidFill>
-          <a:ln>
-            <a:noFill/>
-          </a:ln>
-        </p:spPr>
-        <p:style>
-          <a:lnRef idx="2">
-            <a:schemeClr val="accent1">
-              <a:shade val="50000"/>
-            </a:schemeClr>
-          </a:lnRef>
-          <a:fillRef idx="1">
-            <a:schemeClr val="accent1"/>
-          </a:fillRef>
-          <a:effectRef idx="0">
-            <a:schemeClr val="accent1"/>
-          </a:effectRef>
-          <a:fontRef idx="minor">
-            <a:schemeClr val="lt1"/>
-          </a:fontRef>
-        </p:style>
-        <p:txBody>
-          <a:bodyPr rtlCol="0" anchor="ctr"/>
-          <a:lstStyle/>
-          <a:p>
-            <a:pPr algn="ctr"/>
-            <a:endParaRPr lang="tr-TR"/>
-          </a:p>
-        </p:txBody>
-      </p:sp>
-      <p:sp>
-        <p:nvSpPr>
-          <p:cNvPr id="10" name="TextBox 9"/>
-          <p:cNvSpPr txBox="1"/>
-          <p:nvPr/>
-        </p:nvSpPr>
-        <p:spPr>
-          <a:xfrm>
-            <a:off x="5105622" y="5793159"/>
-            <a:ext cx="8068294" cy="861774"/>
-          </a:xfrm>
-          <a:prstGeom prst="rect">
-            <a:avLst/>
-          </a:prstGeom>
-          <a:noFill/>
-        </p:spPr>
-        <p:txBody>
-          <a:bodyPr wrap="square" rtlCol="0">
-            <a:spAutoFit/>
-          </a:bodyPr>
-          <a:lstStyle/>
-          <a:p>
-            <a:pPr algn="ctr"/>
-            <a:r>
-              <a:rPr lang="fr-FR" sz="5000" b="1" dirty="0" smtClean="0">
-                <a:solidFill>
-                  <a:schemeClr val="tx1">
-                    <a:lumMod val="65000"/>
-                    <a:lumOff val="35000"/>
-                  </a:schemeClr>
-                </a:solidFill>
-                <a:latin typeface="Caviar Dreams" pitchFamily="34" charset="-94"/>
-                <a:ea typeface="Open Sans" pitchFamily="34" charset="0"/>
-                <a:cs typeface="Open Sans" pitchFamily="34" charset="0"/>
-              </a:rPr>
-              <a:t>Rsmart Control</a:t>
-            </a:r>
-            <a:endParaRPr lang="tr-TR" sz="5000" b="1" dirty="0">
-              <a:solidFill>
-                <a:schemeClr val="tx1">
-                  <a:lumMod val="65000"/>
-                  <a:lumOff val="35000"/>
-                </a:schemeClr>
-              </a:solidFill>
-              <a:latin typeface="Caviar Dreams" pitchFamily="34" charset="-94"/>
-              <a:ea typeface="Open Sans" pitchFamily="34" charset="0"/>
-              <a:cs typeface="Open Sans" pitchFamily="34" charset="0"/>
-            </a:endParaRPr>
-          </a:p>
-        </p:txBody>
-      </p:sp>
-      <p:sp>
-        <p:nvSpPr>
-          <p:cNvPr id="15" name="Oval 14"/>
-          <p:cNvSpPr/>
-          <p:nvPr/>
-        </p:nvSpPr>
-        <p:spPr>
-          <a:xfrm>
-            <a:off x="8816986" y="9449582"/>
-            <a:ext cx="654224" cy="648817"/>
-          </a:xfrm>
-          <a:prstGeom prst="ellipse">
-            <a:avLst/>
-          </a:prstGeom>
-          <a:solidFill>
-            <a:schemeClr val="bg1"/>
-          </a:solidFill>
-          <a:ln>
-            <a:noFill/>
-          </a:ln>
-        </p:spPr>
-        <p:style>
-          <a:lnRef idx="2">
-            <a:schemeClr val="accent1">
-              <a:shade val="50000"/>
-            </a:schemeClr>
-          </a:lnRef>
-          <a:fillRef idx="1">
-            <a:schemeClr val="accent1"/>
-          </a:fillRef>
-          <a:effectRef idx="0">
-            <a:schemeClr val="accent1"/>
-          </a:effectRef>
-          <a:fontRef idx="minor">
-            <a:schemeClr val="lt1"/>
-          </a:fontRef>
-        </p:style>
-        <p:txBody>
-          <a:bodyPr rtlCol="0" anchor="ctr"/>
-          <a:lstStyle/>
-          <a:p>
-            <a:pPr algn="ctr"/>
-            <a:endParaRPr lang="tr-TR"/>
-          </a:p>
-        </p:txBody>
-      </p:sp>
-      <p:sp>
-        <p:nvSpPr>
-          <p:cNvPr id="16" name="TextBox 15"/>
-          <p:cNvSpPr txBox="1"/>
-          <p:nvPr/>
-        </p:nvSpPr>
-        <p:spPr>
-          <a:xfrm>
-            <a:off x="8880355" y="9464822"/>
-            <a:ext cx="504056" cy="1107996"/>
-          </a:xfrm>
-          <a:prstGeom prst="rect">
-            <a:avLst/>
-          </a:prstGeom>
-          <a:noFill/>
-        </p:spPr>
-        <p:txBody>
-          <a:bodyPr wrap="square" rtlCol="0">
-            <a:spAutoFit/>
-          </a:bodyPr>
-          <a:lstStyle/>
-          <a:p>
-            <a:pPr algn="ctr"/>
-            <a:r>
-              <a:rPr lang="fr-FR" sz="3300" b="1" dirty="0">
-                <a:solidFill>
-                  <a:srgbClr val="565D6F"/>
-                </a:solidFill>
-                <a:latin typeface="Caviar Dreams" pitchFamily="34" charset="-94"/>
-                <a:ea typeface="Open Sans" pitchFamily="34" charset="0"/>
-                <a:cs typeface="Open Sans" pitchFamily="34" charset="0"/>
-              </a:rPr>
-              <a:t>R</a:t>
-            </a:r>
-            <a:endParaRPr lang="tr-TR" sz="3300" b="1" dirty="0">
-              <a:solidFill>
-                <a:srgbClr val="565D6F"/>
-              </a:solidFill>
-              <a:latin typeface="Caviar Dreams" pitchFamily="34" charset="-94"/>
-              <a:ea typeface="Open Sans" pitchFamily="34" charset="0"/>
-              <a:cs typeface="Open Sans" pitchFamily="34" charset="0"/>
-            </a:endParaRPr>
-          </a:p>
-          <a:p>
-            <a:pPr algn="ctr"/>
-            <a:endParaRPr lang="tr-TR" sz="3300" b="1" dirty="0">
-              <a:solidFill>
-                <a:srgbClr val="009CD6"/>
-              </a:solidFill>
-              <a:latin typeface="Caviar Dreams" pitchFamily="34" charset="-94"/>
-              <a:ea typeface="Open Sans" pitchFamily="34" charset="0"/>
-              <a:cs typeface="Open Sans" pitchFamily="34" charset="0"/>
-            </a:endParaRPr>
-          </a:p>
-        </p:txBody>
-      </p:sp>
-      <p:pic>
-        <p:nvPicPr>
-          <p:cNvPr id="2" name="Image 1"/>
-          <p:cNvPicPr>
-            <a:picLocks noChangeAspect="1"/>
-          </p:cNvPicPr>
-          <p:nvPr/>
-        </p:nvPicPr>
-        <p:blipFill>
-          <a:blip r:embed="rId4">
-            <a:lum bright="70000" contrast="-70000"/>
-            <a:extLst>
-              <a:ext uri="{28A0092B-C50C-407E-A947-70E740481C1C}">
-                <a14:useLocalDpi xmlns:a14="http://schemas.microsoft.com/office/drawing/2010/main" val="0"/>
-              </a:ext>
-            </a:extLst>
-          </a:blip>
-          <a:stretch>
-            <a:fillRect/>
-          </a:stretch>
-        </p:blipFill>
-        <p:spPr>
-          <a:xfrm>
-            <a:off x="7754848" y="3237075"/>
-            <a:ext cx="2769841" cy="1871807"/>
-          </a:xfrm>
-          <a:prstGeom prst="rect">
-            <a:avLst/>
-          </a:prstGeom>
-        </p:spPr>
-      </p:pic>
-    </p:spTree>
-    <p:extLst>
-      <p:ext uri="{BB962C8B-B14F-4D97-AF65-F5344CB8AC3E}">
-        <p14:creationId xmlns:p14="http://schemas.microsoft.com/office/powerpoint/2010/main" val="2890770384"/>
-      </p:ext>
-    </p:extLst>
-  </p:cSld>
-  <p:clrMapOvr>
-    <a:masterClrMapping/>
-  </p:clrMapOvr>
-  <mc:AlternateContent xmlns:mc="http://schemas.openxmlformats.org/markup-compatibility/2006" xmlns:p14="http://schemas.microsoft.com/office/powerpoint/2010/main">
-    <mc:Choice Requires="p14">
-      <p:transition spd="med" p14:dur="700">
-        <p:fade/>
-      </p:transition>
-    </mc:Choice>
-    <mc:Fallback xmlns="">
-      <p:transition spd="med">
-        <p:fade/>
-      </p:transition>
-    </mc:Fallback>
-  </mc:AlternateContent>
-  <p:timing>
-    <p:tnLst>
-      <p:par>
-        <p:cTn id="1" dur="indefinite" restart="never" nodeType="tmRoot">
-          <p:childTnLst>
-            <p:seq concurrent="1" nextAc="seek">
-              <p:cTn id="2" dur="indefinite" nodeType="mainSeq">
-                <p:childTnLst>
-                  <p:par>
-                    <p:cTn id="3" fill="hold">
-                      <p:stCondLst>
-                        <p:cond delay="indefinite"/>
-                        <p:cond evt="onBegin" delay="0">
-                          <p:tn val="2"/>
-                        </p:cond>
-                      </p:stCondLst>
-                      <p:childTnLst>
-                        <p:par>
-                          <p:cTn id="4" fill="hold">
-                            <p:stCondLst>
-                              <p:cond delay="0"/>
-                            </p:stCondLst>
-                            <p:childTnLst>
-                              <p:par>
-                                <p:cTn id="5" presetID="10" presetClass="entr" presetSubtype="0" fill="hold" grpId="0" nodeType="withEffect">
-                                  <p:stCondLst>
-                                    <p:cond delay="0"/>
-                                  </p:stCondLst>
-                                  <p:childTnLst>
-                                    <p:set>
-                                      <p:cBhvr>
-                                        <p:cTn id="6" dur="1" fill="hold">
-                                          <p:stCondLst>
-                                            <p:cond delay="0"/>
-                                          </p:stCondLst>
-                                        </p:cTn>
-                                        <p:tgtEl>
-                                          <p:spTgt spid="6"/>
-                                        </p:tgtEl>
-                                        <p:attrNameLst>
-                                          <p:attrName>style.visibility</p:attrName>
-                                        </p:attrNameLst>
-                                      </p:cBhvr>
-                                      <p:to>
-                                        <p:strVal val="visible"/>
-                                      </p:to>
-                                    </p:set>
-                                    <p:animEffect transition="in" filter="fade">
-                                      <p:cBhvr>
-                                        <p:cTn id="7" dur="500"/>
-                                        <p:tgtEl>
-                                          <p:spTgt spid="6"/>
-                                        </p:tgtEl>
-                                      </p:cBhvr>
-                                    </p:animEffect>
-                                  </p:childTnLst>
-                                </p:cTn>
-                              </p:par>
-                              <p:par>
-                                <p:cTn id="8" presetID="10" presetClass="entr" presetSubtype="0" fill="hold" grpId="0" nodeType="withEffect">
-                                  <p:stCondLst>
-                                    <p:cond delay="0"/>
-                                  </p:stCondLst>
-                                  <p:childTnLst>
-                                    <p:set>
-                                      <p:cBhvr>
-                                        <p:cTn id="9" dur="1" fill="hold">
-                                          <p:stCondLst>
-                                            <p:cond delay="0"/>
-                                          </p:stCondLst>
-                                        </p:cTn>
-                                        <p:tgtEl>
-                                          <p:spTgt spid="10"/>
-                                        </p:tgtEl>
-                                        <p:attrNameLst>
-                                          <p:attrName>style.visibility</p:attrName>
-                                        </p:attrNameLst>
-                                      </p:cBhvr>
-                                      <p:to>
-                                        <p:strVal val="visible"/>
-                                      </p:to>
-                                    </p:set>
-                                    <p:animEffect transition="in" filter="fade">
-                                      <p:cBhvr>
-                                        <p:cTn id="10" dur="500"/>
-                                        <p:tgtEl>
-                                          <p:spTgt spid="10"/>
-                                        </p:tgtEl>
-                                      </p:cBhvr>
-                                    </p:animEffect>
-                                  </p:childTnLst>
-                                </p:cTn>
-                              </p:par>
-                              <p:par>
-                                <p:cTn id="11" presetID="10" presetClass="entr" presetSubtype="0" fill="hold" nodeType="withEffect">
-                                  <p:stCondLst>
-                                    <p:cond delay="0"/>
-                                  </p:stCondLst>
-                                  <p:childTnLst>
-                                    <p:set>
-                                      <p:cBhvr>
-                                        <p:cTn id="12" dur="1" fill="hold">
-                                          <p:stCondLst>
-                                            <p:cond delay="0"/>
-                                          </p:stCondLst>
-                                        </p:cTn>
-                                        <p:tgtEl>
-                                          <p:spTgt spid="2"/>
-                                        </p:tgtEl>
-                                        <p:attrNameLst>
-                                          <p:attrName>style.visibility</p:attrName>
-                                        </p:attrNameLst>
-                                      </p:cBhvr>
-                                      <p:to>
-                                        <p:strVal val="visible"/>
-                                      </p:to>
-                                    </p:set>
-                                    <p:animEffect transition="in" filter="fade">
-                                      <p:cBhvr>
-                                        <p:cTn id="13" dur="500"/>
-                                        <p:tgtEl>
-                                          <p:spTgt spid="2"/>
-                                        </p:tgtEl>
-                                      </p:cBhvr>
-                                    </p:animEffect>
-                                  </p:childTnLst>
-                                </p:cTn>
-                              </p:par>
-                            </p:childTnLst>
-                          </p:cTn>
-                        </p:par>
-                      </p:childTnLst>
-                    </p:cTn>
-                  </p:par>
-                </p:childTnLst>
-              </p:cTn>
-              <p:prevCondLst>
-                <p:cond evt="onPrev" delay="0">
-                  <p:tgtEl>
-                    <p:sldTgt/>
-                  </p:tgtEl>
-                </p:cond>
-              </p:prevCondLst>
-              <p:nextCondLst>
-                <p:cond evt="onNext" delay="0">
-                  <p:tgtEl>
-                    <p:sldTgt/>
-                  </p:tgtEl>
-                </p:cond>
-              </p:nextCondLst>
-            </p:seq>
-          </p:childTnLst>
-        </p:cTn>
-      </p:par>
-    </p:tnLst>
-    <p:bldLst>
-      <p:bldP spid="6" grpId="0" animBg="1"/>
-      <p:bldP spid="10" grpId="0"/>
-    </p:bldLst>
-  </p:timing>
-</p:sld>
-</file>
-
-<file path=ppt/slides/slide16.xml><?xml version="1.0" encoding="utf-8"?>
-<p:sld xmlns:a="http://schemas.openxmlformats.org/drawingml/2006/main" xmlns:r="http://schemas.openxmlformats.org/officeDocument/2006/relationships" xmlns:p="http://schemas.openxmlformats.org/presentationml/2006/main">
-  <p:cSld>
-    <p:spTree>
-      <p:nvGrpSpPr>
-        <p:cNvPr id="1" name=""/>
-        <p:cNvGrpSpPr/>
-        <p:nvPr/>
-      </p:nvGrpSpPr>
-      <p:grpSpPr>
-        <a:xfrm>
-          <a:off x="0" y="0"/>
-          <a:ext cx="0" cy="0"/>
-          <a:chOff x="0" y="0"/>
-          <a:chExt cx="0" cy="0"/>
-        </a:xfrm>
-      </p:grpSpPr>
-      <p:pic>
-        <p:nvPicPr>
-          <p:cNvPr id="43" name="Picture 42"/>
-          <p:cNvPicPr>
-            <a:picLocks noChangeAspect="1"/>
-          </p:cNvPicPr>
-          <p:nvPr/>
-        </p:nvPicPr>
-        <p:blipFill>
-          <a:blip r:embed="rId3" cstate="print">
-            <a:duotone>
-              <a:prstClr val="black"/>
-              <a:schemeClr val="tx2">
-                <a:tint val="45000"/>
-                <a:satMod val="400000"/>
-              </a:schemeClr>
-            </a:duotone>
-            <a:extLst>
-              <a:ext uri="{28A0092B-C50C-407E-A947-70E740481C1C}">
-                <a14:useLocalDpi xmlns:a14="http://schemas.microsoft.com/office/drawing/2010/main" val="0"/>
-              </a:ext>
-            </a:extLst>
-          </a:blip>
-          <a:stretch>
-            <a:fillRect/>
-          </a:stretch>
-        </p:blipFill>
-        <p:spPr>
-          <a:xfrm>
-            <a:off x="-11637" y="9143199"/>
-            <a:ext cx="18302812" cy="1146976"/>
-          </a:xfrm>
-          <a:prstGeom prst="rect">
-            <a:avLst/>
-          </a:prstGeom>
-        </p:spPr>
-      </p:pic>
-      <p:sp>
-        <p:nvSpPr>
-          <p:cNvPr id="2" name="Rectangle 1"/>
-          <p:cNvSpPr/>
-          <p:nvPr/>
-        </p:nvSpPr>
-        <p:spPr>
-          <a:xfrm>
-            <a:off x="0" y="1040631"/>
-            <a:ext cx="5401171" cy="864096"/>
-          </a:xfrm>
-          <a:prstGeom prst="rect">
-            <a:avLst/>
-          </a:prstGeom>
-          <a:solidFill>
-            <a:srgbClr val="565D6F"/>
-          </a:solidFill>
-          <a:ln>
-            <a:noFill/>
-          </a:ln>
-        </p:spPr>
-        <p:style>
-          <a:lnRef idx="2">
-            <a:schemeClr val="accent1">
-              <a:shade val="50000"/>
-            </a:schemeClr>
-          </a:lnRef>
-          <a:fillRef idx="1">
-            <a:schemeClr val="accent1"/>
-          </a:fillRef>
-          <a:effectRef idx="0">
-            <a:schemeClr val="accent1"/>
-          </a:effectRef>
-          <a:fontRef idx="minor">
-            <a:schemeClr val="lt1"/>
-          </a:fontRef>
-        </p:style>
-        <p:txBody>
-          <a:bodyPr rtlCol="0" anchor="ctr"/>
-          <a:lstStyle/>
-          <a:p>
-            <a:pPr algn="ctr"/>
-            <a:endParaRPr lang="tr-TR"/>
-          </a:p>
-        </p:txBody>
-      </p:sp>
-      <p:sp>
-        <p:nvSpPr>
-          <p:cNvPr id="9" name="Rectangle 8"/>
-          <p:cNvSpPr/>
-          <p:nvPr/>
-        </p:nvSpPr>
-        <p:spPr>
-          <a:xfrm>
-            <a:off x="5401172" y="1040631"/>
-            <a:ext cx="180020" cy="864096"/>
-          </a:xfrm>
-          <a:prstGeom prst="rect">
-            <a:avLst/>
-          </a:prstGeom>
-          <a:solidFill>
-            <a:schemeClr val="bg1">
-              <a:lumMod val="75000"/>
-            </a:schemeClr>
-          </a:solidFill>
-          <a:ln>
-            <a:noFill/>
-          </a:ln>
-        </p:spPr>
-        <p:style>
-          <a:lnRef idx="2">
-            <a:schemeClr val="accent1">
-              <a:shade val="50000"/>
-            </a:schemeClr>
-          </a:lnRef>
-          <a:fillRef idx="1">
-            <a:schemeClr val="accent1"/>
-          </a:fillRef>
-          <a:effectRef idx="0">
-            <a:schemeClr val="accent1"/>
-          </a:effectRef>
-          <a:fontRef idx="minor">
-            <a:schemeClr val="lt1"/>
-          </a:fontRef>
-        </p:style>
-        <p:txBody>
-          <a:bodyPr rtlCol="0" anchor="ctr"/>
-          <a:lstStyle/>
-          <a:p>
-            <a:pPr algn="ctr"/>
-            <a:endParaRPr lang="tr-TR"/>
-          </a:p>
-        </p:txBody>
-      </p:sp>
-      <p:sp>
-        <p:nvSpPr>
-          <p:cNvPr id="12" name="TextBox 11"/>
-          <p:cNvSpPr txBox="1"/>
-          <p:nvPr/>
-        </p:nvSpPr>
-        <p:spPr>
-          <a:xfrm>
-            <a:off x="324392" y="1149513"/>
-            <a:ext cx="4752385" cy="646331"/>
-          </a:xfrm>
-          <a:prstGeom prst="rect">
-            <a:avLst/>
-          </a:prstGeom>
-          <a:noFill/>
-        </p:spPr>
-        <p:txBody>
-          <a:bodyPr wrap="square" rtlCol="0">
-            <a:spAutoFit/>
-          </a:bodyPr>
-          <a:lstStyle/>
-          <a:p>
-            <a:pPr algn="ctr"/>
-            <a:r>
-              <a:rPr lang="fr-FR" sz="3600" b="1" dirty="0" smtClean="0">
-                <a:solidFill>
-                  <a:schemeClr val="bg1">
-                    <a:lumMod val="95000"/>
-                  </a:schemeClr>
-                </a:solidFill>
-                <a:latin typeface="Caviar Dreams" pitchFamily="34" charset="-94"/>
-                <a:ea typeface="Open Sans" pitchFamily="34" charset="0"/>
-                <a:cs typeface="Open Sans" pitchFamily="34" charset="0"/>
-              </a:rPr>
-              <a:t>RSMART CONTROL</a:t>
-            </a:r>
-            <a:endParaRPr lang="tr-TR" sz="3600" b="1" dirty="0">
-              <a:solidFill>
-                <a:schemeClr val="bg1">
-                  <a:lumMod val="95000"/>
-                </a:schemeClr>
-              </a:solidFill>
-              <a:latin typeface="Caviar Dreams" pitchFamily="34" charset="-94"/>
-              <a:ea typeface="Open Sans" pitchFamily="34" charset="0"/>
-              <a:cs typeface="Open Sans" pitchFamily="34" charset="0"/>
-            </a:endParaRPr>
-          </a:p>
-        </p:txBody>
-      </p:sp>
-      <p:sp>
-        <p:nvSpPr>
-          <p:cNvPr id="53" name="Oval 52"/>
-          <p:cNvSpPr/>
-          <p:nvPr/>
-        </p:nvSpPr>
-        <p:spPr>
-          <a:xfrm>
-            <a:off x="8816986" y="9449582"/>
-            <a:ext cx="654224" cy="648817"/>
-          </a:xfrm>
-          <a:prstGeom prst="ellipse">
-            <a:avLst/>
-          </a:prstGeom>
-          <a:solidFill>
-            <a:schemeClr val="bg1"/>
-          </a:solidFill>
-          <a:ln>
-            <a:noFill/>
-          </a:ln>
-        </p:spPr>
-        <p:style>
-          <a:lnRef idx="2">
-            <a:schemeClr val="accent1">
-              <a:shade val="50000"/>
-            </a:schemeClr>
-          </a:lnRef>
-          <a:fillRef idx="1">
-            <a:schemeClr val="accent1"/>
-          </a:fillRef>
-          <a:effectRef idx="0">
-            <a:schemeClr val="accent1"/>
-          </a:effectRef>
-          <a:fontRef idx="minor">
-            <a:schemeClr val="lt1"/>
-          </a:fontRef>
-        </p:style>
-        <p:txBody>
-          <a:bodyPr rtlCol="0" anchor="ctr"/>
-          <a:lstStyle/>
-          <a:p>
-            <a:pPr algn="ctr"/>
-            <a:endParaRPr lang="tr-TR"/>
-          </a:p>
-        </p:txBody>
-      </p:sp>
-      <p:sp>
-        <p:nvSpPr>
-          <p:cNvPr id="54" name="TextBox 53"/>
-          <p:cNvSpPr txBox="1"/>
-          <p:nvPr/>
-        </p:nvSpPr>
-        <p:spPr>
-          <a:xfrm>
-            <a:off x="8880355" y="9464822"/>
-            <a:ext cx="504056" cy="600164"/>
-          </a:xfrm>
-          <a:prstGeom prst="rect">
-            <a:avLst/>
-          </a:prstGeom>
-          <a:noFill/>
-        </p:spPr>
-        <p:txBody>
-          <a:bodyPr wrap="square" rtlCol="0">
-            <a:spAutoFit/>
-          </a:bodyPr>
-          <a:lstStyle/>
-          <a:p>
-            <a:pPr algn="ctr"/>
-            <a:r>
-              <a:rPr lang="fr-FR" sz="3300" b="1" dirty="0">
-                <a:solidFill>
-                  <a:srgbClr val="565D6F"/>
-                </a:solidFill>
-                <a:latin typeface="Caviar Dreams" pitchFamily="34" charset="-94"/>
-                <a:ea typeface="Open Sans" pitchFamily="34" charset="0"/>
-                <a:cs typeface="Open Sans" pitchFamily="34" charset="0"/>
-              </a:rPr>
-              <a:t>R</a:t>
-            </a:r>
-            <a:endParaRPr lang="tr-TR" sz="3300" b="1" dirty="0">
-              <a:solidFill>
-                <a:srgbClr val="565D6F"/>
-              </a:solidFill>
-              <a:latin typeface="Caviar Dreams" pitchFamily="34" charset="-94"/>
-              <a:ea typeface="Open Sans" pitchFamily="34" charset="0"/>
-              <a:cs typeface="Open Sans" pitchFamily="34" charset="0"/>
-            </a:endParaRPr>
-          </a:p>
-        </p:txBody>
-      </p:sp>
-      <p:pic>
-        <p:nvPicPr>
-          <p:cNvPr id="4" name="Image 3"/>
-          <p:cNvPicPr>
-            <a:picLocks noChangeAspect="1"/>
-          </p:cNvPicPr>
-          <p:nvPr/>
-        </p:nvPicPr>
-        <p:blipFill>
-          <a:blip r:embed="rId4">
-            <a:extLst>
-              <a:ext uri="{28A0092B-C50C-407E-A947-70E740481C1C}">
-                <a14:useLocalDpi xmlns:a14="http://schemas.microsoft.com/office/drawing/2010/main" val="0"/>
-              </a:ext>
-            </a:extLst>
-          </a:blip>
-          <a:stretch>
-            <a:fillRect/>
-          </a:stretch>
-        </p:blipFill>
-        <p:spPr>
-          <a:xfrm>
-            <a:off x="-143445" y="-183505"/>
-            <a:ext cx="18434620" cy="11503793"/>
-          </a:xfrm>
-          <a:prstGeom prst="rect">
-            <a:avLst/>
-          </a:prstGeom>
-        </p:spPr>
-      </p:pic>
-    </p:spTree>
-    <p:extLst>
-      <p:ext uri="{BB962C8B-B14F-4D97-AF65-F5344CB8AC3E}">
-        <p14:creationId xmlns:p14="http://schemas.microsoft.com/office/powerpoint/2010/main" val="2160197003"/>
-      </p:ext>
-    </p:extLst>
-  </p:cSld>
-  <p:clrMapOvr>
-    <a:masterClrMapping/>
-  </p:clrMapOvr>
-  <mc:AlternateContent xmlns:mc="http://schemas.openxmlformats.org/markup-compatibility/2006" xmlns:p14="http://schemas.microsoft.com/office/powerpoint/2010/main">
-    <mc:Choice Requires="p14">
-      <p:transition spd="med" p14:dur="700">
-        <p:fade/>
-      </p:transition>
-    </mc:Choice>
-    <mc:Fallback xmlns="">
-      <p:transition spd="med">
-        <p:fade/>
-      </p:transition>
-    </mc:Fallback>
-  </mc:AlternateContent>
-  <p:timing>
-    <p:tnLst>
-      <p:par>
-        <p:cTn id="1" dur="indefinite" restart="never" nodeType="tmRoot">
-          <p:childTnLst>
-            <p:seq concurrent="1" nextAc="seek">
-              <p:cTn id="2" dur="indefinite" nodeType="mainSeq">
-                <p:childTnLst>
-                  <p:par>
-                    <p:cTn id="3" fill="hold">
-                      <p:stCondLst>
-                        <p:cond delay="indefinite"/>
-                        <p:cond evt="onBegin" delay="0">
-                          <p:tn val="2"/>
-                        </p:cond>
-                      </p:stCondLst>
-                      <p:childTnLst>
-                        <p:par>
-                          <p:cTn id="4" fill="hold">
-                            <p:stCondLst>
-                              <p:cond delay="0"/>
-                            </p:stCondLst>
-                            <p:childTnLst>
-                              <p:par>
-                                <p:cTn id="5" presetID="10" presetClass="entr" presetSubtype="0" fill="hold" grpId="0" nodeType="withEffect">
-                                  <p:stCondLst>
-                                    <p:cond delay="0"/>
-                                  </p:stCondLst>
-                                  <p:childTnLst>
-                                    <p:set>
-                                      <p:cBhvr>
-                                        <p:cTn id="6" dur="1" fill="hold">
-                                          <p:stCondLst>
-                                            <p:cond delay="0"/>
-                                          </p:stCondLst>
-                                        </p:cTn>
-                                        <p:tgtEl>
-                                          <p:spTgt spid="2"/>
-                                        </p:tgtEl>
-                                        <p:attrNameLst>
-                                          <p:attrName>style.visibility</p:attrName>
-                                        </p:attrNameLst>
-                                      </p:cBhvr>
-                                      <p:to>
-                                        <p:strVal val="visible"/>
-                                      </p:to>
-                                    </p:set>
-                                    <p:animEffect transition="in" filter="fade">
-                                      <p:cBhvr>
-                                        <p:cTn id="7" dur="500"/>
-                                        <p:tgtEl>
-                                          <p:spTgt spid="2"/>
-                                        </p:tgtEl>
-                                      </p:cBhvr>
-                                    </p:animEffect>
-                                  </p:childTnLst>
-                                </p:cTn>
-                              </p:par>
-                              <p:par>
-                                <p:cTn id="8" presetID="10" presetClass="entr" presetSubtype="0" fill="hold" grpId="0" nodeType="withEffect">
-                                  <p:stCondLst>
-                                    <p:cond delay="0"/>
-                                  </p:stCondLst>
-                                  <p:childTnLst>
-                                    <p:set>
-                                      <p:cBhvr>
-                                        <p:cTn id="9" dur="1" fill="hold">
-                                          <p:stCondLst>
-                                            <p:cond delay="0"/>
-                                          </p:stCondLst>
-                                        </p:cTn>
-                                        <p:tgtEl>
-                                          <p:spTgt spid="9"/>
-                                        </p:tgtEl>
-                                        <p:attrNameLst>
-                                          <p:attrName>style.visibility</p:attrName>
-                                        </p:attrNameLst>
-                                      </p:cBhvr>
-                                      <p:to>
-                                        <p:strVal val="visible"/>
-                                      </p:to>
-                                    </p:set>
-                                    <p:animEffect transition="in" filter="fade">
-                                      <p:cBhvr>
-                                        <p:cTn id="10" dur="500"/>
-                                        <p:tgtEl>
-                                          <p:spTgt spid="9"/>
-                                        </p:tgtEl>
-                                      </p:cBhvr>
-                                    </p:animEffect>
-                                  </p:childTnLst>
-                                </p:cTn>
-                              </p:par>
-                              <p:par>
-                                <p:cTn id="11" presetID="10" presetClass="entr" presetSubtype="0" fill="hold" grpId="0" nodeType="withEffect">
-                                  <p:stCondLst>
-                                    <p:cond delay="0"/>
-                                  </p:stCondLst>
-                                  <p:childTnLst>
-                                    <p:set>
-                                      <p:cBhvr>
-                                        <p:cTn id="12" dur="1" fill="hold">
-                                          <p:stCondLst>
-                                            <p:cond delay="0"/>
-                                          </p:stCondLst>
-                                        </p:cTn>
-                                        <p:tgtEl>
-                                          <p:spTgt spid="12"/>
-                                        </p:tgtEl>
-                                        <p:attrNameLst>
-                                          <p:attrName>style.visibility</p:attrName>
-                                        </p:attrNameLst>
-                                      </p:cBhvr>
-                                      <p:to>
-                                        <p:strVal val="visible"/>
-                                      </p:to>
-                                    </p:set>
-                                    <p:animEffect transition="in" filter="fade">
-                                      <p:cBhvr>
-                                        <p:cTn id="13" dur="500"/>
-                                        <p:tgtEl>
-                                          <p:spTgt spid="12"/>
-                                        </p:tgtEl>
-                                      </p:cBhvr>
-                                    </p:animEffect>
-                                  </p:childTnLst>
-                                </p:cTn>
-                              </p:par>
-                            </p:childTnLst>
-                          </p:cTn>
-                        </p:par>
-                      </p:childTnLst>
-                    </p:cTn>
-                  </p:par>
-                </p:childTnLst>
-              </p:cTn>
-              <p:prevCondLst>
-                <p:cond evt="onPrev" delay="0">
-                  <p:tgtEl>
-                    <p:sldTgt/>
-                  </p:tgtEl>
-                </p:cond>
-              </p:prevCondLst>
-              <p:nextCondLst>
-                <p:cond evt="onNext" delay="0">
-                  <p:tgtEl>
-                    <p:sldTgt/>
-                  </p:tgtEl>
-                </p:cond>
-              </p:nextCondLst>
-            </p:seq>
-          </p:childTnLst>
-        </p:cTn>
-      </p:par>
-    </p:tnLst>
-    <p:bldLst>
-      <p:bldP spid="2" grpId="0" animBg="1"/>
-      <p:bldP spid="9" grpId="0" animBg="1"/>
-      <p:bldP spid="12" grpId="0"/>
-    </p:bldLst>
-  </p:timing>
-</p:sld>
-</file>
-
-<file path=ppt/slides/slide17.xml><?xml version="1.0" encoding="utf-8"?>
-<p:sld xmlns:a="http://schemas.openxmlformats.org/drawingml/2006/main" xmlns:r="http://schemas.openxmlformats.org/officeDocument/2006/relationships" xmlns:p="http://schemas.openxmlformats.org/presentationml/2006/main">
-  <p:cSld>
-    <p:spTree>
-      <p:nvGrpSpPr>
-        <p:cNvPr id="1" name=""/>
-        <p:cNvGrpSpPr/>
-        <p:nvPr/>
-      </p:nvGrpSpPr>
-      <p:grpSpPr>
-        <a:xfrm>
-          <a:off x="0" y="0"/>
-          <a:ext cx="0" cy="0"/>
-          <a:chOff x="0" y="0"/>
-          <a:chExt cx="0" cy="0"/>
-        </a:xfrm>
-      </p:grpSpPr>
-      <p:pic>
-        <p:nvPicPr>
-          <p:cNvPr id="7" name="Picture 6"/>
-          <p:cNvPicPr>
-            <a:picLocks noChangeAspect="1"/>
-          </p:cNvPicPr>
-          <p:nvPr/>
-        </p:nvPicPr>
-        <p:blipFill>
-          <a:blip r:embed="rId3" cstate="print">
-            <a:duotone>
-              <a:prstClr val="black"/>
-              <a:schemeClr val="tx2">
-                <a:tint val="45000"/>
-                <a:satMod val="400000"/>
-              </a:schemeClr>
-            </a:duotone>
-            <a:extLst>
-              <a:ext uri="{28A0092B-C50C-407E-A947-70E740481C1C}">
-                <a14:useLocalDpi xmlns:a14="http://schemas.microsoft.com/office/drawing/2010/main" val="0"/>
-              </a:ext>
-            </a:extLst>
-          </a:blip>
-          <a:stretch>
-            <a:fillRect/>
-          </a:stretch>
-        </p:blipFill>
-        <p:spPr>
-          <a:xfrm>
-            <a:off x="-11637" y="9143199"/>
-            <a:ext cx="18302812" cy="1146976"/>
-          </a:xfrm>
-          <a:prstGeom prst="rect">
-            <a:avLst/>
-          </a:prstGeom>
-        </p:spPr>
-      </p:pic>
-      <p:sp>
-        <p:nvSpPr>
-          <p:cNvPr id="6" name="Oval 5"/>
-          <p:cNvSpPr/>
-          <p:nvPr/>
-        </p:nvSpPr>
-        <p:spPr>
-          <a:xfrm>
-            <a:off x="7885447" y="2912839"/>
-            <a:ext cx="2520280" cy="2520280"/>
-          </a:xfrm>
-          <a:prstGeom prst="ellipse">
-            <a:avLst/>
-          </a:prstGeom>
-          <a:solidFill>
-            <a:srgbClr val="565D6F"/>
-          </a:solidFill>
-          <a:ln>
-            <a:noFill/>
-          </a:ln>
-        </p:spPr>
-        <p:style>
-          <a:lnRef idx="2">
-            <a:schemeClr val="accent1">
-              <a:shade val="50000"/>
-            </a:schemeClr>
-          </a:lnRef>
-          <a:fillRef idx="1">
-            <a:schemeClr val="accent1"/>
-          </a:fillRef>
-          <a:effectRef idx="0">
-            <a:schemeClr val="accent1"/>
-          </a:effectRef>
-          <a:fontRef idx="minor">
-            <a:schemeClr val="lt1"/>
-          </a:fontRef>
-        </p:style>
-        <p:txBody>
-          <a:bodyPr rtlCol="0" anchor="ctr"/>
-          <a:lstStyle/>
-          <a:p>
-            <a:pPr algn="ctr"/>
-            <a:endParaRPr lang="tr-TR"/>
-          </a:p>
-        </p:txBody>
-      </p:sp>
-      <p:sp>
-        <p:nvSpPr>
-          <p:cNvPr id="10" name="TextBox 9"/>
-          <p:cNvSpPr txBox="1"/>
-          <p:nvPr/>
-        </p:nvSpPr>
-        <p:spPr>
-          <a:xfrm>
-            <a:off x="5105622" y="5793159"/>
-            <a:ext cx="8068294" cy="861774"/>
-          </a:xfrm>
-          <a:prstGeom prst="rect">
-            <a:avLst/>
-          </a:prstGeom>
-          <a:noFill/>
-        </p:spPr>
-        <p:txBody>
-          <a:bodyPr wrap="square" rtlCol="0">
-            <a:spAutoFit/>
-          </a:bodyPr>
-          <a:lstStyle/>
-          <a:p>
-            <a:pPr algn="ctr"/>
-            <a:r>
-              <a:rPr lang="fr-FR" sz="5000" b="1" dirty="0" smtClean="0">
-                <a:solidFill>
-                  <a:schemeClr val="tx1">
-                    <a:lumMod val="65000"/>
-                    <a:lumOff val="35000"/>
-                  </a:schemeClr>
-                </a:solidFill>
-                <a:latin typeface="Caviar Dreams" pitchFamily="34" charset="-94"/>
-                <a:ea typeface="Open Sans" pitchFamily="34" charset="0"/>
-                <a:cs typeface="Open Sans" pitchFamily="34" charset="0"/>
-              </a:rPr>
-              <a:t>Server Library</a:t>
-            </a:r>
-            <a:endParaRPr lang="tr-TR" sz="5000" b="1" dirty="0">
-              <a:solidFill>
-                <a:schemeClr val="tx1">
-                  <a:lumMod val="65000"/>
-                  <a:lumOff val="35000"/>
-                </a:schemeClr>
-              </a:solidFill>
-              <a:latin typeface="Caviar Dreams" pitchFamily="34" charset="-94"/>
-              <a:ea typeface="Open Sans" pitchFamily="34" charset="0"/>
-              <a:cs typeface="Open Sans" pitchFamily="34" charset="0"/>
-            </a:endParaRPr>
-          </a:p>
-        </p:txBody>
-      </p:sp>
-      <p:sp>
-        <p:nvSpPr>
-          <p:cNvPr id="15" name="Oval 14"/>
-          <p:cNvSpPr/>
-          <p:nvPr/>
-        </p:nvSpPr>
-        <p:spPr>
-          <a:xfrm>
-            <a:off x="8816986" y="9449582"/>
-            <a:ext cx="654224" cy="648817"/>
-          </a:xfrm>
-          <a:prstGeom prst="ellipse">
-            <a:avLst/>
-          </a:prstGeom>
-          <a:solidFill>
-            <a:schemeClr val="bg1"/>
-          </a:solidFill>
-          <a:ln>
-            <a:noFill/>
-          </a:ln>
-        </p:spPr>
-        <p:style>
-          <a:lnRef idx="2">
-            <a:schemeClr val="accent1">
-              <a:shade val="50000"/>
-            </a:schemeClr>
-          </a:lnRef>
-          <a:fillRef idx="1">
-            <a:schemeClr val="accent1"/>
-          </a:fillRef>
-          <a:effectRef idx="0">
-            <a:schemeClr val="accent1"/>
-          </a:effectRef>
-          <a:fontRef idx="minor">
-            <a:schemeClr val="lt1"/>
-          </a:fontRef>
-        </p:style>
-        <p:txBody>
-          <a:bodyPr rtlCol="0" anchor="ctr"/>
-          <a:lstStyle/>
-          <a:p>
-            <a:pPr algn="ctr"/>
-            <a:endParaRPr lang="tr-TR"/>
-          </a:p>
-        </p:txBody>
-      </p:sp>
-      <p:sp>
-        <p:nvSpPr>
-          <p:cNvPr id="16" name="TextBox 15"/>
-          <p:cNvSpPr txBox="1"/>
-          <p:nvPr/>
-        </p:nvSpPr>
-        <p:spPr>
-          <a:xfrm>
-            <a:off x="8880355" y="9464822"/>
-            <a:ext cx="504056" cy="1107996"/>
-          </a:xfrm>
-          <a:prstGeom prst="rect">
-            <a:avLst/>
-          </a:prstGeom>
-          <a:noFill/>
-        </p:spPr>
-        <p:txBody>
-          <a:bodyPr wrap="square" rtlCol="0">
-            <a:spAutoFit/>
-          </a:bodyPr>
-          <a:lstStyle/>
-          <a:p>
-            <a:pPr algn="ctr"/>
-            <a:r>
-              <a:rPr lang="fr-FR" sz="3300" b="1" dirty="0">
-                <a:solidFill>
-                  <a:srgbClr val="565D6F"/>
-                </a:solidFill>
-                <a:latin typeface="Caviar Dreams" pitchFamily="34" charset="-94"/>
-                <a:ea typeface="Open Sans" pitchFamily="34" charset="0"/>
-                <a:cs typeface="Open Sans" pitchFamily="34" charset="0"/>
-              </a:rPr>
-              <a:t>R</a:t>
-            </a:r>
-            <a:endParaRPr lang="tr-TR" sz="3300" b="1" dirty="0">
-              <a:solidFill>
-                <a:srgbClr val="565D6F"/>
-              </a:solidFill>
-              <a:latin typeface="Caviar Dreams" pitchFamily="34" charset="-94"/>
-              <a:ea typeface="Open Sans" pitchFamily="34" charset="0"/>
-              <a:cs typeface="Open Sans" pitchFamily="34" charset="0"/>
-            </a:endParaRPr>
-          </a:p>
-          <a:p>
-            <a:pPr algn="ctr"/>
-            <a:endParaRPr lang="tr-TR" sz="3300" b="1" dirty="0">
-              <a:solidFill>
-                <a:srgbClr val="009CD6"/>
-              </a:solidFill>
-              <a:latin typeface="Caviar Dreams" pitchFamily="34" charset="-94"/>
-              <a:ea typeface="Open Sans" pitchFamily="34" charset="0"/>
-              <a:cs typeface="Open Sans" pitchFamily="34" charset="0"/>
-            </a:endParaRPr>
-          </a:p>
-        </p:txBody>
-      </p:sp>
-      <p:pic>
-        <p:nvPicPr>
-          <p:cNvPr id="2" name="Image 1"/>
-          <p:cNvPicPr>
-            <a:picLocks noChangeAspect="1"/>
-          </p:cNvPicPr>
-          <p:nvPr/>
-        </p:nvPicPr>
-        <p:blipFill>
-          <a:blip r:embed="rId4">
-            <a:lum bright="70000" contrast="-70000"/>
-            <a:extLst>
-              <a:ext uri="{28A0092B-C50C-407E-A947-70E740481C1C}">
-                <a14:useLocalDpi xmlns:a14="http://schemas.microsoft.com/office/drawing/2010/main" val="0"/>
-              </a:ext>
-            </a:extLst>
-          </a:blip>
-          <a:stretch>
-            <a:fillRect/>
-          </a:stretch>
-        </p:blipFill>
-        <p:spPr>
-          <a:xfrm>
-            <a:off x="7754848" y="3237075"/>
-            <a:ext cx="2769841" cy="1871807"/>
-          </a:xfrm>
-          <a:prstGeom prst="rect">
-            <a:avLst/>
-          </a:prstGeom>
-        </p:spPr>
-      </p:pic>
-    </p:spTree>
-    <p:extLst>
-      <p:ext uri="{BB962C8B-B14F-4D97-AF65-F5344CB8AC3E}">
-        <p14:creationId xmlns:p14="http://schemas.microsoft.com/office/powerpoint/2010/main" val="2400804383"/>
-      </p:ext>
-    </p:extLst>
-  </p:cSld>
-  <p:clrMapOvr>
-    <a:masterClrMapping/>
-  </p:clrMapOvr>
-  <mc:AlternateContent xmlns:mc="http://schemas.openxmlformats.org/markup-compatibility/2006" xmlns:p14="http://schemas.microsoft.com/office/powerpoint/2010/main">
-    <mc:Choice Requires="p14">
-      <p:transition spd="med" p14:dur="700">
-        <p:fade/>
-      </p:transition>
-    </mc:Choice>
-    <mc:Fallback xmlns="">
-      <p:transition spd="med">
-        <p:fade/>
-      </p:transition>
-    </mc:Fallback>
-  </mc:AlternateContent>
-  <p:timing>
-    <p:tnLst>
-      <p:par>
-        <p:cTn id="1" dur="indefinite" restart="never" nodeType="tmRoot">
-          <p:childTnLst>
-            <p:seq concurrent="1" nextAc="seek">
-              <p:cTn id="2" dur="indefinite" nodeType="mainSeq">
-                <p:childTnLst>
-                  <p:par>
-                    <p:cTn id="3" fill="hold">
-                      <p:stCondLst>
-                        <p:cond delay="indefinite"/>
-                        <p:cond evt="onBegin" delay="0">
-                          <p:tn val="2"/>
-                        </p:cond>
-                      </p:stCondLst>
-                      <p:childTnLst>
-                        <p:par>
-                          <p:cTn id="4" fill="hold">
-                            <p:stCondLst>
-                              <p:cond delay="0"/>
-                            </p:stCondLst>
-                            <p:childTnLst>
-                              <p:par>
-                                <p:cTn id="5" presetID="10" presetClass="entr" presetSubtype="0" fill="hold" grpId="0" nodeType="withEffect">
-                                  <p:stCondLst>
-                                    <p:cond delay="0"/>
-                                  </p:stCondLst>
-                                  <p:childTnLst>
-                                    <p:set>
-                                      <p:cBhvr>
-                                        <p:cTn id="6" dur="1" fill="hold">
-                                          <p:stCondLst>
-                                            <p:cond delay="0"/>
-                                          </p:stCondLst>
-                                        </p:cTn>
-                                        <p:tgtEl>
-                                          <p:spTgt spid="6"/>
-                                        </p:tgtEl>
-                                        <p:attrNameLst>
-                                          <p:attrName>style.visibility</p:attrName>
-                                        </p:attrNameLst>
-                                      </p:cBhvr>
-                                      <p:to>
-                                        <p:strVal val="visible"/>
-                                      </p:to>
-                                    </p:set>
-                                    <p:animEffect transition="in" filter="fade">
-                                      <p:cBhvr>
-                                        <p:cTn id="7" dur="500"/>
-                                        <p:tgtEl>
-                                          <p:spTgt spid="6"/>
-                                        </p:tgtEl>
-                                      </p:cBhvr>
-                                    </p:animEffect>
-                                  </p:childTnLst>
-                                </p:cTn>
-                              </p:par>
-                              <p:par>
-                                <p:cTn id="8" presetID="10" presetClass="entr" presetSubtype="0" fill="hold" grpId="0" nodeType="withEffect">
-                                  <p:stCondLst>
-                                    <p:cond delay="0"/>
-                                  </p:stCondLst>
-                                  <p:childTnLst>
-                                    <p:set>
-                                      <p:cBhvr>
-                                        <p:cTn id="9" dur="1" fill="hold">
-                                          <p:stCondLst>
-                                            <p:cond delay="0"/>
-                                          </p:stCondLst>
-                                        </p:cTn>
-                                        <p:tgtEl>
-                                          <p:spTgt spid="10"/>
-                                        </p:tgtEl>
-                                        <p:attrNameLst>
-                                          <p:attrName>style.visibility</p:attrName>
-                                        </p:attrNameLst>
-                                      </p:cBhvr>
-                                      <p:to>
-                                        <p:strVal val="visible"/>
-                                      </p:to>
-                                    </p:set>
-                                    <p:animEffect transition="in" filter="fade">
-                                      <p:cBhvr>
-                                        <p:cTn id="10" dur="500"/>
-                                        <p:tgtEl>
-                                          <p:spTgt spid="10"/>
-                                        </p:tgtEl>
-                                      </p:cBhvr>
-                                    </p:animEffect>
-                                  </p:childTnLst>
-                                </p:cTn>
-                              </p:par>
-                              <p:par>
-                                <p:cTn id="11" presetID="10" presetClass="entr" presetSubtype="0" fill="hold" nodeType="withEffect">
-                                  <p:stCondLst>
-                                    <p:cond delay="0"/>
-                                  </p:stCondLst>
-                                  <p:childTnLst>
-                                    <p:set>
-                                      <p:cBhvr>
-                                        <p:cTn id="12" dur="1" fill="hold">
-                                          <p:stCondLst>
-                                            <p:cond delay="0"/>
-                                          </p:stCondLst>
-                                        </p:cTn>
-                                        <p:tgtEl>
-                                          <p:spTgt spid="2"/>
-                                        </p:tgtEl>
-                                        <p:attrNameLst>
-                                          <p:attrName>style.visibility</p:attrName>
-                                        </p:attrNameLst>
-                                      </p:cBhvr>
-                                      <p:to>
-                                        <p:strVal val="visible"/>
-                                      </p:to>
-                                    </p:set>
-                                    <p:animEffect transition="in" filter="fade">
-                                      <p:cBhvr>
-                                        <p:cTn id="13" dur="500"/>
-                                        <p:tgtEl>
-                                          <p:spTgt spid="2"/>
-                                        </p:tgtEl>
-                                      </p:cBhvr>
-                                    </p:animEffect>
-                                  </p:childTnLst>
-                                </p:cTn>
-                              </p:par>
-                            </p:childTnLst>
-                          </p:cTn>
-                        </p:par>
-                      </p:childTnLst>
-                    </p:cTn>
-                  </p:par>
-                </p:childTnLst>
-              </p:cTn>
-              <p:prevCondLst>
-                <p:cond evt="onPrev" delay="0">
-                  <p:tgtEl>
-                    <p:sldTgt/>
-                  </p:tgtEl>
-                </p:cond>
-              </p:prevCondLst>
-              <p:nextCondLst>
-                <p:cond evt="onNext" delay="0">
-                  <p:tgtEl>
-                    <p:sldTgt/>
-                  </p:tgtEl>
-                </p:cond>
-              </p:nextCondLst>
-            </p:seq>
-          </p:childTnLst>
-        </p:cTn>
-      </p:par>
-    </p:tnLst>
-    <p:bldLst>
-      <p:bldP spid="6" grpId="0" animBg="1"/>
-      <p:bldP spid="10" grpId="0"/>
-    </p:bldLst>
-  </p:timing>
-</p:sld>
-</file>
-
-<file path=ppt/slides/slide18.xml><?xml version="1.0" encoding="utf-8"?>
-<p:sld xmlns:a="http://schemas.openxmlformats.org/drawingml/2006/main" xmlns:r="http://schemas.openxmlformats.org/officeDocument/2006/relationships" xmlns:p="http://schemas.openxmlformats.org/presentationml/2006/main">
-  <p:cSld>
-    <p:spTree>
-      <p:nvGrpSpPr>
-        <p:cNvPr id="1" name=""/>
-        <p:cNvGrpSpPr/>
-        <p:nvPr/>
-      </p:nvGrpSpPr>
-      <p:grpSpPr>
-        <a:xfrm>
-          <a:off x="0" y="0"/>
-          <a:ext cx="0" cy="0"/>
-          <a:chOff x="0" y="0"/>
-          <a:chExt cx="0" cy="0"/>
-        </a:xfrm>
-      </p:grpSpPr>
-      <p:pic>
-        <p:nvPicPr>
-          <p:cNvPr id="43" name="Picture 42"/>
-          <p:cNvPicPr>
-            <a:picLocks noChangeAspect="1"/>
-          </p:cNvPicPr>
-          <p:nvPr/>
-        </p:nvPicPr>
-        <p:blipFill>
-          <a:blip r:embed="rId3" cstate="print">
-            <a:duotone>
-              <a:prstClr val="black"/>
-              <a:schemeClr val="tx2">
-                <a:tint val="45000"/>
-                <a:satMod val="400000"/>
-              </a:schemeClr>
-            </a:duotone>
-            <a:extLst>
-              <a:ext uri="{28A0092B-C50C-407E-A947-70E740481C1C}">
-                <a14:useLocalDpi xmlns:a14="http://schemas.microsoft.com/office/drawing/2010/main" val="0"/>
-              </a:ext>
-            </a:extLst>
-          </a:blip>
-          <a:stretch>
-            <a:fillRect/>
-          </a:stretch>
-        </p:blipFill>
-        <p:spPr>
-          <a:xfrm>
-            <a:off x="-11637" y="9143199"/>
-            <a:ext cx="18302812" cy="1146976"/>
-          </a:xfrm>
-          <a:prstGeom prst="rect">
-            <a:avLst/>
-          </a:prstGeom>
-        </p:spPr>
-      </p:pic>
-      <p:sp>
-        <p:nvSpPr>
-          <p:cNvPr id="2" name="Rectangle 1"/>
-          <p:cNvSpPr/>
-          <p:nvPr/>
-        </p:nvSpPr>
-        <p:spPr>
-          <a:xfrm>
-            <a:off x="0" y="1040631"/>
-            <a:ext cx="5401171" cy="864096"/>
-          </a:xfrm>
-          <a:prstGeom prst="rect">
-            <a:avLst/>
-          </a:prstGeom>
-          <a:solidFill>
-            <a:srgbClr val="565D6F"/>
-          </a:solidFill>
-          <a:ln>
-            <a:noFill/>
-          </a:ln>
-        </p:spPr>
-        <p:style>
-          <a:lnRef idx="2">
-            <a:schemeClr val="accent1">
-              <a:shade val="50000"/>
-            </a:schemeClr>
-          </a:lnRef>
-          <a:fillRef idx="1">
-            <a:schemeClr val="accent1"/>
-          </a:fillRef>
-          <a:effectRef idx="0">
-            <a:schemeClr val="accent1"/>
-          </a:effectRef>
-          <a:fontRef idx="minor">
-            <a:schemeClr val="lt1"/>
-          </a:fontRef>
-        </p:style>
-        <p:txBody>
-          <a:bodyPr rtlCol="0" anchor="ctr"/>
-          <a:lstStyle/>
-          <a:p>
-            <a:pPr algn="ctr"/>
-            <a:endParaRPr lang="tr-TR"/>
-          </a:p>
-        </p:txBody>
-      </p:sp>
-      <p:sp>
-        <p:nvSpPr>
-          <p:cNvPr id="9" name="Rectangle 8"/>
-          <p:cNvSpPr/>
-          <p:nvPr/>
-        </p:nvSpPr>
-        <p:spPr>
-          <a:xfrm>
-            <a:off x="5401172" y="1040631"/>
-            <a:ext cx="180020" cy="864096"/>
-          </a:xfrm>
-          <a:prstGeom prst="rect">
-            <a:avLst/>
-          </a:prstGeom>
-          <a:solidFill>
-            <a:schemeClr val="bg1">
-              <a:lumMod val="75000"/>
-            </a:schemeClr>
-          </a:solidFill>
-          <a:ln>
-            <a:noFill/>
-          </a:ln>
-        </p:spPr>
-        <p:style>
-          <a:lnRef idx="2">
-            <a:schemeClr val="accent1">
-              <a:shade val="50000"/>
-            </a:schemeClr>
-          </a:lnRef>
-          <a:fillRef idx="1">
-            <a:schemeClr val="accent1"/>
-          </a:fillRef>
-          <a:effectRef idx="0">
-            <a:schemeClr val="accent1"/>
-          </a:effectRef>
-          <a:fontRef idx="minor">
-            <a:schemeClr val="lt1"/>
-          </a:fontRef>
-        </p:style>
-        <p:txBody>
-          <a:bodyPr rtlCol="0" anchor="ctr"/>
-          <a:lstStyle/>
-          <a:p>
-            <a:pPr algn="ctr"/>
-            <a:endParaRPr lang="tr-TR"/>
-          </a:p>
-        </p:txBody>
-      </p:sp>
-      <p:sp>
-        <p:nvSpPr>
-          <p:cNvPr id="53" name="Oval 52"/>
-          <p:cNvSpPr/>
-          <p:nvPr/>
-        </p:nvSpPr>
-        <p:spPr>
-          <a:xfrm>
-            <a:off x="8816986" y="9449582"/>
-            <a:ext cx="654224" cy="648817"/>
-          </a:xfrm>
-          <a:prstGeom prst="ellipse">
-            <a:avLst/>
-          </a:prstGeom>
-          <a:solidFill>
-            <a:schemeClr val="bg1"/>
-          </a:solidFill>
-          <a:ln>
-            <a:noFill/>
-          </a:ln>
-        </p:spPr>
-        <p:style>
-          <a:lnRef idx="2">
-            <a:schemeClr val="accent1">
-              <a:shade val="50000"/>
-            </a:schemeClr>
-          </a:lnRef>
-          <a:fillRef idx="1">
-            <a:schemeClr val="accent1"/>
-          </a:fillRef>
-          <a:effectRef idx="0">
-            <a:schemeClr val="accent1"/>
-          </a:effectRef>
-          <a:fontRef idx="minor">
-            <a:schemeClr val="lt1"/>
-          </a:fontRef>
-        </p:style>
-        <p:txBody>
-          <a:bodyPr rtlCol="0" anchor="ctr"/>
-          <a:lstStyle/>
-          <a:p>
-            <a:pPr algn="ctr"/>
-            <a:endParaRPr lang="tr-TR"/>
-          </a:p>
-        </p:txBody>
-      </p:sp>
-      <p:sp>
-        <p:nvSpPr>
-          <p:cNvPr id="54" name="TextBox 53"/>
-          <p:cNvSpPr txBox="1"/>
-          <p:nvPr/>
-        </p:nvSpPr>
-        <p:spPr>
-          <a:xfrm>
-            <a:off x="8880355" y="9464822"/>
-            <a:ext cx="504056" cy="600164"/>
-          </a:xfrm>
-          <a:prstGeom prst="rect">
-            <a:avLst/>
-          </a:prstGeom>
-          <a:noFill/>
-        </p:spPr>
-        <p:txBody>
-          <a:bodyPr wrap="square" rtlCol="0">
-            <a:spAutoFit/>
-          </a:bodyPr>
-          <a:lstStyle/>
-          <a:p>
-            <a:pPr algn="ctr"/>
-            <a:r>
-              <a:rPr lang="fr-FR" sz="3300" b="1" dirty="0">
-                <a:solidFill>
-                  <a:srgbClr val="565D6F"/>
-                </a:solidFill>
-                <a:latin typeface="Caviar Dreams" pitchFamily="34" charset="-94"/>
-                <a:ea typeface="Open Sans" pitchFamily="34" charset="0"/>
-                <a:cs typeface="Open Sans" pitchFamily="34" charset="0"/>
-              </a:rPr>
-              <a:t>R</a:t>
-            </a:r>
-            <a:endParaRPr lang="tr-TR" sz="3300" b="1" dirty="0">
-              <a:solidFill>
-                <a:srgbClr val="565D6F"/>
-              </a:solidFill>
-              <a:latin typeface="Caviar Dreams" pitchFamily="34" charset="-94"/>
-              <a:ea typeface="Open Sans" pitchFamily="34" charset="0"/>
-              <a:cs typeface="Open Sans" pitchFamily="34" charset="0"/>
-            </a:endParaRPr>
-          </a:p>
-        </p:txBody>
-      </p:sp>
-      <p:pic>
-        <p:nvPicPr>
-          <p:cNvPr id="3" name="Image 2"/>
-          <p:cNvPicPr>
-            <a:picLocks noChangeAspect="1"/>
-          </p:cNvPicPr>
-          <p:nvPr/>
-        </p:nvPicPr>
-        <p:blipFill>
-          <a:blip r:embed="rId4">
-            <a:extLst>
-              <a:ext uri="{28A0092B-C50C-407E-A947-70E740481C1C}">
-                <a14:useLocalDpi xmlns:a14="http://schemas.microsoft.com/office/drawing/2010/main" val="0"/>
-              </a:ext>
-            </a:extLst>
-          </a:blip>
-          <a:stretch>
-            <a:fillRect/>
-          </a:stretch>
-        </p:blipFill>
-        <p:spPr>
-          <a:xfrm>
-            <a:off x="-4535933" y="-2271737"/>
-            <a:ext cx="27291032" cy="14822963"/>
-          </a:xfrm>
-          <a:prstGeom prst="rect">
-            <a:avLst/>
-          </a:prstGeom>
-        </p:spPr>
-      </p:pic>
-    </p:spTree>
-    <p:extLst>
-      <p:ext uri="{BB962C8B-B14F-4D97-AF65-F5344CB8AC3E}">
-        <p14:creationId xmlns:p14="http://schemas.microsoft.com/office/powerpoint/2010/main" val="2735977730"/>
-      </p:ext>
-    </p:extLst>
-  </p:cSld>
-  <p:clrMapOvr>
-    <a:masterClrMapping/>
-  </p:clrMapOvr>
-  <mc:AlternateContent xmlns:mc="http://schemas.openxmlformats.org/markup-compatibility/2006" xmlns:p14="http://schemas.microsoft.com/office/powerpoint/2010/main">
-    <mc:Choice Requires="p14">
-      <p:transition spd="med" p14:dur="700">
-        <p:fade/>
-      </p:transition>
-    </mc:Choice>
-    <mc:Fallback xmlns="">
-      <p:transition spd="med">
-        <p:fade/>
-      </p:transition>
-    </mc:Fallback>
-  </mc:AlternateContent>
-  <p:timing>
-    <p:tnLst>
-      <p:par>
-        <p:cTn id="1" dur="indefinite" restart="never" nodeType="tmRoot">
-          <p:childTnLst>
-            <p:seq concurrent="1" nextAc="seek">
-              <p:cTn id="2" dur="indefinite" nodeType="mainSeq">
-                <p:childTnLst>
-                  <p:par>
-                    <p:cTn id="3" fill="hold">
-                      <p:stCondLst>
-                        <p:cond delay="indefinite"/>
-                        <p:cond evt="onBegin" delay="0">
-                          <p:tn val="2"/>
-                        </p:cond>
-                      </p:stCondLst>
-                      <p:childTnLst>
-                        <p:par>
-                          <p:cTn id="4" fill="hold">
-                            <p:stCondLst>
-                              <p:cond delay="0"/>
-                            </p:stCondLst>
-                            <p:childTnLst>
-                              <p:par>
-                                <p:cTn id="5" presetID="10" presetClass="entr" presetSubtype="0" fill="hold" grpId="0" nodeType="withEffect">
-                                  <p:stCondLst>
-                                    <p:cond delay="0"/>
-                                  </p:stCondLst>
-                                  <p:childTnLst>
-                                    <p:set>
-                                      <p:cBhvr>
-                                        <p:cTn id="6" dur="1" fill="hold">
-                                          <p:stCondLst>
-                                            <p:cond delay="0"/>
-                                          </p:stCondLst>
-                                        </p:cTn>
-                                        <p:tgtEl>
-                                          <p:spTgt spid="2"/>
-                                        </p:tgtEl>
-                                        <p:attrNameLst>
-                                          <p:attrName>style.visibility</p:attrName>
-                                        </p:attrNameLst>
-                                      </p:cBhvr>
-                                      <p:to>
-                                        <p:strVal val="visible"/>
-                                      </p:to>
-                                    </p:set>
-                                    <p:animEffect transition="in" filter="fade">
-                                      <p:cBhvr>
-                                        <p:cTn id="7" dur="500"/>
-                                        <p:tgtEl>
-                                          <p:spTgt spid="2"/>
-                                        </p:tgtEl>
-                                      </p:cBhvr>
-                                    </p:animEffect>
-                                  </p:childTnLst>
-                                </p:cTn>
-                              </p:par>
-                              <p:par>
-                                <p:cTn id="8" presetID="10" presetClass="entr" presetSubtype="0" fill="hold" grpId="0" nodeType="withEffect">
-                                  <p:stCondLst>
-                                    <p:cond delay="0"/>
-                                  </p:stCondLst>
-                                  <p:childTnLst>
-                                    <p:set>
-                                      <p:cBhvr>
-                                        <p:cTn id="9" dur="1" fill="hold">
-                                          <p:stCondLst>
-                                            <p:cond delay="0"/>
-                                          </p:stCondLst>
-                                        </p:cTn>
-                                        <p:tgtEl>
-                                          <p:spTgt spid="9"/>
-                                        </p:tgtEl>
-                                        <p:attrNameLst>
-                                          <p:attrName>style.visibility</p:attrName>
-                                        </p:attrNameLst>
-                                      </p:cBhvr>
-                                      <p:to>
-                                        <p:strVal val="visible"/>
-                                      </p:to>
-                                    </p:set>
-                                    <p:animEffect transition="in" filter="fade">
-                                      <p:cBhvr>
-                                        <p:cTn id="10" dur="500"/>
-                                        <p:tgtEl>
-                                          <p:spTgt spid="9"/>
-                                        </p:tgtEl>
-                                      </p:cBhvr>
-                                    </p:animEffect>
-                                  </p:childTnLst>
-                                </p:cTn>
-                              </p:par>
-                            </p:childTnLst>
-                          </p:cTn>
-                        </p:par>
-                      </p:childTnLst>
-                    </p:cTn>
-                  </p:par>
-                </p:childTnLst>
-              </p:cTn>
-              <p:prevCondLst>
-                <p:cond evt="onPrev" delay="0">
-                  <p:tgtEl>
-                    <p:sldTgt/>
-                  </p:tgtEl>
-                </p:cond>
-              </p:prevCondLst>
-              <p:nextCondLst>
-                <p:cond evt="onNext" delay="0">
-                  <p:tgtEl>
-                    <p:sldTgt/>
-                  </p:tgtEl>
-                </p:cond>
-              </p:nextCondLst>
-            </p:seq>
-          </p:childTnLst>
-        </p:cTn>
-      </p:par>
-    </p:tnLst>
-    <p:bldLst>
-      <p:bldP spid="2" grpId="0" animBg="1"/>
-      <p:bldP spid="9" grpId="0" animBg="1"/>
-    </p:bldLst>
-  </p:timing>
-</p:sld>
-</file>
-
-<file path=ppt/slides/slide19.xml><?xml version="1.0" encoding="utf-8"?>
-<p:sld xmlns:a="http://schemas.openxmlformats.org/drawingml/2006/main" xmlns:r="http://schemas.openxmlformats.org/officeDocument/2006/relationships" xmlns:p="http://schemas.openxmlformats.org/presentationml/2006/main">
-  <p:cSld>
-    <p:spTree>
-      <p:nvGrpSpPr>
-        <p:cNvPr id="1" name=""/>
-        <p:cNvGrpSpPr/>
-        <p:nvPr/>
-      </p:nvGrpSpPr>
-      <p:grpSpPr>
-        <a:xfrm>
-          <a:off x="0" y="0"/>
-          <a:ext cx="0" cy="0"/>
-          <a:chOff x="0" y="0"/>
-          <a:chExt cx="0" cy="0"/>
-        </a:xfrm>
-      </p:grpSpPr>
-      <p:pic>
-        <p:nvPicPr>
           <p:cNvPr id="7" name="Picture 6"/>
           <p:cNvPicPr>
             <a:picLocks noChangeAspect="1"/>
@@ -13636,1105 +11271,7 @@
 </p:sld>
 </file>
 
-<file path=ppt/slides/slide2.xml><?xml version="1.0" encoding="utf-8"?>
-<p:sld xmlns:a="http://schemas.openxmlformats.org/drawingml/2006/main" xmlns:r="http://schemas.openxmlformats.org/officeDocument/2006/relationships" xmlns:p="http://schemas.openxmlformats.org/presentationml/2006/main">
-  <p:cSld>
-    <p:spTree>
-      <p:nvGrpSpPr>
-        <p:cNvPr id="1" name=""/>
-        <p:cNvGrpSpPr/>
-        <p:nvPr/>
-      </p:nvGrpSpPr>
-      <p:grpSpPr>
-        <a:xfrm>
-          <a:off x="0" y="0"/>
-          <a:ext cx="0" cy="0"/>
-          <a:chOff x="0" y="0"/>
-          <a:chExt cx="0" cy="0"/>
-        </a:xfrm>
-      </p:grpSpPr>
-      <p:sp>
-        <p:nvSpPr>
-          <p:cNvPr id="49" name="Oval 48"/>
-          <p:cNvSpPr/>
-          <p:nvPr/>
-        </p:nvSpPr>
-        <p:spPr>
-          <a:xfrm>
-            <a:off x="6089930" y="2729473"/>
-            <a:ext cx="2448272" cy="2448272"/>
-          </a:xfrm>
-          <a:prstGeom prst="ellipse">
-            <a:avLst/>
-          </a:prstGeom>
-          <a:solidFill>
-            <a:srgbClr val="565D6F"/>
-          </a:solidFill>
-          <a:ln>
-            <a:noFill/>
-          </a:ln>
-        </p:spPr>
-        <p:style>
-          <a:lnRef idx="2">
-            <a:schemeClr val="accent1">
-              <a:shade val="50000"/>
-            </a:schemeClr>
-          </a:lnRef>
-          <a:fillRef idx="1">
-            <a:schemeClr val="accent1"/>
-          </a:fillRef>
-          <a:effectRef idx="0">
-            <a:schemeClr val="accent1"/>
-          </a:effectRef>
-          <a:fontRef idx="minor">
-            <a:schemeClr val="lt1"/>
-          </a:fontRef>
-        </p:style>
-        <p:txBody>
-          <a:bodyPr rtlCol="0" anchor="ctr"/>
-          <a:lstStyle/>
-          <a:p>
-            <a:pPr algn="ctr"/>
-            <a:endParaRPr lang="tr-TR"/>
-          </a:p>
-        </p:txBody>
-      </p:sp>
-      <p:sp>
-        <p:nvSpPr>
-          <p:cNvPr id="50" name="Oval 49"/>
-          <p:cNvSpPr/>
-          <p:nvPr/>
-        </p:nvSpPr>
-        <p:spPr>
-          <a:xfrm>
-            <a:off x="9482096" y="2751245"/>
-            <a:ext cx="2448272" cy="2448272"/>
-          </a:xfrm>
-          <a:prstGeom prst="ellipse">
-            <a:avLst/>
-          </a:prstGeom>
-          <a:solidFill>
-            <a:srgbClr val="565D6F"/>
-          </a:solidFill>
-          <a:ln>
-            <a:noFill/>
-          </a:ln>
-        </p:spPr>
-        <p:style>
-          <a:lnRef idx="2">
-            <a:schemeClr val="accent1">
-              <a:shade val="50000"/>
-            </a:schemeClr>
-          </a:lnRef>
-          <a:fillRef idx="1">
-            <a:schemeClr val="accent1"/>
-          </a:fillRef>
-          <a:effectRef idx="0">
-            <a:schemeClr val="accent1"/>
-          </a:effectRef>
-          <a:fontRef idx="minor">
-            <a:schemeClr val="lt1"/>
-          </a:fontRef>
-        </p:style>
-        <p:txBody>
-          <a:bodyPr rtlCol="0" anchor="ctr"/>
-          <a:lstStyle/>
-          <a:p>
-            <a:pPr algn="ctr"/>
-            <a:endParaRPr lang="tr-TR"/>
-          </a:p>
-        </p:txBody>
-      </p:sp>
-      <p:pic>
-        <p:nvPicPr>
-          <p:cNvPr id="35" name="Picture 34"/>
-          <p:cNvPicPr>
-            <a:picLocks noChangeAspect="1"/>
-          </p:cNvPicPr>
-          <p:nvPr/>
-        </p:nvPicPr>
-        <p:blipFill>
-          <a:blip r:embed="rId3" cstate="print">
-            <a:duotone>
-              <a:prstClr val="black"/>
-              <a:schemeClr val="tx2">
-                <a:tint val="45000"/>
-                <a:satMod val="400000"/>
-              </a:schemeClr>
-            </a:duotone>
-            <a:extLst>
-              <a:ext uri="{28A0092B-C50C-407E-A947-70E740481C1C}">
-                <a14:useLocalDpi xmlns:a14="http://schemas.microsoft.com/office/drawing/2010/main" val="0"/>
-              </a:ext>
-            </a:extLst>
-          </a:blip>
-          <a:stretch>
-            <a:fillRect/>
-          </a:stretch>
-        </p:blipFill>
-        <p:spPr>
-          <a:xfrm>
-            <a:off x="-11637" y="9143199"/>
-            <a:ext cx="18302812" cy="1146976"/>
-          </a:xfrm>
-          <a:prstGeom prst="rect">
-            <a:avLst/>
-          </a:prstGeom>
-        </p:spPr>
-      </p:pic>
-      <p:sp>
-        <p:nvSpPr>
-          <p:cNvPr id="2" name="Rectangle 1"/>
-          <p:cNvSpPr/>
-          <p:nvPr/>
-        </p:nvSpPr>
-        <p:spPr>
-          <a:xfrm>
-            <a:off x="0" y="1040631"/>
-            <a:ext cx="5401171" cy="864096"/>
-          </a:xfrm>
-          <a:prstGeom prst="rect">
-            <a:avLst/>
-          </a:prstGeom>
-          <a:solidFill>
-            <a:srgbClr val="565D6F"/>
-          </a:solidFill>
-          <a:ln>
-            <a:noFill/>
-          </a:ln>
-        </p:spPr>
-        <p:style>
-          <a:lnRef idx="2">
-            <a:schemeClr val="accent1">
-              <a:shade val="50000"/>
-            </a:schemeClr>
-          </a:lnRef>
-          <a:fillRef idx="1">
-            <a:schemeClr val="accent1"/>
-          </a:fillRef>
-          <a:effectRef idx="0">
-            <a:schemeClr val="accent1"/>
-          </a:effectRef>
-          <a:fontRef idx="minor">
-            <a:schemeClr val="lt1"/>
-          </a:fontRef>
-        </p:style>
-        <p:txBody>
-          <a:bodyPr rtlCol="0" anchor="ctr"/>
-          <a:lstStyle/>
-          <a:p>
-            <a:pPr algn="ctr"/>
-            <a:endParaRPr lang="tr-TR"/>
-          </a:p>
-        </p:txBody>
-      </p:sp>
-      <p:sp>
-        <p:nvSpPr>
-          <p:cNvPr id="9" name="Rectangle 8"/>
-          <p:cNvSpPr/>
-          <p:nvPr/>
-        </p:nvSpPr>
-        <p:spPr>
-          <a:xfrm>
-            <a:off x="5401172" y="1040631"/>
-            <a:ext cx="180020" cy="864096"/>
-          </a:xfrm>
-          <a:prstGeom prst="rect">
-            <a:avLst/>
-          </a:prstGeom>
-          <a:solidFill>
-            <a:schemeClr val="bg1">
-              <a:lumMod val="75000"/>
-            </a:schemeClr>
-          </a:solidFill>
-          <a:ln>
-            <a:noFill/>
-          </a:ln>
-        </p:spPr>
-        <p:style>
-          <a:lnRef idx="2">
-            <a:schemeClr val="accent1">
-              <a:shade val="50000"/>
-            </a:schemeClr>
-          </a:lnRef>
-          <a:fillRef idx="1">
-            <a:schemeClr val="accent1"/>
-          </a:fillRef>
-          <a:effectRef idx="0">
-            <a:schemeClr val="accent1"/>
-          </a:effectRef>
-          <a:fontRef idx="minor">
-            <a:schemeClr val="lt1"/>
-          </a:fontRef>
-        </p:style>
-        <p:txBody>
-          <a:bodyPr rtlCol="0" anchor="ctr"/>
-          <a:lstStyle/>
-          <a:p>
-            <a:pPr algn="ctr"/>
-            <a:endParaRPr lang="tr-TR"/>
-          </a:p>
-        </p:txBody>
-      </p:sp>
-      <p:sp>
-        <p:nvSpPr>
-          <p:cNvPr id="12" name="TextBox 11"/>
-          <p:cNvSpPr txBox="1"/>
-          <p:nvPr/>
-        </p:nvSpPr>
-        <p:spPr>
-          <a:xfrm>
-            <a:off x="176906" y="1040631"/>
-            <a:ext cx="5008241" cy="784830"/>
-          </a:xfrm>
-          <a:prstGeom prst="rect">
-            <a:avLst/>
-          </a:prstGeom>
-          <a:noFill/>
-        </p:spPr>
-        <p:txBody>
-          <a:bodyPr wrap="square" rtlCol="0">
-            <a:spAutoFit/>
-          </a:bodyPr>
-          <a:lstStyle/>
-          <a:p>
-            <a:pPr algn="ctr"/>
-            <a:r>
-              <a:rPr lang="fr-FR" sz="4500" b="1" dirty="0" smtClean="0">
-                <a:solidFill>
-                  <a:schemeClr val="bg1">
-                    <a:lumMod val="95000"/>
-                  </a:schemeClr>
-                </a:solidFill>
-                <a:latin typeface="Caviar Dreams" pitchFamily="34" charset="-94"/>
-                <a:ea typeface="Open Sans" pitchFamily="34" charset="0"/>
-                <a:cs typeface="Open Sans" pitchFamily="34" charset="0"/>
-              </a:rPr>
-              <a:t>L’EQUIPE</a:t>
-            </a:r>
-            <a:endParaRPr lang="tr-TR" sz="4500" b="1" dirty="0">
-              <a:solidFill>
-                <a:schemeClr val="bg1">
-                  <a:lumMod val="95000"/>
-                </a:schemeClr>
-              </a:solidFill>
-              <a:latin typeface="Caviar Dreams" pitchFamily="34" charset="-94"/>
-              <a:ea typeface="Open Sans" pitchFamily="34" charset="0"/>
-              <a:cs typeface="Open Sans" pitchFamily="34" charset="0"/>
-            </a:endParaRPr>
-          </a:p>
-        </p:txBody>
-      </p:sp>
-      <p:sp>
-        <p:nvSpPr>
-          <p:cNvPr id="73" name="Oval 72"/>
-          <p:cNvSpPr/>
-          <p:nvPr/>
-        </p:nvSpPr>
-        <p:spPr>
-          <a:xfrm>
-            <a:off x="8816986" y="9449582"/>
-            <a:ext cx="654224" cy="648817"/>
-          </a:xfrm>
-          <a:prstGeom prst="ellipse">
-            <a:avLst/>
-          </a:prstGeom>
-          <a:solidFill>
-            <a:schemeClr val="bg1"/>
-          </a:solidFill>
-          <a:ln>
-            <a:noFill/>
-          </a:ln>
-        </p:spPr>
-        <p:style>
-          <a:lnRef idx="2">
-            <a:schemeClr val="accent1">
-              <a:shade val="50000"/>
-            </a:schemeClr>
-          </a:lnRef>
-          <a:fillRef idx="1">
-            <a:schemeClr val="accent1"/>
-          </a:fillRef>
-          <a:effectRef idx="0">
-            <a:schemeClr val="accent1"/>
-          </a:effectRef>
-          <a:fontRef idx="minor">
-            <a:schemeClr val="lt1"/>
-          </a:fontRef>
-        </p:style>
-        <p:txBody>
-          <a:bodyPr rtlCol="0" anchor="ctr"/>
-          <a:lstStyle/>
-          <a:p>
-            <a:pPr algn="ctr"/>
-            <a:endParaRPr lang="tr-TR"/>
-          </a:p>
-        </p:txBody>
-      </p:sp>
-      <p:sp>
-        <p:nvSpPr>
-          <p:cNvPr id="74" name="TextBox 73"/>
-          <p:cNvSpPr txBox="1"/>
-          <p:nvPr/>
-        </p:nvSpPr>
-        <p:spPr>
-          <a:xfrm>
-            <a:off x="8880355" y="9464822"/>
-            <a:ext cx="504056" cy="600164"/>
-          </a:xfrm>
-          <a:prstGeom prst="rect">
-            <a:avLst/>
-          </a:prstGeom>
-          <a:noFill/>
-        </p:spPr>
-        <p:txBody>
-          <a:bodyPr wrap="square" rtlCol="0">
-            <a:spAutoFit/>
-          </a:bodyPr>
-          <a:lstStyle/>
-          <a:p>
-            <a:pPr algn="ctr"/>
-            <a:r>
-              <a:rPr lang="fr-FR" sz="3300" b="1" dirty="0">
-                <a:solidFill>
-                  <a:srgbClr val="565D6F"/>
-                </a:solidFill>
-                <a:latin typeface="Caviar Dreams" pitchFamily="34" charset="-94"/>
-                <a:ea typeface="Open Sans" pitchFamily="34" charset="0"/>
-                <a:cs typeface="Open Sans" pitchFamily="34" charset="0"/>
-              </a:rPr>
-              <a:t>R</a:t>
-            </a:r>
-            <a:endParaRPr lang="tr-TR" sz="3300" b="1" dirty="0">
-              <a:solidFill>
-                <a:srgbClr val="565D6F"/>
-              </a:solidFill>
-              <a:latin typeface="Caviar Dreams" pitchFamily="34" charset="-94"/>
-              <a:ea typeface="Open Sans" pitchFamily="34" charset="0"/>
-              <a:cs typeface="Open Sans" pitchFamily="34" charset="0"/>
-            </a:endParaRPr>
-          </a:p>
-        </p:txBody>
-      </p:sp>
-      <p:sp>
-        <p:nvSpPr>
-          <p:cNvPr id="42" name="TextBox 41"/>
-          <p:cNvSpPr txBox="1"/>
-          <p:nvPr/>
-        </p:nvSpPr>
-        <p:spPr>
-          <a:xfrm>
-            <a:off x="4951982" y="5443705"/>
-            <a:ext cx="4615309" cy="707886"/>
-          </a:xfrm>
-          <a:prstGeom prst="rect">
-            <a:avLst/>
-          </a:prstGeom>
-          <a:noFill/>
-        </p:spPr>
-        <p:txBody>
-          <a:bodyPr wrap="square" rtlCol="0">
-            <a:spAutoFit/>
-          </a:bodyPr>
-          <a:lstStyle/>
-          <a:p>
-            <a:pPr algn="ctr"/>
-            <a:r>
-              <a:rPr lang="fr-FR" sz="4000" b="1" dirty="0" smtClean="0">
-                <a:solidFill>
-                  <a:srgbClr val="565D6F"/>
-                </a:solidFill>
-                <a:latin typeface="Caviar Dreams" pitchFamily="34" charset="-94"/>
-                <a:ea typeface="Open Sans" pitchFamily="34" charset="0"/>
-                <a:cs typeface="Open Sans" pitchFamily="34" charset="0"/>
-              </a:rPr>
-              <a:t>RAMI</a:t>
-            </a:r>
-            <a:endParaRPr lang="tr-TR" sz="4000" b="1" dirty="0">
-              <a:solidFill>
-                <a:srgbClr val="565D6F"/>
-              </a:solidFill>
-              <a:latin typeface="Caviar Dreams" pitchFamily="34" charset="-94"/>
-              <a:ea typeface="Open Sans" pitchFamily="34" charset="0"/>
-              <a:cs typeface="Open Sans" pitchFamily="34" charset="0"/>
-            </a:endParaRPr>
-          </a:p>
-        </p:txBody>
-      </p:sp>
-      <p:sp>
-        <p:nvSpPr>
-          <p:cNvPr id="43" name="TextBox 42"/>
-          <p:cNvSpPr txBox="1"/>
-          <p:nvPr/>
-        </p:nvSpPr>
-        <p:spPr>
-          <a:xfrm>
-            <a:off x="5580352" y="6166870"/>
-            <a:ext cx="3358568" cy="769441"/>
-          </a:xfrm>
-          <a:prstGeom prst="rect">
-            <a:avLst/>
-          </a:prstGeom>
-          <a:noFill/>
-        </p:spPr>
-        <p:txBody>
-          <a:bodyPr wrap="square" rtlCol="0">
-            <a:spAutoFit/>
-          </a:bodyPr>
-          <a:lstStyle/>
-          <a:p>
-            <a:pPr algn="ctr"/>
-            <a:r>
-              <a:rPr lang="fr-FR" sz="2200" b="1" dirty="0" smtClean="0">
-                <a:solidFill>
-                  <a:schemeClr val="tx1">
-                    <a:lumMod val="65000"/>
-                    <a:lumOff val="35000"/>
-                  </a:schemeClr>
-                </a:solidFill>
-                <a:latin typeface="Caviar Dreams" pitchFamily="34" charset="-94"/>
-              </a:rPr>
-              <a:t>Chef de projet</a:t>
-            </a:r>
-          </a:p>
-          <a:p>
-            <a:pPr algn="ctr"/>
-            <a:r>
-              <a:rPr lang="fr-FR" sz="2200" b="1" dirty="0" smtClean="0">
-                <a:solidFill>
-                  <a:schemeClr val="tx1">
-                    <a:lumMod val="65000"/>
-                    <a:lumOff val="35000"/>
-                  </a:schemeClr>
-                </a:solidFill>
-                <a:latin typeface="Caviar Dreams" pitchFamily="34" charset="-94"/>
-                <a:ea typeface="Open Sans" pitchFamily="34" charset="0"/>
-                <a:cs typeface="Open Sans" pitchFamily="34" charset="0"/>
-              </a:rPr>
-              <a:t>Développeur</a:t>
-            </a:r>
-            <a:endParaRPr lang="tr-TR" sz="2200" b="1" dirty="0">
-              <a:solidFill>
-                <a:srgbClr val="009CD6"/>
-              </a:solidFill>
-              <a:latin typeface="Caviar Dreams" pitchFamily="34" charset="-94"/>
-              <a:ea typeface="Open Sans" pitchFamily="34" charset="0"/>
-              <a:cs typeface="Open Sans" pitchFamily="34" charset="0"/>
-            </a:endParaRPr>
-          </a:p>
-        </p:txBody>
-      </p:sp>
-      <p:sp>
-        <p:nvSpPr>
-          <p:cNvPr id="44" name="TextBox 43"/>
-          <p:cNvSpPr txBox="1"/>
-          <p:nvPr/>
-        </p:nvSpPr>
-        <p:spPr>
-          <a:xfrm>
-            <a:off x="8386750" y="5443705"/>
-            <a:ext cx="4615309" cy="707886"/>
-          </a:xfrm>
-          <a:prstGeom prst="rect">
-            <a:avLst/>
-          </a:prstGeom>
-          <a:noFill/>
-        </p:spPr>
-        <p:txBody>
-          <a:bodyPr wrap="square" rtlCol="0">
-            <a:spAutoFit/>
-          </a:bodyPr>
-          <a:lstStyle/>
-          <a:p>
-            <a:pPr algn="ctr"/>
-            <a:r>
-              <a:rPr lang="fr-FR" sz="4000" b="1" dirty="0" smtClean="0">
-                <a:solidFill>
-                  <a:srgbClr val="565D6F"/>
-                </a:solidFill>
-                <a:latin typeface="Caviar Dreams" pitchFamily="34" charset="-94"/>
-                <a:ea typeface="Open Sans" pitchFamily="34" charset="0"/>
-                <a:cs typeface="Open Sans" pitchFamily="34" charset="0"/>
-              </a:rPr>
-              <a:t>VALENTIN</a:t>
-            </a:r>
-            <a:endParaRPr lang="tr-TR" sz="4000" b="1" dirty="0">
-              <a:solidFill>
-                <a:srgbClr val="565D6F"/>
-              </a:solidFill>
-              <a:latin typeface="Caviar Dreams" pitchFamily="34" charset="-94"/>
-              <a:ea typeface="Open Sans" pitchFamily="34" charset="0"/>
-              <a:cs typeface="Open Sans" pitchFamily="34" charset="0"/>
-            </a:endParaRPr>
-          </a:p>
-        </p:txBody>
-      </p:sp>
-      <p:sp>
-        <p:nvSpPr>
-          <p:cNvPr id="45" name="TextBox 44"/>
-          <p:cNvSpPr txBox="1"/>
-          <p:nvPr/>
-        </p:nvSpPr>
-        <p:spPr>
-          <a:xfrm>
-            <a:off x="9015120" y="6166870"/>
-            <a:ext cx="3358568" cy="430887"/>
-          </a:xfrm>
-          <a:prstGeom prst="rect">
-            <a:avLst/>
-          </a:prstGeom>
-          <a:noFill/>
-        </p:spPr>
-        <p:txBody>
-          <a:bodyPr wrap="square" rtlCol="0">
-            <a:spAutoFit/>
-          </a:bodyPr>
-          <a:lstStyle/>
-          <a:p>
-            <a:pPr algn="ctr"/>
-            <a:r>
-              <a:rPr lang="fr-FR" sz="2200" b="1" dirty="0" smtClean="0">
-                <a:solidFill>
-                  <a:schemeClr val="tx1">
-                    <a:lumMod val="65000"/>
-                    <a:lumOff val="35000"/>
-                  </a:schemeClr>
-                </a:solidFill>
-                <a:latin typeface="Caviar Dreams" pitchFamily="34" charset="-94"/>
-              </a:rPr>
-              <a:t>Développeur</a:t>
-            </a:r>
-            <a:endParaRPr lang="tr-TR" sz="2200" b="1" dirty="0">
-              <a:solidFill>
-                <a:srgbClr val="009CD6"/>
-              </a:solidFill>
-              <a:latin typeface="Caviar Dreams" pitchFamily="34" charset="-94"/>
-              <a:ea typeface="Open Sans" pitchFamily="34" charset="0"/>
-              <a:cs typeface="Open Sans" pitchFamily="34" charset="0"/>
-            </a:endParaRPr>
-          </a:p>
-        </p:txBody>
-      </p:sp>
-      <p:pic>
-        <p:nvPicPr>
-          <p:cNvPr id="3" name="Image 2"/>
-          <p:cNvPicPr>
-            <a:picLocks noChangeAspect="1"/>
-          </p:cNvPicPr>
-          <p:nvPr/>
-        </p:nvPicPr>
-        <p:blipFill>
-          <a:blip r:embed="rId4">
-            <a:extLst>
-              <a:ext uri="{28A0092B-C50C-407E-A947-70E740481C1C}">
-                <a14:useLocalDpi xmlns:a14="http://schemas.microsoft.com/office/drawing/2010/main" val="0"/>
-              </a:ext>
-            </a:extLst>
-          </a:blip>
-          <a:stretch>
-            <a:fillRect/>
-          </a:stretch>
-        </p:blipFill>
-        <p:spPr>
-          <a:xfrm>
-            <a:off x="6109153" y="2748696"/>
-            <a:ext cx="2409825" cy="2409825"/>
-          </a:xfrm>
-          <a:prstGeom prst="ellipse">
-            <a:avLst/>
-          </a:prstGeom>
-          <a:ln w="63500" cap="rnd">
-            <a:solidFill>
-              <a:srgbClr val="333333"/>
-            </a:solidFill>
-          </a:ln>
-          <a:effectLst>
-            <a:outerShdw blurRad="381000" dist="292100" dir="5400000" sx="-80000" sy="-18000" rotWithShape="0">
-              <a:srgbClr val="000000">
-                <a:alpha val="22000"/>
-              </a:srgbClr>
-            </a:outerShdw>
-          </a:effectLst>
-          <a:scene3d>
-            <a:camera prst="orthographicFront"/>
-            <a:lightRig rig="contrasting" dir="t">
-              <a:rot lat="0" lon="0" rev="3000000"/>
-            </a:lightRig>
-          </a:scene3d>
-          <a:sp3d contourW="7620">
-            <a:bevelT w="95250" h="31750"/>
-            <a:contourClr>
-              <a:srgbClr val="333333"/>
-            </a:contourClr>
-          </a:sp3d>
-        </p:spPr>
-      </p:pic>
-      <p:pic>
-        <p:nvPicPr>
-          <p:cNvPr id="4" name="Image 3"/>
-          <p:cNvPicPr>
-            <a:picLocks noChangeAspect="1"/>
-          </p:cNvPicPr>
-          <p:nvPr/>
-        </p:nvPicPr>
-        <p:blipFill>
-          <a:blip r:embed="rId5">
-            <a:extLst>
-              <a:ext uri="{28A0092B-C50C-407E-A947-70E740481C1C}">
-                <a14:useLocalDpi xmlns:a14="http://schemas.microsoft.com/office/drawing/2010/main" val="0"/>
-              </a:ext>
-            </a:extLst>
-          </a:blip>
-          <a:stretch>
-            <a:fillRect/>
-          </a:stretch>
-        </p:blipFill>
-        <p:spPr>
-          <a:xfrm>
-            <a:off x="9514174" y="2774406"/>
-            <a:ext cx="2384115" cy="2384115"/>
-          </a:xfrm>
-          <a:prstGeom prst="ellipse">
-            <a:avLst/>
-          </a:prstGeom>
-          <a:ln w="63500" cap="rnd">
-            <a:solidFill>
-              <a:srgbClr val="333333"/>
-            </a:solidFill>
-          </a:ln>
-          <a:effectLst>
-            <a:outerShdw blurRad="381000" dist="292100" dir="5400000" sx="-80000" sy="-18000" rotWithShape="0">
-              <a:srgbClr val="000000">
-                <a:alpha val="22000"/>
-              </a:srgbClr>
-            </a:outerShdw>
-          </a:effectLst>
-          <a:scene3d>
-            <a:camera prst="orthographicFront"/>
-            <a:lightRig rig="contrasting" dir="t">
-              <a:rot lat="0" lon="0" rev="3000000"/>
-            </a:lightRig>
-          </a:scene3d>
-          <a:sp3d contourW="7620">
-            <a:bevelT w="95250" h="31750"/>
-            <a:contourClr>
-              <a:srgbClr val="333333"/>
-            </a:contourClr>
-          </a:sp3d>
-        </p:spPr>
-      </p:pic>
-    </p:spTree>
-    <p:extLst>
-      <p:ext uri="{BB962C8B-B14F-4D97-AF65-F5344CB8AC3E}">
-        <p14:creationId xmlns:p14="http://schemas.microsoft.com/office/powerpoint/2010/main" val="3353973589"/>
-      </p:ext>
-    </p:extLst>
-  </p:cSld>
-  <p:clrMapOvr>
-    <a:masterClrMapping/>
-  </p:clrMapOvr>
-  <mc:AlternateContent xmlns:mc="http://schemas.openxmlformats.org/markup-compatibility/2006" xmlns:p14="http://schemas.microsoft.com/office/powerpoint/2010/main">
-    <mc:Choice Requires="p14">
-      <p:transition spd="med" p14:dur="700">
-        <p:fade/>
-      </p:transition>
-    </mc:Choice>
-    <mc:Fallback xmlns="">
-      <p:transition spd="med">
-        <p:fade/>
-      </p:transition>
-    </mc:Fallback>
-  </mc:AlternateContent>
-  <p:timing>
-    <p:tnLst>
-      <p:par>
-        <p:cTn id="1" dur="indefinite" restart="never" nodeType="tmRoot">
-          <p:childTnLst>
-            <p:seq concurrent="1" nextAc="seek">
-              <p:cTn id="2" dur="indefinite" nodeType="mainSeq">
-                <p:childTnLst>
-                  <p:par>
-                    <p:cTn id="3" fill="hold">
-                      <p:stCondLst>
-                        <p:cond delay="indefinite"/>
-                        <p:cond evt="onBegin" delay="0">
-                          <p:tn val="2"/>
-                        </p:cond>
-                      </p:stCondLst>
-                      <p:childTnLst>
-                        <p:par>
-                          <p:cTn id="4" fill="hold">
-                            <p:stCondLst>
-                              <p:cond delay="0"/>
-                            </p:stCondLst>
-                            <p:childTnLst>
-                              <p:par>
-                                <p:cTn id="5" presetID="10" presetClass="entr" presetSubtype="0" fill="hold" grpId="0" nodeType="withEffect">
-                                  <p:stCondLst>
-                                    <p:cond delay="0"/>
-                                  </p:stCondLst>
-                                  <p:childTnLst>
-                                    <p:set>
-                                      <p:cBhvr>
-                                        <p:cTn id="6" dur="1" fill="hold">
-                                          <p:stCondLst>
-                                            <p:cond delay="0"/>
-                                          </p:stCondLst>
-                                        </p:cTn>
-                                        <p:tgtEl>
-                                          <p:spTgt spid="2"/>
-                                        </p:tgtEl>
-                                        <p:attrNameLst>
-                                          <p:attrName>style.visibility</p:attrName>
-                                        </p:attrNameLst>
-                                      </p:cBhvr>
-                                      <p:to>
-                                        <p:strVal val="visible"/>
-                                      </p:to>
-                                    </p:set>
-                                    <p:animEffect transition="in" filter="fade">
-                                      <p:cBhvr>
-                                        <p:cTn id="7" dur="500"/>
-                                        <p:tgtEl>
-                                          <p:spTgt spid="2"/>
-                                        </p:tgtEl>
-                                      </p:cBhvr>
-                                    </p:animEffect>
-                                  </p:childTnLst>
-                                </p:cTn>
-                              </p:par>
-                              <p:par>
-                                <p:cTn id="8" presetID="10" presetClass="entr" presetSubtype="0" fill="hold" grpId="0" nodeType="withEffect">
-                                  <p:stCondLst>
-                                    <p:cond delay="0"/>
-                                  </p:stCondLst>
-                                  <p:childTnLst>
-                                    <p:set>
-                                      <p:cBhvr>
-                                        <p:cTn id="9" dur="1" fill="hold">
-                                          <p:stCondLst>
-                                            <p:cond delay="0"/>
-                                          </p:stCondLst>
-                                        </p:cTn>
-                                        <p:tgtEl>
-                                          <p:spTgt spid="9"/>
-                                        </p:tgtEl>
-                                        <p:attrNameLst>
-                                          <p:attrName>style.visibility</p:attrName>
-                                        </p:attrNameLst>
-                                      </p:cBhvr>
-                                      <p:to>
-                                        <p:strVal val="visible"/>
-                                      </p:to>
-                                    </p:set>
-                                    <p:animEffect transition="in" filter="fade">
-                                      <p:cBhvr>
-                                        <p:cTn id="10" dur="500"/>
-                                        <p:tgtEl>
-                                          <p:spTgt spid="9"/>
-                                        </p:tgtEl>
-                                      </p:cBhvr>
-                                    </p:animEffect>
-                                  </p:childTnLst>
-                                </p:cTn>
-                              </p:par>
-                              <p:par>
-                                <p:cTn id="11" presetID="10" presetClass="entr" presetSubtype="0" fill="hold" grpId="0" nodeType="withEffect">
-                                  <p:stCondLst>
-                                    <p:cond delay="0"/>
-                                  </p:stCondLst>
-                                  <p:childTnLst>
-                                    <p:set>
-                                      <p:cBhvr>
-                                        <p:cTn id="12" dur="1" fill="hold">
-                                          <p:stCondLst>
-                                            <p:cond delay="0"/>
-                                          </p:stCondLst>
-                                        </p:cTn>
-                                        <p:tgtEl>
-                                          <p:spTgt spid="12"/>
-                                        </p:tgtEl>
-                                        <p:attrNameLst>
-                                          <p:attrName>style.visibility</p:attrName>
-                                        </p:attrNameLst>
-                                      </p:cBhvr>
-                                      <p:to>
-                                        <p:strVal val="visible"/>
-                                      </p:to>
-                                    </p:set>
-                                    <p:animEffect transition="in" filter="fade">
-                                      <p:cBhvr>
-                                        <p:cTn id="13" dur="500"/>
-                                        <p:tgtEl>
-                                          <p:spTgt spid="12"/>
-                                        </p:tgtEl>
-                                      </p:cBhvr>
-                                    </p:animEffect>
-                                  </p:childTnLst>
-                                </p:cTn>
-                              </p:par>
-                            </p:childTnLst>
-                          </p:cTn>
-                        </p:par>
-                        <p:par>
-                          <p:cTn id="14" fill="hold">
-                            <p:stCondLst>
-                              <p:cond delay="500"/>
-                            </p:stCondLst>
-                            <p:childTnLst>
-                              <p:par>
-                                <p:cTn id="15" presetID="10" presetClass="entr" presetSubtype="0" fill="hold" grpId="0" nodeType="afterEffect">
-                                  <p:stCondLst>
-                                    <p:cond delay="0"/>
-                                  </p:stCondLst>
-                                  <p:childTnLst>
-                                    <p:set>
-                                      <p:cBhvr>
-                                        <p:cTn id="16" dur="1" fill="hold">
-                                          <p:stCondLst>
-                                            <p:cond delay="0"/>
-                                          </p:stCondLst>
-                                        </p:cTn>
-                                        <p:tgtEl>
-                                          <p:spTgt spid="49"/>
-                                        </p:tgtEl>
-                                        <p:attrNameLst>
-                                          <p:attrName>style.visibility</p:attrName>
-                                        </p:attrNameLst>
-                                      </p:cBhvr>
-                                      <p:to>
-                                        <p:strVal val="visible"/>
-                                      </p:to>
-                                    </p:set>
-                                    <p:animEffect transition="in" filter="fade">
-                                      <p:cBhvr>
-                                        <p:cTn id="17" dur="500"/>
-                                        <p:tgtEl>
-                                          <p:spTgt spid="49"/>
-                                        </p:tgtEl>
-                                      </p:cBhvr>
-                                    </p:animEffect>
-                                  </p:childTnLst>
-                                </p:cTn>
-                              </p:par>
-                              <p:par>
-                                <p:cTn id="18" presetID="10" presetClass="entr" presetSubtype="0" fill="hold" grpId="0" nodeType="withEffect">
-                                  <p:stCondLst>
-                                    <p:cond delay="0"/>
-                                  </p:stCondLst>
-                                  <p:childTnLst>
-                                    <p:set>
-                                      <p:cBhvr>
-                                        <p:cTn id="19" dur="1" fill="hold">
-                                          <p:stCondLst>
-                                            <p:cond delay="0"/>
-                                          </p:stCondLst>
-                                        </p:cTn>
-                                        <p:tgtEl>
-                                          <p:spTgt spid="50"/>
-                                        </p:tgtEl>
-                                        <p:attrNameLst>
-                                          <p:attrName>style.visibility</p:attrName>
-                                        </p:attrNameLst>
-                                      </p:cBhvr>
-                                      <p:to>
-                                        <p:strVal val="visible"/>
-                                      </p:to>
-                                    </p:set>
-                                    <p:animEffect transition="in" filter="fade">
-                                      <p:cBhvr>
-                                        <p:cTn id="20" dur="500"/>
-                                        <p:tgtEl>
-                                          <p:spTgt spid="50"/>
-                                        </p:tgtEl>
-                                      </p:cBhvr>
-                                    </p:animEffect>
-                                  </p:childTnLst>
-                                </p:cTn>
-                              </p:par>
-                              <p:par>
-                                <p:cTn id="21" presetID="10" presetClass="entr" presetSubtype="0" fill="hold" grpId="0" nodeType="withEffect">
-                                  <p:stCondLst>
-                                    <p:cond delay="0"/>
-                                  </p:stCondLst>
-                                  <p:childTnLst>
-                                    <p:set>
-                                      <p:cBhvr>
-                                        <p:cTn id="22" dur="1" fill="hold">
-                                          <p:stCondLst>
-                                            <p:cond delay="0"/>
-                                          </p:stCondLst>
-                                        </p:cTn>
-                                        <p:tgtEl>
-                                          <p:spTgt spid="44"/>
-                                        </p:tgtEl>
-                                        <p:attrNameLst>
-                                          <p:attrName>style.visibility</p:attrName>
-                                        </p:attrNameLst>
-                                      </p:cBhvr>
-                                      <p:to>
-                                        <p:strVal val="visible"/>
-                                      </p:to>
-                                    </p:set>
-                                    <p:animEffect transition="in" filter="fade">
-                                      <p:cBhvr>
-                                        <p:cTn id="23" dur="500"/>
-                                        <p:tgtEl>
-                                          <p:spTgt spid="44"/>
-                                        </p:tgtEl>
-                                      </p:cBhvr>
-                                    </p:animEffect>
-                                  </p:childTnLst>
-                                </p:cTn>
-                              </p:par>
-                              <p:par>
-                                <p:cTn id="24" presetID="10" presetClass="entr" presetSubtype="0" fill="hold" grpId="0" nodeType="withEffect">
-                                  <p:stCondLst>
-                                    <p:cond delay="0"/>
-                                  </p:stCondLst>
-                                  <p:childTnLst>
-                                    <p:set>
-                                      <p:cBhvr>
-                                        <p:cTn id="25" dur="1" fill="hold">
-                                          <p:stCondLst>
-                                            <p:cond delay="0"/>
-                                          </p:stCondLst>
-                                        </p:cTn>
-                                        <p:tgtEl>
-                                          <p:spTgt spid="42"/>
-                                        </p:tgtEl>
-                                        <p:attrNameLst>
-                                          <p:attrName>style.visibility</p:attrName>
-                                        </p:attrNameLst>
-                                      </p:cBhvr>
-                                      <p:to>
-                                        <p:strVal val="visible"/>
-                                      </p:to>
-                                    </p:set>
-                                    <p:animEffect transition="in" filter="fade">
-                                      <p:cBhvr>
-                                        <p:cTn id="26" dur="500"/>
-                                        <p:tgtEl>
-                                          <p:spTgt spid="42"/>
-                                        </p:tgtEl>
-                                      </p:cBhvr>
-                                    </p:animEffect>
-                                  </p:childTnLst>
-                                </p:cTn>
-                              </p:par>
-                              <p:par>
-                                <p:cTn id="27" presetID="10" presetClass="entr" presetSubtype="0" fill="hold" grpId="0" nodeType="withEffect">
-                                  <p:stCondLst>
-                                    <p:cond delay="0"/>
-                                  </p:stCondLst>
-                                  <p:childTnLst>
-                                    <p:set>
-                                      <p:cBhvr>
-                                        <p:cTn id="28" dur="1" fill="hold">
-                                          <p:stCondLst>
-                                            <p:cond delay="0"/>
-                                          </p:stCondLst>
-                                        </p:cTn>
-                                        <p:tgtEl>
-                                          <p:spTgt spid="45"/>
-                                        </p:tgtEl>
-                                        <p:attrNameLst>
-                                          <p:attrName>style.visibility</p:attrName>
-                                        </p:attrNameLst>
-                                      </p:cBhvr>
-                                      <p:to>
-                                        <p:strVal val="visible"/>
-                                      </p:to>
-                                    </p:set>
-                                    <p:animEffect transition="in" filter="fade">
-                                      <p:cBhvr>
-                                        <p:cTn id="29" dur="500"/>
-                                        <p:tgtEl>
-                                          <p:spTgt spid="45"/>
-                                        </p:tgtEl>
-                                      </p:cBhvr>
-                                    </p:animEffect>
-                                  </p:childTnLst>
-                                </p:cTn>
-                              </p:par>
-                              <p:par>
-                                <p:cTn id="30" presetID="10" presetClass="entr" presetSubtype="0" fill="hold" grpId="0" nodeType="withEffect">
-                                  <p:stCondLst>
-                                    <p:cond delay="0"/>
-                                  </p:stCondLst>
-                                  <p:childTnLst>
-                                    <p:set>
-                                      <p:cBhvr>
-                                        <p:cTn id="31" dur="1" fill="hold">
-                                          <p:stCondLst>
-                                            <p:cond delay="0"/>
-                                          </p:stCondLst>
-                                        </p:cTn>
-                                        <p:tgtEl>
-                                          <p:spTgt spid="43"/>
-                                        </p:tgtEl>
-                                        <p:attrNameLst>
-                                          <p:attrName>style.visibility</p:attrName>
-                                        </p:attrNameLst>
-                                      </p:cBhvr>
-                                      <p:to>
-                                        <p:strVal val="visible"/>
-                                      </p:to>
-                                    </p:set>
-                                    <p:animEffect transition="in" filter="fade">
-                                      <p:cBhvr>
-                                        <p:cTn id="32" dur="500"/>
-                                        <p:tgtEl>
-                                          <p:spTgt spid="43"/>
-                                        </p:tgtEl>
-                                      </p:cBhvr>
-                                    </p:animEffect>
-                                  </p:childTnLst>
-                                </p:cTn>
-                              </p:par>
-                            </p:childTnLst>
-                          </p:cTn>
-                        </p:par>
-                      </p:childTnLst>
-                    </p:cTn>
-                  </p:par>
-                </p:childTnLst>
-              </p:cTn>
-              <p:prevCondLst>
-                <p:cond evt="onPrev" delay="0">
-                  <p:tgtEl>
-                    <p:sldTgt/>
-                  </p:tgtEl>
-                </p:cond>
-              </p:prevCondLst>
-              <p:nextCondLst>
-                <p:cond evt="onNext" delay="0">
-                  <p:tgtEl>
-                    <p:sldTgt/>
-                  </p:tgtEl>
-                </p:cond>
-              </p:nextCondLst>
-            </p:seq>
-          </p:childTnLst>
-        </p:cTn>
-      </p:par>
-    </p:tnLst>
-    <p:bldLst>
-      <p:bldP spid="49" grpId="0" animBg="1"/>
-      <p:bldP spid="50" grpId="0" animBg="1"/>
-      <p:bldP spid="2" grpId="0" animBg="1"/>
-      <p:bldP spid="9" grpId="0" animBg="1"/>
-      <p:bldP spid="12" grpId="0"/>
-      <p:bldP spid="42" grpId="0"/>
-      <p:bldP spid="43" grpId="0"/>
-      <p:bldP spid="44" grpId="0"/>
-      <p:bldP spid="45" grpId="0"/>
-    </p:bldLst>
-  </p:timing>
-</p:sld>
-</file>
-
-<file path=ppt/slides/slide20.xml><?xml version="1.0" encoding="utf-8"?>
+<file path=ppt/slides/slide15.xml><?xml version="1.0" encoding="utf-8"?>
 <p:sld xmlns:a="http://schemas.openxmlformats.org/drawingml/2006/main" xmlns:r="http://schemas.openxmlformats.org/officeDocument/2006/relationships" xmlns:p="http://schemas.openxmlformats.org/presentationml/2006/main">
   <p:cSld>
     <p:spTree>
@@ -16177,7 +12714,7 @@
 </p:sld>
 </file>
 
-<file path=ppt/slides/slide21.xml><?xml version="1.0" encoding="utf-8"?>
+<file path=ppt/slides/slide16.xml><?xml version="1.0" encoding="utf-8"?>
 <p:sld xmlns:a="http://schemas.openxmlformats.org/drawingml/2006/main" xmlns:r="http://schemas.openxmlformats.org/officeDocument/2006/relationships" xmlns:p="http://schemas.openxmlformats.org/presentationml/2006/main">
   <p:cSld>
     <p:spTree>
@@ -16692,7 +13229,7 @@
 </p:sld>
 </file>
 
-<file path=ppt/slides/slide22.xml><?xml version="1.0" encoding="utf-8"?>
+<file path=ppt/slides/slide17.xml><?xml version="1.0" encoding="utf-8"?>
 <p:sld xmlns:a="http://schemas.openxmlformats.org/drawingml/2006/main" xmlns:r="http://schemas.openxmlformats.org/officeDocument/2006/relationships" xmlns:p="http://schemas.openxmlformats.org/presentationml/2006/main">
   <p:cSld>
     <p:spTree>
@@ -18030,7 +14567,7 @@
 </p:sld>
 </file>
 
-<file path=ppt/slides/slide23.xml><?xml version="1.0" encoding="utf-8"?>
+<file path=ppt/slides/slide18.xml><?xml version="1.0" encoding="utf-8"?>
 <p:sld xmlns:a="http://schemas.openxmlformats.org/drawingml/2006/main" xmlns:r="http://schemas.openxmlformats.org/officeDocument/2006/relationships" xmlns:p="http://schemas.openxmlformats.org/presentationml/2006/main">
   <p:cSld>
     <p:spTree>
@@ -18499,7 +15036,7 @@
 </p:sld>
 </file>
 
-<file path=ppt/slides/slide24.xml><?xml version="1.0" encoding="utf-8"?>
+<file path=ppt/slides/slide19.xml><?xml version="1.0" encoding="utf-8"?>
 <p:sld xmlns:a="http://schemas.openxmlformats.org/drawingml/2006/main" xmlns:r="http://schemas.openxmlformats.org/officeDocument/2006/relationships" xmlns:p="http://schemas.openxmlformats.org/presentationml/2006/main">
   <p:cSld>
     <p:spTree>
@@ -18827,13 +15364,13 @@
   <p:clrMapOvr>
     <a:masterClrMapping/>
   </p:clrMapOvr>
-  <mc:AlternateContent xmlns:mc="http://schemas.openxmlformats.org/markup-compatibility/2006">
-    <mc:Choice xmlns:p14="http://schemas.microsoft.com/office/powerpoint/2010/main" Requires="p14">
+  <mc:AlternateContent xmlns:mc="http://schemas.openxmlformats.org/markup-compatibility/2006" xmlns:p14="http://schemas.microsoft.com/office/powerpoint/2010/main">
+    <mc:Choice Requires="p14">
       <p:transition spd="med" p14:dur="700">
         <p:fade/>
       </p:transition>
     </mc:Choice>
-    <mc:Fallback>
+    <mc:Fallback xmlns="">
       <p:transition spd="med">
         <p:fade/>
       </p:transition>
@@ -19003,7 +15540,1105 @@
 </p:sld>
 </file>
 
-<file path=ppt/slides/slide25.xml><?xml version="1.0" encoding="utf-8"?>
+<file path=ppt/slides/slide2.xml><?xml version="1.0" encoding="utf-8"?>
+<p:sld xmlns:a="http://schemas.openxmlformats.org/drawingml/2006/main" xmlns:r="http://schemas.openxmlformats.org/officeDocument/2006/relationships" xmlns:p="http://schemas.openxmlformats.org/presentationml/2006/main">
+  <p:cSld>
+    <p:spTree>
+      <p:nvGrpSpPr>
+        <p:cNvPr id="1" name=""/>
+        <p:cNvGrpSpPr/>
+        <p:nvPr/>
+      </p:nvGrpSpPr>
+      <p:grpSpPr>
+        <a:xfrm>
+          <a:off x="0" y="0"/>
+          <a:ext cx="0" cy="0"/>
+          <a:chOff x="0" y="0"/>
+          <a:chExt cx="0" cy="0"/>
+        </a:xfrm>
+      </p:grpSpPr>
+      <p:sp>
+        <p:nvSpPr>
+          <p:cNvPr id="49" name="Oval 48"/>
+          <p:cNvSpPr/>
+          <p:nvPr/>
+        </p:nvSpPr>
+        <p:spPr>
+          <a:xfrm>
+            <a:off x="6089930" y="2729473"/>
+            <a:ext cx="2448272" cy="2448272"/>
+          </a:xfrm>
+          <a:prstGeom prst="ellipse">
+            <a:avLst/>
+          </a:prstGeom>
+          <a:solidFill>
+            <a:srgbClr val="565D6F"/>
+          </a:solidFill>
+          <a:ln>
+            <a:noFill/>
+          </a:ln>
+        </p:spPr>
+        <p:style>
+          <a:lnRef idx="2">
+            <a:schemeClr val="accent1">
+              <a:shade val="50000"/>
+            </a:schemeClr>
+          </a:lnRef>
+          <a:fillRef idx="1">
+            <a:schemeClr val="accent1"/>
+          </a:fillRef>
+          <a:effectRef idx="0">
+            <a:schemeClr val="accent1"/>
+          </a:effectRef>
+          <a:fontRef idx="minor">
+            <a:schemeClr val="lt1"/>
+          </a:fontRef>
+        </p:style>
+        <p:txBody>
+          <a:bodyPr rtlCol="0" anchor="ctr"/>
+          <a:lstStyle/>
+          <a:p>
+            <a:pPr algn="ctr"/>
+            <a:endParaRPr lang="tr-TR"/>
+          </a:p>
+        </p:txBody>
+      </p:sp>
+      <p:sp>
+        <p:nvSpPr>
+          <p:cNvPr id="50" name="Oval 49"/>
+          <p:cNvSpPr/>
+          <p:nvPr/>
+        </p:nvSpPr>
+        <p:spPr>
+          <a:xfrm>
+            <a:off x="9482096" y="2751245"/>
+            <a:ext cx="2448272" cy="2448272"/>
+          </a:xfrm>
+          <a:prstGeom prst="ellipse">
+            <a:avLst/>
+          </a:prstGeom>
+          <a:solidFill>
+            <a:srgbClr val="565D6F"/>
+          </a:solidFill>
+          <a:ln>
+            <a:noFill/>
+          </a:ln>
+        </p:spPr>
+        <p:style>
+          <a:lnRef idx="2">
+            <a:schemeClr val="accent1">
+              <a:shade val="50000"/>
+            </a:schemeClr>
+          </a:lnRef>
+          <a:fillRef idx="1">
+            <a:schemeClr val="accent1"/>
+          </a:fillRef>
+          <a:effectRef idx="0">
+            <a:schemeClr val="accent1"/>
+          </a:effectRef>
+          <a:fontRef idx="minor">
+            <a:schemeClr val="lt1"/>
+          </a:fontRef>
+        </p:style>
+        <p:txBody>
+          <a:bodyPr rtlCol="0" anchor="ctr"/>
+          <a:lstStyle/>
+          <a:p>
+            <a:pPr algn="ctr"/>
+            <a:endParaRPr lang="tr-TR"/>
+          </a:p>
+        </p:txBody>
+      </p:sp>
+      <p:pic>
+        <p:nvPicPr>
+          <p:cNvPr id="35" name="Picture 34"/>
+          <p:cNvPicPr>
+            <a:picLocks noChangeAspect="1"/>
+          </p:cNvPicPr>
+          <p:nvPr/>
+        </p:nvPicPr>
+        <p:blipFill>
+          <a:blip r:embed="rId3" cstate="print">
+            <a:duotone>
+              <a:prstClr val="black"/>
+              <a:schemeClr val="tx2">
+                <a:tint val="45000"/>
+                <a:satMod val="400000"/>
+              </a:schemeClr>
+            </a:duotone>
+            <a:extLst>
+              <a:ext uri="{28A0092B-C50C-407E-A947-70E740481C1C}">
+                <a14:useLocalDpi xmlns:a14="http://schemas.microsoft.com/office/drawing/2010/main" val="0"/>
+              </a:ext>
+            </a:extLst>
+          </a:blip>
+          <a:stretch>
+            <a:fillRect/>
+          </a:stretch>
+        </p:blipFill>
+        <p:spPr>
+          <a:xfrm>
+            <a:off x="-11637" y="9143199"/>
+            <a:ext cx="18302812" cy="1146976"/>
+          </a:xfrm>
+          <a:prstGeom prst="rect">
+            <a:avLst/>
+          </a:prstGeom>
+        </p:spPr>
+      </p:pic>
+      <p:sp>
+        <p:nvSpPr>
+          <p:cNvPr id="2" name="Rectangle 1"/>
+          <p:cNvSpPr/>
+          <p:nvPr/>
+        </p:nvSpPr>
+        <p:spPr>
+          <a:xfrm>
+            <a:off x="0" y="1040631"/>
+            <a:ext cx="5401171" cy="864096"/>
+          </a:xfrm>
+          <a:prstGeom prst="rect">
+            <a:avLst/>
+          </a:prstGeom>
+          <a:solidFill>
+            <a:srgbClr val="565D6F"/>
+          </a:solidFill>
+          <a:ln>
+            <a:noFill/>
+          </a:ln>
+        </p:spPr>
+        <p:style>
+          <a:lnRef idx="2">
+            <a:schemeClr val="accent1">
+              <a:shade val="50000"/>
+            </a:schemeClr>
+          </a:lnRef>
+          <a:fillRef idx="1">
+            <a:schemeClr val="accent1"/>
+          </a:fillRef>
+          <a:effectRef idx="0">
+            <a:schemeClr val="accent1"/>
+          </a:effectRef>
+          <a:fontRef idx="minor">
+            <a:schemeClr val="lt1"/>
+          </a:fontRef>
+        </p:style>
+        <p:txBody>
+          <a:bodyPr rtlCol="0" anchor="ctr"/>
+          <a:lstStyle/>
+          <a:p>
+            <a:pPr algn="ctr"/>
+            <a:endParaRPr lang="tr-TR"/>
+          </a:p>
+        </p:txBody>
+      </p:sp>
+      <p:sp>
+        <p:nvSpPr>
+          <p:cNvPr id="9" name="Rectangle 8"/>
+          <p:cNvSpPr/>
+          <p:nvPr/>
+        </p:nvSpPr>
+        <p:spPr>
+          <a:xfrm>
+            <a:off x="5401172" y="1040631"/>
+            <a:ext cx="180020" cy="864096"/>
+          </a:xfrm>
+          <a:prstGeom prst="rect">
+            <a:avLst/>
+          </a:prstGeom>
+          <a:solidFill>
+            <a:schemeClr val="bg1">
+              <a:lumMod val="75000"/>
+            </a:schemeClr>
+          </a:solidFill>
+          <a:ln>
+            <a:noFill/>
+          </a:ln>
+        </p:spPr>
+        <p:style>
+          <a:lnRef idx="2">
+            <a:schemeClr val="accent1">
+              <a:shade val="50000"/>
+            </a:schemeClr>
+          </a:lnRef>
+          <a:fillRef idx="1">
+            <a:schemeClr val="accent1"/>
+          </a:fillRef>
+          <a:effectRef idx="0">
+            <a:schemeClr val="accent1"/>
+          </a:effectRef>
+          <a:fontRef idx="minor">
+            <a:schemeClr val="lt1"/>
+          </a:fontRef>
+        </p:style>
+        <p:txBody>
+          <a:bodyPr rtlCol="0" anchor="ctr"/>
+          <a:lstStyle/>
+          <a:p>
+            <a:pPr algn="ctr"/>
+            <a:endParaRPr lang="tr-TR"/>
+          </a:p>
+        </p:txBody>
+      </p:sp>
+      <p:sp>
+        <p:nvSpPr>
+          <p:cNvPr id="12" name="TextBox 11"/>
+          <p:cNvSpPr txBox="1"/>
+          <p:nvPr/>
+        </p:nvSpPr>
+        <p:spPr>
+          <a:xfrm>
+            <a:off x="176906" y="1040631"/>
+            <a:ext cx="5008241" cy="784830"/>
+          </a:xfrm>
+          <a:prstGeom prst="rect">
+            <a:avLst/>
+          </a:prstGeom>
+          <a:noFill/>
+        </p:spPr>
+        <p:txBody>
+          <a:bodyPr wrap="square" rtlCol="0">
+            <a:spAutoFit/>
+          </a:bodyPr>
+          <a:lstStyle/>
+          <a:p>
+            <a:pPr algn="ctr"/>
+            <a:r>
+              <a:rPr lang="fr-FR" sz="4500" b="1" dirty="0" smtClean="0">
+                <a:solidFill>
+                  <a:schemeClr val="bg1">
+                    <a:lumMod val="95000"/>
+                  </a:schemeClr>
+                </a:solidFill>
+                <a:latin typeface="Caviar Dreams" pitchFamily="34" charset="-94"/>
+                <a:ea typeface="Open Sans" pitchFamily="34" charset="0"/>
+                <a:cs typeface="Open Sans" pitchFamily="34" charset="0"/>
+              </a:rPr>
+              <a:t>L’EQUIPE</a:t>
+            </a:r>
+            <a:endParaRPr lang="tr-TR" sz="4500" b="1" dirty="0">
+              <a:solidFill>
+                <a:schemeClr val="bg1">
+                  <a:lumMod val="95000"/>
+                </a:schemeClr>
+              </a:solidFill>
+              <a:latin typeface="Caviar Dreams" pitchFamily="34" charset="-94"/>
+              <a:ea typeface="Open Sans" pitchFamily="34" charset="0"/>
+              <a:cs typeface="Open Sans" pitchFamily="34" charset="0"/>
+            </a:endParaRPr>
+          </a:p>
+        </p:txBody>
+      </p:sp>
+      <p:sp>
+        <p:nvSpPr>
+          <p:cNvPr id="73" name="Oval 72"/>
+          <p:cNvSpPr/>
+          <p:nvPr/>
+        </p:nvSpPr>
+        <p:spPr>
+          <a:xfrm>
+            <a:off x="8816986" y="9449582"/>
+            <a:ext cx="654224" cy="648817"/>
+          </a:xfrm>
+          <a:prstGeom prst="ellipse">
+            <a:avLst/>
+          </a:prstGeom>
+          <a:solidFill>
+            <a:schemeClr val="bg1"/>
+          </a:solidFill>
+          <a:ln>
+            <a:noFill/>
+          </a:ln>
+        </p:spPr>
+        <p:style>
+          <a:lnRef idx="2">
+            <a:schemeClr val="accent1">
+              <a:shade val="50000"/>
+            </a:schemeClr>
+          </a:lnRef>
+          <a:fillRef idx="1">
+            <a:schemeClr val="accent1"/>
+          </a:fillRef>
+          <a:effectRef idx="0">
+            <a:schemeClr val="accent1"/>
+          </a:effectRef>
+          <a:fontRef idx="minor">
+            <a:schemeClr val="lt1"/>
+          </a:fontRef>
+        </p:style>
+        <p:txBody>
+          <a:bodyPr rtlCol="0" anchor="ctr"/>
+          <a:lstStyle/>
+          <a:p>
+            <a:pPr algn="ctr"/>
+            <a:endParaRPr lang="tr-TR"/>
+          </a:p>
+        </p:txBody>
+      </p:sp>
+      <p:sp>
+        <p:nvSpPr>
+          <p:cNvPr id="74" name="TextBox 73"/>
+          <p:cNvSpPr txBox="1"/>
+          <p:nvPr/>
+        </p:nvSpPr>
+        <p:spPr>
+          <a:xfrm>
+            <a:off x="8880355" y="9464822"/>
+            <a:ext cx="504056" cy="600164"/>
+          </a:xfrm>
+          <a:prstGeom prst="rect">
+            <a:avLst/>
+          </a:prstGeom>
+          <a:noFill/>
+        </p:spPr>
+        <p:txBody>
+          <a:bodyPr wrap="square" rtlCol="0">
+            <a:spAutoFit/>
+          </a:bodyPr>
+          <a:lstStyle/>
+          <a:p>
+            <a:pPr algn="ctr"/>
+            <a:r>
+              <a:rPr lang="fr-FR" sz="3300" b="1" dirty="0">
+                <a:solidFill>
+                  <a:srgbClr val="565D6F"/>
+                </a:solidFill>
+                <a:latin typeface="Caviar Dreams" pitchFamily="34" charset="-94"/>
+                <a:ea typeface="Open Sans" pitchFamily="34" charset="0"/>
+                <a:cs typeface="Open Sans" pitchFamily="34" charset="0"/>
+              </a:rPr>
+              <a:t>R</a:t>
+            </a:r>
+            <a:endParaRPr lang="tr-TR" sz="3300" b="1" dirty="0">
+              <a:solidFill>
+                <a:srgbClr val="565D6F"/>
+              </a:solidFill>
+              <a:latin typeface="Caviar Dreams" pitchFamily="34" charset="-94"/>
+              <a:ea typeface="Open Sans" pitchFamily="34" charset="0"/>
+              <a:cs typeface="Open Sans" pitchFamily="34" charset="0"/>
+            </a:endParaRPr>
+          </a:p>
+        </p:txBody>
+      </p:sp>
+      <p:sp>
+        <p:nvSpPr>
+          <p:cNvPr id="42" name="TextBox 41"/>
+          <p:cNvSpPr txBox="1"/>
+          <p:nvPr/>
+        </p:nvSpPr>
+        <p:spPr>
+          <a:xfrm>
+            <a:off x="4951982" y="5443705"/>
+            <a:ext cx="4615309" cy="707886"/>
+          </a:xfrm>
+          <a:prstGeom prst="rect">
+            <a:avLst/>
+          </a:prstGeom>
+          <a:noFill/>
+        </p:spPr>
+        <p:txBody>
+          <a:bodyPr wrap="square" rtlCol="0">
+            <a:spAutoFit/>
+          </a:bodyPr>
+          <a:lstStyle/>
+          <a:p>
+            <a:pPr algn="ctr"/>
+            <a:r>
+              <a:rPr lang="fr-FR" sz="4000" b="1" dirty="0" smtClean="0">
+                <a:solidFill>
+                  <a:srgbClr val="565D6F"/>
+                </a:solidFill>
+                <a:latin typeface="Caviar Dreams" pitchFamily="34" charset="-94"/>
+                <a:ea typeface="Open Sans" pitchFamily="34" charset="0"/>
+                <a:cs typeface="Open Sans" pitchFamily="34" charset="0"/>
+              </a:rPr>
+              <a:t>RAMI</a:t>
+            </a:r>
+            <a:endParaRPr lang="tr-TR" sz="4000" b="1" dirty="0">
+              <a:solidFill>
+                <a:srgbClr val="565D6F"/>
+              </a:solidFill>
+              <a:latin typeface="Caviar Dreams" pitchFamily="34" charset="-94"/>
+              <a:ea typeface="Open Sans" pitchFamily="34" charset="0"/>
+              <a:cs typeface="Open Sans" pitchFamily="34" charset="0"/>
+            </a:endParaRPr>
+          </a:p>
+        </p:txBody>
+      </p:sp>
+      <p:sp>
+        <p:nvSpPr>
+          <p:cNvPr id="43" name="TextBox 42"/>
+          <p:cNvSpPr txBox="1"/>
+          <p:nvPr/>
+        </p:nvSpPr>
+        <p:spPr>
+          <a:xfrm>
+            <a:off x="5580352" y="6166870"/>
+            <a:ext cx="3358568" cy="769441"/>
+          </a:xfrm>
+          <a:prstGeom prst="rect">
+            <a:avLst/>
+          </a:prstGeom>
+          <a:noFill/>
+        </p:spPr>
+        <p:txBody>
+          <a:bodyPr wrap="square" rtlCol="0">
+            <a:spAutoFit/>
+          </a:bodyPr>
+          <a:lstStyle/>
+          <a:p>
+            <a:pPr algn="ctr"/>
+            <a:r>
+              <a:rPr lang="fr-FR" sz="2200" b="1" dirty="0" smtClean="0">
+                <a:solidFill>
+                  <a:schemeClr val="tx1">
+                    <a:lumMod val="65000"/>
+                    <a:lumOff val="35000"/>
+                  </a:schemeClr>
+                </a:solidFill>
+                <a:latin typeface="Caviar Dreams" pitchFamily="34" charset="-94"/>
+              </a:rPr>
+              <a:t>Chef de projet</a:t>
+            </a:r>
+          </a:p>
+          <a:p>
+            <a:pPr algn="ctr"/>
+            <a:r>
+              <a:rPr lang="fr-FR" sz="2200" b="1" dirty="0" smtClean="0">
+                <a:solidFill>
+                  <a:schemeClr val="tx1">
+                    <a:lumMod val="65000"/>
+                    <a:lumOff val="35000"/>
+                  </a:schemeClr>
+                </a:solidFill>
+                <a:latin typeface="Caviar Dreams" pitchFamily="34" charset="-94"/>
+                <a:ea typeface="Open Sans" pitchFamily="34" charset="0"/>
+                <a:cs typeface="Open Sans" pitchFamily="34" charset="0"/>
+              </a:rPr>
+              <a:t>Développeur</a:t>
+            </a:r>
+            <a:endParaRPr lang="tr-TR" sz="2200" b="1" dirty="0">
+              <a:solidFill>
+                <a:srgbClr val="009CD6"/>
+              </a:solidFill>
+              <a:latin typeface="Caviar Dreams" pitchFamily="34" charset="-94"/>
+              <a:ea typeface="Open Sans" pitchFamily="34" charset="0"/>
+              <a:cs typeface="Open Sans" pitchFamily="34" charset="0"/>
+            </a:endParaRPr>
+          </a:p>
+        </p:txBody>
+      </p:sp>
+      <p:sp>
+        <p:nvSpPr>
+          <p:cNvPr id="44" name="TextBox 43"/>
+          <p:cNvSpPr txBox="1"/>
+          <p:nvPr/>
+        </p:nvSpPr>
+        <p:spPr>
+          <a:xfrm>
+            <a:off x="8386750" y="5443705"/>
+            <a:ext cx="4615309" cy="707886"/>
+          </a:xfrm>
+          <a:prstGeom prst="rect">
+            <a:avLst/>
+          </a:prstGeom>
+          <a:noFill/>
+        </p:spPr>
+        <p:txBody>
+          <a:bodyPr wrap="square" rtlCol="0">
+            <a:spAutoFit/>
+          </a:bodyPr>
+          <a:lstStyle/>
+          <a:p>
+            <a:pPr algn="ctr"/>
+            <a:r>
+              <a:rPr lang="fr-FR" sz="4000" b="1" dirty="0" smtClean="0">
+                <a:solidFill>
+                  <a:srgbClr val="565D6F"/>
+                </a:solidFill>
+                <a:latin typeface="Caviar Dreams" pitchFamily="34" charset="-94"/>
+                <a:ea typeface="Open Sans" pitchFamily="34" charset="0"/>
+                <a:cs typeface="Open Sans" pitchFamily="34" charset="0"/>
+              </a:rPr>
+              <a:t>VALENTIN</a:t>
+            </a:r>
+            <a:endParaRPr lang="tr-TR" sz="4000" b="1" dirty="0">
+              <a:solidFill>
+                <a:srgbClr val="565D6F"/>
+              </a:solidFill>
+              <a:latin typeface="Caviar Dreams" pitchFamily="34" charset="-94"/>
+              <a:ea typeface="Open Sans" pitchFamily="34" charset="0"/>
+              <a:cs typeface="Open Sans" pitchFamily="34" charset="0"/>
+            </a:endParaRPr>
+          </a:p>
+        </p:txBody>
+      </p:sp>
+      <p:sp>
+        <p:nvSpPr>
+          <p:cNvPr id="45" name="TextBox 44"/>
+          <p:cNvSpPr txBox="1"/>
+          <p:nvPr/>
+        </p:nvSpPr>
+        <p:spPr>
+          <a:xfrm>
+            <a:off x="9015120" y="6166870"/>
+            <a:ext cx="3358568" cy="430887"/>
+          </a:xfrm>
+          <a:prstGeom prst="rect">
+            <a:avLst/>
+          </a:prstGeom>
+          <a:noFill/>
+        </p:spPr>
+        <p:txBody>
+          <a:bodyPr wrap="square" rtlCol="0">
+            <a:spAutoFit/>
+          </a:bodyPr>
+          <a:lstStyle/>
+          <a:p>
+            <a:pPr algn="ctr"/>
+            <a:r>
+              <a:rPr lang="fr-FR" sz="2200" b="1" dirty="0" smtClean="0">
+                <a:solidFill>
+                  <a:schemeClr val="tx1">
+                    <a:lumMod val="65000"/>
+                    <a:lumOff val="35000"/>
+                  </a:schemeClr>
+                </a:solidFill>
+                <a:latin typeface="Caviar Dreams" pitchFamily="34" charset="-94"/>
+              </a:rPr>
+              <a:t>Développeur</a:t>
+            </a:r>
+            <a:endParaRPr lang="tr-TR" sz="2200" b="1" dirty="0">
+              <a:solidFill>
+                <a:srgbClr val="009CD6"/>
+              </a:solidFill>
+              <a:latin typeface="Caviar Dreams" pitchFamily="34" charset="-94"/>
+              <a:ea typeface="Open Sans" pitchFamily="34" charset="0"/>
+              <a:cs typeface="Open Sans" pitchFamily="34" charset="0"/>
+            </a:endParaRPr>
+          </a:p>
+        </p:txBody>
+      </p:sp>
+      <p:pic>
+        <p:nvPicPr>
+          <p:cNvPr id="3" name="Image 2"/>
+          <p:cNvPicPr>
+            <a:picLocks noChangeAspect="1"/>
+          </p:cNvPicPr>
+          <p:nvPr/>
+        </p:nvPicPr>
+        <p:blipFill>
+          <a:blip r:embed="rId4">
+            <a:extLst>
+              <a:ext uri="{28A0092B-C50C-407E-A947-70E740481C1C}">
+                <a14:useLocalDpi xmlns:a14="http://schemas.microsoft.com/office/drawing/2010/main" val="0"/>
+              </a:ext>
+            </a:extLst>
+          </a:blip>
+          <a:stretch>
+            <a:fillRect/>
+          </a:stretch>
+        </p:blipFill>
+        <p:spPr>
+          <a:xfrm>
+            <a:off x="6109153" y="2748696"/>
+            <a:ext cx="2409825" cy="2409825"/>
+          </a:xfrm>
+          <a:prstGeom prst="ellipse">
+            <a:avLst/>
+          </a:prstGeom>
+          <a:ln w="63500" cap="rnd">
+            <a:solidFill>
+              <a:srgbClr val="333333"/>
+            </a:solidFill>
+          </a:ln>
+          <a:effectLst>
+            <a:outerShdw blurRad="381000" dist="292100" dir="5400000" sx="-80000" sy="-18000" rotWithShape="0">
+              <a:srgbClr val="000000">
+                <a:alpha val="22000"/>
+              </a:srgbClr>
+            </a:outerShdw>
+          </a:effectLst>
+          <a:scene3d>
+            <a:camera prst="orthographicFront"/>
+            <a:lightRig rig="contrasting" dir="t">
+              <a:rot lat="0" lon="0" rev="3000000"/>
+            </a:lightRig>
+          </a:scene3d>
+          <a:sp3d contourW="7620">
+            <a:bevelT w="95250" h="31750"/>
+            <a:contourClr>
+              <a:srgbClr val="333333"/>
+            </a:contourClr>
+          </a:sp3d>
+        </p:spPr>
+      </p:pic>
+      <p:pic>
+        <p:nvPicPr>
+          <p:cNvPr id="4" name="Image 3"/>
+          <p:cNvPicPr>
+            <a:picLocks noChangeAspect="1"/>
+          </p:cNvPicPr>
+          <p:nvPr/>
+        </p:nvPicPr>
+        <p:blipFill>
+          <a:blip r:embed="rId5">
+            <a:extLst>
+              <a:ext uri="{28A0092B-C50C-407E-A947-70E740481C1C}">
+                <a14:useLocalDpi xmlns:a14="http://schemas.microsoft.com/office/drawing/2010/main" val="0"/>
+              </a:ext>
+            </a:extLst>
+          </a:blip>
+          <a:stretch>
+            <a:fillRect/>
+          </a:stretch>
+        </p:blipFill>
+        <p:spPr>
+          <a:xfrm>
+            <a:off x="9514174" y="2774406"/>
+            <a:ext cx="2384115" cy="2384115"/>
+          </a:xfrm>
+          <a:prstGeom prst="ellipse">
+            <a:avLst/>
+          </a:prstGeom>
+          <a:ln w="63500" cap="rnd">
+            <a:solidFill>
+              <a:srgbClr val="333333"/>
+            </a:solidFill>
+          </a:ln>
+          <a:effectLst>
+            <a:outerShdw blurRad="381000" dist="292100" dir="5400000" sx="-80000" sy="-18000" rotWithShape="0">
+              <a:srgbClr val="000000">
+                <a:alpha val="22000"/>
+              </a:srgbClr>
+            </a:outerShdw>
+          </a:effectLst>
+          <a:scene3d>
+            <a:camera prst="orthographicFront"/>
+            <a:lightRig rig="contrasting" dir="t">
+              <a:rot lat="0" lon="0" rev="3000000"/>
+            </a:lightRig>
+          </a:scene3d>
+          <a:sp3d contourW="7620">
+            <a:bevelT w="95250" h="31750"/>
+            <a:contourClr>
+              <a:srgbClr val="333333"/>
+            </a:contourClr>
+          </a:sp3d>
+        </p:spPr>
+      </p:pic>
+    </p:spTree>
+    <p:extLst>
+      <p:ext uri="{BB962C8B-B14F-4D97-AF65-F5344CB8AC3E}">
+        <p14:creationId xmlns:p14="http://schemas.microsoft.com/office/powerpoint/2010/main" val="3353973589"/>
+      </p:ext>
+    </p:extLst>
+  </p:cSld>
+  <p:clrMapOvr>
+    <a:masterClrMapping/>
+  </p:clrMapOvr>
+  <mc:AlternateContent xmlns:mc="http://schemas.openxmlformats.org/markup-compatibility/2006" xmlns:p14="http://schemas.microsoft.com/office/powerpoint/2010/main">
+    <mc:Choice Requires="p14">
+      <p:transition spd="med" p14:dur="700">
+        <p:fade/>
+      </p:transition>
+    </mc:Choice>
+    <mc:Fallback xmlns="">
+      <p:transition spd="med">
+        <p:fade/>
+      </p:transition>
+    </mc:Fallback>
+  </mc:AlternateContent>
+  <p:timing>
+    <p:tnLst>
+      <p:par>
+        <p:cTn id="1" dur="indefinite" restart="never" nodeType="tmRoot">
+          <p:childTnLst>
+            <p:seq concurrent="1" nextAc="seek">
+              <p:cTn id="2" dur="indefinite" nodeType="mainSeq">
+                <p:childTnLst>
+                  <p:par>
+                    <p:cTn id="3" fill="hold">
+                      <p:stCondLst>
+                        <p:cond delay="indefinite"/>
+                        <p:cond evt="onBegin" delay="0">
+                          <p:tn val="2"/>
+                        </p:cond>
+                      </p:stCondLst>
+                      <p:childTnLst>
+                        <p:par>
+                          <p:cTn id="4" fill="hold">
+                            <p:stCondLst>
+                              <p:cond delay="0"/>
+                            </p:stCondLst>
+                            <p:childTnLst>
+                              <p:par>
+                                <p:cTn id="5" presetID="10" presetClass="entr" presetSubtype="0" fill="hold" grpId="0" nodeType="withEffect">
+                                  <p:stCondLst>
+                                    <p:cond delay="0"/>
+                                  </p:stCondLst>
+                                  <p:childTnLst>
+                                    <p:set>
+                                      <p:cBhvr>
+                                        <p:cTn id="6" dur="1" fill="hold">
+                                          <p:stCondLst>
+                                            <p:cond delay="0"/>
+                                          </p:stCondLst>
+                                        </p:cTn>
+                                        <p:tgtEl>
+                                          <p:spTgt spid="2"/>
+                                        </p:tgtEl>
+                                        <p:attrNameLst>
+                                          <p:attrName>style.visibility</p:attrName>
+                                        </p:attrNameLst>
+                                      </p:cBhvr>
+                                      <p:to>
+                                        <p:strVal val="visible"/>
+                                      </p:to>
+                                    </p:set>
+                                    <p:animEffect transition="in" filter="fade">
+                                      <p:cBhvr>
+                                        <p:cTn id="7" dur="500"/>
+                                        <p:tgtEl>
+                                          <p:spTgt spid="2"/>
+                                        </p:tgtEl>
+                                      </p:cBhvr>
+                                    </p:animEffect>
+                                  </p:childTnLst>
+                                </p:cTn>
+                              </p:par>
+                              <p:par>
+                                <p:cTn id="8" presetID="10" presetClass="entr" presetSubtype="0" fill="hold" grpId="0" nodeType="withEffect">
+                                  <p:stCondLst>
+                                    <p:cond delay="0"/>
+                                  </p:stCondLst>
+                                  <p:childTnLst>
+                                    <p:set>
+                                      <p:cBhvr>
+                                        <p:cTn id="9" dur="1" fill="hold">
+                                          <p:stCondLst>
+                                            <p:cond delay="0"/>
+                                          </p:stCondLst>
+                                        </p:cTn>
+                                        <p:tgtEl>
+                                          <p:spTgt spid="9"/>
+                                        </p:tgtEl>
+                                        <p:attrNameLst>
+                                          <p:attrName>style.visibility</p:attrName>
+                                        </p:attrNameLst>
+                                      </p:cBhvr>
+                                      <p:to>
+                                        <p:strVal val="visible"/>
+                                      </p:to>
+                                    </p:set>
+                                    <p:animEffect transition="in" filter="fade">
+                                      <p:cBhvr>
+                                        <p:cTn id="10" dur="500"/>
+                                        <p:tgtEl>
+                                          <p:spTgt spid="9"/>
+                                        </p:tgtEl>
+                                      </p:cBhvr>
+                                    </p:animEffect>
+                                  </p:childTnLst>
+                                </p:cTn>
+                              </p:par>
+                              <p:par>
+                                <p:cTn id="11" presetID="10" presetClass="entr" presetSubtype="0" fill="hold" grpId="0" nodeType="withEffect">
+                                  <p:stCondLst>
+                                    <p:cond delay="0"/>
+                                  </p:stCondLst>
+                                  <p:childTnLst>
+                                    <p:set>
+                                      <p:cBhvr>
+                                        <p:cTn id="12" dur="1" fill="hold">
+                                          <p:stCondLst>
+                                            <p:cond delay="0"/>
+                                          </p:stCondLst>
+                                        </p:cTn>
+                                        <p:tgtEl>
+                                          <p:spTgt spid="12"/>
+                                        </p:tgtEl>
+                                        <p:attrNameLst>
+                                          <p:attrName>style.visibility</p:attrName>
+                                        </p:attrNameLst>
+                                      </p:cBhvr>
+                                      <p:to>
+                                        <p:strVal val="visible"/>
+                                      </p:to>
+                                    </p:set>
+                                    <p:animEffect transition="in" filter="fade">
+                                      <p:cBhvr>
+                                        <p:cTn id="13" dur="500"/>
+                                        <p:tgtEl>
+                                          <p:spTgt spid="12"/>
+                                        </p:tgtEl>
+                                      </p:cBhvr>
+                                    </p:animEffect>
+                                  </p:childTnLst>
+                                </p:cTn>
+                              </p:par>
+                            </p:childTnLst>
+                          </p:cTn>
+                        </p:par>
+                        <p:par>
+                          <p:cTn id="14" fill="hold">
+                            <p:stCondLst>
+                              <p:cond delay="500"/>
+                            </p:stCondLst>
+                            <p:childTnLst>
+                              <p:par>
+                                <p:cTn id="15" presetID="10" presetClass="entr" presetSubtype="0" fill="hold" grpId="0" nodeType="afterEffect">
+                                  <p:stCondLst>
+                                    <p:cond delay="0"/>
+                                  </p:stCondLst>
+                                  <p:childTnLst>
+                                    <p:set>
+                                      <p:cBhvr>
+                                        <p:cTn id="16" dur="1" fill="hold">
+                                          <p:stCondLst>
+                                            <p:cond delay="0"/>
+                                          </p:stCondLst>
+                                        </p:cTn>
+                                        <p:tgtEl>
+                                          <p:spTgt spid="49"/>
+                                        </p:tgtEl>
+                                        <p:attrNameLst>
+                                          <p:attrName>style.visibility</p:attrName>
+                                        </p:attrNameLst>
+                                      </p:cBhvr>
+                                      <p:to>
+                                        <p:strVal val="visible"/>
+                                      </p:to>
+                                    </p:set>
+                                    <p:animEffect transition="in" filter="fade">
+                                      <p:cBhvr>
+                                        <p:cTn id="17" dur="500"/>
+                                        <p:tgtEl>
+                                          <p:spTgt spid="49"/>
+                                        </p:tgtEl>
+                                      </p:cBhvr>
+                                    </p:animEffect>
+                                  </p:childTnLst>
+                                </p:cTn>
+                              </p:par>
+                              <p:par>
+                                <p:cTn id="18" presetID="10" presetClass="entr" presetSubtype="0" fill="hold" grpId="0" nodeType="withEffect">
+                                  <p:stCondLst>
+                                    <p:cond delay="0"/>
+                                  </p:stCondLst>
+                                  <p:childTnLst>
+                                    <p:set>
+                                      <p:cBhvr>
+                                        <p:cTn id="19" dur="1" fill="hold">
+                                          <p:stCondLst>
+                                            <p:cond delay="0"/>
+                                          </p:stCondLst>
+                                        </p:cTn>
+                                        <p:tgtEl>
+                                          <p:spTgt spid="50"/>
+                                        </p:tgtEl>
+                                        <p:attrNameLst>
+                                          <p:attrName>style.visibility</p:attrName>
+                                        </p:attrNameLst>
+                                      </p:cBhvr>
+                                      <p:to>
+                                        <p:strVal val="visible"/>
+                                      </p:to>
+                                    </p:set>
+                                    <p:animEffect transition="in" filter="fade">
+                                      <p:cBhvr>
+                                        <p:cTn id="20" dur="500"/>
+                                        <p:tgtEl>
+                                          <p:spTgt spid="50"/>
+                                        </p:tgtEl>
+                                      </p:cBhvr>
+                                    </p:animEffect>
+                                  </p:childTnLst>
+                                </p:cTn>
+                              </p:par>
+                              <p:par>
+                                <p:cTn id="21" presetID="10" presetClass="entr" presetSubtype="0" fill="hold" grpId="0" nodeType="withEffect">
+                                  <p:stCondLst>
+                                    <p:cond delay="0"/>
+                                  </p:stCondLst>
+                                  <p:childTnLst>
+                                    <p:set>
+                                      <p:cBhvr>
+                                        <p:cTn id="22" dur="1" fill="hold">
+                                          <p:stCondLst>
+                                            <p:cond delay="0"/>
+                                          </p:stCondLst>
+                                        </p:cTn>
+                                        <p:tgtEl>
+                                          <p:spTgt spid="44"/>
+                                        </p:tgtEl>
+                                        <p:attrNameLst>
+                                          <p:attrName>style.visibility</p:attrName>
+                                        </p:attrNameLst>
+                                      </p:cBhvr>
+                                      <p:to>
+                                        <p:strVal val="visible"/>
+                                      </p:to>
+                                    </p:set>
+                                    <p:animEffect transition="in" filter="fade">
+                                      <p:cBhvr>
+                                        <p:cTn id="23" dur="500"/>
+                                        <p:tgtEl>
+                                          <p:spTgt spid="44"/>
+                                        </p:tgtEl>
+                                      </p:cBhvr>
+                                    </p:animEffect>
+                                  </p:childTnLst>
+                                </p:cTn>
+                              </p:par>
+                              <p:par>
+                                <p:cTn id="24" presetID="10" presetClass="entr" presetSubtype="0" fill="hold" grpId="0" nodeType="withEffect">
+                                  <p:stCondLst>
+                                    <p:cond delay="0"/>
+                                  </p:stCondLst>
+                                  <p:childTnLst>
+                                    <p:set>
+                                      <p:cBhvr>
+                                        <p:cTn id="25" dur="1" fill="hold">
+                                          <p:stCondLst>
+                                            <p:cond delay="0"/>
+                                          </p:stCondLst>
+                                        </p:cTn>
+                                        <p:tgtEl>
+                                          <p:spTgt spid="42"/>
+                                        </p:tgtEl>
+                                        <p:attrNameLst>
+                                          <p:attrName>style.visibility</p:attrName>
+                                        </p:attrNameLst>
+                                      </p:cBhvr>
+                                      <p:to>
+                                        <p:strVal val="visible"/>
+                                      </p:to>
+                                    </p:set>
+                                    <p:animEffect transition="in" filter="fade">
+                                      <p:cBhvr>
+                                        <p:cTn id="26" dur="500"/>
+                                        <p:tgtEl>
+                                          <p:spTgt spid="42"/>
+                                        </p:tgtEl>
+                                      </p:cBhvr>
+                                    </p:animEffect>
+                                  </p:childTnLst>
+                                </p:cTn>
+                              </p:par>
+                              <p:par>
+                                <p:cTn id="27" presetID="10" presetClass="entr" presetSubtype="0" fill="hold" grpId="0" nodeType="withEffect">
+                                  <p:stCondLst>
+                                    <p:cond delay="0"/>
+                                  </p:stCondLst>
+                                  <p:childTnLst>
+                                    <p:set>
+                                      <p:cBhvr>
+                                        <p:cTn id="28" dur="1" fill="hold">
+                                          <p:stCondLst>
+                                            <p:cond delay="0"/>
+                                          </p:stCondLst>
+                                        </p:cTn>
+                                        <p:tgtEl>
+                                          <p:spTgt spid="45"/>
+                                        </p:tgtEl>
+                                        <p:attrNameLst>
+                                          <p:attrName>style.visibility</p:attrName>
+                                        </p:attrNameLst>
+                                      </p:cBhvr>
+                                      <p:to>
+                                        <p:strVal val="visible"/>
+                                      </p:to>
+                                    </p:set>
+                                    <p:animEffect transition="in" filter="fade">
+                                      <p:cBhvr>
+                                        <p:cTn id="29" dur="500"/>
+                                        <p:tgtEl>
+                                          <p:spTgt spid="45"/>
+                                        </p:tgtEl>
+                                      </p:cBhvr>
+                                    </p:animEffect>
+                                  </p:childTnLst>
+                                </p:cTn>
+                              </p:par>
+                              <p:par>
+                                <p:cTn id="30" presetID="10" presetClass="entr" presetSubtype="0" fill="hold" grpId="0" nodeType="withEffect">
+                                  <p:stCondLst>
+                                    <p:cond delay="0"/>
+                                  </p:stCondLst>
+                                  <p:childTnLst>
+                                    <p:set>
+                                      <p:cBhvr>
+                                        <p:cTn id="31" dur="1" fill="hold">
+                                          <p:stCondLst>
+                                            <p:cond delay="0"/>
+                                          </p:stCondLst>
+                                        </p:cTn>
+                                        <p:tgtEl>
+                                          <p:spTgt spid="43"/>
+                                        </p:tgtEl>
+                                        <p:attrNameLst>
+                                          <p:attrName>style.visibility</p:attrName>
+                                        </p:attrNameLst>
+                                      </p:cBhvr>
+                                      <p:to>
+                                        <p:strVal val="visible"/>
+                                      </p:to>
+                                    </p:set>
+                                    <p:animEffect transition="in" filter="fade">
+                                      <p:cBhvr>
+                                        <p:cTn id="32" dur="500"/>
+                                        <p:tgtEl>
+                                          <p:spTgt spid="43"/>
+                                        </p:tgtEl>
+                                      </p:cBhvr>
+                                    </p:animEffect>
+                                  </p:childTnLst>
+                                </p:cTn>
+                              </p:par>
+                            </p:childTnLst>
+                          </p:cTn>
+                        </p:par>
+                      </p:childTnLst>
+                    </p:cTn>
+                  </p:par>
+                </p:childTnLst>
+              </p:cTn>
+              <p:prevCondLst>
+                <p:cond evt="onPrev" delay="0">
+                  <p:tgtEl>
+                    <p:sldTgt/>
+                  </p:tgtEl>
+                </p:cond>
+              </p:prevCondLst>
+              <p:nextCondLst>
+                <p:cond evt="onNext" delay="0">
+                  <p:tgtEl>
+                    <p:sldTgt/>
+                  </p:tgtEl>
+                </p:cond>
+              </p:nextCondLst>
+            </p:seq>
+          </p:childTnLst>
+        </p:cTn>
+      </p:par>
+    </p:tnLst>
+    <p:bldLst>
+      <p:bldP spid="49" grpId="0" animBg="1"/>
+      <p:bldP spid="50" grpId="0" animBg="1"/>
+      <p:bldP spid="2" grpId="0" animBg="1"/>
+      <p:bldP spid="9" grpId="0" animBg="1"/>
+      <p:bldP spid="12" grpId="0"/>
+      <p:bldP spid="42" grpId="0"/>
+      <p:bldP spid="43" grpId="0"/>
+      <p:bldP spid="44" grpId="0"/>
+      <p:bldP spid="45" grpId="0"/>
+    </p:bldLst>
+  </p:timing>
+</p:sld>
+</file>
+
+<file path=ppt/slides/slide20.xml><?xml version="1.0" encoding="utf-8"?>
 <p:sld xmlns:a="http://schemas.openxmlformats.org/drawingml/2006/main" xmlns:r="http://schemas.openxmlformats.org/officeDocument/2006/relationships" xmlns:p="http://schemas.openxmlformats.org/presentationml/2006/main">
   <p:cSld>
     <p:spTree>
@@ -20505,7 +18140,7 @@
 </p:sld>
 </file>
 
-<file path=ppt/slides/slide26.xml><?xml version="1.0" encoding="utf-8"?>
+<file path=ppt/slides/slide21.xml><?xml version="1.0" encoding="utf-8"?>
 <p:sld xmlns:a="http://schemas.openxmlformats.org/drawingml/2006/main" xmlns:r="http://schemas.openxmlformats.org/officeDocument/2006/relationships" xmlns:p="http://schemas.openxmlformats.org/presentationml/2006/main">
   <p:cSld>
     <p:spTree>
@@ -20795,7 +18430,7 @@
       </p:sp>
       <p:pic>
         <p:nvPicPr>
-          <p:cNvPr id="3" name="Image 2"/>
+          <p:cNvPr id="6" name="Image 5"/>
           <p:cNvPicPr>
             <a:picLocks noChangeAspect="1"/>
           </p:cNvPicPr>
@@ -20803,36 +18438,6 @@
         </p:nvPicPr>
         <p:blipFill>
           <a:blip r:embed="rId4">
-            <a:extLst>
-              <a:ext uri="{28A0092B-C50C-407E-A947-70E740481C1C}">
-                <a14:useLocalDpi xmlns:a14="http://schemas.microsoft.com/office/drawing/2010/main" val="0"/>
-              </a:ext>
-            </a:extLst>
-          </a:blip>
-          <a:stretch>
-            <a:fillRect/>
-          </a:stretch>
-        </p:blipFill>
-        <p:spPr>
-          <a:xfrm>
-            <a:off x="1008438" y="4713039"/>
-            <a:ext cx="5184576" cy="5184576"/>
-          </a:xfrm>
-          <a:prstGeom prst="rect">
-            <a:avLst/>
-          </a:prstGeom>
-        </p:spPr>
-      </p:pic>
-      <p:pic>
-        <p:nvPicPr>
-          <p:cNvPr id="6" name="Image 5"/>
-          <p:cNvPicPr>
-            <a:picLocks noChangeAspect="1"/>
-          </p:cNvPicPr>
-          <p:nvPr/>
-        </p:nvPicPr>
-        <p:blipFill>
-          <a:blip r:embed="rId5">
             <a:extLst>
               <a:ext uri="{28A0092B-C50C-407E-A947-70E740481C1C}">
                 <a14:useLocalDpi xmlns:a14="http://schemas.microsoft.com/office/drawing/2010/main" val="0"/>
@@ -21083,6 +18688,36 @@
           </a:p>
         </p:txBody>
       </p:sp>
+      <p:pic>
+        <p:nvPicPr>
+          <p:cNvPr id="4" name="Image 3"/>
+          <p:cNvPicPr>
+            <a:picLocks noChangeAspect="1"/>
+          </p:cNvPicPr>
+          <p:nvPr/>
+        </p:nvPicPr>
+        <p:blipFill>
+          <a:blip r:embed="rId5">
+            <a:extLst>
+              <a:ext uri="{28A0092B-C50C-407E-A947-70E740481C1C}">
+                <a14:useLocalDpi xmlns:a14="http://schemas.microsoft.com/office/drawing/2010/main" val="0"/>
+              </a:ext>
+            </a:extLst>
+          </a:blip>
+          <a:stretch>
+            <a:fillRect/>
+          </a:stretch>
+        </p:blipFill>
+        <p:spPr>
+          <a:xfrm>
+            <a:off x="1107299" y="4031565"/>
+            <a:ext cx="4889608" cy="3667206"/>
+          </a:xfrm>
+          <a:prstGeom prst="rect">
+            <a:avLst/>
+          </a:prstGeom>
+        </p:spPr>
+      </p:pic>
     </p:spTree>
     <p:extLst>
       <p:ext uri="{BB962C8B-B14F-4D97-AF65-F5344CB8AC3E}">
@@ -21234,9 +18869,9 @@
                                 </p:cTn>
                               </p:par>
                               <p:par>
-                                <p:cTn id="14" presetID="10" presetClass="entr" presetSubtype="0" fill="hold" nodeType="withEffect">
+                                <p:cTn id="14" presetID="42" presetClass="entr" presetSubtype="0" fill="hold" nodeType="withEffect">
                                   <p:stCondLst>
-                                    <p:cond delay="0"/>
+                                    <p:cond delay="500"/>
                                   </p:stCondLst>
                                   <p:childTnLst>
                                     <p:set>
@@ -21247,7 +18882,7 @@
                                           </p:stCondLst>
                                         </p:cTn>
                                         <p:tgtEl>
-                                          <p:spTgt spid="3"/>
+                                          <p:spTgt spid="6"/>
                                         </p:tgtEl>
                                         <p:attrNameLst>
                                           <p:attrName>style.visibility</p:attrName>
@@ -21259,42 +18894,7 @@
                                     </p:set>
                                     <p:animEffect transition="in" filter="fade">
                                       <p:cBhvr>
-                                        <p:cTn id="16" dur="500"/>
-                                        <p:tgtEl>
-                                          <p:spTgt spid="3"/>
-                                        </p:tgtEl>
-                                      </p:cBhvr>
-                                    </p:animEffect>
-                                  </p:childTnLst>
-                                </p:cTn>
-                              </p:par>
-                              <p:par>
-                                <p:cTn id="17" presetID="42" presetClass="entr" presetSubtype="0" fill="hold" nodeType="withEffect">
-                                  <p:stCondLst>
-                                    <p:cond delay="500"/>
-                                  </p:stCondLst>
-                                  <p:childTnLst>
-                                    <p:set>
-                                      <p:cBhvr>
-                                        <p:cTn id="18" dur="1" fill="hold">
-                                          <p:stCondLst>
-                                            <p:cond delay="0"/>
-                                          </p:stCondLst>
-                                        </p:cTn>
-                                        <p:tgtEl>
-                                          <p:spTgt spid="6"/>
-                                        </p:tgtEl>
-                                        <p:attrNameLst>
-                                          <p:attrName>style.visibility</p:attrName>
-                                        </p:attrNameLst>
-                                      </p:cBhvr>
-                                      <p:to>
-                                        <p:strVal val="visible"/>
-                                      </p:to>
-                                    </p:set>
-                                    <p:animEffect transition="in" filter="fade">
-                                      <p:cBhvr>
-                                        <p:cTn id="19" dur="1000"/>
+                                        <p:cTn id="16" dur="1000"/>
                                         <p:tgtEl>
                                           <p:spTgt spid="6"/>
                                         </p:tgtEl>
@@ -21302,7 +18902,7 @@
                                     </p:animEffect>
                                     <p:anim calcmode="lin" valueType="num">
                                       <p:cBhvr>
-                                        <p:cTn id="20" dur="1000" fill="hold"/>
+                                        <p:cTn id="17" dur="1000" fill="hold"/>
                                         <p:tgtEl>
                                           <p:spTgt spid="6"/>
                                         </p:tgtEl>
@@ -21325,7 +18925,7 @@
                                     </p:anim>
                                     <p:anim calcmode="lin" valueType="num">
                                       <p:cBhvr>
-                                        <p:cTn id="21" dur="1000" fill="hold"/>
+                                        <p:cTn id="18" dur="1000" fill="hold"/>
                                         <p:tgtEl>
                                           <p:spTgt spid="6"/>
                                         </p:tgtEl>
@@ -21350,20 +18950,90 @@
                                 </p:cTn>
                               </p:par>
                               <p:par>
-                                <p:cTn id="22" presetID="22" presetClass="entr" presetSubtype="4" fill="hold" nodeType="withEffect">
+                                <p:cTn id="19" presetID="22" presetClass="entr" presetSubtype="4" fill="hold" nodeType="withEffect">
                                   <p:stCondLst>
                                     <p:cond delay="1500"/>
                                   </p:stCondLst>
                                   <p:childTnLst>
                                     <p:set>
                                       <p:cBhvr>
+                                        <p:cTn id="20" dur="1" fill="hold">
+                                          <p:stCondLst>
+                                            <p:cond delay="0"/>
+                                          </p:stCondLst>
+                                        </p:cTn>
+                                        <p:tgtEl>
+                                          <p:spTgt spid="8"/>
+                                        </p:tgtEl>
+                                        <p:attrNameLst>
+                                          <p:attrName>style.visibility</p:attrName>
+                                        </p:attrNameLst>
+                                      </p:cBhvr>
+                                      <p:to>
+                                        <p:strVal val="visible"/>
+                                      </p:to>
+                                    </p:set>
+                                    <p:animEffect transition="in" filter="wipe(down)">
+                                      <p:cBhvr>
+                                        <p:cTn id="21" dur="1000"/>
+                                        <p:tgtEl>
+                                          <p:spTgt spid="8"/>
+                                        </p:tgtEl>
+                                      </p:cBhvr>
+                                    </p:animEffect>
+                                  </p:childTnLst>
+                                </p:cTn>
+                              </p:par>
+                              <p:par>
+                                <p:cTn id="22" presetID="16" presetClass="entr" presetSubtype="21" fill="hold" nodeType="withEffect">
+                                  <p:stCondLst>
+                                    <p:cond delay="2200"/>
+                                  </p:stCondLst>
+                                  <p:childTnLst>
+                                    <p:set>
+                                      <p:cBhvr>
                                         <p:cTn id="23" dur="1" fill="hold">
                                           <p:stCondLst>
                                             <p:cond delay="0"/>
                                           </p:stCondLst>
                                         </p:cTn>
                                         <p:tgtEl>
-                                          <p:spTgt spid="8"/>
+                                          <p:spTgt spid="11"/>
+                                        </p:tgtEl>
+                                        <p:attrNameLst>
+                                          <p:attrName>style.visibility</p:attrName>
+                                        </p:attrNameLst>
+                                      </p:cBhvr>
+                                      <p:to>
+                                        <p:strVal val="visible"/>
+                                      </p:to>
+                                    </p:set>
+                                    <p:animEffect transition="in" filter="barn(inVertical)">
+                                      <p:cBhvr>
+                                        <p:cTn id="24" dur="1000"/>
+                                        <p:tgtEl>
+                                          <p:spTgt spid="11"/>
+                                        </p:tgtEl>
+                                      </p:cBhvr>
+                                    </p:animEffect>
+                                  </p:childTnLst>
+                                </p:cTn>
+                              </p:par>
+                              <p:par>
+                                <p:cTn id="25" presetID="22" presetClass="entr" presetSubtype="4" fill="hold" nodeType="withEffect">
+                                  <p:stCondLst>
+                                    <p:cond delay="2500"/>
+                                  </p:stCondLst>
+                                  <p:childTnLst>
+                                    <p:set>
+                                      <p:cBhvr>
+                                        <p:cTn id="26" dur="1" fill="hold">
+                                          <p:stCondLst>
+                                            <p:cond delay="0"/>
+                                          </p:stCondLst>
+                                        </p:cTn>
+                                        <p:tgtEl>
+                                          <p:spTgt spid="16"/>
                                         </p:tgtEl>
                                         <p:attrNameLst>
                                           <p:attrName>style.visibility</p:attrName>
@@ -21375,44 +19045,9 @@
                                     </p:set>
                                     <p:animEffect transition="in" filter="wipe(down)">
                                       <p:cBhvr>
-                                        <p:cTn id="24" dur="1000"/>
-                                        <p:tgtEl>
-                                          <p:spTgt spid="8"/>
-                                        </p:tgtEl>
-                                      </p:cBhvr>
-                                    </p:animEffect>
-                                  </p:childTnLst>
-                                </p:cTn>
-                              </p:par>
-                              <p:par>
-                                <p:cTn id="25" presetID="16" presetClass="entr" presetSubtype="21" fill="hold" nodeType="withEffect">
-                                  <p:stCondLst>
-                                    <p:cond delay="2200"/>
-                                  </p:stCondLst>
-                                  <p:childTnLst>
-                                    <p:set>
-                                      <p:cBhvr>
-                                        <p:cTn id="26" dur="1" fill="hold">
-                                          <p:stCondLst>
-                                            <p:cond delay="0"/>
-                                          </p:stCondLst>
-                                        </p:cTn>
-                                        <p:tgtEl>
-                                          <p:spTgt spid="11"/>
-                                        </p:tgtEl>
-                                        <p:attrNameLst>
-                                          <p:attrName>style.visibility</p:attrName>
-                                        </p:attrNameLst>
-                                      </p:cBhvr>
-                                      <p:to>
-                                        <p:strVal val="visible"/>
-                                      </p:to>
-                                    </p:set>
-                                    <p:animEffect transition="in" filter="barn(inVertical)">
-                                      <p:cBhvr>
-                                        <p:cTn id="27" dur="1000"/>
-                                        <p:tgtEl>
-                                          <p:spTgt spid="11"/>
+                                        <p:cTn id="27" dur="500"/>
+                                        <p:tgtEl>
+                                          <p:spTgt spid="16"/>
                                         </p:tgtEl>
                                       </p:cBhvr>
                                     </p:animEffect>
@@ -21433,7 +19068,7 @@
                                           </p:stCondLst>
                                         </p:cTn>
                                         <p:tgtEl>
-                                          <p:spTgt spid="16"/>
+                                          <p:spTgt spid="33"/>
                                         </p:tgtEl>
                                         <p:attrNameLst>
                                           <p:attrName>style.visibility</p:attrName>
@@ -21447,7 +19082,7 @@
                                       <p:cBhvr>
                                         <p:cTn id="30" dur="500"/>
                                         <p:tgtEl>
-                                          <p:spTgt spid="16"/>
+                                          <p:spTgt spid="33"/>
                                         </p:tgtEl>
                                       </p:cBhvr>
                                     </p:animEffect>
@@ -21455,9 +19090,9 @@
                                 </p:cTn>
                               </p:par>
                               <p:par>
-                                <p:cTn id="31" presetID="22" presetClass="entr" presetSubtype="4" fill="hold" nodeType="withEffect">
+                                <p:cTn id="31" presetID="22" presetClass="entr" presetSubtype="4" fill="hold" grpId="0" nodeType="withEffect">
                                   <p:stCondLst>
-                                    <p:cond delay="2500"/>
+                                    <p:cond delay="3000"/>
                                   </p:stCondLst>
                                   <p:childTnLst>
                                     <p:set>
@@ -21468,7 +19103,7 @@
                                           </p:stCondLst>
                                         </p:cTn>
                                         <p:tgtEl>
-                                          <p:spTgt spid="33"/>
+                                          <p:spTgt spid="28"/>
                                         </p:tgtEl>
                                         <p:attrNameLst>
                                           <p:attrName>style.visibility</p:attrName>
@@ -21482,7 +19117,7 @@
                                       <p:cBhvr>
                                         <p:cTn id="33" dur="500"/>
                                         <p:tgtEl>
-                                          <p:spTgt spid="33"/>
+                                          <p:spTgt spid="28"/>
                                         </p:tgtEl>
                                       </p:cBhvr>
                                     </p:animEffect>
@@ -21490,9 +19125,9 @@
                                 </p:cTn>
                               </p:par>
                               <p:par>
-                                <p:cTn id="34" presetID="22" presetClass="entr" presetSubtype="4" fill="hold" grpId="0" nodeType="withEffect">
+                                <p:cTn id="34" presetID="22" presetClass="entr" presetSubtype="4" fill="hold" nodeType="withEffect">
                                   <p:stCondLst>
-                                    <p:cond delay="3000"/>
+                                    <p:cond delay="3300"/>
                                   </p:stCondLst>
                                   <p:childTnLst>
                                     <p:set>
@@ -21503,7 +19138,11 @@
                                           </p:stCondLst>
                                         </p:cTn>
                                         <p:tgtEl>
-                                          <p:spTgt spid="28"/>
+                                          <p:spTgt spid="29">
+                                            <p:txEl>
+                                              <p:pRg st="0" end="0"/>
+                                            </p:txEl>
+                                          </p:spTgt>
                                         </p:tgtEl>
                                         <p:attrNameLst>
                                           <p:attrName>style.visibility</p:attrName>
@@ -21517,7 +19156,11 @@
                                       <p:cBhvr>
                                         <p:cTn id="36" dur="500"/>
                                         <p:tgtEl>
-                                          <p:spTgt spid="28"/>
+                                          <p:spTgt spid="29">
+                                            <p:txEl>
+                                              <p:pRg st="0" end="0"/>
+                                            </p:txEl>
+                                          </p:spTgt>
                                         </p:tgtEl>
                                       </p:cBhvr>
                                     </p:animEffect>
@@ -21527,7 +19170,7 @@
                               <p:par>
                                 <p:cTn id="37" presetID="22" presetClass="entr" presetSubtype="4" fill="hold" nodeType="withEffect">
                                   <p:stCondLst>
-                                    <p:cond delay="3300"/>
+                                    <p:cond delay="2200"/>
                                   </p:stCondLst>
                                   <p:childTnLst>
                                     <p:set>
@@ -21538,11 +19181,7 @@
                                           </p:stCondLst>
                                         </p:cTn>
                                         <p:tgtEl>
-                                          <p:spTgt spid="29">
-                                            <p:txEl>
-                                              <p:pRg st="0" end="0"/>
-                                            </p:txEl>
-                                          </p:spTgt>
+                                          <p:spTgt spid="14"/>
                                         </p:tgtEl>
                                         <p:attrNameLst>
                                           <p:attrName>style.visibility</p:attrName>
@@ -21554,46 +19193,7 @@
                                     </p:set>
                                     <p:animEffect transition="in" filter="wipe(down)">
                                       <p:cBhvr>
-                                        <p:cTn id="39" dur="500"/>
-                                        <p:tgtEl>
-                                          <p:spTgt spid="29">
-                                            <p:txEl>
-                                              <p:pRg st="0" end="0"/>
-                                            </p:txEl>
-                                          </p:spTgt>
-                                        </p:tgtEl>
-                                      </p:cBhvr>
-                                    </p:animEffect>
-                                  </p:childTnLst>
-                                </p:cTn>
-                              </p:par>
-                              <p:par>
-                                <p:cTn id="40" presetID="22" presetClass="entr" presetSubtype="4" fill="hold" nodeType="withEffect">
-                                  <p:stCondLst>
-                                    <p:cond delay="2200"/>
-                                  </p:stCondLst>
-                                  <p:childTnLst>
-                                    <p:set>
-                                      <p:cBhvr>
-                                        <p:cTn id="41" dur="1" fill="hold">
-                                          <p:stCondLst>
-                                            <p:cond delay="0"/>
-                                          </p:stCondLst>
-                                        </p:cTn>
-                                        <p:tgtEl>
-                                          <p:spTgt spid="14"/>
-                                        </p:tgtEl>
-                                        <p:attrNameLst>
-                                          <p:attrName>style.visibility</p:attrName>
-                                        </p:attrNameLst>
-                                      </p:cBhvr>
-                                      <p:to>
-                                        <p:strVal val="visible"/>
-                                      </p:to>
-                                    </p:set>
-                                    <p:animEffect transition="in" filter="wipe(down)">
-                                      <p:cBhvr>
-                                        <p:cTn id="42" dur="1000"/>
+                                        <p:cTn id="39" dur="1000"/>
                                         <p:tgtEl>
                                           <p:spTgt spid="14"/>
                                         </p:tgtEl>
@@ -21639,7 +19239,7 @@
 </p:sld>
 </file>
 
-<file path=ppt/slides/slide27.xml><?xml version="1.0" encoding="utf-8"?>
+<file path=ppt/slides/slide22.xml><?xml version="1.0" encoding="utf-8"?>
 <p:sld xmlns:a="http://schemas.openxmlformats.org/drawingml/2006/main" xmlns:r="http://schemas.openxmlformats.org/officeDocument/2006/relationships" xmlns:p="http://schemas.openxmlformats.org/presentationml/2006/main">
   <p:cSld>
     <p:spTree>
@@ -22108,7 +19708,7 @@
 </p:sld>
 </file>
 
-<file path=ppt/slides/slide28.xml><?xml version="1.0" encoding="utf-8"?>
+<file path=ppt/slides/slide23.xml><?xml version="1.0" encoding="utf-8"?>
 <p:sld xmlns:a="http://schemas.openxmlformats.org/drawingml/2006/main" xmlns:r="http://schemas.openxmlformats.org/officeDocument/2006/relationships" xmlns:p="http://schemas.openxmlformats.org/presentationml/2006/main">
   <p:cSld>
     <p:spTree>
@@ -22914,8 +20514,8 @@
         </p:nvSpPr>
         <p:spPr>
           <a:xfrm>
-            <a:off x="4949152" y="7172306"/>
-            <a:ext cx="8403629" cy="707886"/>
+            <a:off x="5882037" y="7172306"/>
+            <a:ext cx="6500691" cy="707886"/>
           </a:xfrm>
           <a:prstGeom prst="rect">
             <a:avLst/>
@@ -22965,7 +20565,7 @@
                 </a:solidFill>
                 <a:latin typeface="Bebas Neue" panose="020B0606020202050201" pitchFamily="34" charset="0"/>
               </a:rPr>
-              <a:t>getradius</a:t>
+              <a:t>Whereami</a:t>
             </a:r>
             <a:r>
               <a:rPr lang="fr-FR" sz="4000" dirty="0" smtClean="0">
@@ -22988,7 +20588,7 @@
                 </a:solidFill>
                 <a:latin typeface="Bebas Neue" panose="020B0606020202050201" pitchFamily="34" charset="0"/>
               </a:rPr>
-              <a:t>50:10;100:33;1:0</a:t>
+              <a:t>TRUE</a:t>
             </a:r>
             <a:endParaRPr lang="fr-FR" sz="4000" dirty="0">
               <a:solidFill>
@@ -22996,202 +20596,6 @@
               </a:solidFill>
               <a:latin typeface="Bebas Neue" panose="020B0606020202050201" pitchFamily="34" charset="0"/>
             </a:endParaRPr>
-          </a:p>
-        </p:txBody>
-      </p:sp>
-      <p:cxnSp>
-        <p:nvCxnSpPr>
-          <p:cNvPr id="6" name="Connecteur droit avec flèche 5"/>
-          <p:cNvCxnSpPr/>
-          <p:nvPr/>
-        </p:nvCxnSpPr>
-        <p:spPr>
-          <a:xfrm flipV="1">
-            <a:off x="11017795" y="7697456"/>
-            <a:ext cx="0" cy="504056"/>
-          </a:xfrm>
-          <a:prstGeom prst="straightConnector1">
-            <a:avLst/>
-          </a:prstGeom>
-          <a:ln>
-            <a:tailEnd type="triangle"/>
-          </a:ln>
-        </p:spPr>
-        <p:style>
-          <a:lnRef idx="3">
-            <a:schemeClr val="dk1"/>
-          </a:lnRef>
-          <a:fillRef idx="0">
-            <a:schemeClr val="dk1"/>
-          </a:fillRef>
-          <a:effectRef idx="2">
-            <a:schemeClr val="dk1"/>
-          </a:effectRef>
-          <a:fontRef idx="minor">
-            <a:schemeClr val="tx1"/>
-          </a:fontRef>
-        </p:style>
-      </p:cxnSp>
-      <p:cxnSp>
-        <p:nvCxnSpPr>
-          <p:cNvPr id="24" name="Connecteur droit avec flèche 23"/>
-          <p:cNvCxnSpPr/>
-          <p:nvPr/>
-        </p:nvCxnSpPr>
-        <p:spPr>
-          <a:xfrm flipV="1">
-            <a:off x="12169923" y="7685673"/>
-            <a:ext cx="0" cy="504056"/>
-          </a:xfrm>
-          <a:prstGeom prst="straightConnector1">
-            <a:avLst/>
-          </a:prstGeom>
-          <a:ln>
-            <a:tailEnd type="triangle"/>
-          </a:ln>
-        </p:spPr>
-        <p:style>
-          <a:lnRef idx="3">
-            <a:schemeClr val="dk1"/>
-          </a:lnRef>
-          <a:fillRef idx="0">
-            <a:schemeClr val="dk1"/>
-          </a:fillRef>
-          <a:effectRef idx="2">
-            <a:schemeClr val="dk1"/>
-          </a:effectRef>
-          <a:fontRef idx="minor">
-            <a:schemeClr val="tx1"/>
-          </a:fontRef>
-        </p:style>
-      </p:cxnSp>
-      <p:cxnSp>
-        <p:nvCxnSpPr>
-          <p:cNvPr id="25" name="Connecteur droit avec flèche 24"/>
-          <p:cNvCxnSpPr/>
-          <p:nvPr/>
-        </p:nvCxnSpPr>
-        <p:spPr>
-          <a:xfrm flipV="1">
-            <a:off x="13034019" y="7697456"/>
-            <a:ext cx="0" cy="504056"/>
-          </a:xfrm>
-          <a:prstGeom prst="straightConnector1">
-            <a:avLst/>
-          </a:prstGeom>
-          <a:ln>
-            <a:tailEnd type="triangle"/>
-          </a:ln>
-        </p:spPr>
-        <p:style>
-          <a:lnRef idx="3">
-            <a:schemeClr val="dk1"/>
-          </a:lnRef>
-          <a:fillRef idx="0">
-            <a:schemeClr val="dk1"/>
-          </a:fillRef>
-          <a:effectRef idx="2">
-            <a:schemeClr val="dk1"/>
-          </a:effectRef>
-          <a:fontRef idx="minor">
-            <a:schemeClr val="tx1"/>
-          </a:fontRef>
-        </p:style>
-      </p:cxnSp>
-      <p:sp>
-        <p:nvSpPr>
-          <p:cNvPr id="8" name="ZoneTexte 7"/>
-          <p:cNvSpPr txBox="1"/>
-          <p:nvPr/>
-        </p:nvSpPr>
-        <p:spPr>
-          <a:xfrm>
-            <a:off x="10441731" y="8457455"/>
-            <a:ext cx="1152128" cy="707886"/>
-          </a:xfrm>
-          <a:prstGeom prst="rect">
-            <a:avLst/>
-          </a:prstGeom>
-          <a:noFill/>
-        </p:spPr>
-        <p:txBody>
-          <a:bodyPr wrap="square" rtlCol="0">
-            <a:spAutoFit/>
-          </a:bodyPr>
-          <a:lstStyle/>
-          <a:p>
-            <a:r>
-              <a:rPr lang="fr-FR" sz="2000" dirty="0" smtClean="0"/>
-              <a:t>Position initiale</a:t>
-            </a:r>
-            <a:endParaRPr lang="fr-FR" sz="2000" dirty="0"/>
-          </a:p>
-        </p:txBody>
-      </p:sp>
-      <p:sp>
-        <p:nvSpPr>
-          <p:cNvPr id="26" name="ZoneTexte 25"/>
-          <p:cNvSpPr txBox="1"/>
-          <p:nvPr/>
-        </p:nvSpPr>
-        <p:spPr>
-          <a:xfrm>
-            <a:off x="11593859" y="8479719"/>
-            <a:ext cx="1152128" cy="707886"/>
-          </a:xfrm>
-          <a:prstGeom prst="rect">
-            <a:avLst/>
-          </a:prstGeom>
-          <a:noFill/>
-        </p:spPr>
-        <p:txBody>
-          <a:bodyPr wrap="square" rtlCol="0">
-            <a:spAutoFit/>
-          </a:bodyPr>
-          <a:lstStyle/>
-          <a:p>
-            <a:r>
-              <a:rPr lang="fr-FR" sz="2000" dirty="0" smtClean="0"/>
-              <a:t>Position finale</a:t>
-            </a:r>
-            <a:endParaRPr lang="fr-FR" sz="2000" dirty="0"/>
-          </a:p>
-        </p:txBody>
-      </p:sp>
-      <p:sp>
-        <p:nvSpPr>
-          <p:cNvPr id="27" name="ZoneTexte 26"/>
-          <p:cNvSpPr txBox="1"/>
-          <p:nvPr/>
-        </p:nvSpPr>
-        <p:spPr>
-          <a:xfrm>
-            <a:off x="12638261" y="8457455"/>
-            <a:ext cx="1835918" cy="707886"/>
-          </a:xfrm>
-          <a:prstGeom prst="rect">
-            <a:avLst/>
-          </a:prstGeom>
-          <a:noFill/>
-        </p:spPr>
-        <p:txBody>
-          <a:bodyPr wrap="square" rtlCol="0">
-            <a:spAutoFit/>
-          </a:bodyPr>
-          <a:lstStyle/>
-          <a:p>
-            <a:r>
-              <a:rPr lang="fr-FR" sz="2000" dirty="0" smtClean="0"/>
-              <a:t>Vecteur </a:t>
-            </a:r>
-            <a:br>
-              <a:rPr lang="fr-FR" sz="2000" dirty="0" smtClean="0"/>
-            </a:br>
-            <a:r>
-              <a:rPr lang="fr-FR" sz="2000" dirty="0" smtClean="0"/>
-              <a:t>de direction</a:t>
-            </a:r>
-            <a:endParaRPr lang="fr-FR" sz="2000" dirty="0"/>
           </a:p>
         </p:txBody>
       </p:sp>
@@ -23713,216 +21117,6 @@
                                   </p:childTnLst>
                                 </p:cTn>
                               </p:par>
-                              <p:par>
-                                <p:cTn id="46" presetID="10" presetClass="entr" presetSubtype="0" fill="hold" nodeType="withEffect">
-                                  <p:stCondLst>
-                                    <p:cond delay="500"/>
-                                  </p:stCondLst>
-                                  <p:childTnLst>
-                                    <p:set>
-                                      <p:cBhvr>
-                                        <p:cTn id="47" dur="1" fill="hold">
-                                          <p:stCondLst>
-                                            <p:cond delay="0"/>
-                                          </p:stCondLst>
-                                        </p:cTn>
-                                        <p:tgtEl>
-                                          <p:spTgt spid="6"/>
-                                        </p:tgtEl>
-                                        <p:attrNameLst>
-                                          <p:attrName>style.visibility</p:attrName>
-                                        </p:attrNameLst>
-                                      </p:cBhvr>
-                                      <p:to>
-                                        <p:strVal val="visible"/>
-                                      </p:to>
-                                    </p:set>
-                                    <p:animEffect transition="in" filter="fade">
-                                      <p:cBhvr>
-                                        <p:cTn id="48" dur="500"/>
-                                        <p:tgtEl>
-                                          <p:spTgt spid="6"/>
-                                        </p:tgtEl>
-                                      </p:cBhvr>
-                                    </p:animEffect>
-                                  </p:childTnLst>
-                                </p:cTn>
-                              </p:par>
-                              <p:par>
-                                <p:cTn id="49" presetID="10" presetClass="entr" presetSubtype="0" fill="hold" nodeType="withEffect">
-                                  <p:stCondLst>
-                                    <p:cond delay="1000"/>
-                                  </p:stCondLst>
-                                  <p:childTnLst>
-                                    <p:set>
-                                      <p:cBhvr>
-                                        <p:cTn id="50" dur="1" fill="hold">
-                                          <p:stCondLst>
-                                            <p:cond delay="0"/>
-                                          </p:stCondLst>
-                                        </p:cTn>
-                                        <p:tgtEl>
-                                          <p:spTgt spid="24"/>
-                                        </p:tgtEl>
-                                        <p:attrNameLst>
-                                          <p:attrName>style.visibility</p:attrName>
-                                        </p:attrNameLst>
-                                      </p:cBhvr>
-                                      <p:to>
-                                        <p:strVal val="visible"/>
-                                      </p:to>
-                                    </p:set>
-                                    <p:animEffect transition="in" filter="fade">
-                                      <p:cBhvr>
-                                        <p:cTn id="51" dur="500"/>
-                                        <p:tgtEl>
-                                          <p:spTgt spid="24"/>
-                                        </p:tgtEl>
-                                      </p:cBhvr>
-                                    </p:animEffect>
-                                  </p:childTnLst>
-                                </p:cTn>
-                              </p:par>
-                              <p:par>
-                                <p:cTn id="52" presetID="10" presetClass="entr" presetSubtype="0" fill="hold" nodeType="withEffect">
-                                  <p:stCondLst>
-                                    <p:cond delay="1500"/>
-                                  </p:stCondLst>
-                                  <p:childTnLst>
-                                    <p:set>
-                                      <p:cBhvr>
-                                        <p:cTn id="53" dur="1" fill="hold">
-                                          <p:stCondLst>
-                                            <p:cond delay="0"/>
-                                          </p:stCondLst>
-                                        </p:cTn>
-                                        <p:tgtEl>
-                                          <p:spTgt spid="25"/>
-                                        </p:tgtEl>
-                                        <p:attrNameLst>
-                                          <p:attrName>style.visibility</p:attrName>
-                                        </p:attrNameLst>
-                                      </p:cBhvr>
-                                      <p:to>
-                                        <p:strVal val="visible"/>
-                                      </p:to>
-                                    </p:set>
-                                    <p:animEffect transition="in" filter="fade">
-                                      <p:cBhvr>
-                                        <p:cTn id="54" dur="500"/>
-                                        <p:tgtEl>
-                                          <p:spTgt spid="25"/>
-                                        </p:tgtEl>
-                                      </p:cBhvr>
-                                    </p:animEffect>
-                                  </p:childTnLst>
-                                </p:cTn>
-                              </p:par>
-                              <p:par>
-                                <p:cTn id="55" presetID="10" presetClass="entr" presetSubtype="0" fill="hold" grpId="0" nodeType="withEffect">
-                                  <p:stCondLst>
-                                    <p:cond delay="1500"/>
-                                  </p:stCondLst>
-                                  <p:childTnLst>
-                                    <p:set>
-                                      <p:cBhvr>
-                                        <p:cTn id="56" dur="1" fill="hold">
-                                          <p:stCondLst>
-                                            <p:cond delay="0"/>
-                                          </p:stCondLst>
-                                        </p:cTn>
-                                        <p:tgtEl>
-                                          <p:spTgt spid="27"/>
-                                        </p:tgtEl>
-                                        <p:attrNameLst>
-                                          <p:attrName>style.visibility</p:attrName>
-                                        </p:attrNameLst>
-                                      </p:cBhvr>
-                                      <p:to>
-                                        <p:strVal val="visible"/>
-                                      </p:to>
-                                    </p:set>
-                                    <p:animEffect transition="in" filter="fade">
-                                      <p:cBhvr>
-                                        <p:cTn id="57" dur="500"/>
-                                        <p:tgtEl>
-                                          <p:spTgt spid="27"/>
-                                        </p:tgtEl>
-                                      </p:cBhvr>
-                                    </p:animEffect>
-                                  </p:childTnLst>
-                                </p:cTn>
-                              </p:par>
-                              <p:par>
-                                <p:cTn id="58" presetID="10" presetClass="entr" presetSubtype="0" fill="hold" grpId="0" nodeType="withEffect">
-                                  <p:stCondLst>
-                                    <p:cond delay="1000"/>
-                                  </p:stCondLst>
-                                  <p:childTnLst>
-                                    <p:set>
-                                      <p:cBhvr>
-                                        <p:cTn id="59" dur="1" fill="hold">
-                                          <p:stCondLst>
-                                            <p:cond delay="0"/>
-                                          </p:stCondLst>
-                                        </p:cTn>
-                                        <p:tgtEl>
-                                          <p:spTgt spid="26"/>
-                                        </p:tgtEl>
-                                        <p:attrNameLst>
-                                          <p:attrName>style.visibility</p:attrName>
-                                        </p:attrNameLst>
-                                      </p:cBhvr>
-                                      <p:to>
-                                        <p:strVal val="visible"/>
-                                      </p:to>
-                                    </p:set>
-                                    <p:animEffect transition="in" filter="fade">
-                                      <p:cBhvr>
-                                        <p:cTn id="60" dur="500"/>
-                                        <p:tgtEl>
-                                          <p:spTgt spid="26"/>
-                                        </p:tgtEl>
-                                      </p:cBhvr>
-                                    </p:animEffect>
-                                  </p:childTnLst>
-                                </p:cTn>
-                              </p:par>
-                              <p:par>
-                                <p:cTn id="61" presetID="10" presetClass="entr" presetSubtype="0" fill="hold" grpId="0" nodeType="withEffect">
-                                  <p:stCondLst>
-                                    <p:cond delay="500"/>
-                                  </p:stCondLst>
-                                  <p:childTnLst>
-                                    <p:set>
-                                      <p:cBhvr>
-                                        <p:cTn id="62" dur="1" fill="hold">
-                                          <p:stCondLst>
-                                            <p:cond delay="0"/>
-                                          </p:stCondLst>
-                                        </p:cTn>
-                                        <p:tgtEl>
-                                          <p:spTgt spid="8"/>
-                                        </p:tgtEl>
-                                        <p:attrNameLst>
-                                          <p:attrName>style.visibility</p:attrName>
-                                        </p:attrNameLst>
-                                      </p:cBhvr>
-                                      <p:to>
-                                        <p:strVal val="visible"/>
-                                      </p:to>
-                                    </p:set>
-                                    <p:animEffect transition="in" filter="fade">
-                                      <p:cBhvr>
-                                        <p:cTn id="63" dur="500"/>
-                                        <p:tgtEl>
-                                          <p:spTgt spid="8"/>
-                                        </p:tgtEl>
-                                      </p:cBhvr>
-                                    </p:animEffect>
-                                  </p:childTnLst>
-                                </p:cTn>
-                              </p:par>
                             </p:childTnLst>
                           </p:cTn>
                         </p:par>
@@ -23963,15 +21157,12 @@
       <p:bldP spid="31" grpId="0"/>
       <p:bldP spid="32" grpId="0"/>
       <p:bldP spid="5" grpId="0"/>
-      <p:bldP spid="8" grpId="0"/>
-      <p:bldP spid="26" grpId="0"/>
-      <p:bldP spid="27" grpId="0"/>
     </p:bldLst>
   </p:timing>
 </p:sld>
 </file>
 
-<file path=ppt/slides/slide29.xml><?xml version="1.0" encoding="utf-8"?>
+<file path=ppt/slides/slide24.xml><?xml version="1.0" encoding="utf-8"?>
 <p:sld xmlns:a="http://schemas.openxmlformats.org/drawingml/2006/main" xmlns:r="http://schemas.openxmlformats.org/officeDocument/2006/relationships" xmlns:p="http://schemas.openxmlformats.org/presentationml/2006/main">
   <p:cSld>
     <p:spTree>
@@ -24435,6 +21626,2371 @@
     <p:bldLst>
       <p:bldP spid="6" grpId="0" animBg="1"/>
       <p:bldP spid="10" grpId="0"/>
+    </p:bldLst>
+  </p:timing>
+</p:sld>
+</file>
+
+<file path=ppt/slides/slide25.xml><?xml version="1.0" encoding="utf-8"?>
+<p:sld xmlns:a="http://schemas.openxmlformats.org/drawingml/2006/main" xmlns:r="http://schemas.openxmlformats.org/officeDocument/2006/relationships" xmlns:p="http://schemas.openxmlformats.org/presentationml/2006/main">
+  <p:cSld>
+    <p:spTree>
+      <p:nvGrpSpPr>
+        <p:cNvPr id="1" name=""/>
+        <p:cNvGrpSpPr/>
+        <p:nvPr/>
+      </p:nvGrpSpPr>
+      <p:grpSpPr>
+        <a:xfrm>
+          <a:off x="0" y="0"/>
+          <a:ext cx="0" cy="0"/>
+          <a:chOff x="0" y="0"/>
+          <a:chExt cx="0" cy="0"/>
+        </a:xfrm>
+      </p:grpSpPr>
+      <p:pic>
+        <p:nvPicPr>
+          <p:cNvPr id="43" name="Picture 42"/>
+          <p:cNvPicPr>
+            <a:picLocks noChangeAspect="1"/>
+          </p:cNvPicPr>
+          <p:nvPr/>
+        </p:nvPicPr>
+        <p:blipFill>
+          <a:blip r:embed="rId3" cstate="print">
+            <a:duotone>
+              <a:prstClr val="black"/>
+              <a:schemeClr val="tx2">
+                <a:tint val="45000"/>
+                <a:satMod val="400000"/>
+              </a:schemeClr>
+            </a:duotone>
+            <a:extLst>
+              <a:ext uri="{28A0092B-C50C-407E-A947-70E740481C1C}">
+                <a14:useLocalDpi xmlns:a14="http://schemas.microsoft.com/office/drawing/2010/main" val="0"/>
+              </a:ext>
+            </a:extLst>
+          </a:blip>
+          <a:stretch>
+            <a:fillRect/>
+          </a:stretch>
+        </p:blipFill>
+        <p:spPr>
+          <a:xfrm>
+            <a:off x="-11637" y="9143199"/>
+            <a:ext cx="18302812" cy="1146976"/>
+          </a:xfrm>
+          <a:prstGeom prst="rect">
+            <a:avLst/>
+          </a:prstGeom>
+        </p:spPr>
+      </p:pic>
+      <p:sp>
+        <p:nvSpPr>
+          <p:cNvPr id="2" name="Rectangle 1"/>
+          <p:cNvSpPr/>
+          <p:nvPr/>
+        </p:nvSpPr>
+        <p:spPr>
+          <a:xfrm>
+            <a:off x="0" y="1040631"/>
+            <a:ext cx="5401171" cy="864096"/>
+          </a:xfrm>
+          <a:prstGeom prst="rect">
+            <a:avLst/>
+          </a:prstGeom>
+          <a:solidFill>
+            <a:srgbClr val="565D6F"/>
+          </a:solidFill>
+          <a:ln>
+            <a:noFill/>
+          </a:ln>
+        </p:spPr>
+        <p:style>
+          <a:lnRef idx="2">
+            <a:schemeClr val="accent1">
+              <a:shade val="50000"/>
+            </a:schemeClr>
+          </a:lnRef>
+          <a:fillRef idx="1">
+            <a:schemeClr val="accent1"/>
+          </a:fillRef>
+          <a:effectRef idx="0">
+            <a:schemeClr val="accent1"/>
+          </a:effectRef>
+          <a:fontRef idx="minor">
+            <a:schemeClr val="lt1"/>
+          </a:fontRef>
+        </p:style>
+        <p:txBody>
+          <a:bodyPr rtlCol="0" anchor="ctr"/>
+          <a:lstStyle/>
+          <a:p>
+            <a:pPr algn="ctr"/>
+            <a:endParaRPr lang="tr-TR"/>
+          </a:p>
+        </p:txBody>
+      </p:sp>
+      <p:sp>
+        <p:nvSpPr>
+          <p:cNvPr id="9" name="Rectangle 8"/>
+          <p:cNvSpPr/>
+          <p:nvPr/>
+        </p:nvSpPr>
+        <p:spPr>
+          <a:xfrm>
+            <a:off x="5401172" y="1040631"/>
+            <a:ext cx="180020" cy="864096"/>
+          </a:xfrm>
+          <a:prstGeom prst="rect">
+            <a:avLst/>
+          </a:prstGeom>
+          <a:solidFill>
+            <a:schemeClr val="bg1">
+              <a:lumMod val="75000"/>
+            </a:schemeClr>
+          </a:solidFill>
+          <a:ln>
+            <a:noFill/>
+          </a:ln>
+        </p:spPr>
+        <p:style>
+          <a:lnRef idx="2">
+            <a:schemeClr val="accent1">
+              <a:shade val="50000"/>
+            </a:schemeClr>
+          </a:lnRef>
+          <a:fillRef idx="1">
+            <a:schemeClr val="accent1"/>
+          </a:fillRef>
+          <a:effectRef idx="0">
+            <a:schemeClr val="accent1"/>
+          </a:effectRef>
+          <a:fontRef idx="minor">
+            <a:schemeClr val="lt1"/>
+          </a:fontRef>
+        </p:style>
+        <p:txBody>
+          <a:bodyPr rtlCol="0" anchor="ctr"/>
+          <a:lstStyle/>
+          <a:p>
+            <a:pPr algn="ctr"/>
+            <a:endParaRPr lang="tr-TR"/>
+          </a:p>
+        </p:txBody>
+      </p:sp>
+      <p:sp>
+        <p:nvSpPr>
+          <p:cNvPr id="12" name="TextBox 11"/>
+          <p:cNvSpPr txBox="1"/>
+          <p:nvPr/>
+        </p:nvSpPr>
+        <p:spPr>
+          <a:xfrm>
+            <a:off x="504198" y="1118736"/>
+            <a:ext cx="4392774" cy="707886"/>
+          </a:xfrm>
+          <a:prstGeom prst="rect">
+            <a:avLst/>
+          </a:prstGeom>
+          <a:noFill/>
+        </p:spPr>
+        <p:txBody>
+          <a:bodyPr wrap="square" rtlCol="0">
+            <a:spAutoFit/>
+          </a:bodyPr>
+          <a:lstStyle/>
+          <a:p>
+            <a:pPr algn="ctr"/>
+            <a:r>
+              <a:rPr lang="fr-FR" sz="4000" b="1" dirty="0" smtClean="0">
+                <a:solidFill>
+                  <a:schemeClr val="bg1">
+                    <a:lumMod val="95000"/>
+                  </a:schemeClr>
+                </a:solidFill>
+                <a:latin typeface="Caviar Dreams" pitchFamily="34" charset="-94"/>
+                <a:ea typeface="Open Sans" pitchFamily="34" charset="0"/>
+                <a:cs typeface="Open Sans" pitchFamily="34" charset="0"/>
+              </a:rPr>
+              <a:t>ORGANISATION</a:t>
+            </a:r>
+            <a:endParaRPr lang="tr-TR" sz="4000" b="1" dirty="0">
+              <a:solidFill>
+                <a:schemeClr val="bg1">
+                  <a:lumMod val="95000"/>
+                </a:schemeClr>
+              </a:solidFill>
+              <a:latin typeface="Caviar Dreams" pitchFamily="34" charset="-94"/>
+              <a:ea typeface="Open Sans" pitchFamily="34" charset="0"/>
+              <a:cs typeface="Open Sans" pitchFamily="34" charset="0"/>
+            </a:endParaRPr>
+          </a:p>
+        </p:txBody>
+      </p:sp>
+      <p:sp>
+        <p:nvSpPr>
+          <p:cNvPr id="53" name="Oval 52"/>
+          <p:cNvSpPr/>
+          <p:nvPr/>
+        </p:nvSpPr>
+        <p:spPr>
+          <a:xfrm>
+            <a:off x="8816986" y="9449582"/>
+            <a:ext cx="654224" cy="648817"/>
+          </a:xfrm>
+          <a:prstGeom prst="ellipse">
+            <a:avLst/>
+          </a:prstGeom>
+          <a:solidFill>
+            <a:schemeClr val="bg1"/>
+          </a:solidFill>
+          <a:ln>
+            <a:noFill/>
+          </a:ln>
+        </p:spPr>
+        <p:style>
+          <a:lnRef idx="2">
+            <a:schemeClr val="accent1">
+              <a:shade val="50000"/>
+            </a:schemeClr>
+          </a:lnRef>
+          <a:fillRef idx="1">
+            <a:schemeClr val="accent1"/>
+          </a:fillRef>
+          <a:effectRef idx="0">
+            <a:schemeClr val="accent1"/>
+          </a:effectRef>
+          <a:fontRef idx="minor">
+            <a:schemeClr val="lt1"/>
+          </a:fontRef>
+        </p:style>
+        <p:txBody>
+          <a:bodyPr rtlCol="0" anchor="ctr"/>
+          <a:lstStyle/>
+          <a:p>
+            <a:pPr algn="ctr"/>
+            <a:endParaRPr lang="tr-TR"/>
+          </a:p>
+        </p:txBody>
+      </p:sp>
+      <p:sp>
+        <p:nvSpPr>
+          <p:cNvPr id="54" name="TextBox 53"/>
+          <p:cNvSpPr txBox="1"/>
+          <p:nvPr/>
+        </p:nvSpPr>
+        <p:spPr>
+          <a:xfrm>
+            <a:off x="8880355" y="9464822"/>
+            <a:ext cx="504056" cy="600164"/>
+          </a:xfrm>
+          <a:prstGeom prst="rect">
+            <a:avLst/>
+          </a:prstGeom>
+          <a:noFill/>
+        </p:spPr>
+        <p:txBody>
+          <a:bodyPr wrap="square" rtlCol="0">
+            <a:spAutoFit/>
+          </a:bodyPr>
+          <a:lstStyle/>
+          <a:p>
+            <a:pPr algn="ctr"/>
+            <a:r>
+              <a:rPr lang="fr-FR" sz="3300" b="1" dirty="0">
+                <a:solidFill>
+                  <a:srgbClr val="565D6F"/>
+                </a:solidFill>
+                <a:latin typeface="Caviar Dreams" pitchFamily="34" charset="-94"/>
+                <a:ea typeface="Open Sans" pitchFamily="34" charset="0"/>
+                <a:cs typeface="Open Sans" pitchFamily="34" charset="0"/>
+              </a:rPr>
+              <a:t>R</a:t>
+            </a:r>
+            <a:endParaRPr lang="tr-TR" sz="3300" b="1" dirty="0">
+              <a:solidFill>
+                <a:srgbClr val="565D6F"/>
+              </a:solidFill>
+              <a:latin typeface="Caviar Dreams" pitchFamily="34" charset="-94"/>
+              <a:ea typeface="Open Sans" pitchFamily="34" charset="0"/>
+              <a:cs typeface="Open Sans" pitchFamily="34" charset="0"/>
+            </a:endParaRPr>
+          </a:p>
+        </p:txBody>
+      </p:sp>
+      <p:pic>
+        <p:nvPicPr>
+          <p:cNvPr id="3" name="Image 2"/>
+          <p:cNvPicPr>
+            <a:picLocks noChangeAspect="1"/>
+          </p:cNvPicPr>
+          <p:nvPr/>
+        </p:nvPicPr>
+        <p:blipFill>
+          <a:blip r:embed="rId4">
+            <a:extLst>
+              <a:ext uri="{28A0092B-C50C-407E-A947-70E740481C1C}">
+                <a14:useLocalDpi xmlns:a14="http://schemas.microsoft.com/office/drawing/2010/main" val="0"/>
+              </a:ext>
+            </a:extLst>
+          </a:blip>
+          <a:stretch>
+            <a:fillRect/>
+          </a:stretch>
+        </p:blipFill>
+        <p:spPr>
+          <a:xfrm>
+            <a:off x="-711727" y="0"/>
+            <a:ext cx="19688220" cy="25478876"/>
+          </a:xfrm>
+          <a:prstGeom prst="rect">
+            <a:avLst/>
+          </a:prstGeom>
+        </p:spPr>
+      </p:pic>
+    </p:spTree>
+    <p:extLst>
+      <p:ext uri="{BB962C8B-B14F-4D97-AF65-F5344CB8AC3E}">
+        <p14:creationId xmlns:p14="http://schemas.microsoft.com/office/powerpoint/2010/main" val="287823677"/>
+      </p:ext>
+    </p:extLst>
+  </p:cSld>
+  <p:clrMapOvr>
+    <a:masterClrMapping/>
+  </p:clrMapOvr>
+  <mc:AlternateContent xmlns:mc="http://schemas.openxmlformats.org/markup-compatibility/2006" xmlns:p14="http://schemas.microsoft.com/office/powerpoint/2010/main">
+    <mc:Choice Requires="p14">
+      <p:transition spd="med" p14:dur="700">
+        <p:fade/>
+      </p:transition>
+    </mc:Choice>
+    <mc:Fallback xmlns="">
+      <p:transition spd="med">
+        <p:fade/>
+      </p:transition>
+    </mc:Fallback>
+  </mc:AlternateContent>
+  <p:timing>
+    <p:tnLst>
+      <p:par>
+        <p:cTn id="1" dur="indefinite" restart="never" nodeType="tmRoot">
+          <p:childTnLst>
+            <p:seq concurrent="1" nextAc="seek">
+              <p:cTn id="2" dur="indefinite" nodeType="mainSeq">
+                <p:childTnLst>
+                  <p:par>
+                    <p:cTn id="3" fill="hold">
+                      <p:stCondLst>
+                        <p:cond delay="indefinite"/>
+                        <p:cond evt="onBegin" delay="0">
+                          <p:tn val="2"/>
+                        </p:cond>
+                      </p:stCondLst>
+                      <p:childTnLst>
+                        <p:par>
+                          <p:cTn id="4" fill="hold">
+                            <p:stCondLst>
+                              <p:cond delay="0"/>
+                            </p:stCondLst>
+                            <p:childTnLst>
+                              <p:par>
+                                <p:cTn id="5" presetID="10" presetClass="entr" presetSubtype="0" fill="hold" grpId="0" nodeType="withEffect">
+                                  <p:stCondLst>
+                                    <p:cond delay="0"/>
+                                  </p:stCondLst>
+                                  <p:childTnLst>
+                                    <p:set>
+                                      <p:cBhvr>
+                                        <p:cTn id="6" dur="1" fill="hold">
+                                          <p:stCondLst>
+                                            <p:cond delay="0"/>
+                                          </p:stCondLst>
+                                        </p:cTn>
+                                        <p:tgtEl>
+                                          <p:spTgt spid="2"/>
+                                        </p:tgtEl>
+                                        <p:attrNameLst>
+                                          <p:attrName>style.visibility</p:attrName>
+                                        </p:attrNameLst>
+                                      </p:cBhvr>
+                                      <p:to>
+                                        <p:strVal val="visible"/>
+                                      </p:to>
+                                    </p:set>
+                                    <p:animEffect transition="in" filter="fade">
+                                      <p:cBhvr>
+                                        <p:cTn id="7" dur="500"/>
+                                        <p:tgtEl>
+                                          <p:spTgt spid="2"/>
+                                        </p:tgtEl>
+                                      </p:cBhvr>
+                                    </p:animEffect>
+                                  </p:childTnLst>
+                                </p:cTn>
+                              </p:par>
+                              <p:par>
+                                <p:cTn id="8" presetID="10" presetClass="entr" presetSubtype="0" fill="hold" grpId="0" nodeType="withEffect">
+                                  <p:stCondLst>
+                                    <p:cond delay="0"/>
+                                  </p:stCondLst>
+                                  <p:childTnLst>
+                                    <p:set>
+                                      <p:cBhvr>
+                                        <p:cTn id="9" dur="1" fill="hold">
+                                          <p:stCondLst>
+                                            <p:cond delay="0"/>
+                                          </p:stCondLst>
+                                        </p:cTn>
+                                        <p:tgtEl>
+                                          <p:spTgt spid="9"/>
+                                        </p:tgtEl>
+                                        <p:attrNameLst>
+                                          <p:attrName>style.visibility</p:attrName>
+                                        </p:attrNameLst>
+                                      </p:cBhvr>
+                                      <p:to>
+                                        <p:strVal val="visible"/>
+                                      </p:to>
+                                    </p:set>
+                                    <p:animEffect transition="in" filter="fade">
+                                      <p:cBhvr>
+                                        <p:cTn id="10" dur="500"/>
+                                        <p:tgtEl>
+                                          <p:spTgt spid="9"/>
+                                        </p:tgtEl>
+                                      </p:cBhvr>
+                                    </p:animEffect>
+                                  </p:childTnLst>
+                                </p:cTn>
+                              </p:par>
+                              <p:par>
+                                <p:cTn id="11" presetID="10" presetClass="entr" presetSubtype="0" fill="hold" grpId="0" nodeType="withEffect">
+                                  <p:stCondLst>
+                                    <p:cond delay="0"/>
+                                  </p:stCondLst>
+                                  <p:childTnLst>
+                                    <p:set>
+                                      <p:cBhvr>
+                                        <p:cTn id="12" dur="1" fill="hold">
+                                          <p:stCondLst>
+                                            <p:cond delay="0"/>
+                                          </p:stCondLst>
+                                        </p:cTn>
+                                        <p:tgtEl>
+                                          <p:spTgt spid="12"/>
+                                        </p:tgtEl>
+                                        <p:attrNameLst>
+                                          <p:attrName>style.visibility</p:attrName>
+                                        </p:attrNameLst>
+                                      </p:cBhvr>
+                                      <p:to>
+                                        <p:strVal val="visible"/>
+                                      </p:to>
+                                    </p:set>
+                                    <p:animEffect transition="in" filter="fade">
+                                      <p:cBhvr>
+                                        <p:cTn id="13" dur="500"/>
+                                        <p:tgtEl>
+                                          <p:spTgt spid="12"/>
+                                        </p:tgtEl>
+                                      </p:cBhvr>
+                                    </p:animEffect>
+                                  </p:childTnLst>
+                                </p:cTn>
+                              </p:par>
+                            </p:childTnLst>
+                          </p:cTn>
+                        </p:par>
+                      </p:childTnLst>
+                    </p:cTn>
+                  </p:par>
+                </p:childTnLst>
+              </p:cTn>
+              <p:prevCondLst>
+                <p:cond evt="onPrev" delay="0">
+                  <p:tgtEl>
+                    <p:sldTgt/>
+                  </p:tgtEl>
+                </p:cond>
+              </p:prevCondLst>
+              <p:nextCondLst>
+                <p:cond evt="onNext" delay="0">
+                  <p:tgtEl>
+                    <p:sldTgt/>
+                  </p:tgtEl>
+                </p:cond>
+              </p:nextCondLst>
+            </p:seq>
+          </p:childTnLst>
+        </p:cTn>
+      </p:par>
+    </p:tnLst>
+    <p:bldLst>
+      <p:bldP spid="2" grpId="0" animBg="1"/>
+      <p:bldP spid="9" grpId="0" animBg="1"/>
+      <p:bldP spid="12" grpId="0"/>
+    </p:bldLst>
+  </p:timing>
+</p:sld>
+</file>
+
+<file path=ppt/slides/slide26.xml><?xml version="1.0" encoding="utf-8"?>
+<p:sld xmlns:a="http://schemas.openxmlformats.org/drawingml/2006/main" xmlns:r="http://schemas.openxmlformats.org/officeDocument/2006/relationships" xmlns:p="http://schemas.openxmlformats.org/presentationml/2006/main">
+  <p:cSld>
+    <p:spTree>
+      <p:nvGrpSpPr>
+        <p:cNvPr id="1" name=""/>
+        <p:cNvGrpSpPr/>
+        <p:nvPr/>
+      </p:nvGrpSpPr>
+      <p:grpSpPr>
+        <a:xfrm>
+          <a:off x="0" y="0"/>
+          <a:ext cx="0" cy="0"/>
+          <a:chOff x="0" y="0"/>
+          <a:chExt cx="0" cy="0"/>
+        </a:xfrm>
+      </p:grpSpPr>
+      <p:pic>
+        <p:nvPicPr>
+          <p:cNvPr id="7" name="Picture 6"/>
+          <p:cNvPicPr>
+            <a:picLocks noChangeAspect="1"/>
+          </p:cNvPicPr>
+          <p:nvPr/>
+        </p:nvPicPr>
+        <p:blipFill>
+          <a:blip r:embed="rId3" cstate="print">
+            <a:duotone>
+              <a:prstClr val="black"/>
+              <a:schemeClr val="tx2">
+                <a:tint val="45000"/>
+                <a:satMod val="400000"/>
+              </a:schemeClr>
+            </a:duotone>
+            <a:extLst>
+              <a:ext uri="{28A0092B-C50C-407E-A947-70E740481C1C}">
+                <a14:useLocalDpi xmlns:a14="http://schemas.microsoft.com/office/drawing/2010/main" val="0"/>
+              </a:ext>
+            </a:extLst>
+          </a:blip>
+          <a:stretch>
+            <a:fillRect/>
+          </a:stretch>
+        </p:blipFill>
+        <p:spPr>
+          <a:xfrm>
+            <a:off x="-11637" y="9143199"/>
+            <a:ext cx="18302812" cy="1146976"/>
+          </a:xfrm>
+          <a:prstGeom prst="rect">
+            <a:avLst/>
+          </a:prstGeom>
+        </p:spPr>
+      </p:pic>
+      <p:sp>
+        <p:nvSpPr>
+          <p:cNvPr id="6" name="Oval 5"/>
+          <p:cNvSpPr/>
+          <p:nvPr/>
+        </p:nvSpPr>
+        <p:spPr>
+          <a:xfrm>
+            <a:off x="7885447" y="2912839"/>
+            <a:ext cx="2520280" cy="2520280"/>
+          </a:xfrm>
+          <a:prstGeom prst="ellipse">
+            <a:avLst/>
+          </a:prstGeom>
+          <a:solidFill>
+            <a:srgbClr val="565D6F"/>
+          </a:solidFill>
+          <a:ln>
+            <a:noFill/>
+          </a:ln>
+        </p:spPr>
+        <p:style>
+          <a:lnRef idx="2">
+            <a:schemeClr val="accent1">
+              <a:shade val="50000"/>
+            </a:schemeClr>
+          </a:lnRef>
+          <a:fillRef idx="1">
+            <a:schemeClr val="accent1"/>
+          </a:fillRef>
+          <a:effectRef idx="0">
+            <a:schemeClr val="accent1"/>
+          </a:effectRef>
+          <a:fontRef idx="minor">
+            <a:schemeClr val="lt1"/>
+          </a:fontRef>
+        </p:style>
+        <p:txBody>
+          <a:bodyPr rtlCol="0" anchor="ctr"/>
+          <a:lstStyle/>
+          <a:p>
+            <a:pPr algn="ctr"/>
+            <a:endParaRPr lang="tr-TR"/>
+          </a:p>
+        </p:txBody>
+      </p:sp>
+      <p:sp>
+        <p:nvSpPr>
+          <p:cNvPr id="10" name="TextBox 9"/>
+          <p:cNvSpPr txBox="1"/>
+          <p:nvPr/>
+        </p:nvSpPr>
+        <p:spPr>
+          <a:xfrm>
+            <a:off x="5105622" y="5793159"/>
+            <a:ext cx="8068294" cy="861774"/>
+          </a:xfrm>
+          <a:prstGeom prst="rect">
+            <a:avLst/>
+          </a:prstGeom>
+          <a:noFill/>
+        </p:spPr>
+        <p:txBody>
+          <a:bodyPr wrap="square" rtlCol="0">
+            <a:spAutoFit/>
+          </a:bodyPr>
+          <a:lstStyle/>
+          <a:p>
+            <a:pPr algn="ctr"/>
+            <a:r>
+              <a:rPr lang="fr-FR" sz="5000" b="1" dirty="0" smtClean="0">
+                <a:solidFill>
+                  <a:schemeClr val="tx1">
+                    <a:lumMod val="65000"/>
+                    <a:lumOff val="35000"/>
+                  </a:schemeClr>
+                </a:solidFill>
+                <a:latin typeface="Caviar Dreams" pitchFamily="34" charset="-94"/>
+                <a:ea typeface="Open Sans" pitchFamily="34" charset="0"/>
+                <a:cs typeface="Open Sans" pitchFamily="34" charset="0"/>
+              </a:rPr>
+              <a:t>Rsmart Control</a:t>
+            </a:r>
+            <a:endParaRPr lang="tr-TR" sz="5000" b="1" dirty="0">
+              <a:solidFill>
+                <a:schemeClr val="tx1">
+                  <a:lumMod val="65000"/>
+                  <a:lumOff val="35000"/>
+                </a:schemeClr>
+              </a:solidFill>
+              <a:latin typeface="Caviar Dreams" pitchFamily="34" charset="-94"/>
+              <a:ea typeface="Open Sans" pitchFamily="34" charset="0"/>
+              <a:cs typeface="Open Sans" pitchFamily="34" charset="0"/>
+            </a:endParaRPr>
+          </a:p>
+        </p:txBody>
+      </p:sp>
+      <p:sp>
+        <p:nvSpPr>
+          <p:cNvPr id="15" name="Oval 14"/>
+          <p:cNvSpPr/>
+          <p:nvPr/>
+        </p:nvSpPr>
+        <p:spPr>
+          <a:xfrm>
+            <a:off x="8816986" y="9449582"/>
+            <a:ext cx="654224" cy="648817"/>
+          </a:xfrm>
+          <a:prstGeom prst="ellipse">
+            <a:avLst/>
+          </a:prstGeom>
+          <a:solidFill>
+            <a:schemeClr val="bg1"/>
+          </a:solidFill>
+          <a:ln>
+            <a:noFill/>
+          </a:ln>
+        </p:spPr>
+        <p:style>
+          <a:lnRef idx="2">
+            <a:schemeClr val="accent1">
+              <a:shade val="50000"/>
+            </a:schemeClr>
+          </a:lnRef>
+          <a:fillRef idx="1">
+            <a:schemeClr val="accent1"/>
+          </a:fillRef>
+          <a:effectRef idx="0">
+            <a:schemeClr val="accent1"/>
+          </a:effectRef>
+          <a:fontRef idx="minor">
+            <a:schemeClr val="lt1"/>
+          </a:fontRef>
+        </p:style>
+        <p:txBody>
+          <a:bodyPr rtlCol="0" anchor="ctr"/>
+          <a:lstStyle/>
+          <a:p>
+            <a:pPr algn="ctr"/>
+            <a:endParaRPr lang="tr-TR"/>
+          </a:p>
+        </p:txBody>
+      </p:sp>
+      <p:sp>
+        <p:nvSpPr>
+          <p:cNvPr id="16" name="TextBox 15"/>
+          <p:cNvSpPr txBox="1"/>
+          <p:nvPr/>
+        </p:nvSpPr>
+        <p:spPr>
+          <a:xfrm>
+            <a:off x="8880355" y="9464822"/>
+            <a:ext cx="504056" cy="1107996"/>
+          </a:xfrm>
+          <a:prstGeom prst="rect">
+            <a:avLst/>
+          </a:prstGeom>
+          <a:noFill/>
+        </p:spPr>
+        <p:txBody>
+          <a:bodyPr wrap="square" rtlCol="0">
+            <a:spAutoFit/>
+          </a:bodyPr>
+          <a:lstStyle/>
+          <a:p>
+            <a:pPr algn="ctr"/>
+            <a:r>
+              <a:rPr lang="fr-FR" sz="3300" b="1" dirty="0">
+                <a:solidFill>
+                  <a:srgbClr val="565D6F"/>
+                </a:solidFill>
+                <a:latin typeface="Caviar Dreams" pitchFamily="34" charset="-94"/>
+                <a:ea typeface="Open Sans" pitchFamily="34" charset="0"/>
+                <a:cs typeface="Open Sans" pitchFamily="34" charset="0"/>
+              </a:rPr>
+              <a:t>R</a:t>
+            </a:r>
+            <a:endParaRPr lang="tr-TR" sz="3300" b="1" dirty="0">
+              <a:solidFill>
+                <a:srgbClr val="565D6F"/>
+              </a:solidFill>
+              <a:latin typeface="Caviar Dreams" pitchFamily="34" charset="-94"/>
+              <a:ea typeface="Open Sans" pitchFamily="34" charset="0"/>
+              <a:cs typeface="Open Sans" pitchFamily="34" charset="0"/>
+            </a:endParaRPr>
+          </a:p>
+          <a:p>
+            <a:pPr algn="ctr"/>
+            <a:endParaRPr lang="tr-TR" sz="3300" b="1" dirty="0">
+              <a:solidFill>
+                <a:srgbClr val="009CD6"/>
+              </a:solidFill>
+              <a:latin typeface="Caviar Dreams" pitchFamily="34" charset="-94"/>
+              <a:ea typeface="Open Sans" pitchFamily="34" charset="0"/>
+              <a:cs typeface="Open Sans" pitchFamily="34" charset="0"/>
+            </a:endParaRPr>
+          </a:p>
+        </p:txBody>
+      </p:sp>
+      <p:pic>
+        <p:nvPicPr>
+          <p:cNvPr id="2" name="Image 1"/>
+          <p:cNvPicPr>
+            <a:picLocks noChangeAspect="1"/>
+          </p:cNvPicPr>
+          <p:nvPr/>
+        </p:nvPicPr>
+        <p:blipFill>
+          <a:blip r:embed="rId4">
+            <a:lum bright="70000" contrast="-70000"/>
+            <a:extLst>
+              <a:ext uri="{28A0092B-C50C-407E-A947-70E740481C1C}">
+                <a14:useLocalDpi xmlns:a14="http://schemas.microsoft.com/office/drawing/2010/main" val="0"/>
+              </a:ext>
+            </a:extLst>
+          </a:blip>
+          <a:stretch>
+            <a:fillRect/>
+          </a:stretch>
+        </p:blipFill>
+        <p:spPr>
+          <a:xfrm>
+            <a:off x="7754848" y="3237075"/>
+            <a:ext cx="2769841" cy="1871807"/>
+          </a:xfrm>
+          <a:prstGeom prst="rect">
+            <a:avLst/>
+          </a:prstGeom>
+        </p:spPr>
+      </p:pic>
+    </p:spTree>
+    <p:extLst>
+      <p:ext uri="{BB962C8B-B14F-4D97-AF65-F5344CB8AC3E}">
+        <p14:creationId xmlns:p14="http://schemas.microsoft.com/office/powerpoint/2010/main" val="2890770384"/>
+      </p:ext>
+    </p:extLst>
+  </p:cSld>
+  <p:clrMapOvr>
+    <a:masterClrMapping/>
+  </p:clrMapOvr>
+  <mc:AlternateContent xmlns:mc="http://schemas.openxmlformats.org/markup-compatibility/2006" xmlns:p14="http://schemas.microsoft.com/office/powerpoint/2010/main">
+    <mc:Choice Requires="p14">
+      <p:transition spd="med" p14:dur="700">
+        <p:fade/>
+      </p:transition>
+    </mc:Choice>
+    <mc:Fallback xmlns="">
+      <p:transition spd="med">
+        <p:fade/>
+      </p:transition>
+    </mc:Fallback>
+  </mc:AlternateContent>
+  <p:timing>
+    <p:tnLst>
+      <p:par>
+        <p:cTn id="1" dur="indefinite" restart="never" nodeType="tmRoot">
+          <p:childTnLst>
+            <p:seq concurrent="1" nextAc="seek">
+              <p:cTn id="2" dur="indefinite" nodeType="mainSeq">
+                <p:childTnLst>
+                  <p:par>
+                    <p:cTn id="3" fill="hold">
+                      <p:stCondLst>
+                        <p:cond delay="indefinite"/>
+                        <p:cond evt="onBegin" delay="0">
+                          <p:tn val="2"/>
+                        </p:cond>
+                      </p:stCondLst>
+                      <p:childTnLst>
+                        <p:par>
+                          <p:cTn id="4" fill="hold">
+                            <p:stCondLst>
+                              <p:cond delay="0"/>
+                            </p:stCondLst>
+                            <p:childTnLst>
+                              <p:par>
+                                <p:cTn id="5" presetID="10" presetClass="entr" presetSubtype="0" fill="hold" grpId="0" nodeType="withEffect">
+                                  <p:stCondLst>
+                                    <p:cond delay="0"/>
+                                  </p:stCondLst>
+                                  <p:childTnLst>
+                                    <p:set>
+                                      <p:cBhvr>
+                                        <p:cTn id="6" dur="1" fill="hold">
+                                          <p:stCondLst>
+                                            <p:cond delay="0"/>
+                                          </p:stCondLst>
+                                        </p:cTn>
+                                        <p:tgtEl>
+                                          <p:spTgt spid="6"/>
+                                        </p:tgtEl>
+                                        <p:attrNameLst>
+                                          <p:attrName>style.visibility</p:attrName>
+                                        </p:attrNameLst>
+                                      </p:cBhvr>
+                                      <p:to>
+                                        <p:strVal val="visible"/>
+                                      </p:to>
+                                    </p:set>
+                                    <p:animEffect transition="in" filter="fade">
+                                      <p:cBhvr>
+                                        <p:cTn id="7" dur="500"/>
+                                        <p:tgtEl>
+                                          <p:spTgt spid="6"/>
+                                        </p:tgtEl>
+                                      </p:cBhvr>
+                                    </p:animEffect>
+                                  </p:childTnLst>
+                                </p:cTn>
+                              </p:par>
+                              <p:par>
+                                <p:cTn id="8" presetID="10" presetClass="entr" presetSubtype="0" fill="hold" grpId="0" nodeType="withEffect">
+                                  <p:stCondLst>
+                                    <p:cond delay="0"/>
+                                  </p:stCondLst>
+                                  <p:childTnLst>
+                                    <p:set>
+                                      <p:cBhvr>
+                                        <p:cTn id="9" dur="1" fill="hold">
+                                          <p:stCondLst>
+                                            <p:cond delay="0"/>
+                                          </p:stCondLst>
+                                        </p:cTn>
+                                        <p:tgtEl>
+                                          <p:spTgt spid="10"/>
+                                        </p:tgtEl>
+                                        <p:attrNameLst>
+                                          <p:attrName>style.visibility</p:attrName>
+                                        </p:attrNameLst>
+                                      </p:cBhvr>
+                                      <p:to>
+                                        <p:strVal val="visible"/>
+                                      </p:to>
+                                    </p:set>
+                                    <p:animEffect transition="in" filter="fade">
+                                      <p:cBhvr>
+                                        <p:cTn id="10" dur="500"/>
+                                        <p:tgtEl>
+                                          <p:spTgt spid="10"/>
+                                        </p:tgtEl>
+                                      </p:cBhvr>
+                                    </p:animEffect>
+                                  </p:childTnLst>
+                                </p:cTn>
+                              </p:par>
+                              <p:par>
+                                <p:cTn id="11" presetID="10" presetClass="entr" presetSubtype="0" fill="hold" nodeType="withEffect">
+                                  <p:stCondLst>
+                                    <p:cond delay="0"/>
+                                  </p:stCondLst>
+                                  <p:childTnLst>
+                                    <p:set>
+                                      <p:cBhvr>
+                                        <p:cTn id="12" dur="1" fill="hold">
+                                          <p:stCondLst>
+                                            <p:cond delay="0"/>
+                                          </p:stCondLst>
+                                        </p:cTn>
+                                        <p:tgtEl>
+                                          <p:spTgt spid="2"/>
+                                        </p:tgtEl>
+                                        <p:attrNameLst>
+                                          <p:attrName>style.visibility</p:attrName>
+                                        </p:attrNameLst>
+                                      </p:cBhvr>
+                                      <p:to>
+                                        <p:strVal val="visible"/>
+                                      </p:to>
+                                    </p:set>
+                                    <p:animEffect transition="in" filter="fade">
+                                      <p:cBhvr>
+                                        <p:cTn id="13" dur="500"/>
+                                        <p:tgtEl>
+                                          <p:spTgt spid="2"/>
+                                        </p:tgtEl>
+                                      </p:cBhvr>
+                                    </p:animEffect>
+                                  </p:childTnLst>
+                                </p:cTn>
+                              </p:par>
+                            </p:childTnLst>
+                          </p:cTn>
+                        </p:par>
+                      </p:childTnLst>
+                    </p:cTn>
+                  </p:par>
+                </p:childTnLst>
+              </p:cTn>
+              <p:prevCondLst>
+                <p:cond evt="onPrev" delay="0">
+                  <p:tgtEl>
+                    <p:sldTgt/>
+                  </p:tgtEl>
+                </p:cond>
+              </p:prevCondLst>
+              <p:nextCondLst>
+                <p:cond evt="onNext" delay="0">
+                  <p:tgtEl>
+                    <p:sldTgt/>
+                  </p:tgtEl>
+                </p:cond>
+              </p:nextCondLst>
+            </p:seq>
+          </p:childTnLst>
+        </p:cTn>
+      </p:par>
+    </p:tnLst>
+    <p:bldLst>
+      <p:bldP spid="6" grpId="0" animBg="1"/>
+      <p:bldP spid="10" grpId="0"/>
+    </p:bldLst>
+  </p:timing>
+</p:sld>
+</file>
+
+<file path=ppt/slides/slide27.xml><?xml version="1.0" encoding="utf-8"?>
+<p:sld xmlns:a="http://schemas.openxmlformats.org/drawingml/2006/main" xmlns:r="http://schemas.openxmlformats.org/officeDocument/2006/relationships" xmlns:p="http://schemas.openxmlformats.org/presentationml/2006/main">
+  <p:cSld>
+    <p:spTree>
+      <p:nvGrpSpPr>
+        <p:cNvPr id="1" name=""/>
+        <p:cNvGrpSpPr/>
+        <p:nvPr/>
+      </p:nvGrpSpPr>
+      <p:grpSpPr>
+        <a:xfrm>
+          <a:off x="0" y="0"/>
+          <a:ext cx="0" cy="0"/>
+          <a:chOff x="0" y="0"/>
+          <a:chExt cx="0" cy="0"/>
+        </a:xfrm>
+      </p:grpSpPr>
+      <p:pic>
+        <p:nvPicPr>
+          <p:cNvPr id="43" name="Picture 42"/>
+          <p:cNvPicPr>
+            <a:picLocks noChangeAspect="1"/>
+          </p:cNvPicPr>
+          <p:nvPr/>
+        </p:nvPicPr>
+        <p:blipFill>
+          <a:blip r:embed="rId3" cstate="print">
+            <a:duotone>
+              <a:prstClr val="black"/>
+              <a:schemeClr val="tx2">
+                <a:tint val="45000"/>
+                <a:satMod val="400000"/>
+              </a:schemeClr>
+            </a:duotone>
+            <a:extLst>
+              <a:ext uri="{28A0092B-C50C-407E-A947-70E740481C1C}">
+                <a14:useLocalDpi xmlns:a14="http://schemas.microsoft.com/office/drawing/2010/main" val="0"/>
+              </a:ext>
+            </a:extLst>
+          </a:blip>
+          <a:stretch>
+            <a:fillRect/>
+          </a:stretch>
+        </p:blipFill>
+        <p:spPr>
+          <a:xfrm>
+            <a:off x="-11637" y="9143199"/>
+            <a:ext cx="18302812" cy="1146976"/>
+          </a:xfrm>
+          <a:prstGeom prst="rect">
+            <a:avLst/>
+          </a:prstGeom>
+        </p:spPr>
+      </p:pic>
+      <p:sp>
+        <p:nvSpPr>
+          <p:cNvPr id="2" name="Rectangle 1"/>
+          <p:cNvSpPr/>
+          <p:nvPr/>
+        </p:nvSpPr>
+        <p:spPr>
+          <a:xfrm>
+            <a:off x="0" y="1040631"/>
+            <a:ext cx="5401171" cy="864096"/>
+          </a:xfrm>
+          <a:prstGeom prst="rect">
+            <a:avLst/>
+          </a:prstGeom>
+          <a:solidFill>
+            <a:srgbClr val="565D6F"/>
+          </a:solidFill>
+          <a:ln>
+            <a:noFill/>
+          </a:ln>
+        </p:spPr>
+        <p:style>
+          <a:lnRef idx="2">
+            <a:schemeClr val="accent1">
+              <a:shade val="50000"/>
+            </a:schemeClr>
+          </a:lnRef>
+          <a:fillRef idx="1">
+            <a:schemeClr val="accent1"/>
+          </a:fillRef>
+          <a:effectRef idx="0">
+            <a:schemeClr val="accent1"/>
+          </a:effectRef>
+          <a:fontRef idx="minor">
+            <a:schemeClr val="lt1"/>
+          </a:fontRef>
+        </p:style>
+        <p:txBody>
+          <a:bodyPr rtlCol="0" anchor="ctr"/>
+          <a:lstStyle/>
+          <a:p>
+            <a:pPr algn="ctr"/>
+            <a:endParaRPr lang="tr-TR"/>
+          </a:p>
+        </p:txBody>
+      </p:sp>
+      <p:sp>
+        <p:nvSpPr>
+          <p:cNvPr id="9" name="Rectangle 8"/>
+          <p:cNvSpPr/>
+          <p:nvPr/>
+        </p:nvSpPr>
+        <p:spPr>
+          <a:xfrm>
+            <a:off x="5401172" y="1040631"/>
+            <a:ext cx="180020" cy="864096"/>
+          </a:xfrm>
+          <a:prstGeom prst="rect">
+            <a:avLst/>
+          </a:prstGeom>
+          <a:solidFill>
+            <a:schemeClr val="bg1">
+              <a:lumMod val="75000"/>
+            </a:schemeClr>
+          </a:solidFill>
+          <a:ln>
+            <a:noFill/>
+          </a:ln>
+        </p:spPr>
+        <p:style>
+          <a:lnRef idx="2">
+            <a:schemeClr val="accent1">
+              <a:shade val="50000"/>
+            </a:schemeClr>
+          </a:lnRef>
+          <a:fillRef idx="1">
+            <a:schemeClr val="accent1"/>
+          </a:fillRef>
+          <a:effectRef idx="0">
+            <a:schemeClr val="accent1"/>
+          </a:effectRef>
+          <a:fontRef idx="minor">
+            <a:schemeClr val="lt1"/>
+          </a:fontRef>
+        </p:style>
+        <p:txBody>
+          <a:bodyPr rtlCol="0" anchor="ctr"/>
+          <a:lstStyle/>
+          <a:p>
+            <a:pPr algn="ctr"/>
+            <a:endParaRPr lang="tr-TR"/>
+          </a:p>
+        </p:txBody>
+      </p:sp>
+      <p:sp>
+        <p:nvSpPr>
+          <p:cNvPr id="12" name="TextBox 11"/>
+          <p:cNvSpPr txBox="1"/>
+          <p:nvPr/>
+        </p:nvSpPr>
+        <p:spPr>
+          <a:xfrm>
+            <a:off x="324392" y="1149513"/>
+            <a:ext cx="4752385" cy="646331"/>
+          </a:xfrm>
+          <a:prstGeom prst="rect">
+            <a:avLst/>
+          </a:prstGeom>
+          <a:noFill/>
+        </p:spPr>
+        <p:txBody>
+          <a:bodyPr wrap="square" rtlCol="0">
+            <a:spAutoFit/>
+          </a:bodyPr>
+          <a:lstStyle/>
+          <a:p>
+            <a:pPr algn="ctr"/>
+            <a:r>
+              <a:rPr lang="fr-FR" sz="3600" b="1" dirty="0" smtClean="0">
+                <a:solidFill>
+                  <a:schemeClr val="bg1">
+                    <a:lumMod val="95000"/>
+                  </a:schemeClr>
+                </a:solidFill>
+                <a:latin typeface="Caviar Dreams" pitchFamily="34" charset="-94"/>
+                <a:ea typeface="Open Sans" pitchFamily="34" charset="0"/>
+                <a:cs typeface="Open Sans" pitchFamily="34" charset="0"/>
+              </a:rPr>
+              <a:t>RSMART CONTROL</a:t>
+            </a:r>
+            <a:endParaRPr lang="tr-TR" sz="3600" b="1" dirty="0">
+              <a:solidFill>
+                <a:schemeClr val="bg1">
+                  <a:lumMod val="95000"/>
+                </a:schemeClr>
+              </a:solidFill>
+              <a:latin typeface="Caviar Dreams" pitchFamily="34" charset="-94"/>
+              <a:ea typeface="Open Sans" pitchFamily="34" charset="0"/>
+              <a:cs typeface="Open Sans" pitchFamily="34" charset="0"/>
+            </a:endParaRPr>
+          </a:p>
+        </p:txBody>
+      </p:sp>
+      <p:sp>
+        <p:nvSpPr>
+          <p:cNvPr id="53" name="Oval 52"/>
+          <p:cNvSpPr/>
+          <p:nvPr/>
+        </p:nvSpPr>
+        <p:spPr>
+          <a:xfrm>
+            <a:off x="8816986" y="9449582"/>
+            <a:ext cx="654224" cy="648817"/>
+          </a:xfrm>
+          <a:prstGeom prst="ellipse">
+            <a:avLst/>
+          </a:prstGeom>
+          <a:solidFill>
+            <a:schemeClr val="bg1"/>
+          </a:solidFill>
+          <a:ln>
+            <a:noFill/>
+          </a:ln>
+        </p:spPr>
+        <p:style>
+          <a:lnRef idx="2">
+            <a:schemeClr val="accent1">
+              <a:shade val="50000"/>
+            </a:schemeClr>
+          </a:lnRef>
+          <a:fillRef idx="1">
+            <a:schemeClr val="accent1"/>
+          </a:fillRef>
+          <a:effectRef idx="0">
+            <a:schemeClr val="accent1"/>
+          </a:effectRef>
+          <a:fontRef idx="minor">
+            <a:schemeClr val="lt1"/>
+          </a:fontRef>
+        </p:style>
+        <p:txBody>
+          <a:bodyPr rtlCol="0" anchor="ctr"/>
+          <a:lstStyle/>
+          <a:p>
+            <a:pPr algn="ctr"/>
+            <a:endParaRPr lang="tr-TR"/>
+          </a:p>
+        </p:txBody>
+      </p:sp>
+      <p:sp>
+        <p:nvSpPr>
+          <p:cNvPr id="54" name="TextBox 53"/>
+          <p:cNvSpPr txBox="1"/>
+          <p:nvPr/>
+        </p:nvSpPr>
+        <p:spPr>
+          <a:xfrm>
+            <a:off x="8880355" y="9464822"/>
+            <a:ext cx="504056" cy="600164"/>
+          </a:xfrm>
+          <a:prstGeom prst="rect">
+            <a:avLst/>
+          </a:prstGeom>
+          <a:noFill/>
+        </p:spPr>
+        <p:txBody>
+          <a:bodyPr wrap="square" rtlCol="0">
+            <a:spAutoFit/>
+          </a:bodyPr>
+          <a:lstStyle/>
+          <a:p>
+            <a:pPr algn="ctr"/>
+            <a:r>
+              <a:rPr lang="fr-FR" sz="3300" b="1" dirty="0">
+                <a:solidFill>
+                  <a:srgbClr val="565D6F"/>
+                </a:solidFill>
+                <a:latin typeface="Caviar Dreams" pitchFamily="34" charset="-94"/>
+                <a:ea typeface="Open Sans" pitchFamily="34" charset="0"/>
+                <a:cs typeface="Open Sans" pitchFamily="34" charset="0"/>
+              </a:rPr>
+              <a:t>R</a:t>
+            </a:r>
+            <a:endParaRPr lang="tr-TR" sz="3300" b="1" dirty="0">
+              <a:solidFill>
+                <a:srgbClr val="565D6F"/>
+              </a:solidFill>
+              <a:latin typeface="Caviar Dreams" pitchFamily="34" charset="-94"/>
+              <a:ea typeface="Open Sans" pitchFamily="34" charset="0"/>
+              <a:cs typeface="Open Sans" pitchFamily="34" charset="0"/>
+            </a:endParaRPr>
+          </a:p>
+        </p:txBody>
+      </p:sp>
+      <p:pic>
+        <p:nvPicPr>
+          <p:cNvPr id="4" name="Image 3"/>
+          <p:cNvPicPr>
+            <a:picLocks noChangeAspect="1"/>
+          </p:cNvPicPr>
+          <p:nvPr/>
+        </p:nvPicPr>
+        <p:blipFill>
+          <a:blip r:embed="rId4">
+            <a:extLst>
+              <a:ext uri="{28A0092B-C50C-407E-A947-70E740481C1C}">
+                <a14:useLocalDpi xmlns:a14="http://schemas.microsoft.com/office/drawing/2010/main" val="0"/>
+              </a:ext>
+            </a:extLst>
+          </a:blip>
+          <a:stretch>
+            <a:fillRect/>
+          </a:stretch>
+        </p:blipFill>
+        <p:spPr>
+          <a:xfrm>
+            <a:off x="-143445" y="-183505"/>
+            <a:ext cx="18434620" cy="11503793"/>
+          </a:xfrm>
+          <a:prstGeom prst="rect">
+            <a:avLst/>
+          </a:prstGeom>
+        </p:spPr>
+      </p:pic>
+    </p:spTree>
+    <p:extLst>
+      <p:ext uri="{BB962C8B-B14F-4D97-AF65-F5344CB8AC3E}">
+        <p14:creationId xmlns:p14="http://schemas.microsoft.com/office/powerpoint/2010/main" val="2160197003"/>
+      </p:ext>
+    </p:extLst>
+  </p:cSld>
+  <p:clrMapOvr>
+    <a:masterClrMapping/>
+  </p:clrMapOvr>
+  <mc:AlternateContent xmlns:mc="http://schemas.openxmlformats.org/markup-compatibility/2006" xmlns:p14="http://schemas.microsoft.com/office/powerpoint/2010/main">
+    <mc:Choice Requires="p14">
+      <p:transition spd="med" p14:dur="700">
+        <p:fade/>
+      </p:transition>
+    </mc:Choice>
+    <mc:Fallback xmlns="">
+      <p:transition spd="med">
+        <p:fade/>
+      </p:transition>
+    </mc:Fallback>
+  </mc:AlternateContent>
+  <p:timing>
+    <p:tnLst>
+      <p:par>
+        <p:cTn id="1" dur="indefinite" restart="never" nodeType="tmRoot">
+          <p:childTnLst>
+            <p:seq concurrent="1" nextAc="seek">
+              <p:cTn id="2" dur="indefinite" nodeType="mainSeq">
+                <p:childTnLst>
+                  <p:par>
+                    <p:cTn id="3" fill="hold">
+                      <p:stCondLst>
+                        <p:cond delay="indefinite"/>
+                        <p:cond evt="onBegin" delay="0">
+                          <p:tn val="2"/>
+                        </p:cond>
+                      </p:stCondLst>
+                      <p:childTnLst>
+                        <p:par>
+                          <p:cTn id="4" fill="hold">
+                            <p:stCondLst>
+                              <p:cond delay="0"/>
+                            </p:stCondLst>
+                            <p:childTnLst>
+                              <p:par>
+                                <p:cTn id="5" presetID="10" presetClass="entr" presetSubtype="0" fill="hold" grpId="0" nodeType="withEffect">
+                                  <p:stCondLst>
+                                    <p:cond delay="0"/>
+                                  </p:stCondLst>
+                                  <p:childTnLst>
+                                    <p:set>
+                                      <p:cBhvr>
+                                        <p:cTn id="6" dur="1" fill="hold">
+                                          <p:stCondLst>
+                                            <p:cond delay="0"/>
+                                          </p:stCondLst>
+                                        </p:cTn>
+                                        <p:tgtEl>
+                                          <p:spTgt spid="2"/>
+                                        </p:tgtEl>
+                                        <p:attrNameLst>
+                                          <p:attrName>style.visibility</p:attrName>
+                                        </p:attrNameLst>
+                                      </p:cBhvr>
+                                      <p:to>
+                                        <p:strVal val="visible"/>
+                                      </p:to>
+                                    </p:set>
+                                    <p:animEffect transition="in" filter="fade">
+                                      <p:cBhvr>
+                                        <p:cTn id="7" dur="500"/>
+                                        <p:tgtEl>
+                                          <p:spTgt spid="2"/>
+                                        </p:tgtEl>
+                                      </p:cBhvr>
+                                    </p:animEffect>
+                                  </p:childTnLst>
+                                </p:cTn>
+                              </p:par>
+                              <p:par>
+                                <p:cTn id="8" presetID="10" presetClass="entr" presetSubtype="0" fill="hold" grpId="0" nodeType="withEffect">
+                                  <p:stCondLst>
+                                    <p:cond delay="0"/>
+                                  </p:stCondLst>
+                                  <p:childTnLst>
+                                    <p:set>
+                                      <p:cBhvr>
+                                        <p:cTn id="9" dur="1" fill="hold">
+                                          <p:stCondLst>
+                                            <p:cond delay="0"/>
+                                          </p:stCondLst>
+                                        </p:cTn>
+                                        <p:tgtEl>
+                                          <p:spTgt spid="9"/>
+                                        </p:tgtEl>
+                                        <p:attrNameLst>
+                                          <p:attrName>style.visibility</p:attrName>
+                                        </p:attrNameLst>
+                                      </p:cBhvr>
+                                      <p:to>
+                                        <p:strVal val="visible"/>
+                                      </p:to>
+                                    </p:set>
+                                    <p:animEffect transition="in" filter="fade">
+                                      <p:cBhvr>
+                                        <p:cTn id="10" dur="500"/>
+                                        <p:tgtEl>
+                                          <p:spTgt spid="9"/>
+                                        </p:tgtEl>
+                                      </p:cBhvr>
+                                    </p:animEffect>
+                                  </p:childTnLst>
+                                </p:cTn>
+                              </p:par>
+                              <p:par>
+                                <p:cTn id="11" presetID="10" presetClass="entr" presetSubtype="0" fill="hold" grpId="0" nodeType="withEffect">
+                                  <p:stCondLst>
+                                    <p:cond delay="0"/>
+                                  </p:stCondLst>
+                                  <p:childTnLst>
+                                    <p:set>
+                                      <p:cBhvr>
+                                        <p:cTn id="12" dur="1" fill="hold">
+                                          <p:stCondLst>
+                                            <p:cond delay="0"/>
+                                          </p:stCondLst>
+                                        </p:cTn>
+                                        <p:tgtEl>
+                                          <p:spTgt spid="12"/>
+                                        </p:tgtEl>
+                                        <p:attrNameLst>
+                                          <p:attrName>style.visibility</p:attrName>
+                                        </p:attrNameLst>
+                                      </p:cBhvr>
+                                      <p:to>
+                                        <p:strVal val="visible"/>
+                                      </p:to>
+                                    </p:set>
+                                    <p:animEffect transition="in" filter="fade">
+                                      <p:cBhvr>
+                                        <p:cTn id="13" dur="500"/>
+                                        <p:tgtEl>
+                                          <p:spTgt spid="12"/>
+                                        </p:tgtEl>
+                                      </p:cBhvr>
+                                    </p:animEffect>
+                                  </p:childTnLst>
+                                </p:cTn>
+                              </p:par>
+                            </p:childTnLst>
+                          </p:cTn>
+                        </p:par>
+                      </p:childTnLst>
+                    </p:cTn>
+                  </p:par>
+                </p:childTnLst>
+              </p:cTn>
+              <p:prevCondLst>
+                <p:cond evt="onPrev" delay="0">
+                  <p:tgtEl>
+                    <p:sldTgt/>
+                  </p:tgtEl>
+                </p:cond>
+              </p:prevCondLst>
+              <p:nextCondLst>
+                <p:cond evt="onNext" delay="0">
+                  <p:tgtEl>
+                    <p:sldTgt/>
+                  </p:tgtEl>
+                </p:cond>
+              </p:nextCondLst>
+            </p:seq>
+          </p:childTnLst>
+        </p:cTn>
+      </p:par>
+    </p:tnLst>
+    <p:bldLst>
+      <p:bldP spid="2" grpId="0" animBg="1"/>
+      <p:bldP spid="9" grpId="0" animBg="1"/>
+      <p:bldP spid="12" grpId="0"/>
+    </p:bldLst>
+  </p:timing>
+</p:sld>
+</file>
+
+<file path=ppt/slides/slide28.xml><?xml version="1.0" encoding="utf-8"?>
+<p:sld xmlns:a="http://schemas.openxmlformats.org/drawingml/2006/main" xmlns:r="http://schemas.openxmlformats.org/officeDocument/2006/relationships" xmlns:p="http://schemas.openxmlformats.org/presentationml/2006/main">
+  <p:cSld>
+    <p:spTree>
+      <p:nvGrpSpPr>
+        <p:cNvPr id="1" name=""/>
+        <p:cNvGrpSpPr/>
+        <p:nvPr/>
+      </p:nvGrpSpPr>
+      <p:grpSpPr>
+        <a:xfrm>
+          <a:off x="0" y="0"/>
+          <a:ext cx="0" cy="0"/>
+          <a:chOff x="0" y="0"/>
+          <a:chExt cx="0" cy="0"/>
+        </a:xfrm>
+      </p:grpSpPr>
+      <p:pic>
+        <p:nvPicPr>
+          <p:cNvPr id="7" name="Picture 6"/>
+          <p:cNvPicPr>
+            <a:picLocks noChangeAspect="1"/>
+          </p:cNvPicPr>
+          <p:nvPr/>
+        </p:nvPicPr>
+        <p:blipFill>
+          <a:blip r:embed="rId3" cstate="print">
+            <a:duotone>
+              <a:prstClr val="black"/>
+              <a:schemeClr val="tx2">
+                <a:tint val="45000"/>
+                <a:satMod val="400000"/>
+              </a:schemeClr>
+            </a:duotone>
+            <a:extLst>
+              <a:ext uri="{28A0092B-C50C-407E-A947-70E740481C1C}">
+                <a14:useLocalDpi xmlns:a14="http://schemas.microsoft.com/office/drawing/2010/main" val="0"/>
+              </a:ext>
+            </a:extLst>
+          </a:blip>
+          <a:stretch>
+            <a:fillRect/>
+          </a:stretch>
+        </p:blipFill>
+        <p:spPr>
+          <a:xfrm>
+            <a:off x="-11637" y="9143199"/>
+            <a:ext cx="18302812" cy="1146976"/>
+          </a:xfrm>
+          <a:prstGeom prst="rect">
+            <a:avLst/>
+          </a:prstGeom>
+        </p:spPr>
+      </p:pic>
+      <p:sp>
+        <p:nvSpPr>
+          <p:cNvPr id="6" name="Oval 5"/>
+          <p:cNvSpPr/>
+          <p:nvPr/>
+        </p:nvSpPr>
+        <p:spPr>
+          <a:xfrm>
+            <a:off x="7885447" y="2912839"/>
+            <a:ext cx="2520280" cy="2520280"/>
+          </a:xfrm>
+          <a:prstGeom prst="ellipse">
+            <a:avLst/>
+          </a:prstGeom>
+          <a:solidFill>
+            <a:srgbClr val="565D6F"/>
+          </a:solidFill>
+          <a:ln>
+            <a:noFill/>
+          </a:ln>
+        </p:spPr>
+        <p:style>
+          <a:lnRef idx="2">
+            <a:schemeClr val="accent1">
+              <a:shade val="50000"/>
+            </a:schemeClr>
+          </a:lnRef>
+          <a:fillRef idx="1">
+            <a:schemeClr val="accent1"/>
+          </a:fillRef>
+          <a:effectRef idx="0">
+            <a:schemeClr val="accent1"/>
+          </a:effectRef>
+          <a:fontRef idx="minor">
+            <a:schemeClr val="lt1"/>
+          </a:fontRef>
+        </p:style>
+        <p:txBody>
+          <a:bodyPr rtlCol="0" anchor="ctr"/>
+          <a:lstStyle/>
+          <a:p>
+            <a:pPr algn="ctr"/>
+            <a:endParaRPr lang="tr-TR"/>
+          </a:p>
+        </p:txBody>
+      </p:sp>
+      <p:sp>
+        <p:nvSpPr>
+          <p:cNvPr id="10" name="TextBox 9"/>
+          <p:cNvSpPr txBox="1"/>
+          <p:nvPr/>
+        </p:nvSpPr>
+        <p:spPr>
+          <a:xfrm>
+            <a:off x="5105622" y="5793159"/>
+            <a:ext cx="8068294" cy="861774"/>
+          </a:xfrm>
+          <a:prstGeom prst="rect">
+            <a:avLst/>
+          </a:prstGeom>
+          <a:noFill/>
+        </p:spPr>
+        <p:txBody>
+          <a:bodyPr wrap="square" rtlCol="0">
+            <a:spAutoFit/>
+          </a:bodyPr>
+          <a:lstStyle/>
+          <a:p>
+            <a:pPr algn="ctr"/>
+            <a:r>
+              <a:rPr lang="fr-FR" sz="5000" b="1" dirty="0" smtClean="0">
+                <a:solidFill>
+                  <a:schemeClr val="tx1">
+                    <a:lumMod val="65000"/>
+                    <a:lumOff val="35000"/>
+                  </a:schemeClr>
+                </a:solidFill>
+                <a:latin typeface="Caviar Dreams" pitchFamily="34" charset="-94"/>
+                <a:ea typeface="Open Sans" pitchFamily="34" charset="0"/>
+                <a:cs typeface="Open Sans" pitchFamily="34" charset="0"/>
+              </a:rPr>
+              <a:t>Server Library</a:t>
+            </a:r>
+            <a:endParaRPr lang="tr-TR" sz="5000" b="1" dirty="0">
+              <a:solidFill>
+                <a:schemeClr val="tx1">
+                  <a:lumMod val="65000"/>
+                  <a:lumOff val="35000"/>
+                </a:schemeClr>
+              </a:solidFill>
+              <a:latin typeface="Caviar Dreams" pitchFamily="34" charset="-94"/>
+              <a:ea typeface="Open Sans" pitchFamily="34" charset="0"/>
+              <a:cs typeface="Open Sans" pitchFamily="34" charset="0"/>
+            </a:endParaRPr>
+          </a:p>
+        </p:txBody>
+      </p:sp>
+      <p:sp>
+        <p:nvSpPr>
+          <p:cNvPr id="15" name="Oval 14"/>
+          <p:cNvSpPr/>
+          <p:nvPr/>
+        </p:nvSpPr>
+        <p:spPr>
+          <a:xfrm>
+            <a:off x="8816986" y="9449582"/>
+            <a:ext cx="654224" cy="648817"/>
+          </a:xfrm>
+          <a:prstGeom prst="ellipse">
+            <a:avLst/>
+          </a:prstGeom>
+          <a:solidFill>
+            <a:schemeClr val="bg1"/>
+          </a:solidFill>
+          <a:ln>
+            <a:noFill/>
+          </a:ln>
+        </p:spPr>
+        <p:style>
+          <a:lnRef idx="2">
+            <a:schemeClr val="accent1">
+              <a:shade val="50000"/>
+            </a:schemeClr>
+          </a:lnRef>
+          <a:fillRef idx="1">
+            <a:schemeClr val="accent1"/>
+          </a:fillRef>
+          <a:effectRef idx="0">
+            <a:schemeClr val="accent1"/>
+          </a:effectRef>
+          <a:fontRef idx="minor">
+            <a:schemeClr val="lt1"/>
+          </a:fontRef>
+        </p:style>
+        <p:txBody>
+          <a:bodyPr rtlCol="0" anchor="ctr"/>
+          <a:lstStyle/>
+          <a:p>
+            <a:pPr algn="ctr"/>
+            <a:endParaRPr lang="tr-TR"/>
+          </a:p>
+        </p:txBody>
+      </p:sp>
+      <p:sp>
+        <p:nvSpPr>
+          <p:cNvPr id="16" name="TextBox 15"/>
+          <p:cNvSpPr txBox="1"/>
+          <p:nvPr/>
+        </p:nvSpPr>
+        <p:spPr>
+          <a:xfrm>
+            <a:off x="8880355" y="9464822"/>
+            <a:ext cx="504056" cy="1107996"/>
+          </a:xfrm>
+          <a:prstGeom prst="rect">
+            <a:avLst/>
+          </a:prstGeom>
+          <a:noFill/>
+        </p:spPr>
+        <p:txBody>
+          <a:bodyPr wrap="square" rtlCol="0">
+            <a:spAutoFit/>
+          </a:bodyPr>
+          <a:lstStyle/>
+          <a:p>
+            <a:pPr algn="ctr"/>
+            <a:r>
+              <a:rPr lang="fr-FR" sz="3300" b="1" dirty="0">
+                <a:solidFill>
+                  <a:srgbClr val="565D6F"/>
+                </a:solidFill>
+                <a:latin typeface="Caviar Dreams" pitchFamily="34" charset="-94"/>
+                <a:ea typeface="Open Sans" pitchFamily="34" charset="0"/>
+                <a:cs typeface="Open Sans" pitchFamily="34" charset="0"/>
+              </a:rPr>
+              <a:t>R</a:t>
+            </a:r>
+            <a:endParaRPr lang="tr-TR" sz="3300" b="1" dirty="0">
+              <a:solidFill>
+                <a:srgbClr val="565D6F"/>
+              </a:solidFill>
+              <a:latin typeface="Caviar Dreams" pitchFamily="34" charset="-94"/>
+              <a:ea typeface="Open Sans" pitchFamily="34" charset="0"/>
+              <a:cs typeface="Open Sans" pitchFamily="34" charset="0"/>
+            </a:endParaRPr>
+          </a:p>
+          <a:p>
+            <a:pPr algn="ctr"/>
+            <a:endParaRPr lang="tr-TR" sz="3300" b="1" dirty="0">
+              <a:solidFill>
+                <a:srgbClr val="009CD6"/>
+              </a:solidFill>
+              <a:latin typeface="Caviar Dreams" pitchFamily="34" charset="-94"/>
+              <a:ea typeface="Open Sans" pitchFamily="34" charset="0"/>
+              <a:cs typeface="Open Sans" pitchFamily="34" charset="0"/>
+            </a:endParaRPr>
+          </a:p>
+        </p:txBody>
+      </p:sp>
+      <p:pic>
+        <p:nvPicPr>
+          <p:cNvPr id="2" name="Image 1"/>
+          <p:cNvPicPr>
+            <a:picLocks noChangeAspect="1"/>
+          </p:cNvPicPr>
+          <p:nvPr/>
+        </p:nvPicPr>
+        <p:blipFill>
+          <a:blip r:embed="rId4">
+            <a:lum bright="70000" contrast="-70000"/>
+            <a:extLst>
+              <a:ext uri="{28A0092B-C50C-407E-A947-70E740481C1C}">
+                <a14:useLocalDpi xmlns:a14="http://schemas.microsoft.com/office/drawing/2010/main" val="0"/>
+              </a:ext>
+            </a:extLst>
+          </a:blip>
+          <a:stretch>
+            <a:fillRect/>
+          </a:stretch>
+        </p:blipFill>
+        <p:spPr>
+          <a:xfrm>
+            <a:off x="7754848" y="3237075"/>
+            <a:ext cx="2769841" cy="1871807"/>
+          </a:xfrm>
+          <a:prstGeom prst="rect">
+            <a:avLst/>
+          </a:prstGeom>
+        </p:spPr>
+      </p:pic>
+    </p:spTree>
+    <p:extLst>
+      <p:ext uri="{BB962C8B-B14F-4D97-AF65-F5344CB8AC3E}">
+        <p14:creationId xmlns:p14="http://schemas.microsoft.com/office/powerpoint/2010/main" val="2400804383"/>
+      </p:ext>
+    </p:extLst>
+  </p:cSld>
+  <p:clrMapOvr>
+    <a:masterClrMapping/>
+  </p:clrMapOvr>
+  <mc:AlternateContent xmlns:mc="http://schemas.openxmlformats.org/markup-compatibility/2006" xmlns:p14="http://schemas.microsoft.com/office/powerpoint/2010/main">
+    <mc:Choice Requires="p14">
+      <p:transition spd="med" p14:dur="700">
+        <p:fade/>
+      </p:transition>
+    </mc:Choice>
+    <mc:Fallback xmlns="">
+      <p:transition spd="med">
+        <p:fade/>
+      </p:transition>
+    </mc:Fallback>
+  </mc:AlternateContent>
+  <p:timing>
+    <p:tnLst>
+      <p:par>
+        <p:cTn id="1" dur="indefinite" restart="never" nodeType="tmRoot">
+          <p:childTnLst>
+            <p:seq concurrent="1" nextAc="seek">
+              <p:cTn id="2" dur="indefinite" nodeType="mainSeq">
+                <p:childTnLst>
+                  <p:par>
+                    <p:cTn id="3" fill="hold">
+                      <p:stCondLst>
+                        <p:cond delay="indefinite"/>
+                        <p:cond evt="onBegin" delay="0">
+                          <p:tn val="2"/>
+                        </p:cond>
+                      </p:stCondLst>
+                      <p:childTnLst>
+                        <p:par>
+                          <p:cTn id="4" fill="hold">
+                            <p:stCondLst>
+                              <p:cond delay="0"/>
+                            </p:stCondLst>
+                            <p:childTnLst>
+                              <p:par>
+                                <p:cTn id="5" presetID="10" presetClass="entr" presetSubtype="0" fill="hold" grpId="0" nodeType="withEffect">
+                                  <p:stCondLst>
+                                    <p:cond delay="0"/>
+                                  </p:stCondLst>
+                                  <p:childTnLst>
+                                    <p:set>
+                                      <p:cBhvr>
+                                        <p:cTn id="6" dur="1" fill="hold">
+                                          <p:stCondLst>
+                                            <p:cond delay="0"/>
+                                          </p:stCondLst>
+                                        </p:cTn>
+                                        <p:tgtEl>
+                                          <p:spTgt spid="6"/>
+                                        </p:tgtEl>
+                                        <p:attrNameLst>
+                                          <p:attrName>style.visibility</p:attrName>
+                                        </p:attrNameLst>
+                                      </p:cBhvr>
+                                      <p:to>
+                                        <p:strVal val="visible"/>
+                                      </p:to>
+                                    </p:set>
+                                    <p:animEffect transition="in" filter="fade">
+                                      <p:cBhvr>
+                                        <p:cTn id="7" dur="500"/>
+                                        <p:tgtEl>
+                                          <p:spTgt spid="6"/>
+                                        </p:tgtEl>
+                                      </p:cBhvr>
+                                    </p:animEffect>
+                                  </p:childTnLst>
+                                </p:cTn>
+                              </p:par>
+                              <p:par>
+                                <p:cTn id="8" presetID="10" presetClass="entr" presetSubtype="0" fill="hold" grpId="0" nodeType="withEffect">
+                                  <p:stCondLst>
+                                    <p:cond delay="0"/>
+                                  </p:stCondLst>
+                                  <p:childTnLst>
+                                    <p:set>
+                                      <p:cBhvr>
+                                        <p:cTn id="9" dur="1" fill="hold">
+                                          <p:stCondLst>
+                                            <p:cond delay="0"/>
+                                          </p:stCondLst>
+                                        </p:cTn>
+                                        <p:tgtEl>
+                                          <p:spTgt spid="10"/>
+                                        </p:tgtEl>
+                                        <p:attrNameLst>
+                                          <p:attrName>style.visibility</p:attrName>
+                                        </p:attrNameLst>
+                                      </p:cBhvr>
+                                      <p:to>
+                                        <p:strVal val="visible"/>
+                                      </p:to>
+                                    </p:set>
+                                    <p:animEffect transition="in" filter="fade">
+                                      <p:cBhvr>
+                                        <p:cTn id="10" dur="500"/>
+                                        <p:tgtEl>
+                                          <p:spTgt spid="10"/>
+                                        </p:tgtEl>
+                                      </p:cBhvr>
+                                    </p:animEffect>
+                                  </p:childTnLst>
+                                </p:cTn>
+                              </p:par>
+                              <p:par>
+                                <p:cTn id="11" presetID="10" presetClass="entr" presetSubtype="0" fill="hold" nodeType="withEffect">
+                                  <p:stCondLst>
+                                    <p:cond delay="0"/>
+                                  </p:stCondLst>
+                                  <p:childTnLst>
+                                    <p:set>
+                                      <p:cBhvr>
+                                        <p:cTn id="12" dur="1" fill="hold">
+                                          <p:stCondLst>
+                                            <p:cond delay="0"/>
+                                          </p:stCondLst>
+                                        </p:cTn>
+                                        <p:tgtEl>
+                                          <p:spTgt spid="2"/>
+                                        </p:tgtEl>
+                                        <p:attrNameLst>
+                                          <p:attrName>style.visibility</p:attrName>
+                                        </p:attrNameLst>
+                                      </p:cBhvr>
+                                      <p:to>
+                                        <p:strVal val="visible"/>
+                                      </p:to>
+                                    </p:set>
+                                    <p:animEffect transition="in" filter="fade">
+                                      <p:cBhvr>
+                                        <p:cTn id="13" dur="500"/>
+                                        <p:tgtEl>
+                                          <p:spTgt spid="2"/>
+                                        </p:tgtEl>
+                                      </p:cBhvr>
+                                    </p:animEffect>
+                                  </p:childTnLst>
+                                </p:cTn>
+                              </p:par>
+                            </p:childTnLst>
+                          </p:cTn>
+                        </p:par>
+                      </p:childTnLst>
+                    </p:cTn>
+                  </p:par>
+                </p:childTnLst>
+              </p:cTn>
+              <p:prevCondLst>
+                <p:cond evt="onPrev" delay="0">
+                  <p:tgtEl>
+                    <p:sldTgt/>
+                  </p:tgtEl>
+                </p:cond>
+              </p:prevCondLst>
+              <p:nextCondLst>
+                <p:cond evt="onNext" delay="0">
+                  <p:tgtEl>
+                    <p:sldTgt/>
+                  </p:tgtEl>
+                </p:cond>
+              </p:nextCondLst>
+            </p:seq>
+          </p:childTnLst>
+        </p:cTn>
+      </p:par>
+    </p:tnLst>
+    <p:bldLst>
+      <p:bldP spid="6" grpId="0" animBg="1"/>
+      <p:bldP spid="10" grpId="0"/>
+    </p:bldLst>
+  </p:timing>
+</p:sld>
+</file>
+
+<file path=ppt/slides/slide29.xml><?xml version="1.0" encoding="utf-8"?>
+<p:sld xmlns:a="http://schemas.openxmlformats.org/drawingml/2006/main" xmlns:r="http://schemas.openxmlformats.org/officeDocument/2006/relationships" xmlns:p="http://schemas.openxmlformats.org/presentationml/2006/main">
+  <p:cSld>
+    <p:spTree>
+      <p:nvGrpSpPr>
+        <p:cNvPr id="1" name=""/>
+        <p:cNvGrpSpPr/>
+        <p:nvPr/>
+      </p:nvGrpSpPr>
+      <p:grpSpPr>
+        <a:xfrm>
+          <a:off x="0" y="0"/>
+          <a:ext cx="0" cy="0"/>
+          <a:chOff x="0" y="0"/>
+          <a:chExt cx="0" cy="0"/>
+        </a:xfrm>
+      </p:grpSpPr>
+      <p:pic>
+        <p:nvPicPr>
+          <p:cNvPr id="43" name="Picture 42"/>
+          <p:cNvPicPr>
+            <a:picLocks noChangeAspect="1"/>
+          </p:cNvPicPr>
+          <p:nvPr/>
+        </p:nvPicPr>
+        <p:blipFill>
+          <a:blip r:embed="rId3" cstate="print">
+            <a:duotone>
+              <a:prstClr val="black"/>
+              <a:schemeClr val="tx2">
+                <a:tint val="45000"/>
+                <a:satMod val="400000"/>
+              </a:schemeClr>
+            </a:duotone>
+            <a:extLst>
+              <a:ext uri="{28A0092B-C50C-407E-A947-70E740481C1C}">
+                <a14:useLocalDpi xmlns:a14="http://schemas.microsoft.com/office/drawing/2010/main" val="0"/>
+              </a:ext>
+            </a:extLst>
+          </a:blip>
+          <a:stretch>
+            <a:fillRect/>
+          </a:stretch>
+        </p:blipFill>
+        <p:spPr>
+          <a:xfrm>
+            <a:off x="-11637" y="9143199"/>
+            <a:ext cx="18302812" cy="1146976"/>
+          </a:xfrm>
+          <a:prstGeom prst="rect">
+            <a:avLst/>
+          </a:prstGeom>
+        </p:spPr>
+      </p:pic>
+      <p:sp>
+        <p:nvSpPr>
+          <p:cNvPr id="2" name="Rectangle 1"/>
+          <p:cNvSpPr/>
+          <p:nvPr/>
+        </p:nvSpPr>
+        <p:spPr>
+          <a:xfrm>
+            <a:off x="0" y="1040631"/>
+            <a:ext cx="5401171" cy="864096"/>
+          </a:xfrm>
+          <a:prstGeom prst="rect">
+            <a:avLst/>
+          </a:prstGeom>
+          <a:solidFill>
+            <a:srgbClr val="565D6F"/>
+          </a:solidFill>
+          <a:ln>
+            <a:noFill/>
+          </a:ln>
+        </p:spPr>
+        <p:style>
+          <a:lnRef idx="2">
+            <a:schemeClr val="accent1">
+              <a:shade val="50000"/>
+            </a:schemeClr>
+          </a:lnRef>
+          <a:fillRef idx="1">
+            <a:schemeClr val="accent1"/>
+          </a:fillRef>
+          <a:effectRef idx="0">
+            <a:schemeClr val="accent1"/>
+          </a:effectRef>
+          <a:fontRef idx="minor">
+            <a:schemeClr val="lt1"/>
+          </a:fontRef>
+        </p:style>
+        <p:txBody>
+          <a:bodyPr rtlCol="0" anchor="ctr"/>
+          <a:lstStyle/>
+          <a:p>
+            <a:pPr algn="ctr"/>
+            <a:endParaRPr lang="tr-TR"/>
+          </a:p>
+        </p:txBody>
+      </p:sp>
+      <p:sp>
+        <p:nvSpPr>
+          <p:cNvPr id="9" name="Rectangle 8"/>
+          <p:cNvSpPr/>
+          <p:nvPr/>
+        </p:nvSpPr>
+        <p:spPr>
+          <a:xfrm>
+            <a:off x="5401172" y="1040631"/>
+            <a:ext cx="180020" cy="864096"/>
+          </a:xfrm>
+          <a:prstGeom prst="rect">
+            <a:avLst/>
+          </a:prstGeom>
+          <a:solidFill>
+            <a:schemeClr val="bg1">
+              <a:lumMod val="75000"/>
+            </a:schemeClr>
+          </a:solidFill>
+          <a:ln>
+            <a:noFill/>
+          </a:ln>
+        </p:spPr>
+        <p:style>
+          <a:lnRef idx="2">
+            <a:schemeClr val="accent1">
+              <a:shade val="50000"/>
+            </a:schemeClr>
+          </a:lnRef>
+          <a:fillRef idx="1">
+            <a:schemeClr val="accent1"/>
+          </a:fillRef>
+          <a:effectRef idx="0">
+            <a:schemeClr val="accent1"/>
+          </a:effectRef>
+          <a:fontRef idx="minor">
+            <a:schemeClr val="lt1"/>
+          </a:fontRef>
+        </p:style>
+        <p:txBody>
+          <a:bodyPr rtlCol="0" anchor="ctr"/>
+          <a:lstStyle/>
+          <a:p>
+            <a:pPr algn="ctr"/>
+            <a:endParaRPr lang="tr-TR"/>
+          </a:p>
+        </p:txBody>
+      </p:sp>
+      <p:sp>
+        <p:nvSpPr>
+          <p:cNvPr id="53" name="Oval 52"/>
+          <p:cNvSpPr/>
+          <p:nvPr/>
+        </p:nvSpPr>
+        <p:spPr>
+          <a:xfrm>
+            <a:off x="8816986" y="9449582"/>
+            <a:ext cx="654224" cy="648817"/>
+          </a:xfrm>
+          <a:prstGeom prst="ellipse">
+            <a:avLst/>
+          </a:prstGeom>
+          <a:solidFill>
+            <a:schemeClr val="bg1"/>
+          </a:solidFill>
+          <a:ln>
+            <a:noFill/>
+          </a:ln>
+        </p:spPr>
+        <p:style>
+          <a:lnRef idx="2">
+            <a:schemeClr val="accent1">
+              <a:shade val="50000"/>
+            </a:schemeClr>
+          </a:lnRef>
+          <a:fillRef idx="1">
+            <a:schemeClr val="accent1"/>
+          </a:fillRef>
+          <a:effectRef idx="0">
+            <a:schemeClr val="accent1"/>
+          </a:effectRef>
+          <a:fontRef idx="minor">
+            <a:schemeClr val="lt1"/>
+          </a:fontRef>
+        </p:style>
+        <p:txBody>
+          <a:bodyPr rtlCol="0" anchor="ctr"/>
+          <a:lstStyle/>
+          <a:p>
+            <a:pPr algn="ctr"/>
+            <a:endParaRPr lang="tr-TR"/>
+          </a:p>
+        </p:txBody>
+      </p:sp>
+      <p:sp>
+        <p:nvSpPr>
+          <p:cNvPr id="54" name="TextBox 53"/>
+          <p:cNvSpPr txBox="1"/>
+          <p:nvPr/>
+        </p:nvSpPr>
+        <p:spPr>
+          <a:xfrm>
+            <a:off x="8880355" y="9464822"/>
+            <a:ext cx="504056" cy="600164"/>
+          </a:xfrm>
+          <a:prstGeom prst="rect">
+            <a:avLst/>
+          </a:prstGeom>
+          <a:noFill/>
+        </p:spPr>
+        <p:txBody>
+          <a:bodyPr wrap="square" rtlCol="0">
+            <a:spAutoFit/>
+          </a:bodyPr>
+          <a:lstStyle/>
+          <a:p>
+            <a:pPr algn="ctr"/>
+            <a:r>
+              <a:rPr lang="fr-FR" sz="3300" b="1" dirty="0">
+                <a:solidFill>
+                  <a:srgbClr val="565D6F"/>
+                </a:solidFill>
+                <a:latin typeface="Caviar Dreams" pitchFamily="34" charset="-94"/>
+                <a:ea typeface="Open Sans" pitchFamily="34" charset="0"/>
+                <a:cs typeface="Open Sans" pitchFamily="34" charset="0"/>
+              </a:rPr>
+              <a:t>R</a:t>
+            </a:r>
+            <a:endParaRPr lang="tr-TR" sz="3300" b="1" dirty="0">
+              <a:solidFill>
+                <a:srgbClr val="565D6F"/>
+              </a:solidFill>
+              <a:latin typeface="Caviar Dreams" pitchFamily="34" charset="-94"/>
+              <a:ea typeface="Open Sans" pitchFamily="34" charset="0"/>
+              <a:cs typeface="Open Sans" pitchFamily="34" charset="0"/>
+            </a:endParaRPr>
+          </a:p>
+        </p:txBody>
+      </p:sp>
+      <p:pic>
+        <p:nvPicPr>
+          <p:cNvPr id="3" name="Image 2"/>
+          <p:cNvPicPr>
+            <a:picLocks noChangeAspect="1"/>
+          </p:cNvPicPr>
+          <p:nvPr/>
+        </p:nvPicPr>
+        <p:blipFill>
+          <a:blip r:embed="rId4">
+            <a:extLst>
+              <a:ext uri="{28A0092B-C50C-407E-A947-70E740481C1C}">
+                <a14:useLocalDpi xmlns:a14="http://schemas.microsoft.com/office/drawing/2010/main" val="0"/>
+              </a:ext>
+            </a:extLst>
+          </a:blip>
+          <a:stretch>
+            <a:fillRect/>
+          </a:stretch>
+        </p:blipFill>
+        <p:spPr>
+          <a:xfrm>
+            <a:off x="-4535933" y="-2271737"/>
+            <a:ext cx="27291032" cy="14822963"/>
+          </a:xfrm>
+          <a:prstGeom prst="rect">
+            <a:avLst/>
+          </a:prstGeom>
+        </p:spPr>
+      </p:pic>
+    </p:spTree>
+    <p:extLst>
+      <p:ext uri="{BB962C8B-B14F-4D97-AF65-F5344CB8AC3E}">
+        <p14:creationId xmlns:p14="http://schemas.microsoft.com/office/powerpoint/2010/main" val="2735977730"/>
+      </p:ext>
+    </p:extLst>
+  </p:cSld>
+  <p:clrMapOvr>
+    <a:masterClrMapping/>
+  </p:clrMapOvr>
+  <mc:AlternateContent xmlns:mc="http://schemas.openxmlformats.org/markup-compatibility/2006" xmlns:p14="http://schemas.microsoft.com/office/powerpoint/2010/main">
+    <mc:Choice Requires="p14">
+      <p:transition spd="med" p14:dur="700">
+        <p:fade/>
+      </p:transition>
+    </mc:Choice>
+    <mc:Fallback xmlns="">
+      <p:transition spd="med">
+        <p:fade/>
+      </p:transition>
+    </mc:Fallback>
+  </mc:AlternateContent>
+  <p:timing>
+    <p:tnLst>
+      <p:par>
+        <p:cTn id="1" dur="indefinite" restart="never" nodeType="tmRoot">
+          <p:childTnLst>
+            <p:seq concurrent="1" nextAc="seek">
+              <p:cTn id="2" dur="indefinite" nodeType="mainSeq">
+                <p:childTnLst>
+                  <p:par>
+                    <p:cTn id="3" fill="hold">
+                      <p:stCondLst>
+                        <p:cond delay="indefinite"/>
+                        <p:cond evt="onBegin" delay="0">
+                          <p:tn val="2"/>
+                        </p:cond>
+                      </p:stCondLst>
+                      <p:childTnLst>
+                        <p:par>
+                          <p:cTn id="4" fill="hold">
+                            <p:stCondLst>
+                              <p:cond delay="0"/>
+                            </p:stCondLst>
+                            <p:childTnLst>
+                              <p:par>
+                                <p:cTn id="5" presetID="10" presetClass="entr" presetSubtype="0" fill="hold" grpId="0" nodeType="withEffect">
+                                  <p:stCondLst>
+                                    <p:cond delay="0"/>
+                                  </p:stCondLst>
+                                  <p:childTnLst>
+                                    <p:set>
+                                      <p:cBhvr>
+                                        <p:cTn id="6" dur="1" fill="hold">
+                                          <p:stCondLst>
+                                            <p:cond delay="0"/>
+                                          </p:stCondLst>
+                                        </p:cTn>
+                                        <p:tgtEl>
+                                          <p:spTgt spid="2"/>
+                                        </p:tgtEl>
+                                        <p:attrNameLst>
+                                          <p:attrName>style.visibility</p:attrName>
+                                        </p:attrNameLst>
+                                      </p:cBhvr>
+                                      <p:to>
+                                        <p:strVal val="visible"/>
+                                      </p:to>
+                                    </p:set>
+                                    <p:animEffect transition="in" filter="fade">
+                                      <p:cBhvr>
+                                        <p:cTn id="7" dur="500"/>
+                                        <p:tgtEl>
+                                          <p:spTgt spid="2"/>
+                                        </p:tgtEl>
+                                      </p:cBhvr>
+                                    </p:animEffect>
+                                  </p:childTnLst>
+                                </p:cTn>
+                              </p:par>
+                              <p:par>
+                                <p:cTn id="8" presetID="10" presetClass="entr" presetSubtype="0" fill="hold" grpId="0" nodeType="withEffect">
+                                  <p:stCondLst>
+                                    <p:cond delay="0"/>
+                                  </p:stCondLst>
+                                  <p:childTnLst>
+                                    <p:set>
+                                      <p:cBhvr>
+                                        <p:cTn id="9" dur="1" fill="hold">
+                                          <p:stCondLst>
+                                            <p:cond delay="0"/>
+                                          </p:stCondLst>
+                                        </p:cTn>
+                                        <p:tgtEl>
+                                          <p:spTgt spid="9"/>
+                                        </p:tgtEl>
+                                        <p:attrNameLst>
+                                          <p:attrName>style.visibility</p:attrName>
+                                        </p:attrNameLst>
+                                      </p:cBhvr>
+                                      <p:to>
+                                        <p:strVal val="visible"/>
+                                      </p:to>
+                                    </p:set>
+                                    <p:animEffect transition="in" filter="fade">
+                                      <p:cBhvr>
+                                        <p:cTn id="10" dur="500"/>
+                                        <p:tgtEl>
+                                          <p:spTgt spid="9"/>
+                                        </p:tgtEl>
+                                      </p:cBhvr>
+                                    </p:animEffect>
+                                  </p:childTnLst>
+                                </p:cTn>
+                              </p:par>
+                            </p:childTnLst>
+                          </p:cTn>
+                        </p:par>
+                      </p:childTnLst>
+                    </p:cTn>
+                  </p:par>
+                </p:childTnLst>
+              </p:cTn>
+              <p:prevCondLst>
+                <p:cond evt="onPrev" delay="0">
+                  <p:tgtEl>
+                    <p:sldTgt/>
+                  </p:tgtEl>
+                </p:cond>
+              </p:prevCondLst>
+              <p:nextCondLst>
+                <p:cond evt="onNext" delay="0">
+                  <p:tgtEl>
+                    <p:sldTgt/>
+                  </p:tgtEl>
+                </p:cond>
+              </p:nextCondLst>
+            </p:seq>
+          </p:childTnLst>
+        </p:cTn>
+      </p:par>
+    </p:tnLst>
+    <p:bldLst>
+      <p:bldP spid="2" grpId="0" animBg="1"/>
+      <p:bldP spid="9" grpId="0" animBg="1"/>
     </p:bldLst>
   </p:timing>
 </p:sld>
@@ -28359,7 +27915,7 @@
                 </a:solidFill>
                 <a:latin typeface="Bebas Neue" panose="020B0606020202050201" pitchFamily="34" charset="0"/>
               </a:rPr>
-              <a:t>Mathématiques avancées</a:t>
+              <a:t>Mathématiques</a:t>
             </a:r>
             <a:endParaRPr lang="tr-TR" sz="3300" b="1" dirty="0">
               <a:solidFill>
@@ -30325,7 +29881,7 @@
       </p:sp>
       <p:pic>
         <p:nvPicPr>
-          <p:cNvPr id="10" name="Image 9"/>
+          <p:cNvPr id="4" name="Image 3"/>
           <p:cNvPicPr>
             <a:picLocks noChangeAspect="1"/>
           </p:cNvPicPr>
@@ -30345,8 +29901,8 @@
         </p:blipFill>
         <p:spPr>
           <a:xfrm>
-            <a:off x="5491753" y="4029831"/>
-            <a:ext cx="7260722" cy="5445542"/>
+            <a:off x="5855901" y="3522706"/>
+            <a:ext cx="6539682" cy="6539682"/>
           </a:xfrm>
           <a:prstGeom prst="rect">
             <a:avLst/>

--- a/Docs/Forum PI/RSmart presentation forum PI .pptx
+++ b/Docs/Forum PI/RSmart presentation forum PI .pptx
@@ -24,22 +24,22 @@
     <p:sldId id="297" r:id="rId12"/>
     <p:sldId id="292" r:id="rId13"/>
     <p:sldId id="264" r:id="rId14"/>
-    <p:sldId id="293" r:id="rId15"/>
-    <p:sldId id="296" r:id="rId16"/>
-    <p:sldId id="298" r:id="rId17"/>
-    <p:sldId id="299" r:id="rId18"/>
-    <p:sldId id="301" r:id="rId19"/>
-    <p:sldId id="309" r:id="rId20"/>
-    <p:sldId id="300" r:id="rId21"/>
-    <p:sldId id="304" r:id="rId22"/>
-    <p:sldId id="302" r:id="rId23"/>
-    <p:sldId id="303" r:id="rId24"/>
-    <p:sldId id="305" r:id="rId25"/>
-    <p:sldId id="287" r:id="rId26"/>
-    <p:sldId id="289" r:id="rId27"/>
-    <p:sldId id="288" r:id="rId28"/>
-    <p:sldId id="295" r:id="rId29"/>
-    <p:sldId id="291" r:id="rId30"/>
+    <p:sldId id="287" r:id="rId15"/>
+    <p:sldId id="289" r:id="rId16"/>
+    <p:sldId id="288" r:id="rId17"/>
+    <p:sldId id="295" r:id="rId18"/>
+    <p:sldId id="291" r:id="rId19"/>
+    <p:sldId id="293" r:id="rId20"/>
+    <p:sldId id="296" r:id="rId21"/>
+    <p:sldId id="298" r:id="rId22"/>
+    <p:sldId id="299" r:id="rId23"/>
+    <p:sldId id="301" r:id="rId24"/>
+    <p:sldId id="309" r:id="rId25"/>
+    <p:sldId id="300" r:id="rId26"/>
+    <p:sldId id="304" r:id="rId27"/>
+    <p:sldId id="302" r:id="rId28"/>
+    <p:sldId id="303" r:id="rId29"/>
+    <p:sldId id="305" r:id="rId30"/>
     <p:sldId id="307" r:id="rId31"/>
     <p:sldId id="306" r:id="rId32"/>
     <p:sldId id="262" r:id="rId33"/>
@@ -257,7 +257,7 @@
           <a:p>
             <a:fld id="{4D0CBB7A-33AF-434C-B8C5-B5F21D294CDF}" type="datetimeFigureOut">
               <a:rPr lang="tr-TR" smtClean="0"/>
-              <a:t>30.6.2015</a:t>
+              <a:t>29.06.2015</a:t>
             </a:fld>
             <a:endParaRPr lang="tr-TR"/>
           </a:p>
@@ -422,7 +422,7 @@
           <a:p>
             <a:fld id="{6C6C1039-E6FF-4F78-9751-FFD9A3AC8099}" type="datetimeFigureOut">
               <a:rPr lang="tr-TR" smtClean="0"/>
-              <a:t>30.6.2015</a:t>
+              <a:t>29.06.2015</a:t>
             </a:fld>
             <a:endParaRPr lang="tr-TR"/>
           </a:p>
@@ -1184,7 +1184,7 @@
     </p:spTree>
     <p:extLst>
       <p:ext uri="{BB962C8B-B14F-4D97-AF65-F5344CB8AC3E}">
-        <p14:creationId xmlns:p14="http://schemas.microsoft.com/office/powerpoint/2010/main" val="2501195349"/>
+        <p14:creationId xmlns:p14="http://schemas.microsoft.com/office/powerpoint/2010/main" val="963007782"/>
       </p:ext>
     </p:extLst>
   </p:cSld>
@@ -1268,7 +1268,7 @@
     </p:spTree>
     <p:extLst>
       <p:ext uri="{BB962C8B-B14F-4D97-AF65-F5344CB8AC3E}">
-        <p14:creationId xmlns:p14="http://schemas.microsoft.com/office/powerpoint/2010/main" val="3796905255"/>
+        <p14:creationId xmlns:p14="http://schemas.microsoft.com/office/powerpoint/2010/main" val="1530829854"/>
       </p:ext>
     </p:extLst>
   </p:cSld>
@@ -1352,7 +1352,7 @@
     </p:spTree>
     <p:extLst>
       <p:ext uri="{BB962C8B-B14F-4D97-AF65-F5344CB8AC3E}">
-        <p14:creationId xmlns:p14="http://schemas.microsoft.com/office/powerpoint/2010/main" val="3969166525"/>
+        <p14:creationId xmlns:p14="http://schemas.microsoft.com/office/powerpoint/2010/main" val="2050384605"/>
       </p:ext>
     </p:extLst>
   </p:cSld>
@@ -1436,7 +1436,7 @@
     </p:spTree>
     <p:extLst>
       <p:ext uri="{BB962C8B-B14F-4D97-AF65-F5344CB8AC3E}">
-        <p14:creationId xmlns:p14="http://schemas.microsoft.com/office/powerpoint/2010/main" val="598935467"/>
+        <p14:creationId xmlns:p14="http://schemas.microsoft.com/office/powerpoint/2010/main" val="2283233911"/>
       </p:ext>
     </p:extLst>
   </p:cSld>
@@ -1520,7 +1520,7 @@
     </p:spTree>
     <p:extLst>
       <p:ext uri="{BB962C8B-B14F-4D97-AF65-F5344CB8AC3E}">
-        <p14:creationId xmlns:p14="http://schemas.microsoft.com/office/powerpoint/2010/main" val="3688157452"/>
+        <p14:creationId xmlns:p14="http://schemas.microsoft.com/office/powerpoint/2010/main" val="3821530345"/>
       </p:ext>
     </p:extLst>
   </p:cSld>
@@ -1604,7 +1604,7 @@
     </p:spTree>
     <p:extLst>
       <p:ext uri="{BB962C8B-B14F-4D97-AF65-F5344CB8AC3E}">
-        <p14:creationId xmlns:p14="http://schemas.microsoft.com/office/powerpoint/2010/main" val="603925342"/>
+        <p14:creationId xmlns:p14="http://schemas.microsoft.com/office/powerpoint/2010/main" val="2501195349"/>
       </p:ext>
     </p:extLst>
   </p:cSld>
@@ -1772,7 +1772,7 @@
     </p:spTree>
     <p:extLst>
       <p:ext uri="{BB962C8B-B14F-4D97-AF65-F5344CB8AC3E}">
-        <p14:creationId xmlns:p14="http://schemas.microsoft.com/office/powerpoint/2010/main" val="1489944666"/>
+        <p14:creationId xmlns:p14="http://schemas.microsoft.com/office/powerpoint/2010/main" val="3796905255"/>
       </p:ext>
     </p:extLst>
   </p:cSld>
@@ -1856,7 +1856,7 @@
     </p:spTree>
     <p:extLst>
       <p:ext uri="{BB962C8B-B14F-4D97-AF65-F5344CB8AC3E}">
-        <p14:creationId xmlns:p14="http://schemas.microsoft.com/office/powerpoint/2010/main" val="93483757"/>
+        <p14:creationId xmlns:p14="http://schemas.microsoft.com/office/powerpoint/2010/main" val="3969166525"/>
       </p:ext>
     </p:extLst>
   </p:cSld>
@@ -1940,7 +1940,7 @@
     </p:spTree>
     <p:extLst>
       <p:ext uri="{BB962C8B-B14F-4D97-AF65-F5344CB8AC3E}">
-        <p14:creationId xmlns:p14="http://schemas.microsoft.com/office/powerpoint/2010/main" val="3873758862"/>
+        <p14:creationId xmlns:p14="http://schemas.microsoft.com/office/powerpoint/2010/main" val="598935467"/>
       </p:ext>
     </p:extLst>
   </p:cSld>
@@ -2024,7 +2024,7 @@
     </p:spTree>
     <p:extLst>
       <p:ext uri="{BB962C8B-B14F-4D97-AF65-F5344CB8AC3E}">
-        <p14:creationId xmlns:p14="http://schemas.microsoft.com/office/powerpoint/2010/main" val="16369870"/>
+        <p14:creationId xmlns:p14="http://schemas.microsoft.com/office/powerpoint/2010/main" val="3688157452"/>
       </p:ext>
     </p:extLst>
   </p:cSld>
@@ -2108,7 +2108,7 @@
     </p:spTree>
     <p:extLst>
       <p:ext uri="{BB962C8B-B14F-4D97-AF65-F5344CB8AC3E}">
-        <p14:creationId xmlns:p14="http://schemas.microsoft.com/office/powerpoint/2010/main" val="4041849902"/>
+        <p14:creationId xmlns:p14="http://schemas.microsoft.com/office/powerpoint/2010/main" val="603925342"/>
       </p:ext>
     </p:extLst>
   </p:cSld>
@@ -2192,7 +2192,7 @@
     </p:spTree>
     <p:extLst>
       <p:ext uri="{BB962C8B-B14F-4D97-AF65-F5344CB8AC3E}">
-        <p14:creationId xmlns:p14="http://schemas.microsoft.com/office/powerpoint/2010/main" val="963007782"/>
+        <p14:creationId xmlns:p14="http://schemas.microsoft.com/office/powerpoint/2010/main" val="1489944666"/>
       </p:ext>
     </p:extLst>
   </p:cSld>
@@ -2276,7 +2276,7 @@
     </p:spTree>
     <p:extLst>
       <p:ext uri="{BB962C8B-B14F-4D97-AF65-F5344CB8AC3E}">
-        <p14:creationId xmlns:p14="http://schemas.microsoft.com/office/powerpoint/2010/main" val="1530829854"/>
+        <p14:creationId xmlns:p14="http://schemas.microsoft.com/office/powerpoint/2010/main" val="93483757"/>
       </p:ext>
     </p:extLst>
   </p:cSld>
@@ -2360,7 +2360,7 @@
     </p:spTree>
     <p:extLst>
       <p:ext uri="{BB962C8B-B14F-4D97-AF65-F5344CB8AC3E}">
-        <p14:creationId xmlns:p14="http://schemas.microsoft.com/office/powerpoint/2010/main" val="2050384605"/>
+        <p14:creationId xmlns:p14="http://schemas.microsoft.com/office/powerpoint/2010/main" val="3873758862"/>
       </p:ext>
     </p:extLst>
   </p:cSld>
@@ -2444,7 +2444,7 @@
     </p:spTree>
     <p:extLst>
       <p:ext uri="{BB962C8B-B14F-4D97-AF65-F5344CB8AC3E}">
-        <p14:creationId xmlns:p14="http://schemas.microsoft.com/office/powerpoint/2010/main" val="2283233911"/>
+        <p14:creationId xmlns:p14="http://schemas.microsoft.com/office/powerpoint/2010/main" val="16369870"/>
       </p:ext>
     </p:extLst>
   </p:cSld>
@@ -2528,7 +2528,7 @@
     </p:spTree>
     <p:extLst>
       <p:ext uri="{BB962C8B-B14F-4D97-AF65-F5344CB8AC3E}">
-        <p14:creationId xmlns:p14="http://schemas.microsoft.com/office/powerpoint/2010/main" val="3821530345"/>
+        <p14:creationId xmlns:p14="http://schemas.microsoft.com/office/powerpoint/2010/main" val="4041849902"/>
       </p:ext>
     </p:extLst>
   </p:cSld>
@@ -3643,7 +3643,7 @@
           <a:p>
             <a:fld id="{DC9C75F7-98FD-4D05-8C3F-C506B544AE03}" type="datetimeFigureOut">
               <a:rPr lang="tr-TR" smtClean="0"/>
-              <a:t>30.6.2015</a:t>
+              <a:t>29.06.2015</a:t>
             </a:fld>
             <a:endParaRPr lang="tr-TR"/>
           </a:p>
@@ -3832,7 +3832,7 @@
           <a:p>
             <a:fld id="{DC9C75F7-98FD-4D05-8C3F-C506B544AE03}" type="datetimeFigureOut">
               <a:rPr lang="tr-TR" smtClean="0"/>
-              <a:t>30.6.2015</a:t>
+              <a:t>29.06.2015</a:t>
             </a:fld>
             <a:endParaRPr lang="tr-TR"/>
           </a:p>
@@ -4024,7 +4024,7 @@
           <a:p>
             <a:fld id="{DC9C75F7-98FD-4D05-8C3F-C506B544AE03}" type="datetimeFigureOut">
               <a:rPr lang="tr-TR" smtClean="0"/>
-              <a:t>30.6.2015</a:t>
+              <a:t>29.06.2015</a:t>
             </a:fld>
             <a:endParaRPr lang="tr-TR"/>
           </a:p>
@@ -4206,7 +4206,7 @@
           <a:p>
             <a:fld id="{DC9C75F7-98FD-4D05-8C3F-C506B544AE03}" type="datetimeFigureOut">
               <a:rPr lang="tr-TR" smtClean="0"/>
-              <a:t>30.6.2015</a:t>
+              <a:t>29.06.2015</a:t>
             </a:fld>
             <a:endParaRPr lang="tr-TR"/>
           </a:p>
@@ -4464,7 +4464,7 @@
           <a:p>
             <a:fld id="{DC9C75F7-98FD-4D05-8C3F-C506B544AE03}" type="datetimeFigureOut">
               <a:rPr lang="tr-TR" smtClean="0"/>
-              <a:t>30.6.2015</a:t>
+              <a:t>29.06.2015</a:t>
             </a:fld>
             <a:endParaRPr lang="tr-TR"/>
           </a:p>
@@ -4764,7 +4764,7 @@
           <a:p>
             <a:fld id="{DC9C75F7-98FD-4D05-8C3F-C506B544AE03}" type="datetimeFigureOut">
               <a:rPr lang="tr-TR" smtClean="0"/>
-              <a:t>30.6.2015</a:t>
+              <a:t>29.06.2015</a:t>
             </a:fld>
             <a:endParaRPr lang="tr-TR"/>
           </a:p>
@@ -5198,7 +5198,7 @@
           <a:p>
             <a:fld id="{DC9C75F7-98FD-4D05-8C3F-C506B544AE03}" type="datetimeFigureOut">
               <a:rPr lang="tr-TR" smtClean="0"/>
-              <a:t>30.6.2015</a:t>
+              <a:t>29.06.2015</a:t>
             </a:fld>
             <a:endParaRPr lang="tr-TR"/>
           </a:p>
@@ -5328,7 +5328,7 @@
           <a:p>
             <a:fld id="{DC9C75F7-98FD-4D05-8C3F-C506B544AE03}" type="datetimeFigureOut">
               <a:rPr lang="tr-TR" smtClean="0"/>
-              <a:t>30.6.2015</a:t>
+              <a:t>29.06.2015</a:t>
             </a:fld>
             <a:endParaRPr lang="tr-TR"/>
           </a:p>
@@ -5435,7 +5435,7 @@
           <a:p>
             <a:fld id="{DC9C75F7-98FD-4D05-8C3F-C506B544AE03}" type="datetimeFigureOut">
               <a:rPr lang="tr-TR" smtClean="0"/>
-              <a:t>30.6.2015</a:t>
+              <a:t>29.06.2015</a:t>
             </a:fld>
             <a:endParaRPr lang="tr-TR"/>
           </a:p>
@@ -5724,7 +5724,7 @@
           <a:p>
             <a:fld id="{DC9C75F7-98FD-4D05-8C3F-C506B544AE03}" type="datetimeFigureOut">
               <a:rPr lang="tr-TR" smtClean="0"/>
-              <a:t>30.6.2015</a:t>
+              <a:t>29.06.2015</a:t>
             </a:fld>
             <a:endParaRPr lang="tr-TR"/>
           </a:p>
@@ -5989,7 +5989,7 @@
           <a:p>
             <a:fld id="{DC9C75F7-98FD-4D05-8C3F-C506B544AE03}" type="datetimeFigureOut">
               <a:rPr lang="tr-TR" smtClean="0"/>
-              <a:t>30.6.2015</a:t>
+              <a:t>29.06.2015</a:t>
             </a:fld>
             <a:endParaRPr lang="tr-TR"/>
           </a:p>
@@ -6237,7 +6237,7 @@
           <a:p>
             <a:fld id="{DC9C75F7-98FD-4D05-8C3F-C506B544AE03}" type="datetimeFigureOut">
               <a:rPr lang="tr-TR" smtClean="0"/>
-              <a:t>30.6.2015</a:t>
+              <a:t>29.06.2015</a:t>
             </a:fld>
             <a:endParaRPr lang="tr-TR"/>
           </a:p>
@@ -10807,6 +10807,2371 @@
       </p:grpSpPr>
       <p:pic>
         <p:nvPicPr>
+          <p:cNvPr id="43" name="Picture 42"/>
+          <p:cNvPicPr>
+            <a:picLocks noChangeAspect="1"/>
+          </p:cNvPicPr>
+          <p:nvPr/>
+        </p:nvPicPr>
+        <p:blipFill>
+          <a:blip r:embed="rId3" cstate="print">
+            <a:duotone>
+              <a:prstClr val="black"/>
+              <a:schemeClr val="tx2">
+                <a:tint val="45000"/>
+                <a:satMod val="400000"/>
+              </a:schemeClr>
+            </a:duotone>
+            <a:extLst>
+              <a:ext uri="{28A0092B-C50C-407E-A947-70E740481C1C}">
+                <a14:useLocalDpi xmlns:a14="http://schemas.microsoft.com/office/drawing/2010/main" val="0"/>
+              </a:ext>
+            </a:extLst>
+          </a:blip>
+          <a:stretch>
+            <a:fillRect/>
+          </a:stretch>
+        </p:blipFill>
+        <p:spPr>
+          <a:xfrm>
+            <a:off x="-11637" y="9143199"/>
+            <a:ext cx="18302812" cy="1146976"/>
+          </a:xfrm>
+          <a:prstGeom prst="rect">
+            <a:avLst/>
+          </a:prstGeom>
+        </p:spPr>
+      </p:pic>
+      <p:sp>
+        <p:nvSpPr>
+          <p:cNvPr id="2" name="Rectangle 1"/>
+          <p:cNvSpPr/>
+          <p:nvPr/>
+        </p:nvSpPr>
+        <p:spPr>
+          <a:xfrm>
+            <a:off x="0" y="1040631"/>
+            <a:ext cx="5401171" cy="864096"/>
+          </a:xfrm>
+          <a:prstGeom prst="rect">
+            <a:avLst/>
+          </a:prstGeom>
+          <a:solidFill>
+            <a:srgbClr val="565D6F"/>
+          </a:solidFill>
+          <a:ln>
+            <a:noFill/>
+          </a:ln>
+        </p:spPr>
+        <p:style>
+          <a:lnRef idx="2">
+            <a:schemeClr val="accent1">
+              <a:shade val="50000"/>
+            </a:schemeClr>
+          </a:lnRef>
+          <a:fillRef idx="1">
+            <a:schemeClr val="accent1"/>
+          </a:fillRef>
+          <a:effectRef idx="0">
+            <a:schemeClr val="accent1"/>
+          </a:effectRef>
+          <a:fontRef idx="minor">
+            <a:schemeClr val="lt1"/>
+          </a:fontRef>
+        </p:style>
+        <p:txBody>
+          <a:bodyPr rtlCol="0" anchor="ctr"/>
+          <a:lstStyle/>
+          <a:p>
+            <a:pPr algn="ctr"/>
+            <a:endParaRPr lang="tr-TR"/>
+          </a:p>
+        </p:txBody>
+      </p:sp>
+      <p:sp>
+        <p:nvSpPr>
+          <p:cNvPr id="9" name="Rectangle 8"/>
+          <p:cNvSpPr/>
+          <p:nvPr/>
+        </p:nvSpPr>
+        <p:spPr>
+          <a:xfrm>
+            <a:off x="5401172" y="1040631"/>
+            <a:ext cx="180020" cy="864096"/>
+          </a:xfrm>
+          <a:prstGeom prst="rect">
+            <a:avLst/>
+          </a:prstGeom>
+          <a:solidFill>
+            <a:schemeClr val="bg1">
+              <a:lumMod val="75000"/>
+            </a:schemeClr>
+          </a:solidFill>
+          <a:ln>
+            <a:noFill/>
+          </a:ln>
+        </p:spPr>
+        <p:style>
+          <a:lnRef idx="2">
+            <a:schemeClr val="accent1">
+              <a:shade val="50000"/>
+            </a:schemeClr>
+          </a:lnRef>
+          <a:fillRef idx="1">
+            <a:schemeClr val="accent1"/>
+          </a:fillRef>
+          <a:effectRef idx="0">
+            <a:schemeClr val="accent1"/>
+          </a:effectRef>
+          <a:fontRef idx="minor">
+            <a:schemeClr val="lt1"/>
+          </a:fontRef>
+        </p:style>
+        <p:txBody>
+          <a:bodyPr rtlCol="0" anchor="ctr"/>
+          <a:lstStyle/>
+          <a:p>
+            <a:pPr algn="ctr"/>
+            <a:endParaRPr lang="tr-TR"/>
+          </a:p>
+        </p:txBody>
+      </p:sp>
+      <p:sp>
+        <p:nvSpPr>
+          <p:cNvPr id="12" name="TextBox 11"/>
+          <p:cNvSpPr txBox="1"/>
+          <p:nvPr/>
+        </p:nvSpPr>
+        <p:spPr>
+          <a:xfrm>
+            <a:off x="504198" y="1118736"/>
+            <a:ext cx="4392774" cy="707886"/>
+          </a:xfrm>
+          <a:prstGeom prst="rect">
+            <a:avLst/>
+          </a:prstGeom>
+          <a:noFill/>
+        </p:spPr>
+        <p:txBody>
+          <a:bodyPr wrap="square" rtlCol="0">
+            <a:spAutoFit/>
+          </a:bodyPr>
+          <a:lstStyle/>
+          <a:p>
+            <a:pPr algn="ctr"/>
+            <a:r>
+              <a:rPr lang="fr-FR" sz="4000" b="1" dirty="0" smtClean="0">
+                <a:solidFill>
+                  <a:schemeClr val="bg1">
+                    <a:lumMod val="95000"/>
+                  </a:schemeClr>
+                </a:solidFill>
+                <a:latin typeface="Caviar Dreams" pitchFamily="34" charset="-94"/>
+                <a:ea typeface="Open Sans" pitchFamily="34" charset="0"/>
+                <a:cs typeface="Open Sans" pitchFamily="34" charset="0"/>
+              </a:rPr>
+              <a:t>ORGANISATION</a:t>
+            </a:r>
+            <a:endParaRPr lang="tr-TR" sz="4000" b="1" dirty="0">
+              <a:solidFill>
+                <a:schemeClr val="bg1">
+                  <a:lumMod val="95000"/>
+                </a:schemeClr>
+              </a:solidFill>
+              <a:latin typeface="Caviar Dreams" pitchFamily="34" charset="-94"/>
+              <a:ea typeface="Open Sans" pitchFamily="34" charset="0"/>
+              <a:cs typeface="Open Sans" pitchFamily="34" charset="0"/>
+            </a:endParaRPr>
+          </a:p>
+        </p:txBody>
+      </p:sp>
+      <p:sp>
+        <p:nvSpPr>
+          <p:cNvPr id="53" name="Oval 52"/>
+          <p:cNvSpPr/>
+          <p:nvPr/>
+        </p:nvSpPr>
+        <p:spPr>
+          <a:xfrm>
+            <a:off x="8816986" y="9449582"/>
+            <a:ext cx="654224" cy="648817"/>
+          </a:xfrm>
+          <a:prstGeom prst="ellipse">
+            <a:avLst/>
+          </a:prstGeom>
+          <a:solidFill>
+            <a:schemeClr val="bg1"/>
+          </a:solidFill>
+          <a:ln>
+            <a:noFill/>
+          </a:ln>
+        </p:spPr>
+        <p:style>
+          <a:lnRef idx="2">
+            <a:schemeClr val="accent1">
+              <a:shade val="50000"/>
+            </a:schemeClr>
+          </a:lnRef>
+          <a:fillRef idx="1">
+            <a:schemeClr val="accent1"/>
+          </a:fillRef>
+          <a:effectRef idx="0">
+            <a:schemeClr val="accent1"/>
+          </a:effectRef>
+          <a:fontRef idx="minor">
+            <a:schemeClr val="lt1"/>
+          </a:fontRef>
+        </p:style>
+        <p:txBody>
+          <a:bodyPr rtlCol="0" anchor="ctr"/>
+          <a:lstStyle/>
+          <a:p>
+            <a:pPr algn="ctr"/>
+            <a:endParaRPr lang="tr-TR"/>
+          </a:p>
+        </p:txBody>
+      </p:sp>
+      <p:sp>
+        <p:nvSpPr>
+          <p:cNvPr id="54" name="TextBox 53"/>
+          <p:cNvSpPr txBox="1"/>
+          <p:nvPr/>
+        </p:nvSpPr>
+        <p:spPr>
+          <a:xfrm>
+            <a:off x="8880355" y="9464822"/>
+            <a:ext cx="504056" cy="600164"/>
+          </a:xfrm>
+          <a:prstGeom prst="rect">
+            <a:avLst/>
+          </a:prstGeom>
+          <a:noFill/>
+        </p:spPr>
+        <p:txBody>
+          <a:bodyPr wrap="square" rtlCol="0">
+            <a:spAutoFit/>
+          </a:bodyPr>
+          <a:lstStyle/>
+          <a:p>
+            <a:pPr algn="ctr"/>
+            <a:r>
+              <a:rPr lang="fr-FR" sz="3300" b="1" dirty="0">
+                <a:solidFill>
+                  <a:srgbClr val="565D6F"/>
+                </a:solidFill>
+                <a:latin typeface="Caviar Dreams" pitchFamily="34" charset="-94"/>
+                <a:ea typeface="Open Sans" pitchFamily="34" charset="0"/>
+                <a:cs typeface="Open Sans" pitchFamily="34" charset="0"/>
+              </a:rPr>
+              <a:t>R</a:t>
+            </a:r>
+            <a:endParaRPr lang="tr-TR" sz="3300" b="1" dirty="0">
+              <a:solidFill>
+                <a:srgbClr val="565D6F"/>
+              </a:solidFill>
+              <a:latin typeface="Caviar Dreams" pitchFamily="34" charset="-94"/>
+              <a:ea typeface="Open Sans" pitchFamily="34" charset="0"/>
+              <a:cs typeface="Open Sans" pitchFamily="34" charset="0"/>
+            </a:endParaRPr>
+          </a:p>
+        </p:txBody>
+      </p:sp>
+      <p:pic>
+        <p:nvPicPr>
+          <p:cNvPr id="3" name="Image 2"/>
+          <p:cNvPicPr>
+            <a:picLocks noChangeAspect="1"/>
+          </p:cNvPicPr>
+          <p:nvPr/>
+        </p:nvPicPr>
+        <p:blipFill>
+          <a:blip r:embed="rId4">
+            <a:extLst>
+              <a:ext uri="{28A0092B-C50C-407E-A947-70E740481C1C}">
+                <a14:useLocalDpi xmlns:a14="http://schemas.microsoft.com/office/drawing/2010/main" val="0"/>
+              </a:ext>
+            </a:extLst>
+          </a:blip>
+          <a:stretch>
+            <a:fillRect/>
+          </a:stretch>
+        </p:blipFill>
+        <p:spPr>
+          <a:xfrm>
+            <a:off x="-711727" y="0"/>
+            <a:ext cx="19688220" cy="25478876"/>
+          </a:xfrm>
+          <a:prstGeom prst="rect">
+            <a:avLst/>
+          </a:prstGeom>
+        </p:spPr>
+      </p:pic>
+    </p:spTree>
+    <p:extLst>
+      <p:ext uri="{BB962C8B-B14F-4D97-AF65-F5344CB8AC3E}">
+        <p14:creationId xmlns:p14="http://schemas.microsoft.com/office/powerpoint/2010/main" val="287823677"/>
+      </p:ext>
+    </p:extLst>
+  </p:cSld>
+  <p:clrMapOvr>
+    <a:masterClrMapping/>
+  </p:clrMapOvr>
+  <mc:AlternateContent xmlns:mc="http://schemas.openxmlformats.org/markup-compatibility/2006" xmlns:p14="http://schemas.microsoft.com/office/powerpoint/2010/main">
+    <mc:Choice Requires="p14">
+      <p:transition spd="med" p14:dur="700">
+        <p:fade/>
+      </p:transition>
+    </mc:Choice>
+    <mc:Fallback xmlns="">
+      <p:transition spd="med">
+        <p:fade/>
+      </p:transition>
+    </mc:Fallback>
+  </mc:AlternateContent>
+  <p:timing>
+    <p:tnLst>
+      <p:par>
+        <p:cTn id="1" dur="indefinite" restart="never" nodeType="tmRoot">
+          <p:childTnLst>
+            <p:seq concurrent="1" nextAc="seek">
+              <p:cTn id="2" dur="indefinite" nodeType="mainSeq">
+                <p:childTnLst>
+                  <p:par>
+                    <p:cTn id="3" fill="hold">
+                      <p:stCondLst>
+                        <p:cond delay="indefinite"/>
+                        <p:cond evt="onBegin" delay="0">
+                          <p:tn val="2"/>
+                        </p:cond>
+                      </p:stCondLst>
+                      <p:childTnLst>
+                        <p:par>
+                          <p:cTn id="4" fill="hold">
+                            <p:stCondLst>
+                              <p:cond delay="0"/>
+                            </p:stCondLst>
+                            <p:childTnLst>
+                              <p:par>
+                                <p:cTn id="5" presetID="10" presetClass="entr" presetSubtype="0" fill="hold" grpId="0" nodeType="withEffect">
+                                  <p:stCondLst>
+                                    <p:cond delay="0"/>
+                                  </p:stCondLst>
+                                  <p:childTnLst>
+                                    <p:set>
+                                      <p:cBhvr>
+                                        <p:cTn id="6" dur="1" fill="hold">
+                                          <p:stCondLst>
+                                            <p:cond delay="0"/>
+                                          </p:stCondLst>
+                                        </p:cTn>
+                                        <p:tgtEl>
+                                          <p:spTgt spid="2"/>
+                                        </p:tgtEl>
+                                        <p:attrNameLst>
+                                          <p:attrName>style.visibility</p:attrName>
+                                        </p:attrNameLst>
+                                      </p:cBhvr>
+                                      <p:to>
+                                        <p:strVal val="visible"/>
+                                      </p:to>
+                                    </p:set>
+                                    <p:animEffect transition="in" filter="fade">
+                                      <p:cBhvr>
+                                        <p:cTn id="7" dur="500"/>
+                                        <p:tgtEl>
+                                          <p:spTgt spid="2"/>
+                                        </p:tgtEl>
+                                      </p:cBhvr>
+                                    </p:animEffect>
+                                  </p:childTnLst>
+                                </p:cTn>
+                              </p:par>
+                              <p:par>
+                                <p:cTn id="8" presetID="10" presetClass="entr" presetSubtype="0" fill="hold" grpId="0" nodeType="withEffect">
+                                  <p:stCondLst>
+                                    <p:cond delay="0"/>
+                                  </p:stCondLst>
+                                  <p:childTnLst>
+                                    <p:set>
+                                      <p:cBhvr>
+                                        <p:cTn id="9" dur="1" fill="hold">
+                                          <p:stCondLst>
+                                            <p:cond delay="0"/>
+                                          </p:stCondLst>
+                                        </p:cTn>
+                                        <p:tgtEl>
+                                          <p:spTgt spid="9"/>
+                                        </p:tgtEl>
+                                        <p:attrNameLst>
+                                          <p:attrName>style.visibility</p:attrName>
+                                        </p:attrNameLst>
+                                      </p:cBhvr>
+                                      <p:to>
+                                        <p:strVal val="visible"/>
+                                      </p:to>
+                                    </p:set>
+                                    <p:animEffect transition="in" filter="fade">
+                                      <p:cBhvr>
+                                        <p:cTn id="10" dur="500"/>
+                                        <p:tgtEl>
+                                          <p:spTgt spid="9"/>
+                                        </p:tgtEl>
+                                      </p:cBhvr>
+                                    </p:animEffect>
+                                  </p:childTnLst>
+                                </p:cTn>
+                              </p:par>
+                              <p:par>
+                                <p:cTn id="11" presetID="10" presetClass="entr" presetSubtype="0" fill="hold" grpId="0" nodeType="withEffect">
+                                  <p:stCondLst>
+                                    <p:cond delay="0"/>
+                                  </p:stCondLst>
+                                  <p:childTnLst>
+                                    <p:set>
+                                      <p:cBhvr>
+                                        <p:cTn id="12" dur="1" fill="hold">
+                                          <p:stCondLst>
+                                            <p:cond delay="0"/>
+                                          </p:stCondLst>
+                                        </p:cTn>
+                                        <p:tgtEl>
+                                          <p:spTgt spid="12"/>
+                                        </p:tgtEl>
+                                        <p:attrNameLst>
+                                          <p:attrName>style.visibility</p:attrName>
+                                        </p:attrNameLst>
+                                      </p:cBhvr>
+                                      <p:to>
+                                        <p:strVal val="visible"/>
+                                      </p:to>
+                                    </p:set>
+                                    <p:animEffect transition="in" filter="fade">
+                                      <p:cBhvr>
+                                        <p:cTn id="13" dur="500"/>
+                                        <p:tgtEl>
+                                          <p:spTgt spid="12"/>
+                                        </p:tgtEl>
+                                      </p:cBhvr>
+                                    </p:animEffect>
+                                  </p:childTnLst>
+                                </p:cTn>
+                              </p:par>
+                            </p:childTnLst>
+                          </p:cTn>
+                        </p:par>
+                      </p:childTnLst>
+                    </p:cTn>
+                  </p:par>
+                </p:childTnLst>
+              </p:cTn>
+              <p:prevCondLst>
+                <p:cond evt="onPrev" delay="0">
+                  <p:tgtEl>
+                    <p:sldTgt/>
+                  </p:tgtEl>
+                </p:cond>
+              </p:prevCondLst>
+              <p:nextCondLst>
+                <p:cond evt="onNext" delay="0">
+                  <p:tgtEl>
+                    <p:sldTgt/>
+                  </p:tgtEl>
+                </p:cond>
+              </p:nextCondLst>
+            </p:seq>
+          </p:childTnLst>
+        </p:cTn>
+      </p:par>
+    </p:tnLst>
+    <p:bldLst>
+      <p:bldP spid="2" grpId="0" animBg="1"/>
+      <p:bldP spid="9" grpId="0" animBg="1"/>
+      <p:bldP spid="12" grpId="0"/>
+    </p:bldLst>
+  </p:timing>
+</p:sld>
+</file>
+
+<file path=ppt/slides/slide15.xml><?xml version="1.0" encoding="utf-8"?>
+<p:sld xmlns:a="http://schemas.openxmlformats.org/drawingml/2006/main" xmlns:r="http://schemas.openxmlformats.org/officeDocument/2006/relationships" xmlns:p="http://schemas.openxmlformats.org/presentationml/2006/main">
+  <p:cSld>
+    <p:spTree>
+      <p:nvGrpSpPr>
+        <p:cNvPr id="1" name=""/>
+        <p:cNvGrpSpPr/>
+        <p:nvPr/>
+      </p:nvGrpSpPr>
+      <p:grpSpPr>
+        <a:xfrm>
+          <a:off x="0" y="0"/>
+          <a:ext cx="0" cy="0"/>
+          <a:chOff x="0" y="0"/>
+          <a:chExt cx="0" cy="0"/>
+        </a:xfrm>
+      </p:grpSpPr>
+      <p:pic>
+        <p:nvPicPr>
+          <p:cNvPr id="7" name="Picture 6"/>
+          <p:cNvPicPr>
+            <a:picLocks noChangeAspect="1"/>
+          </p:cNvPicPr>
+          <p:nvPr/>
+        </p:nvPicPr>
+        <p:blipFill>
+          <a:blip r:embed="rId3" cstate="print">
+            <a:duotone>
+              <a:prstClr val="black"/>
+              <a:schemeClr val="tx2">
+                <a:tint val="45000"/>
+                <a:satMod val="400000"/>
+              </a:schemeClr>
+            </a:duotone>
+            <a:extLst>
+              <a:ext uri="{28A0092B-C50C-407E-A947-70E740481C1C}">
+                <a14:useLocalDpi xmlns:a14="http://schemas.microsoft.com/office/drawing/2010/main" val="0"/>
+              </a:ext>
+            </a:extLst>
+          </a:blip>
+          <a:stretch>
+            <a:fillRect/>
+          </a:stretch>
+        </p:blipFill>
+        <p:spPr>
+          <a:xfrm>
+            <a:off x="-11637" y="9143199"/>
+            <a:ext cx="18302812" cy="1146976"/>
+          </a:xfrm>
+          <a:prstGeom prst="rect">
+            <a:avLst/>
+          </a:prstGeom>
+        </p:spPr>
+      </p:pic>
+      <p:sp>
+        <p:nvSpPr>
+          <p:cNvPr id="6" name="Oval 5"/>
+          <p:cNvSpPr/>
+          <p:nvPr/>
+        </p:nvSpPr>
+        <p:spPr>
+          <a:xfrm>
+            <a:off x="7885447" y="2912839"/>
+            <a:ext cx="2520280" cy="2520280"/>
+          </a:xfrm>
+          <a:prstGeom prst="ellipse">
+            <a:avLst/>
+          </a:prstGeom>
+          <a:solidFill>
+            <a:srgbClr val="565D6F"/>
+          </a:solidFill>
+          <a:ln>
+            <a:noFill/>
+          </a:ln>
+        </p:spPr>
+        <p:style>
+          <a:lnRef idx="2">
+            <a:schemeClr val="accent1">
+              <a:shade val="50000"/>
+            </a:schemeClr>
+          </a:lnRef>
+          <a:fillRef idx="1">
+            <a:schemeClr val="accent1"/>
+          </a:fillRef>
+          <a:effectRef idx="0">
+            <a:schemeClr val="accent1"/>
+          </a:effectRef>
+          <a:fontRef idx="minor">
+            <a:schemeClr val="lt1"/>
+          </a:fontRef>
+        </p:style>
+        <p:txBody>
+          <a:bodyPr rtlCol="0" anchor="ctr"/>
+          <a:lstStyle/>
+          <a:p>
+            <a:pPr algn="ctr"/>
+            <a:endParaRPr lang="tr-TR"/>
+          </a:p>
+        </p:txBody>
+      </p:sp>
+      <p:sp>
+        <p:nvSpPr>
+          <p:cNvPr id="10" name="TextBox 9"/>
+          <p:cNvSpPr txBox="1"/>
+          <p:nvPr/>
+        </p:nvSpPr>
+        <p:spPr>
+          <a:xfrm>
+            <a:off x="5105622" y="5793159"/>
+            <a:ext cx="8068294" cy="861774"/>
+          </a:xfrm>
+          <a:prstGeom prst="rect">
+            <a:avLst/>
+          </a:prstGeom>
+          <a:noFill/>
+        </p:spPr>
+        <p:txBody>
+          <a:bodyPr wrap="square" rtlCol="0">
+            <a:spAutoFit/>
+          </a:bodyPr>
+          <a:lstStyle/>
+          <a:p>
+            <a:pPr algn="ctr"/>
+            <a:r>
+              <a:rPr lang="fr-FR" sz="5000" b="1" dirty="0" smtClean="0">
+                <a:solidFill>
+                  <a:schemeClr val="tx1">
+                    <a:lumMod val="65000"/>
+                    <a:lumOff val="35000"/>
+                  </a:schemeClr>
+                </a:solidFill>
+                <a:latin typeface="Caviar Dreams" pitchFamily="34" charset="-94"/>
+                <a:ea typeface="Open Sans" pitchFamily="34" charset="0"/>
+                <a:cs typeface="Open Sans" pitchFamily="34" charset="0"/>
+              </a:rPr>
+              <a:t>Rsmart Control</a:t>
+            </a:r>
+            <a:endParaRPr lang="tr-TR" sz="5000" b="1" dirty="0">
+              <a:solidFill>
+                <a:schemeClr val="tx1">
+                  <a:lumMod val="65000"/>
+                  <a:lumOff val="35000"/>
+                </a:schemeClr>
+              </a:solidFill>
+              <a:latin typeface="Caviar Dreams" pitchFamily="34" charset="-94"/>
+              <a:ea typeface="Open Sans" pitchFamily="34" charset="0"/>
+              <a:cs typeface="Open Sans" pitchFamily="34" charset="0"/>
+            </a:endParaRPr>
+          </a:p>
+        </p:txBody>
+      </p:sp>
+      <p:sp>
+        <p:nvSpPr>
+          <p:cNvPr id="15" name="Oval 14"/>
+          <p:cNvSpPr/>
+          <p:nvPr/>
+        </p:nvSpPr>
+        <p:spPr>
+          <a:xfrm>
+            <a:off x="8816986" y="9449582"/>
+            <a:ext cx="654224" cy="648817"/>
+          </a:xfrm>
+          <a:prstGeom prst="ellipse">
+            <a:avLst/>
+          </a:prstGeom>
+          <a:solidFill>
+            <a:schemeClr val="bg1"/>
+          </a:solidFill>
+          <a:ln>
+            <a:noFill/>
+          </a:ln>
+        </p:spPr>
+        <p:style>
+          <a:lnRef idx="2">
+            <a:schemeClr val="accent1">
+              <a:shade val="50000"/>
+            </a:schemeClr>
+          </a:lnRef>
+          <a:fillRef idx="1">
+            <a:schemeClr val="accent1"/>
+          </a:fillRef>
+          <a:effectRef idx="0">
+            <a:schemeClr val="accent1"/>
+          </a:effectRef>
+          <a:fontRef idx="minor">
+            <a:schemeClr val="lt1"/>
+          </a:fontRef>
+        </p:style>
+        <p:txBody>
+          <a:bodyPr rtlCol="0" anchor="ctr"/>
+          <a:lstStyle/>
+          <a:p>
+            <a:pPr algn="ctr"/>
+            <a:endParaRPr lang="tr-TR"/>
+          </a:p>
+        </p:txBody>
+      </p:sp>
+      <p:sp>
+        <p:nvSpPr>
+          <p:cNvPr id="16" name="TextBox 15"/>
+          <p:cNvSpPr txBox="1"/>
+          <p:nvPr/>
+        </p:nvSpPr>
+        <p:spPr>
+          <a:xfrm>
+            <a:off x="8880355" y="9464822"/>
+            <a:ext cx="504056" cy="1107996"/>
+          </a:xfrm>
+          <a:prstGeom prst="rect">
+            <a:avLst/>
+          </a:prstGeom>
+          <a:noFill/>
+        </p:spPr>
+        <p:txBody>
+          <a:bodyPr wrap="square" rtlCol="0">
+            <a:spAutoFit/>
+          </a:bodyPr>
+          <a:lstStyle/>
+          <a:p>
+            <a:pPr algn="ctr"/>
+            <a:r>
+              <a:rPr lang="fr-FR" sz="3300" b="1" dirty="0">
+                <a:solidFill>
+                  <a:srgbClr val="565D6F"/>
+                </a:solidFill>
+                <a:latin typeface="Caviar Dreams" pitchFamily="34" charset="-94"/>
+                <a:ea typeface="Open Sans" pitchFamily="34" charset="0"/>
+                <a:cs typeface="Open Sans" pitchFamily="34" charset="0"/>
+              </a:rPr>
+              <a:t>R</a:t>
+            </a:r>
+            <a:endParaRPr lang="tr-TR" sz="3300" b="1" dirty="0">
+              <a:solidFill>
+                <a:srgbClr val="565D6F"/>
+              </a:solidFill>
+              <a:latin typeface="Caviar Dreams" pitchFamily="34" charset="-94"/>
+              <a:ea typeface="Open Sans" pitchFamily="34" charset="0"/>
+              <a:cs typeface="Open Sans" pitchFamily="34" charset="0"/>
+            </a:endParaRPr>
+          </a:p>
+          <a:p>
+            <a:pPr algn="ctr"/>
+            <a:endParaRPr lang="tr-TR" sz="3300" b="1" dirty="0">
+              <a:solidFill>
+                <a:srgbClr val="009CD6"/>
+              </a:solidFill>
+              <a:latin typeface="Caviar Dreams" pitchFamily="34" charset="-94"/>
+              <a:ea typeface="Open Sans" pitchFamily="34" charset="0"/>
+              <a:cs typeface="Open Sans" pitchFamily="34" charset="0"/>
+            </a:endParaRPr>
+          </a:p>
+        </p:txBody>
+      </p:sp>
+      <p:pic>
+        <p:nvPicPr>
+          <p:cNvPr id="2" name="Image 1"/>
+          <p:cNvPicPr>
+            <a:picLocks noChangeAspect="1"/>
+          </p:cNvPicPr>
+          <p:nvPr/>
+        </p:nvPicPr>
+        <p:blipFill>
+          <a:blip r:embed="rId4">
+            <a:lum bright="70000" contrast="-70000"/>
+            <a:extLst>
+              <a:ext uri="{28A0092B-C50C-407E-A947-70E740481C1C}">
+                <a14:useLocalDpi xmlns:a14="http://schemas.microsoft.com/office/drawing/2010/main" val="0"/>
+              </a:ext>
+            </a:extLst>
+          </a:blip>
+          <a:stretch>
+            <a:fillRect/>
+          </a:stretch>
+        </p:blipFill>
+        <p:spPr>
+          <a:xfrm>
+            <a:off x="7754848" y="3237075"/>
+            <a:ext cx="2769841" cy="1871807"/>
+          </a:xfrm>
+          <a:prstGeom prst="rect">
+            <a:avLst/>
+          </a:prstGeom>
+        </p:spPr>
+      </p:pic>
+    </p:spTree>
+    <p:extLst>
+      <p:ext uri="{BB962C8B-B14F-4D97-AF65-F5344CB8AC3E}">
+        <p14:creationId xmlns:p14="http://schemas.microsoft.com/office/powerpoint/2010/main" val="2890770384"/>
+      </p:ext>
+    </p:extLst>
+  </p:cSld>
+  <p:clrMapOvr>
+    <a:masterClrMapping/>
+  </p:clrMapOvr>
+  <mc:AlternateContent xmlns:mc="http://schemas.openxmlformats.org/markup-compatibility/2006" xmlns:p14="http://schemas.microsoft.com/office/powerpoint/2010/main">
+    <mc:Choice Requires="p14">
+      <p:transition spd="med" p14:dur="700">
+        <p:fade/>
+      </p:transition>
+    </mc:Choice>
+    <mc:Fallback xmlns="">
+      <p:transition spd="med">
+        <p:fade/>
+      </p:transition>
+    </mc:Fallback>
+  </mc:AlternateContent>
+  <p:timing>
+    <p:tnLst>
+      <p:par>
+        <p:cTn id="1" dur="indefinite" restart="never" nodeType="tmRoot">
+          <p:childTnLst>
+            <p:seq concurrent="1" nextAc="seek">
+              <p:cTn id="2" dur="indefinite" nodeType="mainSeq">
+                <p:childTnLst>
+                  <p:par>
+                    <p:cTn id="3" fill="hold">
+                      <p:stCondLst>
+                        <p:cond delay="indefinite"/>
+                        <p:cond evt="onBegin" delay="0">
+                          <p:tn val="2"/>
+                        </p:cond>
+                      </p:stCondLst>
+                      <p:childTnLst>
+                        <p:par>
+                          <p:cTn id="4" fill="hold">
+                            <p:stCondLst>
+                              <p:cond delay="0"/>
+                            </p:stCondLst>
+                            <p:childTnLst>
+                              <p:par>
+                                <p:cTn id="5" presetID="10" presetClass="entr" presetSubtype="0" fill="hold" grpId="0" nodeType="withEffect">
+                                  <p:stCondLst>
+                                    <p:cond delay="0"/>
+                                  </p:stCondLst>
+                                  <p:childTnLst>
+                                    <p:set>
+                                      <p:cBhvr>
+                                        <p:cTn id="6" dur="1" fill="hold">
+                                          <p:stCondLst>
+                                            <p:cond delay="0"/>
+                                          </p:stCondLst>
+                                        </p:cTn>
+                                        <p:tgtEl>
+                                          <p:spTgt spid="6"/>
+                                        </p:tgtEl>
+                                        <p:attrNameLst>
+                                          <p:attrName>style.visibility</p:attrName>
+                                        </p:attrNameLst>
+                                      </p:cBhvr>
+                                      <p:to>
+                                        <p:strVal val="visible"/>
+                                      </p:to>
+                                    </p:set>
+                                    <p:animEffect transition="in" filter="fade">
+                                      <p:cBhvr>
+                                        <p:cTn id="7" dur="500"/>
+                                        <p:tgtEl>
+                                          <p:spTgt spid="6"/>
+                                        </p:tgtEl>
+                                      </p:cBhvr>
+                                    </p:animEffect>
+                                  </p:childTnLst>
+                                </p:cTn>
+                              </p:par>
+                              <p:par>
+                                <p:cTn id="8" presetID="10" presetClass="entr" presetSubtype="0" fill="hold" grpId="0" nodeType="withEffect">
+                                  <p:stCondLst>
+                                    <p:cond delay="0"/>
+                                  </p:stCondLst>
+                                  <p:childTnLst>
+                                    <p:set>
+                                      <p:cBhvr>
+                                        <p:cTn id="9" dur="1" fill="hold">
+                                          <p:stCondLst>
+                                            <p:cond delay="0"/>
+                                          </p:stCondLst>
+                                        </p:cTn>
+                                        <p:tgtEl>
+                                          <p:spTgt spid="10"/>
+                                        </p:tgtEl>
+                                        <p:attrNameLst>
+                                          <p:attrName>style.visibility</p:attrName>
+                                        </p:attrNameLst>
+                                      </p:cBhvr>
+                                      <p:to>
+                                        <p:strVal val="visible"/>
+                                      </p:to>
+                                    </p:set>
+                                    <p:animEffect transition="in" filter="fade">
+                                      <p:cBhvr>
+                                        <p:cTn id="10" dur="500"/>
+                                        <p:tgtEl>
+                                          <p:spTgt spid="10"/>
+                                        </p:tgtEl>
+                                      </p:cBhvr>
+                                    </p:animEffect>
+                                  </p:childTnLst>
+                                </p:cTn>
+                              </p:par>
+                              <p:par>
+                                <p:cTn id="11" presetID="10" presetClass="entr" presetSubtype="0" fill="hold" nodeType="withEffect">
+                                  <p:stCondLst>
+                                    <p:cond delay="0"/>
+                                  </p:stCondLst>
+                                  <p:childTnLst>
+                                    <p:set>
+                                      <p:cBhvr>
+                                        <p:cTn id="12" dur="1" fill="hold">
+                                          <p:stCondLst>
+                                            <p:cond delay="0"/>
+                                          </p:stCondLst>
+                                        </p:cTn>
+                                        <p:tgtEl>
+                                          <p:spTgt spid="2"/>
+                                        </p:tgtEl>
+                                        <p:attrNameLst>
+                                          <p:attrName>style.visibility</p:attrName>
+                                        </p:attrNameLst>
+                                      </p:cBhvr>
+                                      <p:to>
+                                        <p:strVal val="visible"/>
+                                      </p:to>
+                                    </p:set>
+                                    <p:animEffect transition="in" filter="fade">
+                                      <p:cBhvr>
+                                        <p:cTn id="13" dur="500"/>
+                                        <p:tgtEl>
+                                          <p:spTgt spid="2"/>
+                                        </p:tgtEl>
+                                      </p:cBhvr>
+                                    </p:animEffect>
+                                  </p:childTnLst>
+                                </p:cTn>
+                              </p:par>
+                            </p:childTnLst>
+                          </p:cTn>
+                        </p:par>
+                      </p:childTnLst>
+                    </p:cTn>
+                  </p:par>
+                </p:childTnLst>
+              </p:cTn>
+              <p:prevCondLst>
+                <p:cond evt="onPrev" delay="0">
+                  <p:tgtEl>
+                    <p:sldTgt/>
+                  </p:tgtEl>
+                </p:cond>
+              </p:prevCondLst>
+              <p:nextCondLst>
+                <p:cond evt="onNext" delay="0">
+                  <p:tgtEl>
+                    <p:sldTgt/>
+                  </p:tgtEl>
+                </p:cond>
+              </p:nextCondLst>
+            </p:seq>
+          </p:childTnLst>
+        </p:cTn>
+      </p:par>
+    </p:tnLst>
+    <p:bldLst>
+      <p:bldP spid="6" grpId="0" animBg="1"/>
+      <p:bldP spid="10" grpId="0"/>
+    </p:bldLst>
+  </p:timing>
+</p:sld>
+</file>
+
+<file path=ppt/slides/slide16.xml><?xml version="1.0" encoding="utf-8"?>
+<p:sld xmlns:a="http://schemas.openxmlformats.org/drawingml/2006/main" xmlns:r="http://schemas.openxmlformats.org/officeDocument/2006/relationships" xmlns:p="http://schemas.openxmlformats.org/presentationml/2006/main">
+  <p:cSld>
+    <p:spTree>
+      <p:nvGrpSpPr>
+        <p:cNvPr id="1" name=""/>
+        <p:cNvGrpSpPr/>
+        <p:nvPr/>
+      </p:nvGrpSpPr>
+      <p:grpSpPr>
+        <a:xfrm>
+          <a:off x="0" y="0"/>
+          <a:ext cx="0" cy="0"/>
+          <a:chOff x="0" y="0"/>
+          <a:chExt cx="0" cy="0"/>
+        </a:xfrm>
+      </p:grpSpPr>
+      <p:pic>
+        <p:nvPicPr>
+          <p:cNvPr id="43" name="Picture 42"/>
+          <p:cNvPicPr>
+            <a:picLocks noChangeAspect="1"/>
+          </p:cNvPicPr>
+          <p:nvPr/>
+        </p:nvPicPr>
+        <p:blipFill>
+          <a:blip r:embed="rId3" cstate="print">
+            <a:duotone>
+              <a:prstClr val="black"/>
+              <a:schemeClr val="tx2">
+                <a:tint val="45000"/>
+                <a:satMod val="400000"/>
+              </a:schemeClr>
+            </a:duotone>
+            <a:extLst>
+              <a:ext uri="{28A0092B-C50C-407E-A947-70E740481C1C}">
+                <a14:useLocalDpi xmlns:a14="http://schemas.microsoft.com/office/drawing/2010/main" val="0"/>
+              </a:ext>
+            </a:extLst>
+          </a:blip>
+          <a:stretch>
+            <a:fillRect/>
+          </a:stretch>
+        </p:blipFill>
+        <p:spPr>
+          <a:xfrm>
+            <a:off x="-11637" y="9143199"/>
+            <a:ext cx="18302812" cy="1146976"/>
+          </a:xfrm>
+          <a:prstGeom prst="rect">
+            <a:avLst/>
+          </a:prstGeom>
+        </p:spPr>
+      </p:pic>
+      <p:sp>
+        <p:nvSpPr>
+          <p:cNvPr id="2" name="Rectangle 1"/>
+          <p:cNvSpPr/>
+          <p:nvPr/>
+        </p:nvSpPr>
+        <p:spPr>
+          <a:xfrm>
+            <a:off x="0" y="1040631"/>
+            <a:ext cx="5401171" cy="864096"/>
+          </a:xfrm>
+          <a:prstGeom prst="rect">
+            <a:avLst/>
+          </a:prstGeom>
+          <a:solidFill>
+            <a:srgbClr val="565D6F"/>
+          </a:solidFill>
+          <a:ln>
+            <a:noFill/>
+          </a:ln>
+        </p:spPr>
+        <p:style>
+          <a:lnRef idx="2">
+            <a:schemeClr val="accent1">
+              <a:shade val="50000"/>
+            </a:schemeClr>
+          </a:lnRef>
+          <a:fillRef idx="1">
+            <a:schemeClr val="accent1"/>
+          </a:fillRef>
+          <a:effectRef idx="0">
+            <a:schemeClr val="accent1"/>
+          </a:effectRef>
+          <a:fontRef idx="minor">
+            <a:schemeClr val="lt1"/>
+          </a:fontRef>
+        </p:style>
+        <p:txBody>
+          <a:bodyPr rtlCol="0" anchor="ctr"/>
+          <a:lstStyle/>
+          <a:p>
+            <a:pPr algn="ctr"/>
+            <a:endParaRPr lang="tr-TR"/>
+          </a:p>
+        </p:txBody>
+      </p:sp>
+      <p:sp>
+        <p:nvSpPr>
+          <p:cNvPr id="9" name="Rectangle 8"/>
+          <p:cNvSpPr/>
+          <p:nvPr/>
+        </p:nvSpPr>
+        <p:spPr>
+          <a:xfrm>
+            <a:off x="5401172" y="1040631"/>
+            <a:ext cx="180020" cy="864096"/>
+          </a:xfrm>
+          <a:prstGeom prst="rect">
+            <a:avLst/>
+          </a:prstGeom>
+          <a:solidFill>
+            <a:schemeClr val="bg1">
+              <a:lumMod val="75000"/>
+            </a:schemeClr>
+          </a:solidFill>
+          <a:ln>
+            <a:noFill/>
+          </a:ln>
+        </p:spPr>
+        <p:style>
+          <a:lnRef idx="2">
+            <a:schemeClr val="accent1">
+              <a:shade val="50000"/>
+            </a:schemeClr>
+          </a:lnRef>
+          <a:fillRef idx="1">
+            <a:schemeClr val="accent1"/>
+          </a:fillRef>
+          <a:effectRef idx="0">
+            <a:schemeClr val="accent1"/>
+          </a:effectRef>
+          <a:fontRef idx="minor">
+            <a:schemeClr val="lt1"/>
+          </a:fontRef>
+        </p:style>
+        <p:txBody>
+          <a:bodyPr rtlCol="0" anchor="ctr"/>
+          <a:lstStyle/>
+          <a:p>
+            <a:pPr algn="ctr"/>
+            <a:endParaRPr lang="tr-TR"/>
+          </a:p>
+        </p:txBody>
+      </p:sp>
+      <p:sp>
+        <p:nvSpPr>
+          <p:cNvPr id="12" name="TextBox 11"/>
+          <p:cNvSpPr txBox="1"/>
+          <p:nvPr/>
+        </p:nvSpPr>
+        <p:spPr>
+          <a:xfrm>
+            <a:off x="324392" y="1149513"/>
+            <a:ext cx="4752385" cy="646331"/>
+          </a:xfrm>
+          <a:prstGeom prst="rect">
+            <a:avLst/>
+          </a:prstGeom>
+          <a:noFill/>
+        </p:spPr>
+        <p:txBody>
+          <a:bodyPr wrap="square" rtlCol="0">
+            <a:spAutoFit/>
+          </a:bodyPr>
+          <a:lstStyle/>
+          <a:p>
+            <a:pPr algn="ctr"/>
+            <a:r>
+              <a:rPr lang="fr-FR" sz="3600" b="1" dirty="0" smtClean="0">
+                <a:solidFill>
+                  <a:schemeClr val="bg1">
+                    <a:lumMod val="95000"/>
+                  </a:schemeClr>
+                </a:solidFill>
+                <a:latin typeface="Caviar Dreams" pitchFamily="34" charset="-94"/>
+                <a:ea typeface="Open Sans" pitchFamily="34" charset="0"/>
+                <a:cs typeface="Open Sans" pitchFamily="34" charset="0"/>
+              </a:rPr>
+              <a:t>RSMART CONTROL</a:t>
+            </a:r>
+            <a:endParaRPr lang="tr-TR" sz="3600" b="1" dirty="0">
+              <a:solidFill>
+                <a:schemeClr val="bg1">
+                  <a:lumMod val="95000"/>
+                </a:schemeClr>
+              </a:solidFill>
+              <a:latin typeface="Caviar Dreams" pitchFamily="34" charset="-94"/>
+              <a:ea typeface="Open Sans" pitchFamily="34" charset="0"/>
+              <a:cs typeface="Open Sans" pitchFamily="34" charset="0"/>
+            </a:endParaRPr>
+          </a:p>
+        </p:txBody>
+      </p:sp>
+      <p:sp>
+        <p:nvSpPr>
+          <p:cNvPr id="53" name="Oval 52"/>
+          <p:cNvSpPr/>
+          <p:nvPr/>
+        </p:nvSpPr>
+        <p:spPr>
+          <a:xfrm>
+            <a:off x="8816986" y="9449582"/>
+            <a:ext cx="654224" cy="648817"/>
+          </a:xfrm>
+          <a:prstGeom prst="ellipse">
+            <a:avLst/>
+          </a:prstGeom>
+          <a:solidFill>
+            <a:schemeClr val="bg1"/>
+          </a:solidFill>
+          <a:ln>
+            <a:noFill/>
+          </a:ln>
+        </p:spPr>
+        <p:style>
+          <a:lnRef idx="2">
+            <a:schemeClr val="accent1">
+              <a:shade val="50000"/>
+            </a:schemeClr>
+          </a:lnRef>
+          <a:fillRef idx="1">
+            <a:schemeClr val="accent1"/>
+          </a:fillRef>
+          <a:effectRef idx="0">
+            <a:schemeClr val="accent1"/>
+          </a:effectRef>
+          <a:fontRef idx="minor">
+            <a:schemeClr val="lt1"/>
+          </a:fontRef>
+        </p:style>
+        <p:txBody>
+          <a:bodyPr rtlCol="0" anchor="ctr"/>
+          <a:lstStyle/>
+          <a:p>
+            <a:pPr algn="ctr"/>
+            <a:endParaRPr lang="tr-TR"/>
+          </a:p>
+        </p:txBody>
+      </p:sp>
+      <p:sp>
+        <p:nvSpPr>
+          <p:cNvPr id="54" name="TextBox 53"/>
+          <p:cNvSpPr txBox="1"/>
+          <p:nvPr/>
+        </p:nvSpPr>
+        <p:spPr>
+          <a:xfrm>
+            <a:off x="8880355" y="9464822"/>
+            <a:ext cx="504056" cy="600164"/>
+          </a:xfrm>
+          <a:prstGeom prst="rect">
+            <a:avLst/>
+          </a:prstGeom>
+          <a:noFill/>
+        </p:spPr>
+        <p:txBody>
+          <a:bodyPr wrap="square" rtlCol="0">
+            <a:spAutoFit/>
+          </a:bodyPr>
+          <a:lstStyle/>
+          <a:p>
+            <a:pPr algn="ctr"/>
+            <a:r>
+              <a:rPr lang="fr-FR" sz="3300" b="1" dirty="0">
+                <a:solidFill>
+                  <a:srgbClr val="565D6F"/>
+                </a:solidFill>
+                <a:latin typeface="Caviar Dreams" pitchFamily="34" charset="-94"/>
+                <a:ea typeface="Open Sans" pitchFamily="34" charset="0"/>
+                <a:cs typeface="Open Sans" pitchFamily="34" charset="0"/>
+              </a:rPr>
+              <a:t>R</a:t>
+            </a:r>
+            <a:endParaRPr lang="tr-TR" sz="3300" b="1" dirty="0">
+              <a:solidFill>
+                <a:srgbClr val="565D6F"/>
+              </a:solidFill>
+              <a:latin typeface="Caviar Dreams" pitchFamily="34" charset="-94"/>
+              <a:ea typeface="Open Sans" pitchFamily="34" charset="0"/>
+              <a:cs typeface="Open Sans" pitchFamily="34" charset="0"/>
+            </a:endParaRPr>
+          </a:p>
+        </p:txBody>
+      </p:sp>
+      <p:pic>
+        <p:nvPicPr>
+          <p:cNvPr id="4" name="Image 3"/>
+          <p:cNvPicPr>
+            <a:picLocks noChangeAspect="1"/>
+          </p:cNvPicPr>
+          <p:nvPr/>
+        </p:nvPicPr>
+        <p:blipFill>
+          <a:blip r:embed="rId4">
+            <a:extLst>
+              <a:ext uri="{28A0092B-C50C-407E-A947-70E740481C1C}">
+                <a14:useLocalDpi xmlns:a14="http://schemas.microsoft.com/office/drawing/2010/main" val="0"/>
+              </a:ext>
+            </a:extLst>
+          </a:blip>
+          <a:stretch>
+            <a:fillRect/>
+          </a:stretch>
+        </p:blipFill>
+        <p:spPr>
+          <a:xfrm>
+            <a:off x="-143445" y="-183505"/>
+            <a:ext cx="18434620" cy="11503793"/>
+          </a:xfrm>
+          <a:prstGeom prst="rect">
+            <a:avLst/>
+          </a:prstGeom>
+        </p:spPr>
+      </p:pic>
+    </p:spTree>
+    <p:extLst>
+      <p:ext uri="{BB962C8B-B14F-4D97-AF65-F5344CB8AC3E}">
+        <p14:creationId xmlns:p14="http://schemas.microsoft.com/office/powerpoint/2010/main" val="2160197003"/>
+      </p:ext>
+    </p:extLst>
+  </p:cSld>
+  <p:clrMapOvr>
+    <a:masterClrMapping/>
+  </p:clrMapOvr>
+  <mc:AlternateContent xmlns:mc="http://schemas.openxmlformats.org/markup-compatibility/2006" xmlns:p14="http://schemas.microsoft.com/office/powerpoint/2010/main">
+    <mc:Choice Requires="p14">
+      <p:transition spd="med" p14:dur="700">
+        <p:fade/>
+      </p:transition>
+    </mc:Choice>
+    <mc:Fallback xmlns="">
+      <p:transition spd="med">
+        <p:fade/>
+      </p:transition>
+    </mc:Fallback>
+  </mc:AlternateContent>
+  <p:timing>
+    <p:tnLst>
+      <p:par>
+        <p:cTn id="1" dur="indefinite" restart="never" nodeType="tmRoot">
+          <p:childTnLst>
+            <p:seq concurrent="1" nextAc="seek">
+              <p:cTn id="2" dur="indefinite" nodeType="mainSeq">
+                <p:childTnLst>
+                  <p:par>
+                    <p:cTn id="3" fill="hold">
+                      <p:stCondLst>
+                        <p:cond delay="indefinite"/>
+                        <p:cond evt="onBegin" delay="0">
+                          <p:tn val="2"/>
+                        </p:cond>
+                      </p:stCondLst>
+                      <p:childTnLst>
+                        <p:par>
+                          <p:cTn id="4" fill="hold">
+                            <p:stCondLst>
+                              <p:cond delay="0"/>
+                            </p:stCondLst>
+                            <p:childTnLst>
+                              <p:par>
+                                <p:cTn id="5" presetID="10" presetClass="entr" presetSubtype="0" fill="hold" grpId="0" nodeType="withEffect">
+                                  <p:stCondLst>
+                                    <p:cond delay="0"/>
+                                  </p:stCondLst>
+                                  <p:childTnLst>
+                                    <p:set>
+                                      <p:cBhvr>
+                                        <p:cTn id="6" dur="1" fill="hold">
+                                          <p:stCondLst>
+                                            <p:cond delay="0"/>
+                                          </p:stCondLst>
+                                        </p:cTn>
+                                        <p:tgtEl>
+                                          <p:spTgt spid="2"/>
+                                        </p:tgtEl>
+                                        <p:attrNameLst>
+                                          <p:attrName>style.visibility</p:attrName>
+                                        </p:attrNameLst>
+                                      </p:cBhvr>
+                                      <p:to>
+                                        <p:strVal val="visible"/>
+                                      </p:to>
+                                    </p:set>
+                                    <p:animEffect transition="in" filter="fade">
+                                      <p:cBhvr>
+                                        <p:cTn id="7" dur="500"/>
+                                        <p:tgtEl>
+                                          <p:spTgt spid="2"/>
+                                        </p:tgtEl>
+                                      </p:cBhvr>
+                                    </p:animEffect>
+                                  </p:childTnLst>
+                                </p:cTn>
+                              </p:par>
+                              <p:par>
+                                <p:cTn id="8" presetID="10" presetClass="entr" presetSubtype="0" fill="hold" grpId="0" nodeType="withEffect">
+                                  <p:stCondLst>
+                                    <p:cond delay="0"/>
+                                  </p:stCondLst>
+                                  <p:childTnLst>
+                                    <p:set>
+                                      <p:cBhvr>
+                                        <p:cTn id="9" dur="1" fill="hold">
+                                          <p:stCondLst>
+                                            <p:cond delay="0"/>
+                                          </p:stCondLst>
+                                        </p:cTn>
+                                        <p:tgtEl>
+                                          <p:spTgt spid="9"/>
+                                        </p:tgtEl>
+                                        <p:attrNameLst>
+                                          <p:attrName>style.visibility</p:attrName>
+                                        </p:attrNameLst>
+                                      </p:cBhvr>
+                                      <p:to>
+                                        <p:strVal val="visible"/>
+                                      </p:to>
+                                    </p:set>
+                                    <p:animEffect transition="in" filter="fade">
+                                      <p:cBhvr>
+                                        <p:cTn id="10" dur="500"/>
+                                        <p:tgtEl>
+                                          <p:spTgt spid="9"/>
+                                        </p:tgtEl>
+                                      </p:cBhvr>
+                                    </p:animEffect>
+                                  </p:childTnLst>
+                                </p:cTn>
+                              </p:par>
+                              <p:par>
+                                <p:cTn id="11" presetID="10" presetClass="entr" presetSubtype="0" fill="hold" grpId="0" nodeType="withEffect">
+                                  <p:stCondLst>
+                                    <p:cond delay="0"/>
+                                  </p:stCondLst>
+                                  <p:childTnLst>
+                                    <p:set>
+                                      <p:cBhvr>
+                                        <p:cTn id="12" dur="1" fill="hold">
+                                          <p:stCondLst>
+                                            <p:cond delay="0"/>
+                                          </p:stCondLst>
+                                        </p:cTn>
+                                        <p:tgtEl>
+                                          <p:spTgt spid="12"/>
+                                        </p:tgtEl>
+                                        <p:attrNameLst>
+                                          <p:attrName>style.visibility</p:attrName>
+                                        </p:attrNameLst>
+                                      </p:cBhvr>
+                                      <p:to>
+                                        <p:strVal val="visible"/>
+                                      </p:to>
+                                    </p:set>
+                                    <p:animEffect transition="in" filter="fade">
+                                      <p:cBhvr>
+                                        <p:cTn id="13" dur="500"/>
+                                        <p:tgtEl>
+                                          <p:spTgt spid="12"/>
+                                        </p:tgtEl>
+                                      </p:cBhvr>
+                                    </p:animEffect>
+                                  </p:childTnLst>
+                                </p:cTn>
+                              </p:par>
+                            </p:childTnLst>
+                          </p:cTn>
+                        </p:par>
+                      </p:childTnLst>
+                    </p:cTn>
+                  </p:par>
+                </p:childTnLst>
+              </p:cTn>
+              <p:prevCondLst>
+                <p:cond evt="onPrev" delay="0">
+                  <p:tgtEl>
+                    <p:sldTgt/>
+                  </p:tgtEl>
+                </p:cond>
+              </p:prevCondLst>
+              <p:nextCondLst>
+                <p:cond evt="onNext" delay="0">
+                  <p:tgtEl>
+                    <p:sldTgt/>
+                  </p:tgtEl>
+                </p:cond>
+              </p:nextCondLst>
+            </p:seq>
+          </p:childTnLst>
+        </p:cTn>
+      </p:par>
+    </p:tnLst>
+    <p:bldLst>
+      <p:bldP spid="2" grpId="0" animBg="1"/>
+      <p:bldP spid="9" grpId="0" animBg="1"/>
+      <p:bldP spid="12" grpId="0"/>
+    </p:bldLst>
+  </p:timing>
+</p:sld>
+</file>
+
+<file path=ppt/slides/slide17.xml><?xml version="1.0" encoding="utf-8"?>
+<p:sld xmlns:a="http://schemas.openxmlformats.org/drawingml/2006/main" xmlns:r="http://schemas.openxmlformats.org/officeDocument/2006/relationships" xmlns:p="http://schemas.openxmlformats.org/presentationml/2006/main">
+  <p:cSld>
+    <p:spTree>
+      <p:nvGrpSpPr>
+        <p:cNvPr id="1" name=""/>
+        <p:cNvGrpSpPr/>
+        <p:nvPr/>
+      </p:nvGrpSpPr>
+      <p:grpSpPr>
+        <a:xfrm>
+          <a:off x="0" y="0"/>
+          <a:ext cx="0" cy="0"/>
+          <a:chOff x="0" y="0"/>
+          <a:chExt cx="0" cy="0"/>
+        </a:xfrm>
+      </p:grpSpPr>
+      <p:pic>
+        <p:nvPicPr>
+          <p:cNvPr id="7" name="Picture 6"/>
+          <p:cNvPicPr>
+            <a:picLocks noChangeAspect="1"/>
+          </p:cNvPicPr>
+          <p:nvPr/>
+        </p:nvPicPr>
+        <p:blipFill>
+          <a:blip r:embed="rId3" cstate="print">
+            <a:duotone>
+              <a:prstClr val="black"/>
+              <a:schemeClr val="tx2">
+                <a:tint val="45000"/>
+                <a:satMod val="400000"/>
+              </a:schemeClr>
+            </a:duotone>
+            <a:extLst>
+              <a:ext uri="{28A0092B-C50C-407E-A947-70E740481C1C}">
+                <a14:useLocalDpi xmlns:a14="http://schemas.microsoft.com/office/drawing/2010/main" val="0"/>
+              </a:ext>
+            </a:extLst>
+          </a:blip>
+          <a:stretch>
+            <a:fillRect/>
+          </a:stretch>
+        </p:blipFill>
+        <p:spPr>
+          <a:xfrm>
+            <a:off x="-11637" y="9143199"/>
+            <a:ext cx="18302812" cy="1146976"/>
+          </a:xfrm>
+          <a:prstGeom prst="rect">
+            <a:avLst/>
+          </a:prstGeom>
+        </p:spPr>
+      </p:pic>
+      <p:sp>
+        <p:nvSpPr>
+          <p:cNvPr id="6" name="Oval 5"/>
+          <p:cNvSpPr/>
+          <p:nvPr/>
+        </p:nvSpPr>
+        <p:spPr>
+          <a:xfrm>
+            <a:off x="7885447" y="2912839"/>
+            <a:ext cx="2520280" cy="2520280"/>
+          </a:xfrm>
+          <a:prstGeom prst="ellipse">
+            <a:avLst/>
+          </a:prstGeom>
+          <a:solidFill>
+            <a:srgbClr val="565D6F"/>
+          </a:solidFill>
+          <a:ln>
+            <a:noFill/>
+          </a:ln>
+        </p:spPr>
+        <p:style>
+          <a:lnRef idx="2">
+            <a:schemeClr val="accent1">
+              <a:shade val="50000"/>
+            </a:schemeClr>
+          </a:lnRef>
+          <a:fillRef idx="1">
+            <a:schemeClr val="accent1"/>
+          </a:fillRef>
+          <a:effectRef idx="0">
+            <a:schemeClr val="accent1"/>
+          </a:effectRef>
+          <a:fontRef idx="minor">
+            <a:schemeClr val="lt1"/>
+          </a:fontRef>
+        </p:style>
+        <p:txBody>
+          <a:bodyPr rtlCol="0" anchor="ctr"/>
+          <a:lstStyle/>
+          <a:p>
+            <a:pPr algn="ctr"/>
+            <a:endParaRPr lang="tr-TR"/>
+          </a:p>
+        </p:txBody>
+      </p:sp>
+      <p:sp>
+        <p:nvSpPr>
+          <p:cNvPr id="10" name="TextBox 9"/>
+          <p:cNvSpPr txBox="1"/>
+          <p:nvPr/>
+        </p:nvSpPr>
+        <p:spPr>
+          <a:xfrm>
+            <a:off x="5105622" y="5793159"/>
+            <a:ext cx="8068294" cy="861774"/>
+          </a:xfrm>
+          <a:prstGeom prst="rect">
+            <a:avLst/>
+          </a:prstGeom>
+          <a:noFill/>
+        </p:spPr>
+        <p:txBody>
+          <a:bodyPr wrap="square" rtlCol="0">
+            <a:spAutoFit/>
+          </a:bodyPr>
+          <a:lstStyle/>
+          <a:p>
+            <a:pPr algn="ctr"/>
+            <a:r>
+              <a:rPr lang="fr-FR" sz="5000" b="1" dirty="0" smtClean="0">
+                <a:solidFill>
+                  <a:schemeClr val="tx1">
+                    <a:lumMod val="65000"/>
+                    <a:lumOff val="35000"/>
+                  </a:schemeClr>
+                </a:solidFill>
+                <a:latin typeface="Caviar Dreams" pitchFamily="34" charset="-94"/>
+                <a:ea typeface="Open Sans" pitchFamily="34" charset="0"/>
+                <a:cs typeface="Open Sans" pitchFamily="34" charset="0"/>
+              </a:rPr>
+              <a:t>Server Library</a:t>
+            </a:r>
+            <a:endParaRPr lang="tr-TR" sz="5000" b="1" dirty="0">
+              <a:solidFill>
+                <a:schemeClr val="tx1">
+                  <a:lumMod val="65000"/>
+                  <a:lumOff val="35000"/>
+                </a:schemeClr>
+              </a:solidFill>
+              <a:latin typeface="Caviar Dreams" pitchFamily="34" charset="-94"/>
+              <a:ea typeface="Open Sans" pitchFamily="34" charset="0"/>
+              <a:cs typeface="Open Sans" pitchFamily="34" charset="0"/>
+            </a:endParaRPr>
+          </a:p>
+        </p:txBody>
+      </p:sp>
+      <p:sp>
+        <p:nvSpPr>
+          <p:cNvPr id="15" name="Oval 14"/>
+          <p:cNvSpPr/>
+          <p:nvPr/>
+        </p:nvSpPr>
+        <p:spPr>
+          <a:xfrm>
+            <a:off x="8816986" y="9449582"/>
+            <a:ext cx="654224" cy="648817"/>
+          </a:xfrm>
+          <a:prstGeom prst="ellipse">
+            <a:avLst/>
+          </a:prstGeom>
+          <a:solidFill>
+            <a:schemeClr val="bg1"/>
+          </a:solidFill>
+          <a:ln>
+            <a:noFill/>
+          </a:ln>
+        </p:spPr>
+        <p:style>
+          <a:lnRef idx="2">
+            <a:schemeClr val="accent1">
+              <a:shade val="50000"/>
+            </a:schemeClr>
+          </a:lnRef>
+          <a:fillRef idx="1">
+            <a:schemeClr val="accent1"/>
+          </a:fillRef>
+          <a:effectRef idx="0">
+            <a:schemeClr val="accent1"/>
+          </a:effectRef>
+          <a:fontRef idx="minor">
+            <a:schemeClr val="lt1"/>
+          </a:fontRef>
+        </p:style>
+        <p:txBody>
+          <a:bodyPr rtlCol="0" anchor="ctr"/>
+          <a:lstStyle/>
+          <a:p>
+            <a:pPr algn="ctr"/>
+            <a:endParaRPr lang="tr-TR"/>
+          </a:p>
+        </p:txBody>
+      </p:sp>
+      <p:sp>
+        <p:nvSpPr>
+          <p:cNvPr id="16" name="TextBox 15"/>
+          <p:cNvSpPr txBox="1"/>
+          <p:nvPr/>
+        </p:nvSpPr>
+        <p:spPr>
+          <a:xfrm>
+            <a:off x="8880355" y="9464822"/>
+            <a:ext cx="504056" cy="1107996"/>
+          </a:xfrm>
+          <a:prstGeom prst="rect">
+            <a:avLst/>
+          </a:prstGeom>
+          <a:noFill/>
+        </p:spPr>
+        <p:txBody>
+          <a:bodyPr wrap="square" rtlCol="0">
+            <a:spAutoFit/>
+          </a:bodyPr>
+          <a:lstStyle/>
+          <a:p>
+            <a:pPr algn="ctr"/>
+            <a:r>
+              <a:rPr lang="fr-FR" sz="3300" b="1" dirty="0">
+                <a:solidFill>
+                  <a:srgbClr val="565D6F"/>
+                </a:solidFill>
+                <a:latin typeface="Caviar Dreams" pitchFamily="34" charset="-94"/>
+                <a:ea typeface="Open Sans" pitchFamily="34" charset="0"/>
+                <a:cs typeface="Open Sans" pitchFamily="34" charset="0"/>
+              </a:rPr>
+              <a:t>R</a:t>
+            </a:r>
+            <a:endParaRPr lang="tr-TR" sz="3300" b="1" dirty="0">
+              <a:solidFill>
+                <a:srgbClr val="565D6F"/>
+              </a:solidFill>
+              <a:latin typeface="Caviar Dreams" pitchFamily="34" charset="-94"/>
+              <a:ea typeface="Open Sans" pitchFamily="34" charset="0"/>
+              <a:cs typeface="Open Sans" pitchFamily="34" charset="0"/>
+            </a:endParaRPr>
+          </a:p>
+          <a:p>
+            <a:pPr algn="ctr"/>
+            <a:endParaRPr lang="tr-TR" sz="3300" b="1" dirty="0">
+              <a:solidFill>
+                <a:srgbClr val="009CD6"/>
+              </a:solidFill>
+              <a:latin typeface="Caviar Dreams" pitchFamily="34" charset="-94"/>
+              <a:ea typeface="Open Sans" pitchFamily="34" charset="0"/>
+              <a:cs typeface="Open Sans" pitchFamily="34" charset="0"/>
+            </a:endParaRPr>
+          </a:p>
+        </p:txBody>
+      </p:sp>
+      <p:pic>
+        <p:nvPicPr>
+          <p:cNvPr id="2" name="Image 1"/>
+          <p:cNvPicPr>
+            <a:picLocks noChangeAspect="1"/>
+          </p:cNvPicPr>
+          <p:nvPr/>
+        </p:nvPicPr>
+        <p:blipFill>
+          <a:blip r:embed="rId4">
+            <a:lum bright="70000" contrast="-70000"/>
+            <a:extLst>
+              <a:ext uri="{28A0092B-C50C-407E-A947-70E740481C1C}">
+                <a14:useLocalDpi xmlns:a14="http://schemas.microsoft.com/office/drawing/2010/main" val="0"/>
+              </a:ext>
+            </a:extLst>
+          </a:blip>
+          <a:stretch>
+            <a:fillRect/>
+          </a:stretch>
+        </p:blipFill>
+        <p:spPr>
+          <a:xfrm>
+            <a:off x="7754848" y="3237075"/>
+            <a:ext cx="2769841" cy="1871807"/>
+          </a:xfrm>
+          <a:prstGeom prst="rect">
+            <a:avLst/>
+          </a:prstGeom>
+        </p:spPr>
+      </p:pic>
+    </p:spTree>
+    <p:extLst>
+      <p:ext uri="{BB962C8B-B14F-4D97-AF65-F5344CB8AC3E}">
+        <p14:creationId xmlns:p14="http://schemas.microsoft.com/office/powerpoint/2010/main" val="2400804383"/>
+      </p:ext>
+    </p:extLst>
+  </p:cSld>
+  <p:clrMapOvr>
+    <a:masterClrMapping/>
+  </p:clrMapOvr>
+  <mc:AlternateContent xmlns:mc="http://schemas.openxmlformats.org/markup-compatibility/2006" xmlns:p14="http://schemas.microsoft.com/office/powerpoint/2010/main">
+    <mc:Choice Requires="p14">
+      <p:transition spd="med" p14:dur="700">
+        <p:fade/>
+      </p:transition>
+    </mc:Choice>
+    <mc:Fallback xmlns="">
+      <p:transition spd="med">
+        <p:fade/>
+      </p:transition>
+    </mc:Fallback>
+  </mc:AlternateContent>
+  <p:timing>
+    <p:tnLst>
+      <p:par>
+        <p:cTn id="1" dur="indefinite" restart="never" nodeType="tmRoot">
+          <p:childTnLst>
+            <p:seq concurrent="1" nextAc="seek">
+              <p:cTn id="2" dur="indefinite" nodeType="mainSeq">
+                <p:childTnLst>
+                  <p:par>
+                    <p:cTn id="3" fill="hold">
+                      <p:stCondLst>
+                        <p:cond delay="indefinite"/>
+                        <p:cond evt="onBegin" delay="0">
+                          <p:tn val="2"/>
+                        </p:cond>
+                      </p:stCondLst>
+                      <p:childTnLst>
+                        <p:par>
+                          <p:cTn id="4" fill="hold">
+                            <p:stCondLst>
+                              <p:cond delay="0"/>
+                            </p:stCondLst>
+                            <p:childTnLst>
+                              <p:par>
+                                <p:cTn id="5" presetID="10" presetClass="entr" presetSubtype="0" fill="hold" grpId="0" nodeType="withEffect">
+                                  <p:stCondLst>
+                                    <p:cond delay="0"/>
+                                  </p:stCondLst>
+                                  <p:childTnLst>
+                                    <p:set>
+                                      <p:cBhvr>
+                                        <p:cTn id="6" dur="1" fill="hold">
+                                          <p:stCondLst>
+                                            <p:cond delay="0"/>
+                                          </p:stCondLst>
+                                        </p:cTn>
+                                        <p:tgtEl>
+                                          <p:spTgt spid="6"/>
+                                        </p:tgtEl>
+                                        <p:attrNameLst>
+                                          <p:attrName>style.visibility</p:attrName>
+                                        </p:attrNameLst>
+                                      </p:cBhvr>
+                                      <p:to>
+                                        <p:strVal val="visible"/>
+                                      </p:to>
+                                    </p:set>
+                                    <p:animEffect transition="in" filter="fade">
+                                      <p:cBhvr>
+                                        <p:cTn id="7" dur="500"/>
+                                        <p:tgtEl>
+                                          <p:spTgt spid="6"/>
+                                        </p:tgtEl>
+                                      </p:cBhvr>
+                                    </p:animEffect>
+                                  </p:childTnLst>
+                                </p:cTn>
+                              </p:par>
+                              <p:par>
+                                <p:cTn id="8" presetID="10" presetClass="entr" presetSubtype="0" fill="hold" grpId="0" nodeType="withEffect">
+                                  <p:stCondLst>
+                                    <p:cond delay="0"/>
+                                  </p:stCondLst>
+                                  <p:childTnLst>
+                                    <p:set>
+                                      <p:cBhvr>
+                                        <p:cTn id="9" dur="1" fill="hold">
+                                          <p:stCondLst>
+                                            <p:cond delay="0"/>
+                                          </p:stCondLst>
+                                        </p:cTn>
+                                        <p:tgtEl>
+                                          <p:spTgt spid="10"/>
+                                        </p:tgtEl>
+                                        <p:attrNameLst>
+                                          <p:attrName>style.visibility</p:attrName>
+                                        </p:attrNameLst>
+                                      </p:cBhvr>
+                                      <p:to>
+                                        <p:strVal val="visible"/>
+                                      </p:to>
+                                    </p:set>
+                                    <p:animEffect transition="in" filter="fade">
+                                      <p:cBhvr>
+                                        <p:cTn id="10" dur="500"/>
+                                        <p:tgtEl>
+                                          <p:spTgt spid="10"/>
+                                        </p:tgtEl>
+                                      </p:cBhvr>
+                                    </p:animEffect>
+                                  </p:childTnLst>
+                                </p:cTn>
+                              </p:par>
+                              <p:par>
+                                <p:cTn id="11" presetID="10" presetClass="entr" presetSubtype="0" fill="hold" nodeType="withEffect">
+                                  <p:stCondLst>
+                                    <p:cond delay="0"/>
+                                  </p:stCondLst>
+                                  <p:childTnLst>
+                                    <p:set>
+                                      <p:cBhvr>
+                                        <p:cTn id="12" dur="1" fill="hold">
+                                          <p:stCondLst>
+                                            <p:cond delay="0"/>
+                                          </p:stCondLst>
+                                        </p:cTn>
+                                        <p:tgtEl>
+                                          <p:spTgt spid="2"/>
+                                        </p:tgtEl>
+                                        <p:attrNameLst>
+                                          <p:attrName>style.visibility</p:attrName>
+                                        </p:attrNameLst>
+                                      </p:cBhvr>
+                                      <p:to>
+                                        <p:strVal val="visible"/>
+                                      </p:to>
+                                    </p:set>
+                                    <p:animEffect transition="in" filter="fade">
+                                      <p:cBhvr>
+                                        <p:cTn id="13" dur="500"/>
+                                        <p:tgtEl>
+                                          <p:spTgt spid="2"/>
+                                        </p:tgtEl>
+                                      </p:cBhvr>
+                                    </p:animEffect>
+                                  </p:childTnLst>
+                                </p:cTn>
+                              </p:par>
+                            </p:childTnLst>
+                          </p:cTn>
+                        </p:par>
+                      </p:childTnLst>
+                    </p:cTn>
+                  </p:par>
+                </p:childTnLst>
+              </p:cTn>
+              <p:prevCondLst>
+                <p:cond evt="onPrev" delay="0">
+                  <p:tgtEl>
+                    <p:sldTgt/>
+                  </p:tgtEl>
+                </p:cond>
+              </p:prevCondLst>
+              <p:nextCondLst>
+                <p:cond evt="onNext" delay="0">
+                  <p:tgtEl>
+                    <p:sldTgt/>
+                  </p:tgtEl>
+                </p:cond>
+              </p:nextCondLst>
+            </p:seq>
+          </p:childTnLst>
+        </p:cTn>
+      </p:par>
+    </p:tnLst>
+    <p:bldLst>
+      <p:bldP spid="6" grpId="0" animBg="1"/>
+      <p:bldP spid="10" grpId="0"/>
+    </p:bldLst>
+  </p:timing>
+</p:sld>
+</file>
+
+<file path=ppt/slides/slide18.xml><?xml version="1.0" encoding="utf-8"?>
+<p:sld xmlns:a="http://schemas.openxmlformats.org/drawingml/2006/main" xmlns:r="http://schemas.openxmlformats.org/officeDocument/2006/relationships" xmlns:p="http://schemas.openxmlformats.org/presentationml/2006/main">
+  <p:cSld>
+    <p:spTree>
+      <p:nvGrpSpPr>
+        <p:cNvPr id="1" name=""/>
+        <p:cNvGrpSpPr/>
+        <p:nvPr/>
+      </p:nvGrpSpPr>
+      <p:grpSpPr>
+        <a:xfrm>
+          <a:off x="0" y="0"/>
+          <a:ext cx="0" cy="0"/>
+          <a:chOff x="0" y="0"/>
+          <a:chExt cx="0" cy="0"/>
+        </a:xfrm>
+      </p:grpSpPr>
+      <p:pic>
+        <p:nvPicPr>
+          <p:cNvPr id="43" name="Picture 42"/>
+          <p:cNvPicPr>
+            <a:picLocks noChangeAspect="1"/>
+          </p:cNvPicPr>
+          <p:nvPr/>
+        </p:nvPicPr>
+        <p:blipFill>
+          <a:blip r:embed="rId3" cstate="print">
+            <a:duotone>
+              <a:prstClr val="black"/>
+              <a:schemeClr val="tx2">
+                <a:tint val="45000"/>
+                <a:satMod val="400000"/>
+              </a:schemeClr>
+            </a:duotone>
+            <a:extLst>
+              <a:ext uri="{28A0092B-C50C-407E-A947-70E740481C1C}">
+                <a14:useLocalDpi xmlns:a14="http://schemas.microsoft.com/office/drawing/2010/main" val="0"/>
+              </a:ext>
+            </a:extLst>
+          </a:blip>
+          <a:stretch>
+            <a:fillRect/>
+          </a:stretch>
+        </p:blipFill>
+        <p:spPr>
+          <a:xfrm>
+            <a:off x="-11637" y="9143199"/>
+            <a:ext cx="18302812" cy="1146976"/>
+          </a:xfrm>
+          <a:prstGeom prst="rect">
+            <a:avLst/>
+          </a:prstGeom>
+        </p:spPr>
+      </p:pic>
+      <p:sp>
+        <p:nvSpPr>
+          <p:cNvPr id="2" name="Rectangle 1"/>
+          <p:cNvSpPr/>
+          <p:nvPr/>
+        </p:nvSpPr>
+        <p:spPr>
+          <a:xfrm>
+            <a:off x="0" y="1040631"/>
+            <a:ext cx="5401171" cy="864096"/>
+          </a:xfrm>
+          <a:prstGeom prst="rect">
+            <a:avLst/>
+          </a:prstGeom>
+          <a:solidFill>
+            <a:srgbClr val="565D6F"/>
+          </a:solidFill>
+          <a:ln>
+            <a:noFill/>
+          </a:ln>
+        </p:spPr>
+        <p:style>
+          <a:lnRef idx="2">
+            <a:schemeClr val="accent1">
+              <a:shade val="50000"/>
+            </a:schemeClr>
+          </a:lnRef>
+          <a:fillRef idx="1">
+            <a:schemeClr val="accent1"/>
+          </a:fillRef>
+          <a:effectRef idx="0">
+            <a:schemeClr val="accent1"/>
+          </a:effectRef>
+          <a:fontRef idx="minor">
+            <a:schemeClr val="lt1"/>
+          </a:fontRef>
+        </p:style>
+        <p:txBody>
+          <a:bodyPr rtlCol="0" anchor="ctr"/>
+          <a:lstStyle/>
+          <a:p>
+            <a:pPr algn="ctr"/>
+            <a:endParaRPr lang="tr-TR"/>
+          </a:p>
+        </p:txBody>
+      </p:sp>
+      <p:sp>
+        <p:nvSpPr>
+          <p:cNvPr id="9" name="Rectangle 8"/>
+          <p:cNvSpPr/>
+          <p:nvPr/>
+        </p:nvSpPr>
+        <p:spPr>
+          <a:xfrm>
+            <a:off x="5401172" y="1040631"/>
+            <a:ext cx="180020" cy="864096"/>
+          </a:xfrm>
+          <a:prstGeom prst="rect">
+            <a:avLst/>
+          </a:prstGeom>
+          <a:solidFill>
+            <a:schemeClr val="bg1">
+              <a:lumMod val="75000"/>
+            </a:schemeClr>
+          </a:solidFill>
+          <a:ln>
+            <a:noFill/>
+          </a:ln>
+        </p:spPr>
+        <p:style>
+          <a:lnRef idx="2">
+            <a:schemeClr val="accent1">
+              <a:shade val="50000"/>
+            </a:schemeClr>
+          </a:lnRef>
+          <a:fillRef idx="1">
+            <a:schemeClr val="accent1"/>
+          </a:fillRef>
+          <a:effectRef idx="0">
+            <a:schemeClr val="accent1"/>
+          </a:effectRef>
+          <a:fontRef idx="minor">
+            <a:schemeClr val="lt1"/>
+          </a:fontRef>
+        </p:style>
+        <p:txBody>
+          <a:bodyPr rtlCol="0" anchor="ctr"/>
+          <a:lstStyle/>
+          <a:p>
+            <a:pPr algn="ctr"/>
+            <a:endParaRPr lang="tr-TR"/>
+          </a:p>
+        </p:txBody>
+      </p:sp>
+      <p:sp>
+        <p:nvSpPr>
+          <p:cNvPr id="53" name="Oval 52"/>
+          <p:cNvSpPr/>
+          <p:nvPr/>
+        </p:nvSpPr>
+        <p:spPr>
+          <a:xfrm>
+            <a:off x="8816986" y="9449582"/>
+            <a:ext cx="654224" cy="648817"/>
+          </a:xfrm>
+          <a:prstGeom prst="ellipse">
+            <a:avLst/>
+          </a:prstGeom>
+          <a:solidFill>
+            <a:schemeClr val="bg1"/>
+          </a:solidFill>
+          <a:ln>
+            <a:noFill/>
+          </a:ln>
+        </p:spPr>
+        <p:style>
+          <a:lnRef idx="2">
+            <a:schemeClr val="accent1">
+              <a:shade val="50000"/>
+            </a:schemeClr>
+          </a:lnRef>
+          <a:fillRef idx="1">
+            <a:schemeClr val="accent1"/>
+          </a:fillRef>
+          <a:effectRef idx="0">
+            <a:schemeClr val="accent1"/>
+          </a:effectRef>
+          <a:fontRef idx="minor">
+            <a:schemeClr val="lt1"/>
+          </a:fontRef>
+        </p:style>
+        <p:txBody>
+          <a:bodyPr rtlCol="0" anchor="ctr"/>
+          <a:lstStyle/>
+          <a:p>
+            <a:pPr algn="ctr"/>
+            <a:endParaRPr lang="tr-TR"/>
+          </a:p>
+        </p:txBody>
+      </p:sp>
+      <p:sp>
+        <p:nvSpPr>
+          <p:cNvPr id="54" name="TextBox 53"/>
+          <p:cNvSpPr txBox="1"/>
+          <p:nvPr/>
+        </p:nvSpPr>
+        <p:spPr>
+          <a:xfrm>
+            <a:off x="8880355" y="9464822"/>
+            <a:ext cx="504056" cy="600164"/>
+          </a:xfrm>
+          <a:prstGeom prst="rect">
+            <a:avLst/>
+          </a:prstGeom>
+          <a:noFill/>
+        </p:spPr>
+        <p:txBody>
+          <a:bodyPr wrap="square" rtlCol="0">
+            <a:spAutoFit/>
+          </a:bodyPr>
+          <a:lstStyle/>
+          <a:p>
+            <a:pPr algn="ctr"/>
+            <a:r>
+              <a:rPr lang="fr-FR" sz="3300" b="1" dirty="0">
+                <a:solidFill>
+                  <a:srgbClr val="565D6F"/>
+                </a:solidFill>
+                <a:latin typeface="Caviar Dreams" pitchFamily="34" charset="-94"/>
+                <a:ea typeface="Open Sans" pitchFamily="34" charset="0"/>
+                <a:cs typeface="Open Sans" pitchFamily="34" charset="0"/>
+              </a:rPr>
+              <a:t>R</a:t>
+            </a:r>
+            <a:endParaRPr lang="tr-TR" sz="3300" b="1" dirty="0">
+              <a:solidFill>
+                <a:srgbClr val="565D6F"/>
+              </a:solidFill>
+              <a:latin typeface="Caviar Dreams" pitchFamily="34" charset="-94"/>
+              <a:ea typeface="Open Sans" pitchFamily="34" charset="0"/>
+              <a:cs typeface="Open Sans" pitchFamily="34" charset="0"/>
+            </a:endParaRPr>
+          </a:p>
+        </p:txBody>
+      </p:sp>
+      <p:pic>
+        <p:nvPicPr>
+          <p:cNvPr id="3" name="Image 2"/>
+          <p:cNvPicPr>
+            <a:picLocks noChangeAspect="1"/>
+          </p:cNvPicPr>
+          <p:nvPr/>
+        </p:nvPicPr>
+        <p:blipFill>
+          <a:blip r:embed="rId4">
+            <a:extLst>
+              <a:ext uri="{28A0092B-C50C-407E-A947-70E740481C1C}">
+                <a14:useLocalDpi xmlns:a14="http://schemas.microsoft.com/office/drawing/2010/main" val="0"/>
+              </a:ext>
+            </a:extLst>
+          </a:blip>
+          <a:stretch>
+            <a:fillRect/>
+          </a:stretch>
+        </p:blipFill>
+        <p:spPr>
+          <a:xfrm>
+            <a:off x="-4535933" y="-2271737"/>
+            <a:ext cx="27291032" cy="14822963"/>
+          </a:xfrm>
+          <a:prstGeom prst="rect">
+            <a:avLst/>
+          </a:prstGeom>
+        </p:spPr>
+      </p:pic>
+    </p:spTree>
+    <p:extLst>
+      <p:ext uri="{BB962C8B-B14F-4D97-AF65-F5344CB8AC3E}">
+        <p14:creationId xmlns:p14="http://schemas.microsoft.com/office/powerpoint/2010/main" val="2735977730"/>
+      </p:ext>
+    </p:extLst>
+  </p:cSld>
+  <p:clrMapOvr>
+    <a:masterClrMapping/>
+  </p:clrMapOvr>
+  <mc:AlternateContent xmlns:mc="http://schemas.openxmlformats.org/markup-compatibility/2006" xmlns:p14="http://schemas.microsoft.com/office/powerpoint/2010/main">
+    <mc:Choice Requires="p14">
+      <p:transition spd="med" p14:dur="700">
+        <p:fade/>
+      </p:transition>
+    </mc:Choice>
+    <mc:Fallback xmlns="">
+      <p:transition spd="med">
+        <p:fade/>
+      </p:transition>
+    </mc:Fallback>
+  </mc:AlternateContent>
+  <p:timing>
+    <p:tnLst>
+      <p:par>
+        <p:cTn id="1" dur="indefinite" restart="never" nodeType="tmRoot">
+          <p:childTnLst>
+            <p:seq concurrent="1" nextAc="seek">
+              <p:cTn id="2" dur="indefinite" nodeType="mainSeq">
+                <p:childTnLst>
+                  <p:par>
+                    <p:cTn id="3" fill="hold">
+                      <p:stCondLst>
+                        <p:cond delay="indefinite"/>
+                        <p:cond evt="onBegin" delay="0">
+                          <p:tn val="2"/>
+                        </p:cond>
+                      </p:stCondLst>
+                      <p:childTnLst>
+                        <p:par>
+                          <p:cTn id="4" fill="hold">
+                            <p:stCondLst>
+                              <p:cond delay="0"/>
+                            </p:stCondLst>
+                            <p:childTnLst>
+                              <p:par>
+                                <p:cTn id="5" presetID="10" presetClass="entr" presetSubtype="0" fill="hold" grpId="0" nodeType="withEffect">
+                                  <p:stCondLst>
+                                    <p:cond delay="0"/>
+                                  </p:stCondLst>
+                                  <p:childTnLst>
+                                    <p:set>
+                                      <p:cBhvr>
+                                        <p:cTn id="6" dur="1" fill="hold">
+                                          <p:stCondLst>
+                                            <p:cond delay="0"/>
+                                          </p:stCondLst>
+                                        </p:cTn>
+                                        <p:tgtEl>
+                                          <p:spTgt spid="2"/>
+                                        </p:tgtEl>
+                                        <p:attrNameLst>
+                                          <p:attrName>style.visibility</p:attrName>
+                                        </p:attrNameLst>
+                                      </p:cBhvr>
+                                      <p:to>
+                                        <p:strVal val="visible"/>
+                                      </p:to>
+                                    </p:set>
+                                    <p:animEffect transition="in" filter="fade">
+                                      <p:cBhvr>
+                                        <p:cTn id="7" dur="500"/>
+                                        <p:tgtEl>
+                                          <p:spTgt spid="2"/>
+                                        </p:tgtEl>
+                                      </p:cBhvr>
+                                    </p:animEffect>
+                                  </p:childTnLst>
+                                </p:cTn>
+                              </p:par>
+                              <p:par>
+                                <p:cTn id="8" presetID="10" presetClass="entr" presetSubtype="0" fill="hold" grpId="0" nodeType="withEffect">
+                                  <p:stCondLst>
+                                    <p:cond delay="0"/>
+                                  </p:stCondLst>
+                                  <p:childTnLst>
+                                    <p:set>
+                                      <p:cBhvr>
+                                        <p:cTn id="9" dur="1" fill="hold">
+                                          <p:stCondLst>
+                                            <p:cond delay="0"/>
+                                          </p:stCondLst>
+                                        </p:cTn>
+                                        <p:tgtEl>
+                                          <p:spTgt spid="9"/>
+                                        </p:tgtEl>
+                                        <p:attrNameLst>
+                                          <p:attrName>style.visibility</p:attrName>
+                                        </p:attrNameLst>
+                                      </p:cBhvr>
+                                      <p:to>
+                                        <p:strVal val="visible"/>
+                                      </p:to>
+                                    </p:set>
+                                    <p:animEffect transition="in" filter="fade">
+                                      <p:cBhvr>
+                                        <p:cTn id="10" dur="500"/>
+                                        <p:tgtEl>
+                                          <p:spTgt spid="9"/>
+                                        </p:tgtEl>
+                                      </p:cBhvr>
+                                    </p:animEffect>
+                                  </p:childTnLst>
+                                </p:cTn>
+                              </p:par>
+                            </p:childTnLst>
+                          </p:cTn>
+                        </p:par>
+                      </p:childTnLst>
+                    </p:cTn>
+                  </p:par>
+                </p:childTnLst>
+              </p:cTn>
+              <p:prevCondLst>
+                <p:cond evt="onPrev" delay="0">
+                  <p:tgtEl>
+                    <p:sldTgt/>
+                  </p:tgtEl>
+                </p:cond>
+              </p:prevCondLst>
+              <p:nextCondLst>
+                <p:cond evt="onNext" delay="0">
+                  <p:tgtEl>
+                    <p:sldTgt/>
+                  </p:tgtEl>
+                </p:cond>
+              </p:nextCondLst>
+            </p:seq>
+          </p:childTnLst>
+        </p:cTn>
+      </p:par>
+    </p:tnLst>
+    <p:bldLst>
+      <p:bldP spid="2" grpId="0" animBg="1"/>
+      <p:bldP spid="9" grpId="0" animBg="1"/>
+    </p:bldLst>
+  </p:timing>
+</p:sld>
+</file>
+
+<file path=ppt/slides/slide19.xml><?xml version="1.0" encoding="utf-8"?>
+<p:sld xmlns:a="http://schemas.openxmlformats.org/drawingml/2006/main" xmlns:r="http://schemas.openxmlformats.org/officeDocument/2006/relationships" xmlns:p="http://schemas.openxmlformats.org/presentationml/2006/main">
+  <p:cSld>
+    <p:spTree>
+      <p:nvGrpSpPr>
+        <p:cNvPr id="1" name=""/>
+        <p:cNvGrpSpPr/>
+        <p:nvPr/>
+      </p:nvGrpSpPr>
+      <p:grpSpPr>
+        <a:xfrm>
+          <a:off x="0" y="0"/>
+          <a:ext cx="0" cy="0"/>
+          <a:chOff x="0" y="0"/>
+          <a:chExt cx="0" cy="0"/>
+        </a:xfrm>
+      </p:grpSpPr>
+      <p:pic>
+        <p:nvPicPr>
           <p:cNvPr id="7" name="Picture 6"/>
           <p:cNvPicPr>
             <a:picLocks noChangeAspect="1"/>
@@ -11271,7 +13636,1105 @@
 </p:sld>
 </file>
 
-<file path=ppt/slides/slide15.xml><?xml version="1.0" encoding="utf-8"?>
+<file path=ppt/slides/slide2.xml><?xml version="1.0" encoding="utf-8"?>
+<p:sld xmlns:a="http://schemas.openxmlformats.org/drawingml/2006/main" xmlns:r="http://schemas.openxmlformats.org/officeDocument/2006/relationships" xmlns:p="http://schemas.openxmlformats.org/presentationml/2006/main">
+  <p:cSld>
+    <p:spTree>
+      <p:nvGrpSpPr>
+        <p:cNvPr id="1" name=""/>
+        <p:cNvGrpSpPr/>
+        <p:nvPr/>
+      </p:nvGrpSpPr>
+      <p:grpSpPr>
+        <a:xfrm>
+          <a:off x="0" y="0"/>
+          <a:ext cx="0" cy="0"/>
+          <a:chOff x="0" y="0"/>
+          <a:chExt cx="0" cy="0"/>
+        </a:xfrm>
+      </p:grpSpPr>
+      <p:sp>
+        <p:nvSpPr>
+          <p:cNvPr id="49" name="Oval 48"/>
+          <p:cNvSpPr/>
+          <p:nvPr/>
+        </p:nvSpPr>
+        <p:spPr>
+          <a:xfrm>
+            <a:off x="6089930" y="2729473"/>
+            <a:ext cx="2448272" cy="2448272"/>
+          </a:xfrm>
+          <a:prstGeom prst="ellipse">
+            <a:avLst/>
+          </a:prstGeom>
+          <a:solidFill>
+            <a:srgbClr val="565D6F"/>
+          </a:solidFill>
+          <a:ln>
+            <a:noFill/>
+          </a:ln>
+        </p:spPr>
+        <p:style>
+          <a:lnRef idx="2">
+            <a:schemeClr val="accent1">
+              <a:shade val="50000"/>
+            </a:schemeClr>
+          </a:lnRef>
+          <a:fillRef idx="1">
+            <a:schemeClr val="accent1"/>
+          </a:fillRef>
+          <a:effectRef idx="0">
+            <a:schemeClr val="accent1"/>
+          </a:effectRef>
+          <a:fontRef idx="minor">
+            <a:schemeClr val="lt1"/>
+          </a:fontRef>
+        </p:style>
+        <p:txBody>
+          <a:bodyPr rtlCol="0" anchor="ctr"/>
+          <a:lstStyle/>
+          <a:p>
+            <a:pPr algn="ctr"/>
+            <a:endParaRPr lang="tr-TR"/>
+          </a:p>
+        </p:txBody>
+      </p:sp>
+      <p:sp>
+        <p:nvSpPr>
+          <p:cNvPr id="50" name="Oval 49"/>
+          <p:cNvSpPr/>
+          <p:nvPr/>
+        </p:nvSpPr>
+        <p:spPr>
+          <a:xfrm>
+            <a:off x="9482096" y="2751245"/>
+            <a:ext cx="2448272" cy="2448272"/>
+          </a:xfrm>
+          <a:prstGeom prst="ellipse">
+            <a:avLst/>
+          </a:prstGeom>
+          <a:solidFill>
+            <a:srgbClr val="565D6F"/>
+          </a:solidFill>
+          <a:ln>
+            <a:noFill/>
+          </a:ln>
+        </p:spPr>
+        <p:style>
+          <a:lnRef idx="2">
+            <a:schemeClr val="accent1">
+              <a:shade val="50000"/>
+            </a:schemeClr>
+          </a:lnRef>
+          <a:fillRef idx="1">
+            <a:schemeClr val="accent1"/>
+          </a:fillRef>
+          <a:effectRef idx="0">
+            <a:schemeClr val="accent1"/>
+          </a:effectRef>
+          <a:fontRef idx="minor">
+            <a:schemeClr val="lt1"/>
+          </a:fontRef>
+        </p:style>
+        <p:txBody>
+          <a:bodyPr rtlCol="0" anchor="ctr"/>
+          <a:lstStyle/>
+          <a:p>
+            <a:pPr algn="ctr"/>
+            <a:endParaRPr lang="tr-TR"/>
+          </a:p>
+        </p:txBody>
+      </p:sp>
+      <p:pic>
+        <p:nvPicPr>
+          <p:cNvPr id="35" name="Picture 34"/>
+          <p:cNvPicPr>
+            <a:picLocks noChangeAspect="1"/>
+          </p:cNvPicPr>
+          <p:nvPr/>
+        </p:nvPicPr>
+        <p:blipFill>
+          <a:blip r:embed="rId3" cstate="print">
+            <a:duotone>
+              <a:prstClr val="black"/>
+              <a:schemeClr val="tx2">
+                <a:tint val="45000"/>
+                <a:satMod val="400000"/>
+              </a:schemeClr>
+            </a:duotone>
+            <a:extLst>
+              <a:ext uri="{28A0092B-C50C-407E-A947-70E740481C1C}">
+                <a14:useLocalDpi xmlns:a14="http://schemas.microsoft.com/office/drawing/2010/main" val="0"/>
+              </a:ext>
+            </a:extLst>
+          </a:blip>
+          <a:stretch>
+            <a:fillRect/>
+          </a:stretch>
+        </p:blipFill>
+        <p:spPr>
+          <a:xfrm>
+            <a:off x="-11637" y="9143199"/>
+            <a:ext cx="18302812" cy="1146976"/>
+          </a:xfrm>
+          <a:prstGeom prst="rect">
+            <a:avLst/>
+          </a:prstGeom>
+        </p:spPr>
+      </p:pic>
+      <p:sp>
+        <p:nvSpPr>
+          <p:cNvPr id="2" name="Rectangle 1"/>
+          <p:cNvSpPr/>
+          <p:nvPr/>
+        </p:nvSpPr>
+        <p:spPr>
+          <a:xfrm>
+            <a:off x="0" y="1040631"/>
+            <a:ext cx="5401171" cy="864096"/>
+          </a:xfrm>
+          <a:prstGeom prst="rect">
+            <a:avLst/>
+          </a:prstGeom>
+          <a:solidFill>
+            <a:srgbClr val="565D6F"/>
+          </a:solidFill>
+          <a:ln>
+            <a:noFill/>
+          </a:ln>
+        </p:spPr>
+        <p:style>
+          <a:lnRef idx="2">
+            <a:schemeClr val="accent1">
+              <a:shade val="50000"/>
+            </a:schemeClr>
+          </a:lnRef>
+          <a:fillRef idx="1">
+            <a:schemeClr val="accent1"/>
+          </a:fillRef>
+          <a:effectRef idx="0">
+            <a:schemeClr val="accent1"/>
+          </a:effectRef>
+          <a:fontRef idx="minor">
+            <a:schemeClr val="lt1"/>
+          </a:fontRef>
+        </p:style>
+        <p:txBody>
+          <a:bodyPr rtlCol="0" anchor="ctr"/>
+          <a:lstStyle/>
+          <a:p>
+            <a:pPr algn="ctr"/>
+            <a:endParaRPr lang="tr-TR"/>
+          </a:p>
+        </p:txBody>
+      </p:sp>
+      <p:sp>
+        <p:nvSpPr>
+          <p:cNvPr id="9" name="Rectangle 8"/>
+          <p:cNvSpPr/>
+          <p:nvPr/>
+        </p:nvSpPr>
+        <p:spPr>
+          <a:xfrm>
+            <a:off x="5401172" y="1040631"/>
+            <a:ext cx="180020" cy="864096"/>
+          </a:xfrm>
+          <a:prstGeom prst="rect">
+            <a:avLst/>
+          </a:prstGeom>
+          <a:solidFill>
+            <a:schemeClr val="bg1">
+              <a:lumMod val="75000"/>
+            </a:schemeClr>
+          </a:solidFill>
+          <a:ln>
+            <a:noFill/>
+          </a:ln>
+        </p:spPr>
+        <p:style>
+          <a:lnRef idx="2">
+            <a:schemeClr val="accent1">
+              <a:shade val="50000"/>
+            </a:schemeClr>
+          </a:lnRef>
+          <a:fillRef idx="1">
+            <a:schemeClr val="accent1"/>
+          </a:fillRef>
+          <a:effectRef idx="0">
+            <a:schemeClr val="accent1"/>
+          </a:effectRef>
+          <a:fontRef idx="minor">
+            <a:schemeClr val="lt1"/>
+          </a:fontRef>
+        </p:style>
+        <p:txBody>
+          <a:bodyPr rtlCol="0" anchor="ctr"/>
+          <a:lstStyle/>
+          <a:p>
+            <a:pPr algn="ctr"/>
+            <a:endParaRPr lang="tr-TR"/>
+          </a:p>
+        </p:txBody>
+      </p:sp>
+      <p:sp>
+        <p:nvSpPr>
+          <p:cNvPr id="12" name="TextBox 11"/>
+          <p:cNvSpPr txBox="1"/>
+          <p:nvPr/>
+        </p:nvSpPr>
+        <p:spPr>
+          <a:xfrm>
+            <a:off x="176906" y="1040631"/>
+            <a:ext cx="5008241" cy="784830"/>
+          </a:xfrm>
+          <a:prstGeom prst="rect">
+            <a:avLst/>
+          </a:prstGeom>
+          <a:noFill/>
+        </p:spPr>
+        <p:txBody>
+          <a:bodyPr wrap="square" rtlCol="0">
+            <a:spAutoFit/>
+          </a:bodyPr>
+          <a:lstStyle/>
+          <a:p>
+            <a:pPr algn="ctr"/>
+            <a:r>
+              <a:rPr lang="fr-FR" sz="4500" b="1" dirty="0" smtClean="0">
+                <a:solidFill>
+                  <a:schemeClr val="bg1">
+                    <a:lumMod val="95000"/>
+                  </a:schemeClr>
+                </a:solidFill>
+                <a:latin typeface="Caviar Dreams" pitchFamily="34" charset="-94"/>
+                <a:ea typeface="Open Sans" pitchFamily="34" charset="0"/>
+                <a:cs typeface="Open Sans" pitchFamily="34" charset="0"/>
+              </a:rPr>
+              <a:t>L’EQUIPE</a:t>
+            </a:r>
+            <a:endParaRPr lang="tr-TR" sz="4500" b="1" dirty="0">
+              <a:solidFill>
+                <a:schemeClr val="bg1">
+                  <a:lumMod val="95000"/>
+                </a:schemeClr>
+              </a:solidFill>
+              <a:latin typeface="Caviar Dreams" pitchFamily="34" charset="-94"/>
+              <a:ea typeface="Open Sans" pitchFamily="34" charset="0"/>
+              <a:cs typeface="Open Sans" pitchFamily="34" charset="0"/>
+            </a:endParaRPr>
+          </a:p>
+        </p:txBody>
+      </p:sp>
+      <p:sp>
+        <p:nvSpPr>
+          <p:cNvPr id="73" name="Oval 72"/>
+          <p:cNvSpPr/>
+          <p:nvPr/>
+        </p:nvSpPr>
+        <p:spPr>
+          <a:xfrm>
+            <a:off x="8816986" y="9449582"/>
+            <a:ext cx="654224" cy="648817"/>
+          </a:xfrm>
+          <a:prstGeom prst="ellipse">
+            <a:avLst/>
+          </a:prstGeom>
+          <a:solidFill>
+            <a:schemeClr val="bg1"/>
+          </a:solidFill>
+          <a:ln>
+            <a:noFill/>
+          </a:ln>
+        </p:spPr>
+        <p:style>
+          <a:lnRef idx="2">
+            <a:schemeClr val="accent1">
+              <a:shade val="50000"/>
+            </a:schemeClr>
+          </a:lnRef>
+          <a:fillRef idx="1">
+            <a:schemeClr val="accent1"/>
+          </a:fillRef>
+          <a:effectRef idx="0">
+            <a:schemeClr val="accent1"/>
+          </a:effectRef>
+          <a:fontRef idx="minor">
+            <a:schemeClr val="lt1"/>
+          </a:fontRef>
+        </p:style>
+        <p:txBody>
+          <a:bodyPr rtlCol="0" anchor="ctr"/>
+          <a:lstStyle/>
+          <a:p>
+            <a:pPr algn="ctr"/>
+            <a:endParaRPr lang="tr-TR"/>
+          </a:p>
+        </p:txBody>
+      </p:sp>
+      <p:sp>
+        <p:nvSpPr>
+          <p:cNvPr id="74" name="TextBox 73"/>
+          <p:cNvSpPr txBox="1"/>
+          <p:nvPr/>
+        </p:nvSpPr>
+        <p:spPr>
+          <a:xfrm>
+            <a:off x="8880355" y="9464822"/>
+            <a:ext cx="504056" cy="600164"/>
+          </a:xfrm>
+          <a:prstGeom prst="rect">
+            <a:avLst/>
+          </a:prstGeom>
+          <a:noFill/>
+        </p:spPr>
+        <p:txBody>
+          <a:bodyPr wrap="square" rtlCol="0">
+            <a:spAutoFit/>
+          </a:bodyPr>
+          <a:lstStyle/>
+          <a:p>
+            <a:pPr algn="ctr"/>
+            <a:r>
+              <a:rPr lang="fr-FR" sz="3300" b="1" dirty="0">
+                <a:solidFill>
+                  <a:srgbClr val="565D6F"/>
+                </a:solidFill>
+                <a:latin typeface="Caviar Dreams" pitchFamily="34" charset="-94"/>
+                <a:ea typeface="Open Sans" pitchFamily="34" charset="0"/>
+                <a:cs typeface="Open Sans" pitchFamily="34" charset="0"/>
+              </a:rPr>
+              <a:t>R</a:t>
+            </a:r>
+            <a:endParaRPr lang="tr-TR" sz="3300" b="1" dirty="0">
+              <a:solidFill>
+                <a:srgbClr val="565D6F"/>
+              </a:solidFill>
+              <a:latin typeface="Caviar Dreams" pitchFamily="34" charset="-94"/>
+              <a:ea typeface="Open Sans" pitchFamily="34" charset="0"/>
+              <a:cs typeface="Open Sans" pitchFamily="34" charset="0"/>
+            </a:endParaRPr>
+          </a:p>
+        </p:txBody>
+      </p:sp>
+      <p:sp>
+        <p:nvSpPr>
+          <p:cNvPr id="42" name="TextBox 41"/>
+          <p:cNvSpPr txBox="1"/>
+          <p:nvPr/>
+        </p:nvSpPr>
+        <p:spPr>
+          <a:xfrm>
+            <a:off x="4951982" y="5443705"/>
+            <a:ext cx="4615309" cy="707886"/>
+          </a:xfrm>
+          <a:prstGeom prst="rect">
+            <a:avLst/>
+          </a:prstGeom>
+          <a:noFill/>
+        </p:spPr>
+        <p:txBody>
+          <a:bodyPr wrap="square" rtlCol="0">
+            <a:spAutoFit/>
+          </a:bodyPr>
+          <a:lstStyle/>
+          <a:p>
+            <a:pPr algn="ctr"/>
+            <a:r>
+              <a:rPr lang="fr-FR" sz="4000" b="1" dirty="0" smtClean="0">
+                <a:solidFill>
+                  <a:srgbClr val="565D6F"/>
+                </a:solidFill>
+                <a:latin typeface="Caviar Dreams" pitchFamily="34" charset="-94"/>
+                <a:ea typeface="Open Sans" pitchFamily="34" charset="0"/>
+                <a:cs typeface="Open Sans" pitchFamily="34" charset="0"/>
+              </a:rPr>
+              <a:t>RAMI</a:t>
+            </a:r>
+            <a:endParaRPr lang="tr-TR" sz="4000" b="1" dirty="0">
+              <a:solidFill>
+                <a:srgbClr val="565D6F"/>
+              </a:solidFill>
+              <a:latin typeface="Caviar Dreams" pitchFamily="34" charset="-94"/>
+              <a:ea typeface="Open Sans" pitchFamily="34" charset="0"/>
+              <a:cs typeface="Open Sans" pitchFamily="34" charset="0"/>
+            </a:endParaRPr>
+          </a:p>
+        </p:txBody>
+      </p:sp>
+      <p:sp>
+        <p:nvSpPr>
+          <p:cNvPr id="43" name="TextBox 42"/>
+          <p:cNvSpPr txBox="1"/>
+          <p:nvPr/>
+        </p:nvSpPr>
+        <p:spPr>
+          <a:xfrm>
+            <a:off x="5580352" y="6166870"/>
+            <a:ext cx="3358568" cy="769441"/>
+          </a:xfrm>
+          <a:prstGeom prst="rect">
+            <a:avLst/>
+          </a:prstGeom>
+          <a:noFill/>
+        </p:spPr>
+        <p:txBody>
+          <a:bodyPr wrap="square" rtlCol="0">
+            <a:spAutoFit/>
+          </a:bodyPr>
+          <a:lstStyle/>
+          <a:p>
+            <a:pPr algn="ctr"/>
+            <a:r>
+              <a:rPr lang="fr-FR" sz="2200" b="1" dirty="0" smtClean="0">
+                <a:solidFill>
+                  <a:schemeClr val="tx1">
+                    <a:lumMod val="65000"/>
+                    <a:lumOff val="35000"/>
+                  </a:schemeClr>
+                </a:solidFill>
+                <a:latin typeface="Caviar Dreams" pitchFamily="34" charset="-94"/>
+              </a:rPr>
+              <a:t>Chef de projet</a:t>
+            </a:r>
+          </a:p>
+          <a:p>
+            <a:pPr algn="ctr"/>
+            <a:r>
+              <a:rPr lang="fr-FR" sz="2200" b="1" dirty="0" smtClean="0">
+                <a:solidFill>
+                  <a:schemeClr val="tx1">
+                    <a:lumMod val="65000"/>
+                    <a:lumOff val="35000"/>
+                  </a:schemeClr>
+                </a:solidFill>
+                <a:latin typeface="Caviar Dreams" pitchFamily="34" charset="-94"/>
+                <a:ea typeface="Open Sans" pitchFamily="34" charset="0"/>
+                <a:cs typeface="Open Sans" pitchFamily="34" charset="0"/>
+              </a:rPr>
+              <a:t>Développeur</a:t>
+            </a:r>
+            <a:endParaRPr lang="tr-TR" sz="2200" b="1" dirty="0">
+              <a:solidFill>
+                <a:srgbClr val="009CD6"/>
+              </a:solidFill>
+              <a:latin typeface="Caviar Dreams" pitchFamily="34" charset="-94"/>
+              <a:ea typeface="Open Sans" pitchFamily="34" charset="0"/>
+              <a:cs typeface="Open Sans" pitchFamily="34" charset="0"/>
+            </a:endParaRPr>
+          </a:p>
+        </p:txBody>
+      </p:sp>
+      <p:sp>
+        <p:nvSpPr>
+          <p:cNvPr id="44" name="TextBox 43"/>
+          <p:cNvSpPr txBox="1"/>
+          <p:nvPr/>
+        </p:nvSpPr>
+        <p:spPr>
+          <a:xfrm>
+            <a:off x="8386750" y="5443705"/>
+            <a:ext cx="4615309" cy="707886"/>
+          </a:xfrm>
+          <a:prstGeom prst="rect">
+            <a:avLst/>
+          </a:prstGeom>
+          <a:noFill/>
+        </p:spPr>
+        <p:txBody>
+          <a:bodyPr wrap="square" rtlCol="0">
+            <a:spAutoFit/>
+          </a:bodyPr>
+          <a:lstStyle/>
+          <a:p>
+            <a:pPr algn="ctr"/>
+            <a:r>
+              <a:rPr lang="fr-FR" sz="4000" b="1" dirty="0" smtClean="0">
+                <a:solidFill>
+                  <a:srgbClr val="565D6F"/>
+                </a:solidFill>
+                <a:latin typeface="Caviar Dreams" pitchFamily="34" charset="-94"/>
+                <a:ea typeface="Open Sans" pitchFamily="34" charset="0"/>
+                <a:cs typeface="Open Sans" pitchFamily="34" charset="0"/>
+              </a:rPr>
+              <a:t>VALENTIN</a:t>
+            </a:r>
+            <a:endParaRPr lang="tr-TR" sz="4000" b="1" dirty="0">
+              <a:solidFill>
+                <a:srgbClr val="565D6F"/>
+              </a:solidFill>
+              <a:latin typeface="Caviar Dreams" pitchFamily="34" charset="-94"/>
+              <a:ea typeface="Open Sans" pitchFamily="34" charset="0"/>
+              <a:cs typeface="Open Sans" pitchFamily="34" charset="0"/>
+            </a:endParaRPr>
+          </a:p>
+        </p:txBody>
+      </p:sp>
+      <p:sp>
+        <p:nvSpPr>
+          <p:cNvPr id="45" name="TextBox 44"/>
+          <p:cNvSpPr txBox="1"/>
+          <p:nvPr/>
+        </p:nvSpPr>
+        <p:spPr>
+          <a:xfrm>
+            <a:off x="9015120" y="6166870"/>
+            <a:ext cx="3358568" cy="430887"/>
+          </a:xfrm>
+          <a:prstGeom prst="rect">
+            <a:avLst/>
+          </a:prstGeom>
+          <a:noFill/>
+        </p:spPr>
+        <p:txBody>
+          <a:bodyPr wrap="square" rtlCol="0">
+            <a:spAutoFit/>
+          </a:bodyPr>
+          <a:lstStyle/>
+          <a:p>
+            <a:pPr algn="ctr"/>
+            <a:r>
+              <a:rPr lang="fr-FR" sz="2200" b="1" dirty="0" smtClean="0">
+                <a:solidFill>
+                  <a:schemeClr val="tx1">
+                    <a:lumMod val="65000"/>
+                    <a:lumOff val="35000"/>
+                  </a:schemeClr>
+                </a:solidFill>
+                <a:latin typeface="Caviar Dreams" pitchFamily="34" charset="-94"/>
+              </a:rPr>
+              <a:t>Développeur</a:t>
+            </a:r>
+            <a:endParaRPr lang="tr-TR" sz="2200" b="1" dirty="0">
+              <a:solidFill>
+                <a:srgbClr val="009CD6"/>
+              </a:solidFill>
+              <a:latin typeface="Caviar Dreams" pitchFamily="34" charset="-94"/>
+              <a:ea typeface="Open Sans" pitchFamily="34" charset="0"/>
+              <a:cs typeface="Open Sans" pitchFamily="34" charset="0"/>
+            </a:endParaRPr>
+          </a:p>
+        </p:txBody>
+      </p:sp>
+      <p:pic>
+        <p:nvPicPr>
+          <p:cNvPr id="3" name="Image 2"/>
+          <p:cNvPicPr>
+            <a:picLocks noChangeAspect="1"/>
+          </p:cNvPicPr>
+          <p:nvPr/>
+        </p:nvPicPr>
+        <p:blipFill>
+          <a:blip r:embed="rId4">
+            <a:extLst>
+              <a:ext uri="{28A0092B-C50C-407E-A947-70E740481C1C}">
+                <a14:useLocalDpi xmlns:a14="http://schemas.microsoft.com/office/drawing/2010/main" val="0"/>
+              </a:ext>
+            </a:extLst>
+          </a:blip>
+          <a:stretch>
+            <a:fillRect/>
+          </a:stretch>
+        </p:blipFill>
+        <p:spPr>
+          <a:xfrm>
+            <a:off x="6109153" y="2748696"/>
+            <a:ext cx="2409825" cy="2409825"/>
+          </a:xfrm>
+          <a:prstGeom prst="ellipse">
+            <a:avLst/>
+          </a:prstGeom>
+          <a:ln w="63500" cap="rnd">
+            <a:solidFill>
+              <a:srgbClr val="333333"/>
+            </a:solidFill>
+          </a:ln>
+          <a:effectLst>
+            <a:outerShdw blurRad="381000" dist="292100" dir="5400000" sx="-80000" sy="-18000" rotWithShape="0">
+              <a:srgbClr val="000000">
+                <a:alpha val="22000"/>
+              </a:srgbClr>
+            </a:outerShdw>
+          </a:effectLst>
+          <a:scene3d>
+            <a:camera prst="orthographicFront"/>
+            <a:lightRig rig="contrasting" dir="t">
+              <a:rot lat="0" lon="0" rev="3000000"/>
+            </a:lightRig>
+          </a:scene3d>
+          <a:sp3d contourW="7620">
+            <a:bevelT w="95250" h="31750"/>
+            <a:contourClr>
+              <a:srgbClr val="333333"/>
+            </a:contourClr>
+          </a:sp3d>
+        </p:spPr>
+      </p:pic>
+      <p:pic>
+        <p:nvPicPr>
+          <p:cNvPr id="4" name="Image 3"/>
+          <p:cNvPicPr>
+            <a:picLocks noChangeAspect="1"/>
+          </p:cNvPicPr>
+          <p:nvPr/>
+        </p:nvPicPr>
+        <p:blipFill>
+          <a:blip r:embed="rId5">
+            <a:extLst>
+              <a:ext uri="{28A0092B-C50C-407E-A947-70E740481C1C}">
+                <a14:useLocalDpi xmlns:a14="http://schemas.microsoft.com/office/drawing/2010/main" val="0"/>
+              </a:ext>
+            </a:extLst>
+          </a:blip>
+          <a:stretch>
+            <a:fillRect/>
+          </a:stretch>
+        </p:blipFill>
+        <p:spPr>
+          <a:xfrm>
+            <a:off x="9514174" y="2774406"/>
+            <a:ext cx="2384115" cy="2384115"/>
+          </a:xfrm>
+          <a:prstGeom prst="ellipse">
+            <a:avLst/>
+          </a:prstGeom>
+          <a:ln w="63500" cap="rnd">
+            <a:solidFill>
+              <a:srgbClr val="333333"/>
+            </a:solidFill>
+          </a:ln>
+          <a:effectLst>
+            <a:outerShdw blurRad="381000" dist="292100" dir="5400000" sx="-80000" sy="-18000" rotWithShape="0">
+              <a:srgbClr val="000000">
+                <a:alpha val="22000"/>
+              </a:srgbClr>
+            </a:outerShdw>
+          </a:effectLst>
+          <a:scene3d>
+            <a:camera prst="orthographicFront"/>
+            <a:lightRig rig="contrasting" dir="t">
+              <a:rot lat="0" lon="0" rev="3000000"/>
+            </a:lightRig>
+          </a:scene3d>
+          <a:sp3d contourW="7620">
+            <a:bevelT w="95250" h="31750"/>
+            <a:contourClr>
+              <a:srgbClr val="333333"/>
+            </a:contourClr>
+          </a:sp3d>
+        </p:spPr>
+      </p:pic>
+    </p:spTree>
+    <p:extLst>
+      <p:ext uri="{BB962C8B-B14F-4D97-AF65-F5344CB8AC3E}">
+        <p14:creationId xmlns:p14="http://schemas.microsoft.com/office/powerpoint/2010/main" val="3353973589"/>
+      </p:ext>
+    </p:extLst>
+  </p:cSld>
+  <p:clrMapOvr>
+    <a:masterClrMapping/>
+  </p:clrMapOvr>
+  <mc:AlternateContent xmlns:mc="http://schemas.openxmlformats.org/markup-compatibility/2006" xmlns:p14="http://schemas.microsoft.com/office/powerpoint/2010/main">
+    <mc:Choice Requires="p14">
+      <p:transition spd="med" p14:dur="700">
+        <p:fade/>
+      </p:transition>
+    </mc:Choice>
+    <mc:Fallback xmlns="">
+      <p:transition spd="med">
+        <p:fade/>
+      </p:transition>
+    </mc:Fallback>
+  </mc:AlternateContent>
+  <p:timing>
+    <p:tnLst>
+      <p:par>
+        <p:cTn id="1" dur="indefinite" restart="never" nodeType="tmRoot">
+          <p:childTnLst>
+            <p:seq concurrent="1" nextAc="seek">
+              <p:cTn id="2" dur="indefinite" nodeType="mainSeq">
+                <p:childTnLst>
+                  <p:par>
+                    <p:cTn id="3" fill="hold">
+                      <p:stCondLst>
+                        <p:cond delay="indefinite"/>
+                        <p:cond evt="onBegin" delay="0">
+                          <p:tn val="2"/>
+                        </p:cond>
+                      </p:stCondLst>
+                      <p:childTnLst>
+                        <p:par>
+                          <p:cTn id="4" fill="hold">
+                            <p:stCondLst>
+                              <p:cond delay="0"/>
+                            </p:stCondLst>
+                            <p:childTnLst>
+                              <p:par>
+                                <p:cTn id="5" presetID="10" presetClass="entr" presetSubtype="0" fill="hold" grpId="0" nodeType="withEffect">
+                                  <p:stCondLst>
+                                    <p:cond delay="0"/>
+                                  </p:stCondLst>
+                                  <p:childTnLst>
+                                    <p:set>
+                                      <p:cBhvr>
+                                        <p:cTn id="6" dur="1" fill="hold">
+                                          <p:stCondLst>
+                                            <p:cond delay="0"/>
+                                          </p:stCondLst>
+                                        </p:cTn>
+                                        <p:tgtEl>
+                                          <p:spTgt spid="2"/>
+                                        </p:tgtEl>
+                                        <p:attrNameLst>
+                                          <p:attrName>style.visibility</p:attrName>
+                                        </p:attrNameLst>
+                                      </p:cBhvr>
+                                      <p:to>
+                                        <p:strVal val="visible"/>
+                                      </p:to>
+                                    </p:set>
+                                    <p:animEffect transition="in" filter="fade">
+                                      <p:cBhvr>
+                                        <p:cTn id="7" dur="500"/>
+                                        <p:tgtEl>
+                                          <p:spTgt spid="2"/>
+                                        </p:tgtEl>
+                                      </p:cBhvr>
+                                    </p:animEffect>
+                                  </p:childTnLst>
+                                </p:cTn>
+                              </p:par>
+                              <p:par>
+                                <p:cTn id="8" presetID="10" presetClass="entr" presetSubtype="0" fill="hold" grpId="0" nodeType="withEffect">
+                                  <p:stCondLst>
+                                    <p:cond delay="0"/>
+                                  </p:stCondLst>
+                                  <p:childTnLst>
+                                    <p:set>
+                                      <p:cBhvr>
+                                        <p:cTn id="9" dur="1" fill="hold">
+                                          <p:stCondLst>
+                                            <p:cond delay="0"/>
+                                          </p:stCondLst>
+                                        </p:cTn>
+                                        <p:tgtEl>
+                                          <p:spTgt spid="9"/>
+                                        </p:tgtEl>
+                                        <p:attrNameLst>
+                                          <p:attrName>style.visibility</p:attrName>
+                                        </p:attrNameLst>
+                                      </p:cBhvr>
+                                      <p:to>
+                                        <p:strVal val="visible"/>
+                                      </p:to>
+                                    </p:set>
+                                    <p:animEffect transition="in" filter="fade">
+                                      <p:cBhvr>
+                                        <p:cTn id="10" dur="500"/>
+                                        <p:tgtEl>
+                                          <p:spTgt spid="9"/>
+                                        </p:tgtEl>
+                                      </p:cBhvr>
+                                    </p:animEffect>
+                                  </p:childTnLst>
+                                </p:cTn>
+                              </p:par>
+                              <p:par>
+                                <p:cTn id="11" presetID="10" presetClass="entr" presetSubtype="0" fill="hold" grpId="0" nodeType="withEffect">
+                                  <p:stCondLst>
+                                    <p:cond delay="0"/>
+                                  </p:stCondLst>
+                                  <p:childTnLst>
+                                    <p:set>
+                                      <p:cBhvr>
+                                        <p:cTn id="12" dur="1" fill="hold">
+                                          <p:stCondLst>
+                                            <p:cond delay="0"/>
+                                          </p:stCondLst>
+                                        </p:cTn>
+                                        <p:tgtEl>
+                                          <p:spTgt spid="12"/>
+                                        </p:tgtEl>
+                                        <p:attrNameLst>
+                                          <p:attrName>style.visibility</p:attrName>
+                                        </p:attrNameLst>
+                                      </p:cBhvr>
+                                      <p:to>
+                                        <p:strVal val="visible"/>
+                                      </p:to>
+                                    </p:set>
+                                    <p:animEffect transition="in" filter="fade">
+                                      <p:cBhvr>
+                                        <p:cTn id="13" dur="500"/>
+                                        <p:tgtEl>
+                                          <p:spTgt spid="12"/>
+                                        </p:tgtEl>
+                                      </p:cBhvr>
+                                    </p:animEffect>
+                                  </p:childTnLst>
+                                </p:cTn>
+                              </p:par>
+                            </p:childTnLst>
+                          </p:cTn>
+                        </p:par>
+                        <p:par>
+                          <p:cTn id="14" fill="hold">
+                            <p:stCondLst>
+                              <p:cond delay="500"/>
+                            </p:stCondLst>
+                            <p:childTnLst>
+                              <p:par>
+                                <p:cTn id="15" presetID="10" presetClass="entr" presetSubtype="0" fill="hold" grpId="0" nodeType="afterEffect">
+                                  <p:stCondLst>
+                                    <p:cond delay="0"/>
+                                  </p:stCondLst>
+                                  <p:childTnLst>
+                                    <p:set>
+                                      <p:cBhvr>
+                                        <p:cTn id="16" dur="1" fill="hold">
+                                          <p:stCondLst>
+                                            <p:cond delay="0"/>
+                                          </p:stCondLst>
+                                        </p:cTn>
+                                        <p:tgtEl>
+                                          <p:spTgt spid="49"/>
+                                        </p:tgtEl>
+                                        <p:attrNameLst>
+                                          <p:attrName>style.visibility</p:attrName>
+                                        </p:attrNameLst>
+                                      </p:cBhvr>
+                                      <p:to>
+                                        <p:strVal val="visible"/>
+                                      </p:to>
+                                    </p:set>
+                                    <p:animEffect transition="in" filter="fade">
+                                      <p:cBhvr>
+                                        <p:cTn id="17" dur="500"/>
+                                        <p:tgtEl>
+                                          <p:spTgt spid="49"/>
+                                        </p:tgtEl>
+                                      </p:cBhvr>
+                                    </p:animEffect>
+                                  </p:childTnLst>
+                                </p:cTn>
+                              </p:par>
+                              <p:par>
+                                <p:cTn id="18" presetID="10" presetClass="entr" presetSubtype="0" fill="hold" grpId="0" nodeType="withEffect">
+                                  <p:stCondLst>
+                                    <p:cond delay="0"/>
+                                  </p:stCondLst>
+                                  <p:childTnLst>
+                                    <p:set>
+                                      <p:cBhvr>
+                                        <p:cTn id="19" dur="1" fill="hold">
+                                          <p:stCondLst>
+                                            <p:cond delay="0"/>
+                                          </p:stCondLst>
+                                        </p:cTn>
+                                        <p:tgtEl>
+                                          <p:spTgt spid="50"/>
+                                        </p:tgtEl>
+                                        <p:attrNameLst>
+                                          <p:attrName>style.visibility</p:attrName>
+                                        </p:attrNameLst>
+                                      </p:cBhvr>
+                                      <p:to>
+                                        <p:strVal val="visible"/>
+                                      </p:to>
+                                    </p:set>
+                                    <p:animEffect transition="in" filter="fade">
+                                      <p:cBhvr>
+                                        <p:cTn id="20" dur="500"/>
+                                        <p:tgtEl>
+                                          <p:spTgt spid="50"/>
+                                        </p:tgtEl>
+                                      </p:cBhvr>
+                                    </p:animEffect>
+                                  </p:childTnLst>
+                                </p:cTn>
+                              </p:par>
+                              <p:par>
+                                <p:cTn id="21" presetID="10" presetClass="entr" presetSubtype="0" fill="hold" grpId="0" nodeType="withEffect">
+                                  <p:stCondLst>
+                                    <p:cond delay="0"/>
+                                  </p:stCondLst>
+                                  <p:childTnLst>
+                                    <p:set>
+                                      <p:cBhvr>
+                                        <p:cTn id="22" dur="1" fill="hold">
+                                          <p:stCondLst>
+                                            <p:cond delay="0"/>
+                                          </p:stCondLst>
+                                        </p:cTn>
+                                        <p:tgtEl>
+                                          <p:spTgt spid="44"/>
+                                        </p:tgtEl>
+                                        <p:attrNameLst>
+                                          <p:attrName>style.visibility</p:attrName>
+                                        </p:attrNameLst>
+                                      </p:cBhvr>
+                                      <p:to>
+                                        <p:strVal val="visible"/>
+                                      </p:to>
+                                    </p:set>
+                                    <p:animEffect transition="in" filter="fade">
+                                      <p:cBhvr>
+                                        <p:cTn id="23" dur="500"/>
+                                        <p:tgtEl>
+                                          <p:spTgt spid="44"/>
+                                        </p:tgtEl>
+                                      </p:cBhvr>
+                                    </p:animEffect>
+                                  </p:childTnLst>
+                                </p:cTn>
+                              </p:par>
+                              <p:par>
+                                <p:cTn id="24" presetID="10" presetClass="entr" presetSubtype="0" fill="hold" grpId="0" nodeType="withEffect">
+                                  <p:stCondLst>
+                                    <p:cond delay="0"/>
+                                  </p:stCondLst>
+                                  <p:childTnLst>
+                                    <p:set>
+                                      <p:cBhvr>
+                                        <p:cTn id="25" dur="1" fill="hold">
+                                          <p:stCondLst>
+                                            <p:cond delay="0"/>
+                                          </p:stCondLst>
+                                        </p:cTn>
+                                        <p:tgtEl>
+                                          <p:spTgt spid="42"/>
+                                        </p:tgtEl>
+                                        <p:attrNameLst>
+                                          <p:attrName>style.visibility</p:attrName>
+                                        </p:attrNameLst>
+                                      </p:cBhvr>
+                                      <p:to>
+                                        <p:strVal val="visible"/>
+                                      </p:to>
+                                    </p:set>
+                                    <p:animEffect transition="in" filter="fade">
+                                      <p:cBhvr>
+                                        <p:cTn id="26" dur="500"/>
+                                        <p:tgtEl>
+                                          <p:spTgt spid="42"/>
+                                        </p:tgtEl>
+                                      </p:cBhvr>
+                                    </p:animEffect>
+                                  </p:childTnLst>
+                                </p:cTn>
+                              </p:par>
+                              <p:par>
+                                <p:cTn id="27" presetID="10" presetClass="entr" presetSubtype="0" fill="hold" grpId="0" nodeType="withEffect">
+                                  <p:stCondLst>
+                                    <p:cond delay="0"/>
+                                  </p:stCondLst>
+                                  <p:childTnLst>
+                                    <p:set>
+                                      <p:cBhvr>
+                                        <p:cTn id="28" dur="1" fill="hold">
+                                          <p:stCondLst>
+                                            <p:cond delay="0"/>
+                                          </p:stCondLst>
+                                        </p:cTn>
+                                        <p:tgtEl>
+                                          <p:spTgt spid="45"/>
+                                        </p:tgtEl>
+                                        <p:attrNameLst>
+                                          <p:attrName>style.visibility</p:attrName>
+                                        </p:attrNameLst>
+                                      </p:cBhvr>
+                                      <p:to>
+                                        <p:strVal val="visible"/>
+                                      </p:to>
+                                    </p:set>
+                                    <p:animEffect transition="in" filter="fade">
+                                      <p:cBhvr>
+                                        <p:cTn id="29" dur="500"/>
+                                        <p:tgtEl>
+                                          <p:spTgt spid="45"/>
+                                        </p:tgtEl>
+                                      </p:cBhvr>
+                                    </p:animEffect>
+                                  </p:childTnLst>
+                                </p:cTn>
+                              </p:par>
+                              <p:par>
+                                <p:cTn id="30" presetID="10" presetClass="entr" presetSubtype="0" fill="hold" grpId="0" nodeType="withEffect">
+                                  <p:stCondLst>
+                                    <p:cond delay="0"/>
+                                  </p:stCondLst>
+                                  <p:childTnLst>
+                                    <p:set>
+                                      <p:cBhvr>
+                                        <p:cTn id="31" dur="1" fill="hold">
+                                          <p:stCondLst>
+                                            <p:cond delay="0"/>
+                                          </p:stCondLst>
+                                        </p:cTn>
+                                        <p:tgtEl>
+                                          <p:spTgt spid="43"/>
+                                        </p:tgtEl>
+                                        <p:attrNameLst>
+                                          <p:attrName>style.visibility</p:attrName>
+                                        </p:attrNameLst>
+                                      </p:cBhvr>
+                                      <p:to>
+                                        <p:strVal val="visible"/>
+                                      </p:to>
+                                    </p:set>
+                                    <p:animEffect transition="in" filter="fade">
+                                      <p:cBhvr>
+                                        <p:cTn id="32" dur="500"/>
+                                        <p:tgtEl>
+                                          <p:spTgt spid="43"/>
+                                        </p:tgtEl>
+                                      </p:cBhvr>
+                                    </p:animEffect>
+                                  </p:childTnLst>
+                                </p:cTn>
+                              </p:par>
+                            </p:childTnLst>
+                          </p:cTn>
+                        </p:par>
+                      </p:childTnLst>
+                    </p:cTn>
+                  </p:par>
+                </p:childTnLst>
+              </p:cTn>
+              <p:prevCondLst>
+                <p:cond evt="onPrev" delay="0">
+                  <p:tgtEl>
+                    <p:sldTgt/>
+                  </p:tgtEl>
+                </p:cond>
+              </p:prevCondLst>
+              <p:nextCondLst>
+                <p:cond evt="onNext" delay="0">
+                  <p:tgtEl>
+                    <p:sldTgt/>
+                  </p:tgtEl>
+                </p:cond>
+              </p:nextCondLst>
+            </p:seq>
+          </p:childTnLst>
+        </p:cTn>
+      </p:par>
+    </p:tnLst>
+    <p:bldLst>
+      <p:bldP spid="49" grpId="0" animBg="1"/>
+      <p:bldP spid="50" grpId="0" animBg="1"/>
+      <p:bldP spid="2" grpId="0" animBg="1"/>
+      <p:bldP spid="9" grpId="0" animBg="1"/>
+      <p:bldP spid="12" grpId="0"/>
+      <p:bldP spid="42" grpId="0"/>
+      <p:bldP spid="43" grpId="0"/>
+      <p:bldP spid="44" grpId="0"/>
+      <p:bldP spid="45" grpId="0"/>
+    </p:bldLst>
+  </p:timing>
+</p:sld>
+</file>
+
+<file path=ppt/slides/slide20.xml><?xml version="1.0" encoding="utf-8"?>
 <p:sld xmlns:a="http://schemas.openxmlformats.org/drawingml/2006/main" xmlns:r="http://schemas.openxmlformats.org/officeDocument/2006/relationships" xmlns:p="http://schemas.openxmlformats.org/presentationml/2006/main">
   <p:cSld>
     <p:spTree>
@@ -12714,7 +16177,7 @@
 </p:sld>
 </file>
 
-<file path=ppt/slides/slide16.xml><?xml version="1.0" encoding="utf-8"?>
+<file path=ppt/slides/slide21.xml><?xml version="1.0" encoding="utf-8"?>
 <p:sld xmlns:a="http://schemas.openxmlformats.org/drawingml/2006/main" xmlns:r="http://schemas.openxmlformats.org/officeDocument/2006/relationships" xmlns:p="http://schemas.openxmlformats.org/presentationml/2006/main">
   <p:cSld>
     <p:spTree>
@@ -13229,7 +16692,7 @@
 </p:sld>
 </file>
 
-<file path=ppt/slides/slide17.xml><?xml version="1.0" encoding="utf-8"?>
+<file path=ppt/slides/slide22.xml><?xml version="1.0" encoding="utf-8"?>
 <p:sld xmlns:a="http://schemas.openxmlformats.org/drawingml/2006/main" xmlns:r="http://schemas.openxmlformats.org/officeDocument/2006/relationships" xmlns:p="http://schemas.openxmlformats.org/presentationml/2006/main">
   <p:cSld>
     <p:spTree>
@@ -14567,7 +18030,7 @@
 </p:sld>
 </file>
 
-<file path=ppt/slides/slide18.xml><?xml version="1.0" encoding="utf-8"?>
+<file path=ppt/slides/slide23.xml><?xml version="1.0" encoding="utf-8"?>
 <p:sld xmlns:a="http://schemas.openxmlformats.org/drawingml/2006/main" xmlns:r="http://schemas.openxmlformats.org/officeDocument/2006/relationships" xmlns:p="http://schemas.openxmlformats.org/presentationml/2006/main">
   <p:cSld>
     <p:spTree>
@@ -15036,7 +18499,7 @@
 </p:sld>
 </file>
 
-<file path=ppt/slides/slide19.xml><?xml version="1.0" encoding="utf-8"?>
+<file path=ppt/slides/slide24.xml><?xml version="1.0" encoding="utf-8"?>
 <p:sld xmlns:a="http://schemas.openxmlformats.org/drawingml/2006/main" xmlns:r="http://schemas.openxmlformats.org/officeDocument/2006/relationships" xmlns:p="http://schemas.openxmlformats.org/presentationml/2006/main">
   <p:cSld>
     <p:spTree>
@@ -15364,13 +18827,13 @@
   <p:clrMapOvr>
     <a:masterClrMapping/>
   </p:clrMapOvr>
-  <mc:AlternateContent xmlns:mc="http://schemas.openxmlformats.org/markup-compatibility/2006" xmlns:p14="http://schemas.microsoft.com/office/powerpoint/2010/main">
-    <mc:Choice Requires="p14">
+  <mc:AlternateContent xmlns:mc="http://schemas.openxmlformats.org/markup-compatibility/2006">
+    <mc:Choice xmlns:p14="http://schemas.microsoft.com/office/powerpoint/2010/main" Requires="p14">
       <p:transition spd="med" p14:dur="700">
         <p:fade/>
       </p:transition>
     </mc:Choice>
-    <mc:Fallback xmlns="">
+    <mc:Fallback>
       <p:transition spd="med">
         <p:fade/>
       </p:transition>
@@ -15540,1105 +19003,7 @@
 </p:sld>
 </file>
 
-<file path=ppt/slides/slide2.xml><?xml version="1.0" encoding="utf-8"?>
-<p:sld xmlns:a="http://schemas.openxmlformats.org/drawingml/2006/main" xmlns:r="http://schemas.openxmlformats.org/officeDocument/2006/relationships" xmlns:p="http://schemas.openxmlformats.org/presentationml/2006/main">
-  <p:cSld>
-    <p:spTree>
-      <p:nvGrpSpPr>
-        <p:cNvPr id="1" name=""/>
-        <p:cNvGrpSpPr/>
-        <p:nvPr/>
-      </p:nvGrpSpPr>
-      <p:grpSpPr>
-        <a:xfrm>
-          <a:off x="0" y="0"/>
-          <a:ext cx="0" cy="0"/>
-          <a:chOff x="0" y="0"/>
-          <a:chExt cx="0" cy="0"/>
-        </a:xfrm>
-      </p:grpSpPr>
-      <p:sp>
-        <p:nvSpPr>
-          <p:cNvPr id="49" name="Oval 48"/>
-          <p:cNvSpPr/>
-          <p:nvPr/>
-        </p:nvSpPr>
-        <p:spPr>
-          <a:xfrm>
-            <a:off x="6089930" y="2729473"/>
-            <a:ext cx="2448272" cy="2448272"/>
-          </a:xfrm>
-          <a:prstGeom prst="ellipse">
-            <a:avLst/>
-          </a:prstGeom>
-          <a:solidFill>
-            <a:srgbClr val="565D6F"/>
-          </a:solidFill>
-          <a:ln>
-            <a:noFill/>
-          </a:ln>
-        </p:spPr>
-        <p:style>
-          <a:lnRef idx="2">
-            <a:schemeClr val="accent1">
-              <a:shade val="50000"/>
-            </a:schemeClr>
-          </a:lnRef>
-          <a:fillRef idx="1">
-            <a:schemeClr val="accent1"/>
-          </a:fillRef>
-          <a:effectRef idx="0">
-            <a:schemeClr val="accent1"/>
-          </a:effectRef>
-          <a:fontRef idx="minor">
-            <a:schemeClr val="lt1"/>
-          </a:fontRef>
-        </p:style>
-        <p:txBody>
-          <a:bodyPr rtlCol="0" anchor="ctr"/>
-          <a:lstStyle/>
-          <a:p>
-            <a:pPr algn="ctr"/>
-            <a:endParaRPr lang="tr-TR"/>
-          </a:p>
-        </p:txBody>
-      </p:sp>
-      <p:sp>
-        <p:nvSpPr>
-          <p:cNvPr id="50" name="Oval 49"/>
-          <p:cNvSpPr/>
-          <p:nvPr/>
-        </p:nvSpPr>
-        <p:spPr>
-          <a:xfrm>
-            <a:off x="9482096" y="2751245"/>
-            <a:ext cx="2448272" cy="2448272"/>
-          </a:xfrm>
-          <a:prstGeom prst="ellipse">
-            <a:avLst/>
-          </a:prstGeom>
-          <a:solidFill>
-            <a:srgbClr val="565D6F"/>
-          </a:solidFill>
-          <a:ln>
-            <a:noFill/>
-          </a:ln>
-        </p:spPr>
-        <p:style>
-          <a:lnRef idx="2">
-            <a:schemeClr val="accent1">
-              <a:shade val="50000"/>
-            </a:schemeClr>
-          </a:lnRef>
-          <a:fillRef idx="1">
-            <a:schemeClr val="accent1"/>
-          </a:fillRef>
-          <a:effectRef idx="0">
-            <a:schemeClr val="accent1"/>
-          </a:effectRef>
-          <a:fontRef idx="minor">
-            <a:schemeClr val="lt1"/>
-          </a:fontRef>
-        </p:style>
-        <p:txBody>
-          <a:bodyPr rtlCol="0" anchor="ctr"/>
-          <a:lstStyle/>
-          <a:p>
-            <a:pPr algn="ctr"/>
-            <a:endParaRPr lang="tr-TR"/>
-          </a:p>
-        </p:txBody>
-      </p:sp>
-      <p:pic>
-        <p:nvPicPr>
-          <p:cNvPr id="35" name="Picture 34"/>
-          <p:cNvPicPr>
-            <a:picLocks noChangeAspect="1"/>
-          </p:cNvPicPr>
-          <p:nvPr/>
-        </p:nvPicPr>
-        <p:blipFill>
-          <a:blip r:embed="rId3" cstate="print">
-            <a:duotone>
-              <a:prstClr val="black"/>
-              <a:schemeClr val="tx2">
-                <a:tint val="45000"/>
-                <a:satMod val="400000"/>
-              </a:schemeClr>
-            </a:duotone>
-            <a:extLst>
-              <a:ext uri="{28A0092B-C50C-407E-A947-70E740481C1C}">
-                <a14:useLocalDpi xmlns:a14="http://schemas.microsoft.com/office/drawing/2010/main" val="0"/>
-              </a:ext>
-            </a:extLst>
-          </a:blip>
-          <a:stretch>
-            <a:fillRect/>
-          </a:stretch>
-        </p:blipFill>
-        <p:spPr>
-          <a:xfrm>
-            <a:off x="-11637" y="9143199"/>
-            <a:ext cx="18302812" cy="1146976"/>
-          </a:xfrm>
-          <a:prstGeom prst="rect">
-            <a:avLst/>
-          </a:prstGeom>
-        </p:spPr>
-      </p:pic>
-      <p:sp>
-        <p:nvSpPr>
-          <p:cNvPr id="2" name="Rectangle 1"/>
-          <p:cNvSpPr/>
-          <p:nvPr/>
-        </p:nvSpPr>
-        <p:spPr>
-          <a:xfrm>
-            <a:off x="0" y="1040631"/>
-            <a:ext cx="5401171" cy="864096"/>
-          </a:xfrm>
-          <a:prstGeom prst="rect">
-            <a:avLst/>
-          </a:prstGeom>
-          <a:solidFill>
-            <a:srgbClr val="565D6F"/>
-          </a:solidFill>
-          <a:ln>
-            <a:noFill/>
-          </a:ln>
-        </p:spPr>
-        <p:style>
-          <a:lnRef idx="2">
-            <a:schemeClr val="accent1">
-              <a:shade val="50000"/>
-            </a:schemeClr>
-          </a:lnRef>
-          <a:fillRef idx="1">
-            <a:schemeClr val="accent1"/>
-          </a:fillRef>
-          <a:effectRef idx="0">
-            <a:schemeClr val="accent1"/>
-          </a:effectRef>
-          <a:fontRef idx="minor">
-            <a:schemeClr val="lt1"/>
-          </a:fontRef>
-        </p:style>
-        <p:txBody>
-          <a:bodyPr rtlCol="0" anchor="ctr"/>
-          <a:lstStyle/>
-          <a:p>
-            <a:pPr algn="ctr"/>
-            <a:endParaRPr lang="tr-TR"/>
-          </a:p>
-        </p:txBody>
-      </p:sp>
-      <p:sp>
-        <p:nvSpPr>
-          <p:cNvPr id="9" name="Rectangle 8"/>
-          <p:cNvSpPr/>
-          <p:nvPr/>
-        </p:nvSpPr>
-        <p:spPr>
-          <a:xfrm>
-            <a:off x="5401172" y="1040631"/>
-            <a:ext cx="180020" cy="864096"/>
-          </a:xfrm>
-          <a:prstGeom prst="rect">
-            <a:avLst/>
-          </a:prstGeom>
-          <a:solidFill>
-            <a:schemeClr val="bg1">
-              <a:lumMod val="75000"/>
-            </a:schemeClr>
-          </a:solidFill>
-          <a:ln>
-            <a:noFill/>
-          </a:ln>
-        </p:spPr>
-        <p:style>
-          <a:lnRef idx="2">
-            <a:schemeClr val="accent1">
-              <a:shade val="50000"/>
-            </a:schemeClr>
-          </a:lnRef>
-          <a:fillRef idx="1">
-            <a:schemeClr val="accent1"/>
-          </a:fillRef>
-          <a:effectRef idx="0">
-            <a:schemeClr val="accent1"/>
-          </a:effectRef>
-          <a:fontRef idx="minor">
-            <a:schemeClr val="lt1"/>
-          </a:fontRef>
-        </p:style>
-        <p:txBody>
-          <a:bodyPr rtlCol="0" anchor="ctr"/>
-          <a:lstStyle/>
-          <a:p>
-            <a:pPr algn="ctr"/>
-            <a:endParaRPr lang="tr-TR"/>
-          </a:p>
-        </p:txBody>
-      </p:sp>
-      <p:sp>
-        <p:nvSpPr>
-          <p:cNvPr id="12" name="TextBox 11"/>
-          <p:cNvSpPr txBox="1"/>
-          <p:nvPr/>
-        </p:nvSpPr>
-        <p:spPr>
-          <a:xfrm>
-            <a:off x="176906" y="1040631"/>
-            <a:ext cx="5008241" cy="784830"/>
-          </a:xfrm>
-          <a:prstGeom prst="rect">
-            <a:avLst/>
-          </a:prstGeom>
-          <a:noFill/>
-        </p:spPr>
-        <p:txBody>
-          <a:bodyPr wrap="square" rtlCol="0">
-            <a:spAutoFit/>
-          </a:bodyPr>
-          <a:lstStyle/>
-          <a:p>
-            <a:pPr algn="ctr"/>
-            <a:r>
-              <a:rPr lang="fr-FR" sz="4500" b="1" dirty="0" smtClean="0">
-                <a:solidFill>
-                  <a:schemeClr val="bg1">
-                    <a:lumMod val="95000"/>
-                  </a:schemeClr>
-                </a:solidFill>
-                <a:latin typeface="Caviar Dreams" pitchFamily="34" charset="-94"/>
-                <a:ea typeface="Open Sans" pitchFamily="34" charset="0"/>
-                <a:cs typeface="Open Sans" pitchFamily="34" charset="0"/>
-              </a:rPr>
-              <a:t>L’EQUIPE</a:t>
-            </a:r>
-            <a:endParaRPr lang="tr-TR" sz="4500" b="1" dirty="0">
-              <a:solidFill>
-                <a:schemeClr val="bg1">
-                  <a:lumMod val="95000"/>
-                </a:schemeClr>
-              </a:solidFill>
-              <a:latin typeface="Caviar Dreams" pitchFamily="34" charset="-94"/>
-              <a:ea typeface="Open Sans" pitchFamily="34" charset="0"/>
-              <a:cs typeface="Open Sans" pitchFamily="34" charset="0"/>
-            </a:endParaRPr>
-          </a:p>
-        </p:txBody>
-      </p:sp>
-      <p:sp>
-        <p:nvSpPr>
-          <p:cNvPr id="73" name="Oval 72"/>
-          <p:cNvSpPr/>
-          <p:nvPr/>
-        </p:nvSpPr>
-        <p:spPr>
-          <a:xfrm>
-            <a:off x="8816986" y="9449582"/>
-            <a:ext cx="654224" cy="648817"/>
-          </a:xfrm>
-          <a:prstGeom prst="ellipse">
-            <a:avLst/>
-          </a:prstGeom>
-          <a:solidFill>
-            <a:schemeClr val="bg1"/>
-          </a:solidFill>
-          <a:ln>
-            <a:noFill/>
-          </a:ln>
-        </p:spPr>
-        <p:style>
-          <a:lnRef idx="2">
-            <a:schemeClr val="accent1">
-              <a:shade val="50000"/>
-            </a:schemeClr>
-          </a:lnRef>
-          <a:fillRef idx="1">
-            <a:schemeClr val="accent1"/>
-          </a:fillRef>
-          <a:effectRef idx="0">
-            <a:schemeClr val="accent1"/>
-          </a:effectRef>
-          <a:fontRef idx="minor">
-            <a:schemeClr val="lt1"/>
-          </a:fontRef>
-        </p:style>
-        <p:txBody>
-          <a:bodyPr rtlCol="0" anchor="ctr"/>
-          <a:lstStyle/>
-          <a:p>
-            <a:pPr algn="ctr"/>
-            <a:endParaRPr lang="tr-TR"/>
-          </a:p>
-        </p:txBody>
-      </p:sp>
-      <p:sp>
-        <p:nvSpPr>
-          <p:cNvPr id="74" name="TextBox 73"/>
-          <p:cNvSpPr txBox="1"/>
-          <p:nvPr/>
-        </p:nvSpPr>
-        <p:spPr>
-          <a:xfrm>
-            <a:off x="8880355" y="9464822"/>
-            <a:ext cx="504056" cy="600164"/>
-          </a:xfrm>
-          <a:prstGeom prst="rect">
-            <a:avLst/>
-          </a:prstGeom>
-          <a:noFill/>
-        </p:spPr>
-        <p:txBody>
-          <a:bodyPr wrap="square" rtlCol="0">
-            <a:spAutoFit/>
-          </a:bodyPr>
-          <a:lstStyle/>
-          <a:p>
-            <a:pPr algn="ctr"/>
-            <a:r>
-              <a:rPr lang="fr-FR" sz="3300" b="1" dirty="0">
-                <a:solidFill>
-                  <a:srgbClr val="565D6F"/>
-                </a:solidFill>
-                <a:latin typeface="Caviar Dreams" pitchFamily="34" charset="-94"/>
-                <a:ea typeface="Open Sans" pitchFamily="34" charset="0"/>
-                <a:cs typeface="Open Sans" pitchFamily="34" charset="0"/>
-              </a:rPr>
-              <a:t>R</a:t>
-            </a:r>
-            <a:endParaRPr lang="tr-TR" sz="3300" b="1" dirty="0">
-              <a:solidFill>
-                <a:srgbClr val="565D6F"/>
-              </a:solidFill>
-              <a:latin typeface="Caviar Dreams" pitchFamily="34" charset="-94"/>
-              <a:ea typeface="Open Sans" pitchFamily="34" charset="0"/>
-              <a:cs typeface="Open Sans" pitchFamily="34" charset="0"/>
-            </a:endParaRPr>
-          </a:p>
-        </p:txBody>
-      </p:sp>
-      <p:sp>
-        <p:nvSpPr>
-          <p:cNvPr id="42" name="TextBox 41"/>
-          <p:cNvSpPr txBox="1"/>
-          <p:nvPr/>
-        </p:nvSpPr>
-        <p:spPr>
-          <a:xfrm>
-            <a:off x="4951982" y="5443705"/>
-            <a:ext cx="4615309" cy="707886"/>
-          </a:xfrm>
-          <a:prstGeom prst="rect">
-            <a:avLst/>
-          </a:prstGeom>
-          <a:noFill/>
-        </p:spPr>
-        <p:txBody>
-          <a:bodyPr wrap="square" rtlCol="0">
-            <a:spAutoFit/>
-          </a:bodyPr>
-          <a:lstStyle/>
-          <a:p>
-            <a:pPr algn="ctr"/>
-            <a:r>
-              <a:rPr lang="fr-FR" sz="4000" b="1" dirty="0" smtClean="0">
-                <a:solidFill>
-                  <a:srgbClr val="565D6F"/>
-                </a:solidFill>
-                <a:latin typeface="Caviar Dreams" pitchFamily="34" charset="-94"/>
-                <a:ea typeface="Open Sans" pitchFamily="34" charset="0"/>
-                <a:cs typeface="Open Sans" pitchFamily="34" charset="0"/>
-              </a:rPr>
-              <a:t>RAMI</a:t>
-            </a:r>
-            <a:endParaRPr lang="tr-TR" sz="4000" b="1" dirty="0">
-              <a:solidFill>
-                <a:srgbClr val="565D6F"/>
-              </a:solidFill>
-              <a:latin typeface="Caviar Dreams" pitchFamily="34" charset="-94"/>
-              <a:ea typeface="Open Sans" pitchFamily="34" charset="0"/>
-              <a:cs typeface="Open Sans" pitchFamily="34" charset="0"/>
-            </a:endParaRPr>
-          </a:p>
-        </p:txBody>
-      </p:sp>
-      <p:sp>
-        <p:nvSpPr>
-          <p:cNvPr id="43" name="TextBox 42"/>
-          <p:cNvSpPr txBox="1"/>
-          <p:nvPr/>
-        </p:nvSpPr>
-        <p:spPr>
-          <a:xfrm>
-            <a:off x="5580352" y="6166870"/>
-            <a:ext cx="3358568" cy="769441"/>
-          </a:xfrm>
-          <a:prstGeom prst="rect">
-            <a:avLst/>
-          </a:prstGeom>
-          <a:noFill/>
-        </p:spPr>
-        <p:txBody>
-          <a:bodyPr wrap="square" rtlCol="0">
-            <a:spAutoFit/>
-          </a:bodyPr>
-          <a:lstStyle/>
-          <a:p>
-            <a:pPr algn="ctr"/>
-            <a:r>
-              <a:rPr lang="fr-FR" sz="2200" b="1" dirty="0" smtClean="0">
-                <a:solidFill>
-                  <a:schemeClr val="tx1">
-                    <a:lumMod val="65000"/>
-                    <a:lumOff val="35000"/>
-                  </a:schemeClr>
-                </a:solidFill>
-                <a:latin typeface="Caviar Dreams" pitchFamily="34" charset="-94"/>
-              </a:rPr>
-              <a:t>Chef de projet</a:t>
-            </a:r>
-          </a:p>
-          <a:p>
-            <a:pPr algn="ctr"/>
-            <a:r>
-              <a:rPr lang="fr-FR" sz="2200" b="1" dirty="0" smtClean="0">
-                <a:solidFill>
-                  <a:schemeClr val="tx1">
-                    <a:lumMod val="65000"/>
-                    <a:lumOff val="35000"/>
-                  </a:schemeClr>
-                </a:solidFill>
-                <a:latin typeface="Caviar Dreams" pitchFamily="34" charset="-94"/>
-                <a:ea typeface="Open Sans" pitchFamily="34" charset="0"/>
-                <a:cs typeface="Open Sans" pitchFamily="34" charset="0"/>
-              </a:rPr>
-              <a:t>Développeur</a:t>
-            </a:r>
-            <a:endParaRPr lang="tr-TR" sz="2200" b="1" dirty="0">
-              <a:solidFill>
-                <a:srgbClr val="009CD6"/>
-              </a:solidFill>
-              <a:latin typeface="Caviar Dreams" pitchFamily="34" charset="-94"/>
-              <a:ea typeface="Open Sans" pitchFamily="34" charset="0"/>
-              <a:cs typeface="Open Sans" pitchFamily="34" charset="0"/>
-            </a:endParaRPr>
-          </a:p>
-        </p:txBody>
-      </p:sp>
-      <p:sp>
-        <p:nvSpPr>
-          <p:cNvPr id="44" name="TextBox 43"/>
-          <p:cNvSpPr txBox="1"/>
-          <p:nvPr/>
-        </p:nvSpPr>
-        <p:spPr>
-          <a:xfrm>
-            <a:off x="8386750" y="5443705"/>
-            <a:ext cx="4615309" cy="707886"/>
-          </a:xfrm>
-          <a:prstGeom prst="rect">
-            <a:avLst/>
-          </a:prstGeom>
-          <a:noFill/>
-        </p:spPr>
-        <p:txBody>
-          <a:bodyPr wrap="square" rtlCol="0">
-            <a:spAutoFit/>
-          </a:bodyPr>
-          <a:lstStyle/>
-          <a:p>
-            <a:pPr algn="ctr"/>
-            <a:r>
-              <a:rPr lang="fr-FR" sz="4000" b="1" dirty="0" smtClean="0">
-                <a:solidFill>
-                  <a:srgbClr val="565D6F"/>
-                </a:solidFill>
-                <a:latin typeface="Caviar Dreams" pitchFamily="34" charset="-94"/>
-                <a:ea typeface="Open Sans" pitchFamily="34" charset="0"/>
-                <a:cs typeface="Open Sans" pitchFamily="34" charset="0"/>
-              </a:rPr>
-              <a:t>VALENTIN</a:t>
-            </a:r>
-            <a:endParaRPr lang="tr-TR" sz="4000" b="1" dirty="0">
-              <a:solidFill>
-                <a:srgbClr val="565D6F"/>
-              </a:solidFill>
-              <a:latin typeface="Caviar Dreams" pitchFamily="34" charset="-94"/>
-              <a:ea typeface="Open Sans" pitchFamily="34" charset="0"/>
-              <a:cs typeface="Open Sans" pitchFamily="34" charset="0"/>
-            </a:endParaRPr>
-          </a:p>
-        </p:txBody>
-      </p:sp>
-      <p:sp>
-        <p:nvSpPr>
-          <p:cNvPr id="45" name="TextBox 44"/>
-          <p:cNvSpPr txBox="1"/>
-          <p:nvPr/>
-        </p:nvSpPr>
-        <p:spPr>
-          <a:xfrm>
-            <a:off x="9015120" y="6166870"/>
-            <a:ext cx="3358568" cy="430887"/>
-          </a:xfrm>
-          <a:prstGeom prst="rect">
-            <a:avLst/>
-          </a:prstGeom>
-          <a:noFill/>
-        </p:spPr>
-        <p:txBody>
-          <a:bodyPr wrap="square" rtlCol="0">
-            <a:spAutoFit/>
-          </a:bodyPr>
-          <a:lstStyle/>
-          <a:p>
-            <a:pPr algn="ctr"/>
-            <a:r>
-              <a:rPr lang="fr-FR" sz="2200" b="1" dirty="0" smtClean="0">
-                <a:solidFill>
-                  <a:schemeClr val="tx1">
-                    <a:lumMod val="65000"/>
-                    <a:lumOff val="35000"/>
-                  </a:schemeClr>
-                </a:solidFill>
-                <a:latin typeface="Caviar Dreams" pitchFamily="34" charset="-94"/>
-              </a:rPr>
-              <a:t>Développeur</a:t>
-            </a:r>
-            <a:endParaRPr lang="tr-TR" sz="2200" b="1" dirty="0">
-              <a:solidFill>
-                <a:srgbClr val="009CD6"/>
-              </a:solidFill>
-              <a:latin typeface="Caviar Dreams" pitchFamily="34" charset="-94"/>
-              <a:ea typeface="Open Sans" pitchFamily="34" charset="0"/>
-              <a:cs typeface="Open Sans" pitchFamily="34" charset="0"/>
-            </a:endParaRPr>
-          </a:p>
-        </p:txBody>
-      </p:sp>
-      <p:pic>
-        <p:nvPicPr>
-          <p:cNvPr id="3" name="Image 2"/>
-          <p:cNvPicPr>
-            <a:picLocks noChangeAspect="1"/>
-          </p:cNvPicPr>
-          <p:nvPr/>
-        </p:nvPicPr>
-        <p:blipFill>
-          <a:blip r:embed="rId4">
-            <a:extLst>
-              <a:ext uri="{28A0092B-C50C-407E-A947-70E740481C1C}">
-                <a14:useLocalDpi xmlns:a14="http://schemas.microsoft.com/office/drawing/2010/main" val="0"/>
-              </a:ext>
-            </a:extLst>
-          </a:blip>
-          <a:stretch>
-            <a:fillRect/>
-          </a:stretch>
-        </p:blipFill>
-        <p:spPr>
-          <a:xfrm>
-            <a:off x="6109153" y="2748696"/>
-            <a:ext cx="2409825" cy="2409825"/>
-          </a:xfrm>
-          <a:prstGeom prst="ellipse">
-            <a:avLst/>
-          </a:prstGeom>
-          <a:ln w="63500" cap="rnd">
-            <a:solidFill>
-              <a:srgbClr val="333333"/>
-            </a:solidFill>
-          </a:ln>
-          <a:effectLst>
-            <a:outerShdw blurRad="381000" dist="292100" dir="5400000" sx="-80000" sy="-18000" rotWithShape="0">
-              <a:srgbClr val="000000">
-                <a:alpha val="22000"/>
-              </a:srgbClr>
-            </a:outerShdw>
-          </a:effectLst>
-          <a:scene3d>
-            <a:camera prst="orthographicFront"/>
-            <a:lightRig rig="contrasting" dir="t">
-              <a:rot lat="0" lon="0" rev="3000000"/>
-            </a:lightRig>
-          </a:scene3d>
-          <a:sp3d contourW="7620">
-            <a:bevelT w="95250" h="31750"/>
-            <a:contourClr>
-              <a:srgbClr val="333333"/>
-            </a:contourClr>
-          </a:sp3d>
-        </p:spPr>
-      </p:pic>
-      <p:pic>
-        <p:nvPicPr>
-          <p:cNvPr id="4" name="Image 3"/>
-          <p:cNvPicPr>
-            <a:picLocks noChangeAspect="1"/>
-          </p:cNvPicPr>
-          <p:nvPr/>
-        </p:nvPicPr>
-        <p:blipFill>
-          <a:blip r:embed="rId5">
-            <a:extLst>
-              <a:ext uri="{28A0092B-C50C-407E-A947-70E740481C1C}">
-                <a14:useLocalDpi xmlns:a14="http://schemas.microsoft.com/office/drawing/2010/main" val="0"/>
-              </a:ext>
-            </a:extLst>
-          </a:blip>
-          <a:stretch>
-            <a:fillRect/>
-          </a:stretch>
-        </p:blipFill>
-        <p:spPr>
-          <a:xfrm>
-            <a:off x="9514174" y="2774406"/>
-            <a:ext cx="2384115" cy="2384115"/>
-          </a:xfrm>
-          <a:prstGeom prst="ellipse">
-            <a:avLst/>
-          </a:prstGeom>
-          <a:ln w="63500" cap="rnd">
-            <a:solidFill>
-              <a:srgbClr val="333333"/>
-            </a:solidFill>
-          </a:ln>
-          <a:effectLst>
-            <a:outerShdw blurRad="381000" dist="292100" dir="5400000" sx="-80000" sy="-18000" rotWithShape="0">
-              <a:srgbClr val="000000">
-                <a:alpha val="22000"/>
-              </a:srgbClr>
-            </a:outerShdw>
-          </a:effectLst>
-          <a:scene3d>
-            <a:camera prst="orthographicFront"/>
-            <a:lightRig rig="contrasting" dir="t">
-              <a:rot lat="0" lon="0" rev="3000000"/>
-            </a:lightRig>
-          </a:scene3d>
-          <a:sp3d contourW="7620">
-            <a:bevelT w="95250" h="31750"/>
-            <a:contourClr>
-              <a:srgbClr val="333333"/>
-            </a:contourClr>
-          </a:sp3d>
-        </p:spPr>
-      </p:pic>
-    </p:spTree>
-    <p:extLst>
-      <p:ext uri="{BB962C8B-B14F-4D97-AF65-F5344CB8AC3E}">
-        <p14:creationId xmlns:p14="http://schemas.microsoft.com/office/powerpoint/2010/main" val="3353973589"/>
-      </p:ext>
-    </p:extLst>
-  </p:cSld>
-  <p:clrMapOvr>
-    <a:masterClrMapping/>
-  </p:clrMapOvr>
-  <mc:AlternateContent xmlns:mc="http://schemas.openxmlformats.org/markup-compatibility/2006" xmlns:p14="http://schemas.microsoft.com/office/powerpoint/2010/main">
-    <mc:Choice Requires="p14">
-      <p:transition spd="med" p14:dur="700">
-        <p:fade/>
-      </p:transition>
-    </mc:Choice>
-    <mc:Fallback xmlns="">
-      <p:transition spd="med">
-        <p:fade/>
-      </p:transition>
-    </mc:Fallback>
-  </mc:AlternateContent>
-  <p:timing>
-    <p:tnLst>
-      <p:par>
-        <p:cTn id="1" dur="indefinite" restart="never" nodeType="tmRoot">
-          <p:childTnLst>
-            <p:seq concurrent="1" nextAc="seek">
-              <p:cTn id="2" dur="indefinite" nodeType="mainSeq">
-                <p:childTnLst>
-                  <p:par>
-                    <p:cTn id="3" fill="hold">
-                      <p:stCondLst>
-                        <p:cond delay="indefinite"/>
-                        <p:cond evt="onBegin" delay="0">
-                          <p:tn val="2"/>
-                        </p:cond>
-                      </p:stCondLst>
-                      <p:childTnLst>
-                        <p:par>
-                          <p:cTn id="4" fill="hold">
-                            <p:stCondLst>
-                              <p:cond delay="0"/>
-                            </p:stCondLst>
-                            <p:childTnLst>
-                              <p:par>
-                                <p:cTn id="5" presetID="10" presetClass="entr" presetSubtype="0" fill="hold" grpId="0" nodeType="withEffect">
-                                  <p:stCondLst>
-                                    <p:cond delay="0"/>
-                                  </p:stCondLst>
-                                  <p:childTnLst>
-                                    <p:set>
-                                      <p:cBhvr>
-                                        <p:cTn id="6" dur="1" fill="hold">
-                                          <p:stCondLst>
-                                            <p:cond delay="0"/>
-                                          </p:stCondLst>
-                                        </p:cTn>
-                                        <p:tgtEl>
-                                          <p:spTgt spid="2"/>
-                                        </p:tgtEl>
-                                        <p:attrNameLst>
-                                          <p:attrName>style.visibility</p:attrName>
-                                        </p:attrNameLst>
-                                      </p:cBhvr>
-                                      <p:to>
-                                        <p:strVal val="visible"/>
-                                      </p:to>
-                                    </p:set>
-                                    <p:animEffect transition="in" filter="fade">
-                                      <p:cBhvr>
-                                        <p:cTn id="7" dur="500"/>
-                                        <p:tgtEl>
-                                          <p:spTgt spid="2"/>
-                                        </p:tgtEl>
-                                      </p:cBhvr>
-                                    </p:animEffect>
-                                  </p:childTnLst>
-                                </p:cTn>
-                              </p:par>
-                              <p:par>
-                                <p:cTn id="8" presetID="10" presetClass="entr" presetSubtype="0" fill="hold" grpId="0" nodeType="withEffect">
-                                  <p:stCondLst>
-                                    <p:cond delay="0"/>
-                                  </p:stCondLst>
-                                  <p:childTnLst>
-                                    <p:set>
-                                      <p:cBhvr>
-                                        <p:cTn id="9" dur="1" fill="hold">
-                                          <p:stCondLst>
-                                            <p:cond delay="0"/>
-                                          </p:stCondLst>
-                                        </p:cTn>
-                                        <p:tgtEl>
-                                          <p:spTgt spid="9"/>
-                                        </p:tgtEl>
-                                        <p:attrNameLst>
-                                          <p:attrName>style.visibility</p:attrName>
-                                        </p:attrNameLst>
-                                      </p:cBhvr>
-                                      <p:to>
-                                        <p:strVal val="visible"/>
-                                      </p:to>
-                                    </p:set>
-                                    <p:animEffect transition="in" filter="fade">
-                                      <p:cBhvr>
-                                        <p:cTn id="10" dur="500"/>
-                                        <p:tgtEl>
-                                          <p:spTgt spid="9"/>
-                                        </p:tgtEl>
-                                      </p:cBhvr>
-                                    </p:animEffect>
-                                  </p:childTnLst>
-                                </p:cTn>
-                              </p:par>
-                              <p:par>
-                                <p:cTn id="11" presetID="10" presetClass="entr" presetSubtype="0" fill="hold" grpId="0" nodeType="withEffect">
-                                  <p:stCondLst>
-                                    <p:cond delay="0"/>
-                                  </p:stCondLst>
-                                  <p:childTnLst>
-                                    <p:set>
-                                      <p:cBhvr>
-                                        <p:cTn id="12" dur="1" fill="hold">
-                                          <p:stCondLst>
-                                            <p:cond delay="0"/>
-                                          </p:stCondLst>
-                                        </p:cTn>
-                                        <p:tgtEl>
-                                          <p:spTgt spid="12"/>
-                                        </p:tgtEl>
-                                        <p:attrNameLst>
-                                          <p:attrName>style.visibility</p:attrName>
-                                        </p:attrNameLst>
-                                      </p:cBhvr>
-                                      <p:to>
-                                        <p:strVal val="visible"/>
-                                      </p:to>
-                                    </p:set>
-                                    <p:animEffect transition="in" filter="fade">
-                                      <p:cBhvr>
-                                        <p:cTn id="13" dur="500"/>
-                                        <p:tgtEl>
-                                          <p:spTgt spid="12"/>
-                                        </p:tgtEl>
-                                      </p:cBhvr>
-                                    </p:animEffect>
-                                  </p:childTnLst>
-                                </p:cTn>
-                              </p:par>
-                            </p:childTnLst>
-                          </p:cTn>
-                        </p:par>
-                        <p:par>
-                          <p:cTn id="14" fill="hold">
-                            <p:stCondLst>
-                              <p:cond delay="500"/>
-                            </p:stCondLst>
-                            <p:childTnLst>
-                              <p:par>
-                                <p:cTn id="15" presetID="10" presetClass="entr" presetSubtype="0" fill="hold" grpId="0" nodeType="afterEffect">
-                                  <p:stCondLst>
-                                    <p:cond delay="0"/>
-                                  </p:stCondLst>
-                                  <p:childTnLst>
-                                    <p:set>
-                                      <p:cBhvr>
-                                        <p:cTn id="16" dur="1" fill="hold">
-                                          <p:stCondLst>
-                                            <p:cond delay="0"/>
-                                          </p:stCondLst>
-                                        </p:cTn>
-                                        <p:tgtEl>
-                                          <p:spTgt spid="49"/>
-                                        </p:tgtEl>
-                                        <p:attrNameLst>
-                                          <p:attrName>style.visibility</p:attrName>
-                                        </p:attrNameLst>
-                                      </p:cBhvr>
-                                      <p:to>
-                                        <p:strVal val="visible"/>
-                                      </p:to>
-                                    </p:set>
-                                    <p:animEffect transition="in" filter="fade">
-                                      <p:cBhvr>
-                                        <p:cTn id="17" dur="500"/>
-                                        <p:tgtEl>
-                                          <p:spTgt spid="49"/>
-                                        </p:tgtEl>
-                                      </p:cBhvr>
-                                    </p:animEffect>
-                                  </p:childTnLst>
-                                </p:cTn>
-                              </p:par>
-                              <p:par>
-                                <p:cTn id="18" presetID="10" presetClass="entr" presetSubtype="0" fill="hold" grpId="0" nodeType="withEffect">
-                                  <p:stCondLst>
-                                    <p:cond delay="0"/>
-                                  </p:stCondLst>
-                                  <p:childTnLst>
-                                    <p:set>
-                                      <p:cBhvr>
-                                        <p:cTn id="19" dur="1" fill="hold">
-                                          <p:stCondLst>
-                                            <p:cond delay="0"/>
-                                          </p:stCondLst>
-                                        </p:cTn>
-                                        <p:tgtEl>
-                                          <p:spTgt spid="50"/>
-                                        </p:tgtEl>
-                                        <p:attrNameLst>
-                                          <p:attrName>style.visibility</p:attrName>
-                                        </p:attrNameLst>
-                                      </p:cBhvr>
-                                      <p:to>
-                                        <p:strVal val="visible"/>
-                                      </p:to>
-                                    </p:set>
-                                    <p:animEffect transition="in" filter="fade">
-                                      <p:cBhvr>
-                                        <p:cTn id="20" dur="500"/>
-                                        <p:tgtEl>
-                                          <p:spTgt spid="50"/>
-                                        </p:tgtEl>
-                                      </p:cBhvr>
-                                    </p:animEffect>
-                                  </p:childTnLst>
-                                </p:cTn>
-                              </p:par>
-                              <p:par>
-                                <p:cTn id="21" presetID="10" presetClass="entr" presetSubtype="0" fill="hold" grpId="0" nodeType="withEffect">
-                                  <p:stCondLst>
-                                    <p:cond delay="0"/>
-                                  </p:stCondLst>
-                                  <p:childTnLst>
-                                    <p:set>
-                                      <p:cBhvr>
-                                        <p:cTn id="22" dur="1" fill="hold">
-                                          <p:stCondLst>
-                                            <p:cond delay="0"/>
-                                          </p:stCondLst>
-                                        </p:cTn>
-                                        <p:tgtEl>
-                                          <p:spTgt spid="44"/>
-                                        </p:tgtEl>
-                                        <p:attrNameLst>
-                                          <p:attrName>style.visibility</p:attrName>
-                                        </p:attrNameLst>
-                                      </p:cBhvr>
-                                      <p:to>
-                                        <p:strVal val="visible"/>
-                                      </p:to>
-                                    </p:set>
-                                    <p:animEffect transition="in" filter="fade">
-                                      <p:cBhvr>
-                                        <p:cTn id="23" dur="500"/>
-                                        <p:tgtEl>
-                                          <p:spTgt spid="44"/>
-                                        </p:tgtEl>
-                                      </p:cBhvr>
-                                    </p:animEffect>
-                                  </p:childTnLst>
-                                </p:cTn>
-                              </p:par>
-                              <p:par>
-                                <p:cTn id="24" presetID="10" presetClass="entr" presetSubtype="0" fill="hold" grpId="0" nodeType="withEffect">
-                                  <p:stCondLst>
-                                    <p:cond delay="0"/>
-                                  </p:stCondLst>
-                                  <p:childTnLst>
-                                    <p:set>
-                                      <p:cBhvr>
-                                        <p:cTn id="25" dur="1" fill="hold">
-                                          <p:stCondLst>
-                                            <p:cond delay="0"/>
-                                          </p:stCondLst>
-                                        </p:cTn>
-                                        <p:tgtEl>
-                                          <p:spTgt spid="42"/>
-                                        </p:tgtEl>
-                                        <p:attrNameLst>
-                                          <p:attrName>style.visibility</p:attrName>
-                                        </p:attrNameLst>
-                                      </p:cBhvr>
-                                      <p:to>
-                                        <p:strVal val="visible"/>
-                                      </p:to>
-                                    </p:set>
-                                    <p:animEffect transition="in" filter="fade">
-                                      <p:cBhvr>
-                                        <p:cTn id="26" dur="500"/>
-                                        <p:tgtEl>
-                                          <p:spTgt spid="42"/>
-                                        </p:tgtEl>
-                                      </p:cBhvr>
-                                    </p:animEffect>
-                                  </p:childTnLst>
-                                </p:cTn>
-                              </p:par>
-                              <p:par>
-                                <p:cTn id="27" presetID="10" presetClass="entr" presetSubtype="0" fill="hold" grpId="0" nodeType="withEffect">
-                                  <p:stCondLst>
-                                    <p:cond delay="0"/>
-                                  </p:stCondLst>
-                                  <p:childTnLst>
-                                    <p:set>
-                                      <p:cBhvr>
-                                        <p:cTn id="28" dur="1" fill="hold">
-                                          <p:stCondLst>
-                                            <p:cond delay="0"/>
-                                          </p:stCondLst>
-                                        </p:cTn>
-                                        <p:tgtEl>
-                                          <p:spTgt spid="45"/>
-                                        </p:tgtEl>
-                                        <p:attrNameLst>
-                                          <p:attrName>style.visibility</p:attrName>
-                                        </p:attrNameLst>
-                                      </p:cBhvr>
-                                      <p:to>
-                                        <p:strVal val="visible"/>
-                                      </p:to>
-                                    </p:set>
-                                    <p:animEffect transition="in" filter="fade">
-                                      <p:cBhvr>
-                                        <p:cTn id="29" dur="500"/>
-                                        <p:tgtEl>
-                                          <p:spTgt spid="45"/>
-                                        </p:tgtEl>
-                                      </p:cBhvr>
-                                    </p:animEffect>
-                                  </p:childTnLst>
-                                </p:cTn>
-                              </p:par>
-                              <p:par>
-                                <p:cTn id="30" presetID="10" presetClass="entr" presetSubtype="0" fill="hold" grpId="0" nodeType="withEffect">
-                                  <p:stCondLst>
-                                    <p:cond delay="0"/>
-                                  </p:stCondLst>
-                                  <p:childTnLst>
-                                    <p:set>
-                                      <p:cBhvr>
-                                        <p:cTn id="31" dur="1" fill="hold">
-                                          <p:stCondLst>
-                                            <p:cond delay="0"/>
-                                          </p:stCondLst>
-                                        </p:cTn>
-                                        <p:tgtEl>
-                                          <p:spTgt spid="43"/>
-                                        </p:tgtEl>
-                                        <p:attrNameLst>
-                                          <p:attrName>style.visibility</p:attrName>
-                                        </p:attrNameLst>
-                                      </p:cBhvr>
-                                      <p:to>
-                                        <p:strVal val="visible"/>
-                                      </p:to>
-                                    </p:set>
-                                    <p:animEffect transition="in" filter="fade">
-                                      <p:cBhvr>
-                                        <p:cTn id="32" dur="500"/>
-                                        <p:tgtEl>
-                                          <p:spTgt spid="43"/>
-                                        </p:tgtEl>
-                                      </p:cBhvr>
-                                    </p:animEffect>
-                                  </p:childTnLst>
-                                </p:cTn>
-                              </p:par>
-                            </p:childTnLst>
-                          </p:cTn>
-                        </p:par>
-                      </p:childTnLst>
-                    </p:cTn>
-                  </p:par>
-                </p:childTnLst>
-              </p:cTn>
-              <p:prevCondLst>
-                <p:cond evt="onPrev" delay="0">
-                  <p:tgtEl>
-                    <p:sldTgt/>
-                  </p:tgtEl>
-                </p:cond>
-              </p:prevCondLst>
-              <p:nextCondLst>
-                <p:cond evt="onNext" delay="0">
-                  <p:tgtEl>
-                    <p:sldTgt/>
-                  </p:tgtEl>
-                </p:cond>
-              </p:nextCondLst>
-            </p:seq>
-          </p:childTnLst>
-        </p:cTn>
-      </p:par>
-    </p:tnLst>
-    <p:bldLst>
-      <p:bldP spid="49" grpId="0" animBg="1"/>
-      <p:bldP spid="50" grpId="0" animBg="1"/>
-      <p:bldP spid="2" grpId="0" animBg="1"/>
-      <p:bldP spid="9" grpId="0" animBg="1"/>
-      <p:bldP spid="12" grpId="0"/>
-      <p:bldP spid="42" grpId="0"/>
-      <p:bldP spid="43" grpId="0"/>
-      <p:bldP spid="44" grpId="0"/>
-      <p:bldP spid="45" grpId="0"/>
-    </p:bldLst>
-  </p:timing>
-</p:sld>
-</file>
-
-<file path=ppt/slides/slide20.xml><?xml version="1.0" encoding="utf-8"?>
+<file path=ppt/slides/slide25.xml><?xml version="1.0" encoding="utf-8"?>
 <p:sld xmlns:a="http://schemas.openxmlformats.org/drawingml/2006/main" xmlns:r="http://schemas.openxmlformats.org/officeDocument/2006/relationships" xmlns:p="http://schemas.openxmlformats.org/presentationml/2006/main">
   <p:cSld>
     <p:spTree>
@@ -18140,7 +20505,7 @@
 </p:sld>
 </file>
 
-<file path=ppt/slides/slide21.xml><?xml version="1.0" encoding="utf-8"?>
+<file path=ppt/slides/slide26.xml><?xml version="1.0" encoding="utf-8"?>
 <p:sld xmlns:a="http://schemas.openxmlformats.org/drawingml/2006/main" xmlns:r="http://schemas.openxmlformats.org/officeDocument/2006/relationships" xmlns:p="http://schemas.openxmlformats.org/presentationml/2006/main">
   <p:cSld>
     <p:spTree>
@@ -18430,6 +20795,36 @@
       </p:sp>
       <p:pic>
         <p:nvPicPr>
+          <p:cNvPr id="3" name="Image 2"/>
+          <p:cNvPicPr>
+            <a:picLocks noChangeAspect="1"/>
+          </p:cNvPicPr>
+          <p:nvPr/>
+        </p:nvPicPr>
+        <p:blipFill>
+          <a:blip r:embed="rId4">
+            <a:extLst>
+              <a:ext uri="{28A0092B-C50C-407E-A947-70E740481C1C}">
+                <a14:useLocalDpi xmlns:a14="http://schemas.microsoft.com/office/drawing/2010/main" val="0"/>
+              </a:ext>
+            </a:extLst>
+          </a:blip>
+          <a:stretch>
+            <a:fillRect/>
+          </a:stretch>
+        </p:blipFill>
+        <p:spPr>
+          <a:xfrm>
+            <a:off x="1008438" y="4713039"/>
+            <a:ext cx="5184576" cy="5184576"/>
+          </a:xfrm>
+          <a:prstGeom prst="rect">
+            <a:avLst/>
+          </a:prstGeom>
+        </p:spPr>
+      </p:pic>
+      <p:pic>
+        <p:nvPicPr>
           <p:cNvPr id="6" name="Image 5"/>
           <p:cNvPicPr>
             <a:picLocks noChangeAspect="1"/>
@@ -18437,7 +20832,7 @@
           <p:nvPr/>
         </p:nvPicPr>
         <p:blipFill>
-          <a:blip r:embed="rId4">
+          <a:blip r:embed="rId5">
             <a:extLst>
               <a:ext uri="{28A0092B-C50C-407E-A947-70E740481C1C}">
                 <a14:useLocalDpi xmlns:a14="http://schemas.microsoft.com/office/drawing/2010/main" val="0"/>
@@ -18688,36 +21083,6 @@
           </a:p>
         </p:txBody>
       </p:sp>
-      <p:pic>
-        <p:nvPicPr>
-          <p:cNvPr id="4" name="Image 3"/>
-          <p:cNvPicPr>
-            <a:picLocks noChangeAspect="1"/>
-          </p:cNvPicPr>
-          <p:nvPr/>
-        </p:nvPicPr>
-        <p:blipFill>
-          <a:blip r:embed="rId5">
-            <a:extLst>
-              <a:ext uri="{28A0092B-C50C-407E-A947-70E740481C1C}">
-                <a14:useLocalDpi xmlns:a14="http://schemas.microsoft.com/office/drawing/2010/main" val="0"/>
-              </a:ext>
-            </a:extLst>
-          </a:blip>
-          <a:stretch>
-            <a:fillRect/>
-          </a:stretch>
-        </p:blipFill>
-        <p:spPr>
-          <a:xfrm>
-            <a:off x="1107299" y="4031565"/>
-            <a:ext cx="4889608" cy="3667206"/>
-          </a:xfrm>
-          <a:prstGeom prst="rect">
-            <a:avLst/>
-          </a:prstGeom>
-        </p:spPr>
-      </p:pic>
     </p:spTree>
     <p:extLst>
       <p:ext uri="{BB962C8B-B14F-4D97-AF65-F5344CB8AC3E}">
@@ -18869,14 +21234,49 @@
                                 </p:cTn>
                               </p:par>
                               <p:par>
-                                <p:cTn id="14" presetID="42" presetClass="entr" presetSubtype="0" fill="hold" nodeType="withEffect">
+                                <p:cTn id="14" presetID="10" presetClass="entr" presetSubtype="0" fill="hold" nodeType="withEffect">
+                                  <p:stCondLst>
+                                    <p:cond delay="0"/>
+                                  </p:stCondLst>
+                                  <p:childTnLst>
+                                    <p:set>
+                                      <p:cBhvr>
+                                        <p:cTn id="15" dur="1" fill="hold">
+                                          <p:stCondLst>
+                                            <p:cond delay="0"/>
+                                          </p:stCondLst>
+                                        </p:cTn>
+                                        <p:tgtEl>
+                                          <p:spTgt spid="3"/>
+                                        </p:tgtEl>
+                                        <p:attrNameLst>
+                                          <p:attrName>style.visibility</p:attrName>
+                                        </p:attrNameLst>
+                                      </p:cBhvr>
+                                      <p:to>
+                                        <p:strVal val="visible"/>
+                                      </p:to>
+                                    </p:set>
+                                    <p:animEffect transition="in" filter="fade">
+                                      <p:cBhvr>
+                                        <p:cTn id="16" dur="500"/>
+                                        <p:tgtEl>
+                                          <p:spTgt spid="3"/>
+                                        </p:tgtEl>
+                                      </p:cBhvr>
+                                    </p:animEffect>
+                                  </p:childTnLst>
+                                </p:cTn>
+                              </p:par>
+                              <p:par>
+                                <p:cTn id="17" presetID="42" presetClass="entr" presetSubtype="0" fill="hold" nodeType="withEffect">
                                   <p:stCondLst>
                                     <p:cond delay="500"/>
                                   </p:stCondLst>
                                   <p:childTnLst>
                                     <p:set>
                                       <p:cBhvr>
-                                        <p:cTn id="15" dur="1" fill="hold">
+                                        <p:cTn id="18" dur="1" fill="hold">
                                           <p:stCondLst>
                                             <p:cond delay="0"/>
                                           </p:stCondLst>
@@ -18894,7 +21294,7 @@
                                     </p:set>
                                     <p:animEffect transition="in" filter="fade">
                                       <p:cBhvr>
-                                        <p:cTn id="16" dur="1000"/>
+                                        <p:cTn id="19" dur="1000"/>
                                         <p:tgtEl>
                                           <p:spTgt spid="6"/>
                                         </p:tgtEl>
@@ -18902,7 +21302,7 @@
                                     </p:animEffect>
                                     <p:anim calcmode="lin" valueType="num">
                                       <p:cBhvr>
-                                        <p:cTn id="17" dur="1000" fill="hold"/>
+                                        <p:cTn id="20" dur="1000" fill="hold"/>
                                         <p:tgtEl>
                                           <p:spTgt spid="6"/>
                                         </p:tgtEl>
@@ -18925,7 +21325,7 @@
                                     </p:anim>
                                     <p:anim calcmode="lin" valueType="num">
                                       <p:cBhvr>
-                                        <p:cTn id="18" dur="1000" fill="hold"/>
+                                        <p:cTn id="21" dur="1000" fill="hold"/>
                                         <p:tgtEl>
                                           <p:spTgt spid="6"/>
                                         </p:tgtEl>
@@ -18950,14 +21350,14 @@
                                 </p:cTn>
                               </p:par>
                               <p:par>
-                                <p:cTn id="19" presetID="22" presetClass="entr" presetSubtype="4" fill="hold" nodeType="withEffect">
+                                <p:cTn id="22" presetID="22" presetClass="entr" presetSubtype="4" fill="hold" nodeType="withEffect">
                                   <p:stCondLst>
                                     <p:cond delay="1500"/>
                                   </p:stCondLst>
                                   <p:childTnLst>
                                     <p:set>
                                       <p:cBhvr>
-                                        <p:cTn id="20" dur="1" fill="hold">
+                                        <p:cTn id="23" dur="1" fill="hold">
                                           <p:stCondLst>
                                             <p:cond delay="0"/>
                                           </p:stCondLst>
@@ -18975,7 +21375,7 @@
                                     </p:set>
                                     <p:animEffect transition="in" filter="wipe(down)">
                                       <p:cBhvr>
-                                        <p:cTn id="21" dur="1000"/>
+                                        <p:cTn id="24" dur="1000"/>
                                         <p:tgtEl>
                                           <p:spTgt spid="8"/>
                                         </p:tgtEl>
@@ -18985,14 +21385,14 @@
                                 </p:cTn>
                               </p:par>
                               <p:par>
-                                <p:cTn id="22" presetID="16" presetClass="entr" presetSubtype="21" fill="hold" nodeType="withEffect">
+                                <p:cTn id="25" presetID="16" presetClass="entr" presetSubtype="21" fill="hold" nodeType="withEffect">
                                   <p:stCondLst>
                                     <p:cond delay="2200"/>
                                   </p:stCondLst>
                                   <p:childTnLst>
                                     <p:set>
                                       <p:cBhvr>
-                                        <p:cTn id="23" dur="1" fill="hold">
+                                        <p:cTn id="26" dur="1" fill="hold">
                                           <p:stCondLst>
                                             <p:cond delay="0"/>
                                           </p:stCondLst>
@@ -19010,44 +21410,9 @@
                                     </p:set>
                                     <p:animEffect transition="in" filter="barn(inVertical)">
                                       <p:cBhvr>
-                                        <p:cTn id="24" dur="1000"/>
+                                        <p:cTn id="27" dur="1000"/>
                                         <p:tgtEl>
                                           <p:spTgt spid="11"/>
-                                        </p:tgtEl>
-                                      </p:cBhvr>
-                                    </p:animEffect>
-                                  </p:childTnLst>
-                                </p:cTn>
-                              </p:par>
-                              <p:par>
-                                <p:cTn id="25" presetID="22" presetClass="entr" presetSubtype="4" fill="hold" nodeType="withEffect">
-                                  <p:stCondLst>
-                                    <p:cond delay="2500"/>
-                                  </p:stCondLst>
-                                  <p:childTnLst>
-                                    <p:set>
-                                      <p:cBhvr>
-                                        <p:cTn id="26" dur="1" fill="hold">
-                                          <p:stCondLst>
-                                            <p:cond delay="0"/>
-                                          </p:stCondLst>
-                                        </p:cTn>
-                                        <p:tgtEl>
-                                          <p:spTgt spid="16"/>
-                                        </p:tgtEl>
-                                        <p:attrNameLst>
-                                          <p:attrName>style.visibility</p:attrName>
-                                        </p:attrNameLst>
-                                      </p:cBhvr>
-                                      <p:to>
-                                        <p:strVal val="visible"/>
-                                      </p:to>
-                                    </p:set>
-                                    <p:animEffect transition="in" filter="wipe(down)">
-                                      <p:cBhvr>
-                                        <p:cTn id="27" dur="500"/>
-                                        <p:tgtEl>
-                                          <p:spTgt spid="16"/>
                                         </p:tgtEl>
                                       </p:cBhvr>
                                     </p:animEffect>
@@ -19068,7 +21433,7 @@
                                           </p:stCondLst>
                                         </p:cTn>
                                         <p:tgtEl>
-                                          <p:spTgt spid="33"/>
+                                          <p:spTgt spid="16"/>
                                         </p:tgtEl>
                                         <p:attrNameLst>
                                           <p:attrName>style.visibility</p:attrName>
@@ -19082,7 +21447,7 @@
                                       <p:cBhvr>
                                         <p:cTn id="30" dur="500"/>
                                         <p:tgtEl>
-                                          <p:spTgt spid="33"/>
+                                          <p:spTgt spid="16"/>
                                         </p:tgtEl>
                                       </p:cBhvr>
                                     </p:animEffect>
@@ -19090,14 +21455,49 @@
                                 </p:cTn>
                               </p:par>
                               <p:par>
-                                <p:cTn id="31" presetID="22" presetClass="entr" presetSubtype="4" fill="hold" grpId="0" nodeType="withEffect">
+                                <p:cTn id="31" presetID="22" presetClass="entr" presetSubtype="4" fill="hold" nodeType="withEffect">
+                                  <p:stCondLst>
+                                    <p:cond delay="2500"/>
+                                  </p:stCondLst>
+                                  <p:childTnLst>
+                                    <p:set>
+                                      <p:cBhvr>
+                                        <p:cTn id="32" dur="1" fill="hold">
+                                          <p:stCondLst>
+                                            <p:cond delay="0"/>
+                                          </p:stCondLst>
+                                        </p:cTn>
+                                        <p:tgtEl>
+                                          <p:spTgt spid="33"/>
+                                        </p:tgtEl>
+                                        <p:attrNameLst>
+                                          <p:attrName>style.visibility</p:attrName>
+                                        </p:attrNameLst>
+                                      </p:cBhvr>
+                                      <p:to>
+                                        <p:strVal val="visible"/>
+                                      </p:to>
+                                    </p:set>
+                                    <p:animEffect transition="in" filter="wipe(down)">
+                                      <p:cBhvr>
+                                        <p:cTn id="33" dur="500"/>
+                                        <p:tgtEl>
+                                          <p:spTgt spid="33"/>
+                                        </p:tgtEl>
+                                      </p:cBhvr>
+                                    </p:animEffect>
+                                  </p:childTnLst>
+                                </p:cTn>
+                              </p:par>
+                              <p:par>
+                                <p:cTn id="34" presetID="22" presetClass="entr" presetSubtype="4" fill="hold" grpId="0" nodeType="withEffect">
                                   <p:stCondLst>
                                     <p:cond delay="3000"/>
                                   </p:stCondLst>
                                   <p:childTnLst>
                                     <p:set>
                                       <p:cBhvr>
-                                        <p:cTn id="32" dur="1" fill="hold">
+                                        <p:cTn id="35" dur="1" fill="hold">
                                           <p:stCondLst>
                                             <p:cond delay="0"/>
                                           </p:stCondLst>
@@ -19115,52 +21515,9 @@
                                     </p:set>
                                     <p:animEffect transition="in" filter="wipe(down)">
                                       <p:cBhvr>
-                                        <p:cTn id="33" dur="500"/>
+                                        <p:cTn id="36" dur="500"/>
                                         <p:tgtEl>
                                           <p:spTgt spid="28"/>
-                                        </p:tgtEl>
-                                      </p:cBhvr>
-                                    </p:animEffect>
-                                  </p:childTnLst>
-                                </p:cTn>
-                              </p:par>
-                              <p:par>
-                                <p:cTn id="34" presetID="22" presetClass="entr" presetSubtype="4" fill="hold" nodeType="withEffect">
-                                  <p:stCondLst>
-                                    <p:cond delay="3300"/>
-                                  </p:stCondLst>
-                                  <p:childTnLst>
-                                    <p:set>
-                                      <p:cBhvr>
-                                        <p:cTn id="35" dur="1" fill="hold">
-                                          <p:stCondLst>
-                                            <p:cond delay="0"/>
-                                          </p:stCondLst>
-                                        </p:cTn>
-                                        <p:tgtEl>
-                                          <p:spTgt spid="29">
-                                            <p:txEl>
-                                              <p:pRg st="0" end="0"/>
-                                            </p:txEl>
-                                          </p:spTgt>
-                                        </p:tgtEl>
-                                        <p:attrNameLst>
-                                          <p:attrName>style.visibility</p:attrName>
-                                        </p:attrNameLst>
-                                      </p:cBhvr>
-                                      <p:to>
-                                        <p:strVal val="visible"/>
-                                      </p:to>
-                                    </p:set>
-                                    <p:animEffect transition="in" filter="wipe(down)">
-                                      <p:cBhvr>
-                                        <p:cTn id="36" dur="500"/>
-                                        <p:tgtEl>
-                                          <p:spTgt spid="29">
-                                            <p:txEl>
-                                              <p:pRg st="0" end="0"/>
-                                            </p:txEl>
-                                          </p:spTgt>
                                         </p:tgtEl>
                                       </p:cBhvr>
                                     </p:animEffect>
@@ -19170,7 +21527,7 @@
                               <p:par>
                                 <p:cTn id="37" presetID="22" presetClass="entr" presetSubtype="4" fill="hold" nodeType="withEffect">
                                   <p:stCondLst>
-                                    <p:cond delay="2200"/>
+                                    <p:cond delay="3300"/>
                                   </p:stCondLst>
                                   <p:childTnLst>
                                     <p:set>
@@ -19181,7 +21538,11 @@
                                           </p:stCondLst>
                                         </p:cTn>
                                         <p:tgtEl>
-                                          <p:spTgt spid="14"/>
+                                          <p:spTgt spid="29">
+                                            <p:txEl>
+                                              <p:pRg st="0" end="0"/>
+                                            </p:txEl>
+                                          </p:spTgt>
                                         </p:tgtEl>
                                         <p:attrNameLst>
                                           <p:attrName>style.visibility</p:attrName>
@@ -19193,7 +21554,46 @@
                                     </p:set>
                                     <p:animEffect transition="in" filter="wipe(down)">
                                       <p:cBhvr>
-                                        <p:cTn id="39" dur="1000"/>
+                                        <p:cTn id="39" dur="500"/>
+                                        <p:tgtEl>
+                                          <p:spTgt spid="29">
+                                            <p:txEl>
+                                              <p:pRg st="0" end="0"/>
+                                            </p:txEl>
+                                          </p:spTgt>
+                                        </p:tgtEl>
+                                      </p:cBhvr>
+                                    </p:animEffect>
+                                  </p:childTnLst>
+                                </p:cTn>
+                              </p:par>
+                              <p:par>
+                                <p:cTn id="40" presetID="22" presetClass="entr" presetSubtype="4" fill="hold" nodeType="withEffect">
+                                  <p:stCondLst>
+                                    <p:cond delay="2200"/>
+                                  </p:stCondLst>
+                                  <p:childTnLst>
+                                    <p:set>
+                                      <p:cBhvr>
+                                        <p:cTn id="41" dur="1" fill="hold">
+                                          <p:stCondLst>
+                                            <p:cond delay="0"/>
+                                          </p:stCondLst>
+                                        </p:cTn>
+                                        <p:tgtEl>
+                                          <p:spTgt spid="14"/>
+                                        </p:tgtEl>
+                                        <p:attrNameLst>
+                                          <p:attrName>style.visibility</p:attrName>
+                                        </p:attrNameLst>
+                                      </p:cBhvr>
+                                      <p:to>
+                                        <p:strVal val="visible"/>
+                                      </p:to>
+                                    </p:set>
+                                    <p:animEffect transition="in" filter="wipe(down)">
+                                      <p:cBhvr>
+                                        <p:cTn id="42" dur="1000"/>
                                         <p:tgtEl>
                                           <p:spTgt spid="14"/>
                                         </p:tgtEl>
@@ -19239,7 +21639,7 @@
 </p:sld>
 </file>
 
-<file path=ppt/slides/slide22.xml><?xml version="1.0" encoding="utf-8"?>
+<file path=ppt/slides/slide27.xml><?xml version="1.0" encoding="utf-8"?>
 <p:sld xmlns:a="http://schemas.openxmlformats.org/drawingml/2006/main" xmlns:r="http://schemas.openxmlformats.org/officeDocument/2006/relationships" xmlns:p="http://schemas.openxmlformats.org/presentationml/2006/main">
   <p:cSld>
     <p:spTree>
@@ -19708,7 +22108,7 @@
 </p:sld>
 </file>
 
-<file path=ppt/slides/slide23.xml><?xml version="1.0" encoding="utf-8"?>
+<file path=ppt/slides/slide28.xml><?xml version="1.0" encoding="utf-8"?>
 <p:sld xmlns:a="http://schemas.openxmlformats.org/drawingml/2006/main" xmlns:r="http://schemas.openxmlformats.org/officeDocument/2006/relationships" xmlns:p="http://schemas.openxmlformats.org/presentationml/2006/main">
   <p:cSld>
     <p:spTree>
@@ -20514,8 +22914,8 @@
         </p:nvSpPr>
         <p:spPr>
           <a:xfrm>
-            <a:off x="5882037" y="7172306"/>
-            <a:ext cx="6500691" cy="707886"/>
+            <a:off x="4949152" y="7172306"/>
+            <a:ext cx="8403629" cy="707886"/>
           </a:xfrm>
           <a:prstGeom prst="rect">
             <a:avLst/>
@@ -20565,7 +22965,7 @@
                 </a:solidFill>
                 <a:latin typeface="Bebas Neue" panose="020B0606020202050201" pitchFamily="34" charset="0"/>
               </a:rPr>
-              <a:t>Whereami</a:t>
+              <a:t>getradius</a:t>
             </a:r>
             <a:r>
               <a:rPr lang="fr-FR" sz="4000" dirty="0" smtClean="0">
@@ -20588,7 +22988,7 @@
                 </a:solidFill>
                 <a:latin typeface="Bebas Neue" panose="020B0606020202050201" pitchFamily="34" charset="0"/>
               </a:rPr>
-              <a:t>TRUE</a:t>
+              <a:t>50:10;100:33;1:0</a:t>
             </a:r>
             <a:endParaRPr lang="fr-FR" sz="4000" dirty="0">
               <a:solidFill>
@@ -20596,6 +22996,202 @@
               </a:solidFill>
               <a:latin typeface="Bebas Neue" panose="020B0606020202050201" pitchFamily="34" charset="0"/>
             </a:endParaRPr>
+          </a:p>
+        </p:txBody>
+      </p:sp>
+      <p:cxnSp>
+        <p:nvCxnSpPr>
+          <p:cNvPr id="6" name="Connecteur droit avec flèche 5"/>
+          <p:cNvCxnSpPr/>
+          <p:nvPr/>
+        </p:nvCxnSpPr>
+        <p:spPr>
+          <a:xfrm flipV="1">
+            <a:off x="11017795" y="7697456"/>
+            <a:ext cx="0" cy="504056"/>
+          </a:xfrm>
+          <a:prstGeom prst="straightConnector1">
+            <a:avLst/>
+          </a:prstGeom>
+          <a:ln>
+            <a:tailEnd type="triangle"/>
+          </a:ln>
+        </p:spPr>
+        <p:style>
+          <a:lnRef idx="3">
+            <a:schemeClr val="dk1"/>
+          </a:lnRef>
+          <a:fillRef idx="0">
+            <a:schemeClr val="dk1"/>
+          </a:fillRef>
+          <a:effectRef idx="2">
+            <a:schemeClr val="dk1"/>
+          </a:effectRef>
+          <a:fontRef idx="minor">
+            <a:schemeClr val="tx1"/>
+          </a:fontRef>
+        </p:style>
+      </p:cxnSp>
+      <p:cxnSp>
+        <p:nvCxnSpPr>
+          <p:cNvPr id="24" name="Connecteur droit avec flèche 23"/>
+          <p:cNvCxnSpPr/>
+          <p:nvPr/>
+        </p:nvCxnSpPr>
+        <p:spPr>
+          <a:xfrm flipV="1">
+            <a:off x="12169923" y="7685673"/>
+            <a:ext cx="0" cy="504056"/>
+          </a:xfrm>
+          <a:prstGeom prst="straightConnector1">
+            <a:avLst/>
+          </a:prstGeom>
+          <a:ln>
+            <a:tailEnd type="triangle"/>
+          </a:ln>
+        </p:spPr>
+        <p:style>
+          <a:lnRef idx="3">
+            <a:schemeClr val="dk1"/>
+          </a:lnRef>
+          <a:fillRef idx="0">
+            <a:schemeClr val="dk1"/>
+          </a:fillRef>
+          <a:effectRef idx="2">
+            <a:schemeClr val="dk1"/>
+          </a:effectRef>
+          <a:fontRef idx="minor">
+            <a:schemeClr val="tx1"/>
+          </a:fontRef>
+        </p:style>
+      </p:cxnSp>
+      <p:cxnSp>
+        <p:nvCxnSpPr>
+          <p:cNvPr id="25" name="Connecteur droit avec flèche 24"/>
+          <p:cNvCxnSpPr/>
+          <p:nvPr/>
+        </p:nvCxnSpPr>
+        <p:spPr>
+          <a:xfrm flipV="1">
+            <a:off x="13034019" y="7697456"/>
+            <a:ext cx="0" cy="504056"/>
+          </a:xfrm>
+          <a:prstGeom prst="straightConnector1">
+            <a:avLst/>
+          </a:prstGeom>
+          <a:ln>
+            <a:tailEnd type="triangle"/>
+          </a:ln>
+        </p:spPr>
+        <p:style>
+          <a:lnRef idx="3">
+            <a:schemeClr val="dk1"/>
+          </a:lnRef>
+          <a:fillRef idx="0">
+            <a:schemeClr val="dk1"/>
+          </a:fillRef>
+          <a:effectRef idx="2">
+            <a:schemeClr val="dk1"/>
+          </a:effectRef>
+          <a:fontRef idx="minor">
+            <a:schemeClr val="tx1"/>
+          </a:fontRef>
+        </p:style>
+      </p:cxnSp>
+      <p:sp>
+        <p:nvSpPr>
+          <p:cNvPr id="8" name="ZoneTexte 7"/>
+          <p:cNvSpPr txBox="1"/>
+          <p:nvPr/>
+        </p:nvSpPr>
+        <p:spPr>
+          <a:xfrm>
+            <a:off x="10441731" y="8457455"/>
+            <a:ext cx="1152128" cy="707886"/>
+          </a:xfrm>
+          <a:prstGeom prst="rect">
+            <a:avLst/>
+          </a:prstGeom>
+          <a:noFill/>
+        </p:spPr>
+        <p:txBody>
+          <a:bodyPr wrap="square" rtlCol="0">
+            <a:spAutoFit/>
+          </a:bodyPr>
+          <a:lstStyle/>
+          <a:p>
+            <a:r>
+              <a:rPr lang="fr-FR" sz="2000" dirty="0" smtClean="0"/>
+              <a:t>Position initiale</a:t>
+            </a:r>
+            <a:endParaRPr lang="fr-FR" sz="2000" dirty="0"/>
+          </a:p>
+        </p:txBody>
+      </p:sp>
+      <p:sp>
+        <p:nvSpPr>
+          <p:cNvPr id="26" name="ZoneTexte 25"/>
+          <p:cNvSpPr txBox="1"/>
+          <p:nvPr/>
+        </p:nvSpPr>
+        <p:spPr>
+          <a:xfrm>
+            <a:off x="11593859" y="8479719"/>
+            <a:ext cx="1152128" cy="707886"/>
+          </a:xfrm>
+          <a:prstGeom prst="rect">
+            <a:avLst/>
+          </a:prstGeom>
+          <a:noFill/>
+        </p:spPr>
+        <p:txBody>
+          <a:bodyPr wrap="square" rtlCol="0">
+            <a:spAutoFit/>
+          </a:bodyPr>
+          <a:lstStyle/>
+          <a:p>
+            <a:r>
+              <a:rPr lang="fr-FR" sz="2000" dirty="0" smtClean="0"/>
+              <a:t>Position finale</a:t>
+            </a:r>
+            <a:endParaRPr lang="fr-FR" sz="2000" dirty="0"/>
+          </a:p>
+        </p:txBody>
+      </p:sp>
+      <p:sp>
+        <p:nvSpPr>
+          <p:cNvPr id="27" name="ZoneTexte 26"/>
+          <p:cNvSpPr txBox="1"/>
+          <p:nvPr/>
+        </p:nvSpPr>
+        <p:spPr>
+          <a:xfrm>
+            <a:off x="12638261" y="8457455"/>
+            <a:ext cx="1835918" cy="707886"/>
+          </a:xfrm>
+          <a:prstGeom prst="rect">
+            <a:avLst/>
+          </a:prstGeom>
+          <a:noFill/>
+        </p:spPr>
+        <p:txBody>
+          <a:bodyPr wrap="square" rtlCol="0">
+            <a:spAutoFit/>
+          </a:bodyPr>
+          <a:lstStyle/>
+          <a:p>
+            <a:r>
+              <a:rPr lang="fr-FR" sz="2000" dirty="0" smtClean="0"/>
+              <a:t>Vecteur </a:t>
+            </a:r>
+            <a:br>
+              <a:rPr lang="fr-FR" sz="2000" dirty="0" smtClean="0"/>
+            </a:br>
+            <a:r>
+              <a:rPr lang="fr-FR" sz="2000" dirty="0" smtClean="0"/>
+              <a:t>de direction</a:t>
+            </a:r>
+            <a:endParaRPr lang="fr-FR" sz="2000" dirty="0"/>
           </a:p>
         </p:txBody>
       </p:sp>
@@ -21117,6 +23713,216 @@
                                   </p:childTnLst>
                                 </p:cTn>
                               </p:par>
+                              <p:par>
+                                <p:cTn id="46" presetID="10" presetClass="entr" presetSubtype="0" fill="hold" nodeType="withEffect">
+                                  <p:stCondLst>
+                                    <p:cond delay="500"/>
+                                  </p:stCondLst>
+                                  <p:childTnLst>
+                                    <p:set>
+                                      <p:cBhvr>
+                                        <p:cTn id="47" dur="1" fill="hold">
+                                          <p:stCondLst>
+                                            <p:cond delay="0"/>
+                                          </p:stCondLst>
+                                        </p:cTn>
+                                        <p:tgtEl>
+                                          <p:spTgt spid="6"/>
+                                        </p:tgtEl>
+                                        <p:attrNameLst>
+                                          <p:attrName>style.visibility</p:attrName>
+                                        </p:attrNameLst>
+                                      </p:cBhvr>
+                                      <p:to>
+                                        <p:strVal val="visible"/>
+                                      </p:to>
+                                    </p:set>
+                                    <p:animEffect transition="in" filter="fade">
+                                      <p:cBhvr>
+                                        <p:cTn id="48" dur="500"/>
+                                        <p:tgtEl>
+                                          <p:spTgt spid="6"/>
+                                        </p:tgtEl>
+                                      </p:cBhvr>
+                                    </p:animEffect>
+                                  </p:childTnLst>
+                                </p:cTn>
+                              </p:par>
+                              <p:par>
+                                <p:cTn id="49" presetID="10" presetClass="entr" presetSubtype="0" fill="hold" nodeType="withEffect">
+                                  <p:stCondLst>
+                                    <p:cond delay="1000"/>
+                                  </p:stCondLst>
+                                  <p:childTnLst>
+                                    <p:set>
+                                      <p:cBhvr>
+                                        <p:cTn id="50" dur="1" fill="hold">
+                                          <p:stCondLst>
+                                            <p:cond delay="0"/>
+                                          </p:stCondLst>
+                                        </p:cTn>
+                                        <p:tgtEl>
+                                          <p:spTgt spid="24"/>
+                                        </p:tgtEl>
+                                        <p:attrNameLst>
+                                          <p:attrName>style.visibility</p:attrName>
+                                        </p:attrNameLst>
+                                      </p:cBhvr>
+                                      <p:to>
+                                        <p:strVal val="visible"/>
+                                      </p:to>
+                                    </p:set>
+                                    <p:animEffect transition="in" filter="fade">
+                                      <p:cBhvr>
+                                        <p:cTn id="51" dur="500"/>
+                                        <p:tgtEl>
+                                          <p:spTgt spid="24"/>
+                                        </p:tgtEl>
+                                      </p:cBhvr>
+                                    </p:animEffect>
+                                  </p:childTnLst>
+                                </p:cTn>
+                              </p:par>
+                              <p:par>
+                                <p:cTn id="52" presetID="10" presetClass="entr" presetSubtype="0" fill="hold" nodeType="withEffect">
+                                  <p:stCondLst>
+                                    <p:cond delay="1500"/>
+                                  </p:stCondLst>
+                                  <p:childTnLst>
+                                    <p:set>
+                                      <p:cBhvr>
+                                        <p:cTn id="53" dur="1" fill="hold">
+                                          <p:stCondLst>
+                                            <p:cond delay="0"/>
+                                          </p:stCondLst>
+                                        </p:cTn>
+                                        <p:tgtEl>
+                                          <p:spTgt spid="25"/>
+                                        </p:tgtEl>
+                                        <p:attrNameLst>
+                                          <p:attrName>style.visibility</p:attrName>
+                                        </p:attrNameLst>
+                                      </p:cBhvr>
+                                      <p:to>
+                                        <p:strVal val="visible"/>
+                                      </p:to>
+                                    </p:set>
+                                    <p:animEffect transition="in" filter="fade">
+                                      <p:cBhvr>
+                                        <p:cTn id="54" dur="500"/>
+                                        <p:tgtEl>
+                                          <p:spTgt spid="25"/>
+                                        </p:tgtEl>
+                                      </p:cBhvr>
+                                    </p:animEffect>
+                                  </p:childTnLst>
+                                </p:cTn>
+                              </p:par>
+                              <p:par>
+                                <p:cTn id="55" presetID="10" presetClass="entr" presetSubtype="0" fill="hold" grpId="0" nodeType="withEffect">
+                                  <p:stCondLst>
+                                    <p:cond delay="1500"/>
+                                  </p:stCondLst>
+                                  <p:childTnLst>
+                                    <p:set>
+                                      <p:cBhvr>
+                                        <p:cTn id="56" dur="1" fill="hold">
+                                          <p:stCondLst>
+                                            <p:cond delay="0"/>
+                                          </p:stCondLst>
+                                        </p:cTn>
+                                        <p:tgtEl>
+                                          <p:spTgt spid="27"/>
+                                        </p:tgtEl>
+                                        <p:attrNameLst>
+                                          <p:attrName>style.visibility</p:attrName>
+                                        </p:attrNameLst>
+                                      </p:cBhvr>
+                                      <p:to>
+                                        <p:strVal val="visible"/>
+                                      </p:to>
+                                    </p:set>
+                                    <p:animEffect transition="in" filter="fade">
+                                      <p:cBhvr>
+                                        <p:cTn id="57" dur="500"/>
+                                        <p:tgtEl>
+                                          <p:spTgt spid="27"/>
+                                        </p:tgtEl>
+                                      </p:cBhvr>
+                                    </p:animEffect>
+                                  </p:childTnLst>
+                                </p:cTn>
+                              </p:par>
+                              <p:par>
+                                <p:cTn id="58" presetID="10" presetClass="entr" presetSubtype="0" fill="hold" grpId="0" nodeType="withEffect">
+                                  <p:stCondLst>
+                                    <p:cond delay="1000"/>
+                                  </p:stCondLst>
+                                  <p:childTnLst>
+                                    <p:set>
+                                      <p:cBhvr>
+                                        <p:cTn id="59" dur="1" fill="hold">
+                                          <p:stCondLst>
+                                            <p:cond delay="0"/>
+                                          </p:stCondLst>
+                                        </p:cTn>
+                                        <p:tgtEl>
+                                          <p:spTgt spid="26"/>
+                                        </p:tgtEl>
+                                        <p:attrNameLst>
+                                          <p:attrName>style.visibility</p:attrName>
+                                        </p:attrNameLst>
+                                      </p:cBhvr>
+                                      <p:to>
+                                        <p:strVal val="visible"/>
+                                      </p:to>
+                                    </p:set>
+                                    <p:animEffect transition="in" filter="fade">
+                                      <p:cBhvr>
+                                        <p:cTn id="60" dur="500"/>
+                                        <p:tgtEl>
+                                          <p:spTgt spid="26"/>
+                                        </p:tgtEl>
+                                      </p:cBhvr>
+                                    </p:animEffect>
+                                  </p:childTnLst>
+                                </p:cTn>
+                              </p:par>
+                              <p:par>
+                                <p:cTn id="61" presetID="10" presetClass="entr" presetSubtype="0" fill="hold" grpId="0" nodeType="withEffect">
+                                  <p:stCondLst>
+                                    <p:cond delay="500"/>
+                                  </p:stCondLst>
+                                  <p:childTnLst>
+                                    <p:set>
+                                      <p:cBhvr>
+                                        <p:cTn id="62" dur="1" fill="hold">
+                                          <p:stCondLst>
+                                            <p:cond delay="0"/>
+                                          </p:stCondLst>
+                                        </p:cTn>
+                                        <p:tgtEl>
+                                          <p:spTgt spid="8"/>
+                                        </p:tgtEl>
+                                        <p:attrNameLst>
+                                          <p:attrName>style.visibility</p:attrName>
+                                        </p:attrNameLst>
+                                      </p:cBhvr>
+                                      <p:to>
+                                        <p:strVal val="visible"/>
+                                      </p:to>
+                                    </p:set>
+                                    <p:animEffect transition="in" filter="fade">
+                                      <p:cBhvr>
+                                        <p:cTn id="63" dur="500"/>
+                                        <p:tgtEl>
+                                          <p:spTgt spid="8"/>
+                                        </p:tgtEl>
+                                      </p:cBhvr>
+                                    </p:animEffect>
+                                  </p:childTnLst>
+                                </p:cTn>
+                              </p:par>
                             </p:childTnLst>
                           </p:cTn>
                         </p:par>
@@ -21157,12 +23963,15 @@
       <p:bldP spid="31" grpId="0"/>
       <p:bldP spid="32" grpId="0"/>
       <p:bldP spid="5" grpId="0"/>
+      <p:bldP spid="8" grpId="0"/>
+      <p:bldP spid="26" grpId="0"/>
+      <p:bldP spid="27" grpId="0"/>
     </p:bldLst>
   </p:timing>
 </p:sld>
 </file>
 
-<file path=ppt/slides/slide24.xml><?xml version="1.0" encoding="utf-8"?>
+<file path=ppt/slides/slide29.xml><?xml version="1.0" encoding="utf-8"?>
 <p:sld xmlns:a="http://schemas.openxmlformats.org/drawingml/2006/main" xmlns:r="http://schemas.openxmlformats.org/officeDocument/2006/relationships" xmlns:p="http://schemas.openxmlformats.org/presentationml/2006/main">
   <p:cSld>
     <p:spTree>
@@ -21626,2371 +24435,6 @@
     <p:bldLst>
       <p:bldP spid="6" grpId="0" animBg="1"/>
       <p:bldP spid="10" grpId="0"/>
-    </p:bldLst>
-  </p:timing>
-</p:sld>
-</file>
-
-<file path=ppt/slides/slide25.xml><?xml version="1.0" encoding="utf-8"?>
-<p:sld xmlns:a="http://schemas.openxmlformats.org/drawingml/2006/main" xmlns:r="http://schemas.openxmlformats.org/officeDocument/2006/relationships" xmlns:p="http://schemas.openxmlformats.org/presentationml/2006/main">
-  <p:cSld>
-    <p:spTree>
-      <p:nvGrpSpPr>
-        <p:cNvPr id="1" name=""/>
-        <p:cNvGrpSpPr/>
-        <p:nvPr/>
-      </p:nvGrpSpPr>
-      <p:grpSpPr>
-        <a:xfrm>
-          <a:off x="0" y="0"/>
-          <a:ext cx="0" cy="0"/>
-          <a:chOff x="0" y="0"/>
-          <a:chExt cx="0" cy="0"/>
-        </a:xfrm>
-      </p:grpSpPr>
-      <p:pic>
-        <p:nvPicPr>
-          <p:cNvPr id="43" name="Picture 42"/>
-          <p:cNvPicPr>
-            <a:picLocks noChangeAspect="1"/>
-          </p:cNvPicPr>
-          <p:nvPr/>
-        </p:nvPicPr>
-        <p:blipFill>
-          <a:blip r:embed="rId3" cstate="print">
-            <a:duotone>
-              <a:prstClr val="black"/>
-              <a:schemeClr val="tx2">
-                <a:tint val="45000"/>
-                <a:satMod val="400000"/>
-              </a:schemeClr>
-            </a:duotone>
-            <a:extLst>
-              <a:ext uri="{28A0092B-C50C-407E-A947-70E740481C1C}">
-                <a14:useLocalDpi xmlns:a14="http://schemas.microsoft.com/office/drawing/2010/main" val="0"/>
-              </a:ext>
-            </a:extLst>
-          </a:blip>
-          <a:stretch>
-            <a:fillRect/>
-          </a:stretch>
-        </p:blipFill>
-        <p:spPr>
-          <a:xfrm>
-            <a:off x="-11637" y="9143199"/>
-            <a:ext cx="18302812" cy="1146976"/>
-          </a:xfrm>
-          <a:prstGeom prst="rect">
-            <a:avLst/>
-          </a:prstGeom>
-        </p:spPr>
-      </p:pic>
-      <p:sp>
-        <p:nvSpPr>
-          <p:cNvPr id="2" name="Rectangle 1"/>
-          <p:cNvSpPr/>
-          <p:nvPr/>
-        </p:nvSpPr>
-        <p:spPr>
-          <a:xfrm>
-            <a:off x="0" y="1040631"/>
-            <a:ext cx="5401171" cy="864096"/>
-          </a:xfrm>
-          <a:prstGeom prst="rect">
-            <a:avLst/>
-          </a:prstGeom>
-          <a:solidFill>
-            <a:srgbClr val="565D6F"/>
-          </a:solidFill>
-          <a:ln>
-            <a:noFill/>
-          </a:ln>
-        </p:spPr>
-        <p:style>
-          <a:lnRef idx="2">
-            <a:schemeClr val="accent1">
-              <a:shade val="50000"/>
-            </a:schemeClr>
-          </a:lnRef>
-          <a:fillRef idx="1">
-            <a:schemeClr val="accent1"/>
-          </a:fillRef>
-          <a:effectRef idx="0">
-            <a:schemeClr val="accent1"/>
-          </a:effectRef>
-          <a:fontRef idx="minor">
-            <a:schemeClr val="lt1"/>
-          </a:fontRef>
-        </p:style>
-        <p:txBody>
-          <a:bodyPr rtlCol="0" anchor="ctr"/>
-          <a:lstStyle/>
-          <a:p>
-            <a:pPr algn="ctr"/>
-            <a:endParaRPr lang="tr-TR"/>
-          </a:p>
-        </p:txBody>
-      </p:sp>
-      <p:sp>
-        <p:nvSpPr>
-          <p:cNvPr id="9" name="Rectangle 8"/>
-          <p:cNvSpPr/>
-          <p:nvPr/>
-        </p:nvSpPr>
-        <p:spPr>
-          <a:xfrm>
-            <a:off x="5401172" y="1040631"/>
-            <a:ext cx="180020" cy="864096"/>
-          </a:xfrm>
-          <a:prstGeom prst="rect">
-            <a:avLst/>
-          </a:prstGeom>
-          <a:solidFill>
-            <a:schemeClr val="bg1">
-              <a:lumMod val="75000"/>
-            </a:schemeClr>
-          </a:solidFill>
-          <a:ln>
-            <a:noFill/>
-          </a:ln>
-        </p:spPr>
-        <p:style>
-          <a:lnRef idx="2">
-            <a:schemeClr val="accent1">
-              <a:shade val="50000"/>
-            </a:schemeClr>
-          </a:lnRef>
-          <a:fillRef idx="1">
-            <a:schemeClr val="accent1"/>
-          </a:fillRef>
-          <a:effectRef idx="0">
-            <a:schemeClr val="accent1"/>
-          </a:effectRef>
-          <a:fontRef idx="minor">
-            <a:schemeClr val="lt1"/>
-          </a:fontRef>
-        </p:style>
-        <p:txBody>
-          <a:bodyPr rtlCol="0" anchor="ctr"/>
-          <a:lstStyle/>
-          <a:p>
-            <a:pPr algn="ctr"/>
-            <a:endParaRPr lang="tr-TR"/>
-          </a:p>
-        </p:txBody>
-      </p:sp>
-      <p:sp>
-        <p:nvSpPr>
-          <p:cNvPr id="12" name="TextBox 11"/>
-          <p:cNvSpPr txBox="1"/>
-          <p:nvPr/>
-        </p:nvSpPr>
-        <p:spPr>
-          <a:xfrm>
-            <a:off x="504198" y="1118736"/>
-            <a:ext cx="4392774" cy="707886"/>
-          </a:xfrm>
-          <a:prstGeom prst="rect">
-            <a:avLst/>
-          </a:prstGeom>
-          <a:noFill/>
-        </p:spPr>
-        <p:txBody>
-          <a:bodyPr wrap="square" rtlCol="0">
-            <a:spAutoFit/>
-          </a:bodyPr>
-          <a:lstStyle/>
-          <a:p>
-            <a:pPr algn="ctr"/>
-            <a:r>
-              <a:rPr lang="fr-FR" sz="4000" b="1" dirty="0" smtClean="0">
-                <a:solidFill>
-                  <a:schemeClr val="bg1">
-                    <a:lumMod val="95000"/>
-                  </a:schemeClr>
-                </a:solidFill>
-                <a:latin typeface="Caviar Dreams" pitchFamily="34" charset="-94"/>
-                <a:ea typeface="Open Sans" pitchFamily="34" charset="0"/>
-                <a:cs typeface="Open Sans" pitchFamily="34" charset="0"/>
-              </a:rPr>
-              <a:t>ORGANISATION</a:t>
-            </a:r>
-            <a:endParaRPr lang="tr-TR" sz="4000" b="1" dirty="0">
-              <a:solidFill>
-                <a:schemeClr val="bg1">
-                  <a:lumMod val="95000"/>
-                </a:schemeClr>
-              </a:solidFill>
-              <a:latin typeface="Caviar Dreams" pitchFamily="34" charset="-94"/>
-              <a:ea typeface="Open Sans" pitchFamily="34" charset="0"/>
-              <a:cs typeface="Open Sans" pitchFamily="34" charset="0"/>
-            </a:endParaRPr>
-          </a:p>
-        </p:txBody>
-      </p:sp>
-      <p:sp>
-        <p:nvSpPr>
-          <p:cNvPr id="53" name="Oval 52"/>
-          <p:cNvSpPr/>
-          <p:nvPr/>
-        </p:nvSpPr>
-        <p:spPr>
-          <a:xfrm>
-            <a:off x="8816986" y="9449582"/>
-            <a:ext cx="654224" cy="648817"/>
-          </a:xfrm>
-          <a:prstGeom prst="ellipse">
-            <a:avLst/>
-          </a:prstGeom>
-          <a:solidFill>
-            <a:schemeClr val="bg1"/>
-          </a:solidFill>
-          <a:ln>
-            <a:noFill/>
-          </a:ln>
-        </p:spPr>
-        <p:style>
-          <a:lnRef idx="2">
-            <a:schemeClr val="accent1">
-              <a:shade val="50000"/>
-            </a:schemeClr>
-          </a:lnRef>
-          <a:fillRef idx="1">
-            <a:schemeClr val="accent1"/>
-          </a:fillRef>
-          <a:effectRef idx="0">
-            <a:schemeClr val="accent1"/>
-          </a:effectRef>
-          <a:fontRef idx="minor">
-            <a:schemeClr val="lt1"/>
-          </a:fontRef>
-        </p:style>
-        <p:txBody>
-          <a:bodyPr rtlCol="0" anchor="ctr"/>
-          <a:lstStyle/>
-          <a:p>
-            <a:pPr algn="ctr"/>
-            <a:endParaRPr lang="tr-TR"/>
-          </a:p>
-        </p:txBody>
-      </p:sp>
-      <p:sp>
-        <p:nvSpPr>
-          <p:cNvPr id="54" name="TextBox 53"/>
-          <p:cNvSpPr txBox="1"/>
-          <p:nvPr/>
-        </p:nvSpPr>
-        <p:spPr>
-          <a:xfrm>
-            <a:off x="8880355" y="9464822"/>
-            <a:ext cx="504056" cy="600164"/>
-          </a:xfrm>
-          <a:prstGeom prst="rect">
-            <a:avLst/>
-          </a:prstGeom>
-          <a:noFill/>
-        </p:spPr>
-        <p:txBody>
-          <a:bodyPr wrap="square" rtlCol="0">
-            <a:spAutoFit/>
-          </a:bodyPr>
-          <a:lstStyle/>
-          <a:p>
-            <a:pPr algn="ctr"/>
-            <a:r>
-              <a:rPr lang="fr-FR" sz="3300" b="1" dirty="0">
-                <a:solidFill>
-                  <a:srgbClr val="565D6F"/>
-                </a:solidFill>
-                <a:latin typeface="Caviar Dreams" pitchFamily="34" charset="-94"/>
-                <a:ea typeface="Open Sans" pitchFamily="34" charset="0"/>
-                <a:cs typeface="Open Sans" pitchFamily="34" charset="0"/>
-              </a:rPr>
-              <a:t>R</a:t>
-            </a:r>
-            <a:endParaRPr lang="tr-TR" sz="3300" b="1" dirty="0">
-              <a:solidFill>
-                <a:srgbClr val="565D6F"/>
-              </a:solidFill>
-              <a:latin typeface="Caviar Dreams" pitchFamily="34" charset="-94"/>
-              <a:ea typeface="Open Sans" pitchFamily="34" charset="0"/>
-              <a:cs typeface="Open Sans" pitchFamily="34" charset="0"/>
-            </a:endParaRPr>
-          </a:p>
-        </p:txBody>
-      </p:sp>
-      <p:pic>
-        <p:nvPicPr>
-          <p:cNvPr id="3" name="Image 2"/>
-          <p:cNvPicPr>
-            <a:picLocks noChangeAspect="1"/>
-          </p:cNvPicPr>
-          <p:nvPr/>
-        </p:nvPicPr>
-        <p:blipFill>
-          <a:blip r:embed="rId4">
-            <a:extLst>
-              <a:ext uri="{28A0092B-C50C-407E-A947-70E740481C1C}">
-                <a14:useLocalDpi xmlns:a14="http://schemas.microsoft.com/office/drawing/2010/main" val="0"/>
-              </a:ext>
-            </a:extLst>
-          </a:blip>
-          <a:stretch>
-            <a:fillRect/>
-          </a:stretch>
-        </p:blipFill>
-        <p:spPr>
-          <a:xfrm>
-            <a:off x="-711727" y="0"/>
-            <a:ext cx="19688220" cy="25478876"/>
-          </a:xfrm>
-          <a:prstGeom prst="rect">
-            <a:avLst/>
-          </a:prstGeom>
-        </p:spPr>
-      </p:pic>
-    </p:spTree>
-    <p:extLst>
-      <p:ext uri="{BB962C8B-B14F-4D97-AF65-F5344CB8AC3E}">
-        <p14:creationId xmlns:p14="http://schemas.microsoft.com/office/powerpoint/2010/main" val="287823677"/>
-      </p:ext>
-    </p:extLst>
-  </p:cSld>
-  <p:clrMapOvr>
-    <a:masterClrMapping/>
-  </p:clrMapOvr>
-  <mc:AlternateContent xmlns:mc="http://schemas.openxmlformats.org/markup-compatibility/2006" xmlns:p14="http://schemas.microsoft.com/office/powerpoint/2010/main">
-    <mc:Choice Requires="p14">
-      <p:transition spd="med" p14:dur="700">
-        <p:fade/>
-      </p:transition>
-    </mc:Choice>
-    <mc:Fallback xmlns="">
-      <p:transition spd="med">
-        <p:fade/>
-      </p:transition>
-    </mc:Fallback>
-  </mc:AlternateContent>
-  <p:timing>
-    <p:tnLst>
-      <p:par>
-        <p:cTn id="1" dur="indefinite" restart="never" nodeType="tmRoot">
-          <p:childTnLst>
-            <p:seq concurrent="1" nextAc="seek">
-              <p:cTn id="2" dur="indefinite" nodeType="mainSeq">
-                <p:childTnLst>
-                  <p:par>
-                    <p:cTn id="3" fill="hold">
-                      <p:stCondLst>
-                        <p:cond delay="indefinite"/>
-                        <p:cond evt="onBegin" delay="0">
-                          <p:tn val="2"/>
-                        </p:cond>
-                      </p:stCondLst>
-                      <p:childTnLst>
-                        <p:par>
-                          <p:cTn id="4" fill="hold">
-                            <p:stCondLst>
-                              <p:cond delay="0"/>
-                            </p:stCondLst>
-                            <p:childTnLst>
-                              <p:par>
-                                <p:cTn id="5" presetID="10" presetClass="entr" presetSubtype="0" fill="hold" grpId="0" nodeType="withEffect">
-                                  <p:stCondLst>
-                                    <p:cond delay="0"/>
-                                  </p:stCondLst>
-                                  <p:childTnLst>
-                                    <p:set>
-                                      <p:cBhvr>
-                                        <p:cTn id="6" dur="1" fill="hold">
-                                          <p:stCondLst>
-                                            <p:cond delay="0"/>
-                                          </p:stCondLst>
-                                        </p:cTn>
-                                        <p:tgtEl>
-                                          <p:spTgt spid="2"/>
-                                        </p:tgtEl>
-                                        <p:attrNameLst>
-                                          <p:attrName>style.visibility</p:attrName>
-                                        </p:attrNameLst>
-                                      </p:cBhvr>
-                                      <p:to>
-                                        <p:strVal val="visible"/>
-                                      </p:to>
-                                    </p:set>
-                                    <p:animEffect transition="in" filter="fade">
-                                      <p:cBhvr>
-                                        <p:cTn id="7" dur="500"/>
-                                        <p:tgtEl>
-                                          <p:spTgt spid="2"/>
-                                        </p:tgtEl>
-                                      </p:cBhvr>
-                                    </p:animEffect>
-                                  </p:childTnLst>
-                                </p:cTn>
-                              </p:par>
-                              <p:par>
-                                <p:cTn id="8" presetID="10" presetClass="entr" presetSubtype="0" fill="hold" grpId="0" nodeType="withEffect">
-                                  <p:stCondLst>
-                                    <p:cond delay="0"/>
-                                  </p:stCondLst>
-                                  <p:childTnLst>
-                                    <p:set>
-                                      <p:cBhvr>
-                                        <p:cTn id="9" dur="1" fill="hold">
-                                          <p:stCondLst>
-                                            <p:cond delay="0"/>
-                                          </p:stCondLst>
-                                        </p:cTn>
-                                        <p:tgtEl>
-                                          <p:spTgt spid="9"/>
-                                        </p:tgtEl>
-                                        <p:attrNameLst>
-                                          <p:attrName>style.visibility</p:attrName>
-                                        </p:attrNameLst>
-                                      </p:cBhvr>
-                                      <p:to>
-                                        <p:strVal val="visible"/>
-                                      </p:to>
-                                    </p:set>
-                                    <p:animEffect transition="in" filter="fade">
-                                      <p:cBhvr>
-                                        <p:cTn id="10" dur="500"/>
-                                        <p:tgtEl>
-                                          <p:spTgt spid="9"/>
-                                        </p:tgtEl>
-                                      </p:cBhvr>
-                                    </p:animEffect>
-                                  </p:childTnLst>
-                                </p:cTn>
-                              </p:par>
-                              <p:par>
-                                <p:cTn id="11" presetID="10" presetClass="entr" presetSubtype="0" fill="hold" grpId="0" nodeType="withEffect">
-                                  <p:stCondLst>
-                                    <p:cond delay="0"/>
-                                  </p:stCondLst>
-                                  <p:childTnLst>
-                                    <p:set>
-                                      <p:cBhvr>
-                                        <p:cTn id="12" dur="1" fill="hold">
-                                          <p:stCondLst>
-                                            <p:cond delay="0"/>
-                                          </p:stCondLst>
-                                        </p:cTn>
-                                        <p:tgtEl>
-                                          <p:spTgt spid="12"/>
-                                        </p:tgtEl>
-                                        <p:attrNameLst>
-                                          <p:attrName>style.visibility</p:attrName>
-                                        </p:attrNameLst>
-                                      </p:cBhvr>
-                                      <p:to>
-                                        <p:strVal val="visible"/>
-                                      </p:to>
-                                    </p:set>
-                                    <p:animEffect transition="in" filter="fade">
-                                      <p:cBhvr>
-                                        <p:cTn id="13" dur="500"/>
-                                        <p:tgtEl>
-                                          <p:spTgt spid="12"/>
-                                        </p:tgtEl>
-                                      </p:cBhvr>
-                                    </p:animEffect>
-                                  </p:childTnLst>
-                                </p:cTn>
-                              </p:par>
-                            </p:childTnLst>
-                          </p:cTn>
-                        </p:par>
-                      </p:childTnLst>
-                    </p:cTn>
-                  </p:par>
-                </p:childTnLst>
-              </p:cTn>
-              <p:prevCondLst>
-                <p:cond evt="onPrev" delay="0">
-                  <p:tgtEl>
-                    <p:sldTgt/>
-                  </p:tgtEl>
-                </p:cond>
-              </p:prevCondLst>
-              <p:nextCondLst>
-                <p:cond evt="onNext" delay="0">
-                  <p:tgtEl>
-                    <p:sldTgt/>
-                  </p:tgtEl>
-                </p:cond>
-              </p:nextCondLst>
-            </p:seq>
-          </p:childTnLst>
-        </p:cTn>
-      </p:par>
-    </p:tnLst>
-    <p:bldLst>
-      <p:bldP spid="2" grpId="0" animBg="1"/>
-      <p:bldP spid="9" grpId="0" animBg="1"/>
-      <p:bldP spid="12" grpId="0"/>
-    </p:bldLst>
-  </p:timing>
-</p:sld>
-</file>
-
-<file path=ppt/slides/slide26.xml><?xml version="1.0" encoding="utf-8"?>
-<p:sld xmlns:a="http://schemas.openxmlformats.org/drawingml/2006/main" xmlns:r="http://schemas.openxmlformats.org/officeDocument/2006/relationships" xmlns:p="http://schemas.openxmlformats.org/presentationml/2006/main">
-  <p:cSld>
-    <p:spTree>
-      <p:nvGrpSpPr>
-        <p:cNvPr id="1" name=""/>
-        <p:cNvGrpSpPr/>
-        <p:nvPr/>
-      </p:nvGrpSpPr>
-      <p:grpSpPr>
-        <a:xfrm>
-          <a:off x="0" y="0"/>
-          <a:ext cx="0" cy="0"/>
-          <a:chOff x="0" y="0"/>
-          <a:chExt cx="0" cy="0"/>
-        </a:xfrm>
-      </p:grpSpPr>
-      <p:pic>
-        <p:nvPicPr>
-          <p:cNvPr id="7" name="Picture 6"/>
-          <p:cNvPicPr>
-            <a:picLocks noChangeAspect="1"/>
-          </p:cNvPicPr>
-          <p:nvPr/>
-        </p:nvPicPr>
-        <p:blipFill>
-          <a:blip r:embed="rId3" cstate="print">
-            <a:duotone>
-              <a:prstClr val="black"/>
-              <a:schemeClr val="tx2">
-                <a:tint val="45000"/>
-                <a:satMod val="400000"/>
-              </a:schemeClr>
-            </a:duotone>
-            <a:extLst>
-              <a:ext uri="{28A0092B-C50C-407E-A947-70E740481C1C}">
-                <a14:useLocalDpi xmlns:a14="http://schemas.microsoft.com/office/drawing/2010/main" val="0"/>
-              </a:ext>
-            </a:extLst>
-          </a:blip>
-          <a:stretch>
-            <a:fillRect/>
-          </a:stretch>
-        </p:blipFill>
-        <p:spPr>
-          <a:xfrm>
-            <a:off x="-11637" y="9143199"/>
-            <a:ext cx="18302812" cy="1146976"/>
-          </a:xfrm>
-          <a:prstGeom prst="rect">
-            <a:avLst/>
-          </a:prstGeom>
-        </p:spPr>
-      </p:pic>
-      <p:sp>
-        <p:nvSpPr>
-          <p:cNvPr id="6" name="Oval 5"/>
-          <p:cNvSpPr/>
-          <p:nvPr/>
-        </p:nvSpPr>
-        <p:spPr>
-          <a:xfrm>
-            <a:off x="7885447" y="2912839"/>
-            <a:ext cx="2520280" cy="2520280"/>
-          </a:xfrm>
-          <a:prstGeom prst="ellipse">
-            <a:avLst/>
-          </a:prstGeom>
-          <a:solidFill>
-            <a:srgbClr val="565D6F"/>
-          </a:solidFill>
-          <a:ln>
-            <a:noFill/>
-          </a:ln>
-        </p:spPr>
-        <p:style>
-          <a:lnRef idx="2">
-            <a:schemeClr val="accent1">
-              <a:shade val="50000"/>
-            </a:schemeClr>
-          </a:lnRef>
-          <a:fillRef idx="1">
-            <a:schemeClr val="accent1"/>
-          </a:fillRef>
-          <a:effectRef idx="0">
-            <a:schemeClr val="accent1"/>
-          </a:effectRef>
-          <a:fontRef idx="minor">
-            <a:schemeClr val="lt1"/>
-          </a:fontRef>
-        </p:style>
-        <p:txBody>
-          <a:bodyPr rtlCol="0" anchor="ctr"/>
-          <a:lstStyle/>
-          <a:p>
-            <a:pPr algn="ctr"/>
-            <a:endParaRPr lang="tr-TR"/>
-          </a:p>
-        </p:txBody>
-      </p:sp>
-      <p:sp>
-        <p:nvSpPr>
-          <p:cNvPr id="10" name="TextBox 9"/>
-          <p:cNvSpPr txBox="1"/>
-          <p:nvPr/>
-        </p:nvSpPr>
-        <p:spPr>
-          <a:xfrm>
-            <a:off x="5105622" y="5793159"/>
-            <a:ext cx="8068294" cy="861774"/>
-          </a:xfrm>
-          <a:prstGeom prst="rect">
-            <a:avLst/>
-          </a:prstGeom>
-          <a:noFill/>
-        </p:spPr>
-        <p:txBody>
-          <a:bodyPr wrap="square" rtlCol="0">
-            <a:spAutoFit/>
-          </a:bodyPr>
-          <a:lstStyle/>
-          <a:p>
-            <a:pPr algn="ctr"/>
-            <a:r>
-              <a:rPr lang="fr-FR" sz="5000" b="1" dirty="0" smtClean="0">
-                <a:solidFill>
-                  <a:schemeClr val="tx1">
-                    <a:lumMod val="65000"/>
-                    <a:lumOff val="35000"/>
-                  </a:schemeClr>
-                </a:solidFill>
-                <a:latin typeface="Caviar Dreams" pitchFamily="34" charset="-94"/>
-                <a:ea typeface="Open Sans" pitchFamily="34" charset="0"/>
-                <a:cs typeface="Open Sans" pitchFamily="34" charset="0"/>
-              </a:rPr>
-              <a:t>Rsmart Control</a:t>
-            </a:r>
-            <a:endParaRPr lang="tr-TR" sz="5000" b="1" dirty="0">
-              <a:solidFill>
-                <a:schemeClr val="tx1">
-                  <a:lumMod val="65000"/>
-                  <a:lumOff val="35000"/>
-                </a:schemeClr>
-              </a:solidFill>
-              <a:latin typeface="Caviar Dreams" pitchFamily="34" charset="-94"/>
-              <a:ea typeface="Open Sans" pitchFamily="34" charset="0"/>
-              <a:cs typeface="Open Sans" pitchFamily="34" charset="0"/>
-            </a:endParaRPr>
-          </a:p>
-        </p:txBody>
-      </p:sp>
-      <p:sp>
-        <p:nvSpPr>
-          <p:cNvPr id="15" name="Oval 14"/>
-          <p:cNvSpPr/>
-          <p:nvPr/>
-        </p:nvSpPr>
-        <p:spPr>
-          <a:xfrm>
-            <a:off x="8816986" y="9449582"/>
-            <a:ext cx="654224" cy="648817"/>
-          </a:xfrm>
-          <a:prstGeom prst="ellipse">
-            <a:avLst/>
-          </a:prstGeom>
-          <a:solidFill>
-            <a:schemeClr val="bg1"/>
-          </a:solidFill>
-          <a:ln>
-            <a:noFill/>
-          </a:ln>
-        </p:spPr>
-        <p:style>
-          <a:lnRef idx="2">
-            <a:schemeClr val="accent1">
-              <a:shade val="50000"/>
-            </a:schemeClr>
-          </a:lnRef>
-          <a:fillRef idx="1">
-            <a:schemeClr val="accent1"/>
-          </a:fillRef>
-          <a:effectRef idx="0">
-            <a:schemeClr val="accent1"/>
-          </a:effectRef>
-          <a:fontRef idx="minor">
-            <a:schemeClr val="lt1"/>
-          </a:fontRef>
-        </p:style>
-        <p:txBody>
-          <a:bodyPr rtlCol="0" anchor="ctr"/>
-          <a:lstStyle/>
-          <a:p>
-            <a:pPr algn="ctr"/>
-            <a:endParaRPr lang="tr-TR"/>
-          </a:p>
-        </p:txBody>
-      </p:sp>
-      <p:sp>
-        <p:nvSpPr>
-          <p:cNvPr id="16" name="TextBox 15"/>
-          <p:cNvSpPr txBox="1"/>
-          <p:nvPr/>
-        </p:nvSpPr>
-        <p:spPr>
-          <a:xfrm>
-            <a:off x="8880355" y="9464822"/>
-            <a:ext cx="504056" cy="1107996"/>
-          </a:xfrm>
-          <a:prstGeom prst="rect">
-            <a:avLst/>
-          </a:prstGeom>
-          <a:noFill/>
-        </p:spPr>
-        <p:txBody>
-          <a:bodyPr wrap="square" rtlCol="0">
-            <a:spAutoFit/>
-          </a:bodyPr>
-          <a:lstStyle/>
-          <a:p>
-            <a:pPr algn="ctr"/>
-            <a:r>
-              <a:rPr lang="fr-FR" sz="3300" b="1" dirty="0">
-                <a:solidFill>
-                  <a:srgbClr val="565D6F"/>
-                </a:solidFill>
-                <a:latin typeface="Caviar Dreams" pitchFamily="34" charset="-94"/>
-                <a:ea typeface="Open Sans" pitchFamily="34" charset="0"/>
-                <a:cs typeface="Open Sans" pitchFamily="34" charset="0"/>
-              </a:rPr>
-              <a:t>R</a:t>
-            </a:r>
-            <a:endParaRPr lang="tr-TR" sz="3300" b="1" dirty="0">
-              <a:solidFill>
-                <a:srgbClr val="565D6F"/>
-              </a:solidFill>
-              <a:latin typeface="Caviar Dreams" pitchFamily="34" charset="-94"/>
-              <a:ea typeface="Open Sans" pitchFamily="34" charset="0"/>
-              <a:cs typeface="Open Sans" pitchFamily="34" charset="0"/>
-            </a:endParaRPr>
-          </a:p>
-          <a:p>
-            <a:pPr algn="ctr"/>
-            <a:endParaRPr lang="tr-TR" sz="3300" b="1" dirty="0">
-              <a:solidFill>
-                <a:srgbClr val="009CD6"/>
-              </a:solidFill>
-              <a:latin typeface="Caviar Dreams" pitchFamily="34" charset="-94"/>
-              <a:ea typeface="Open Sans" pitchFamily="34" charset="0"/>
-              <a:cs typeface="Open Sans" pitchFamily="34" charset="0"/>
-            </a:endParaRPr>
-          </a:p>
-        </p:txBody>
-      </p:sp>
-      <p:pic>
-        <p:nvPicPr>
-          <p:cNvPr id="2" name="Image 1"/>
-          <p:cNvPicPr>
-            <a:picLocks noChangeAspect="1"/>
-          </p:cNvPicPr>
-          <p:nvPr/>
-        </p:nvPicPr>
-        <p:blipFill>
-          <a:blip r:embed="rId4">
-            <a:lum bright="70000" contrast="-70000"/>
-            <a:extLst>
-              <a:ext uri="{28A0092B-C50C-407E-A947-70E740481C1C}">
-                <a14:useLocalDpi xmlns:a14="http://schemas.microsoft.com/office/drawing/2010/main" val="0"/>
-              </a:ext>
-            </a:extLst>
-          </a:blip>
-          <a:stretch>
-            <a:fillRect/>
-          </a:stretch>
-        </p:blipFill>
-        <p:spPr>
-          <a:xfrm>
-            <a:off x="7754848" y="3237075"/>
-            <a:ext cx="2769841" cy="1871807"/>
-          </a:xfrm>
-          <a:prstGeom prst="rect">
-            <a:avLst/>
-          </a:prstGeom>
-        </p:spPr>
-      </p:pic>
-    </p:spTree>
-    <p:extLst>
-      <p:ext uri="{BB962C8B-B14F-4D97-AF65-F5344CB8AC3E}">
-        <p14:creationId xmlns:p14="http://schemas.microsoft.com/office/powerpoint/2010/main" val="2890770384"/>
-      </p:ext>
-    </p:extLst>
-  </p:cSld>
-  <p:clrMapOvr>
-    <a:masterClrMapping/>
-  </p:clrMapOvr>
-  <mc:AlternateContent xmlns:mc="http://schemas.openxmlformats.org/markup-compatibility/2006" xmlns:p14="http://schemas.microsoft.com/office/powerpoint/2010/main">
-    <mc:Choice Requires="p14">
-      <p:transition spd="med" p14:dur="700">
-        <p:fade/>
-      </p:transition>
-    </mc:Choice>
-    <mc:Fallback xmlns="">
-      <p:transition spd="med">
-        <p:fade/>
-      </p:transition>
-    </mc:Fallback>
-  </mc:AlternateContent>
-  <p:timing>
-    <p:tnLst>
-      <p:par>
-        <p:cTn id="1" dur="indefinite" restart="never" nodeType="tmRoot">
-          <p:childTnLst>
-            <p:seq concurrent="1" nextAc="seek">
-              <p:cTn id="2" dur="indefinite" nodeType="mainSeq">
-                <p:childTnLst>
-                  <p:par>
-                    <p:cTn id="3" fill="hold">
-                      <p:stCondLst>
-                        <p:cond delay="indefinite"/>
-                        <p:cond evt="onBegin" delay="0">
-                          <p:tn val="2"/>
-                        </p:cond>
-                      </p:stCondLst>
-                      <p:childTnLst>
-                        <p:par>
-                          <p:cTn id="4" fill="hold">
-                            <p:stCondLst>
-                              <p:cond delay="0"/>
-                            </p:stCondLst>
-                            <p:childTnLst>
-                              <p:par>
-                                <p:cTn id="5" presetID="10" presetClass="entr" presetSubtype="0" fill="hold" grpId="0" nodeType="withEffect">
-                                  <p:stCondLst>
-                                    <p:cond delay="0"/>
-                                  </p:stCondLst>
-                                  <p:childTnLst>
-                                    <p:set>
-                                      <p:cBhvr>
-                                        <p:cTn id="6" dur="1" fill="hold">
-                                          <p:stCondLst>
-                                            <p:cond delay="0"/>
-                                          </p:stCondLst>
-                                        </p:cTn>
-                                        <p:tgtEl>
-                                          <p:spTgt spid="6"/>
-                                        </p:tgtEl>
-                                        <p:attrNameLst>
-                                          <p:attrName>style.visibility</p:attrName>
-                                        </p:attrNameLst>
-                                      </p:cBhvr>
-                                      <p:to>
-                                        <p:strVal val="visible"/>
-                                      </p:to>
-                                    </p:set>
-                                    <p:animEffect transition="in" filter="fade">
-                                      <p:cBhvr>
-                                        <p:cTn id="7" dur="500"/>
-                                        <p:tgtEl>
-                                          <p:spTgt spid="6"/>
-                                        </p:tgtEl>
-                                      </p:cBhvr>
-                                    </p:animEffect>
-                                  </p:childTnLst>
-                                </p:cTn>
-                              </p:par>
-                              <p:par>
-                                <p:cTn id="8" presetID="10" presetClass="entr" presetSubtype="0" fill="hold" grpId="0" nodeType="withEffect">
-                                  <p:stCondLst>
-                                    <p:cond delay="0"/>
-                                  </p:stCondLst>
-                                  <p:childTnLst>
-                                    <p:set>
-                                      <p:cBhvr>
-                                        <p:cTn id="9" dur="1" fill="hold">
-                                          <p:stCondLst>
-                                            <p:cond delay="0"/>
-                                          </p:stCondLst>
-                                        </p:cTn>
-                                        <p:tgtEl>
-                                          <p:spTgt spid="10"/>
-                                        </p:tgtEl>
-                                        <p:attrNameLst>
-                                          <p:attrName>style.visibility</p:attrName>
-                                        </p:attrNameLst>
-                                      </p:cBhvr>
-                                      <p:to>
-                                        <p:strVal val="visible"/>
-                                      </p:to>
-                                    </p:set>
-                                    <p:animEffect transition="in" filter="fade">
-                                      <p:cBhvr>
-                                        <p:cTn id="10" dur="500"/>
-                                        <p:tgtEl>
-                                          <p:spTgt spid="10"/>
-                                        </p:tgtEl>
-                                      </p:cBhvr>
-                                    </p:animEffect>
-                                  </p:childTnLst>
-                                </p:cTn>
-                              </p:par>
-                              <p:par>
-                                <p:cTn id="11" presetID="10" presetClass="entr" presetSubtype="0" fill="hold" nodeType="withEffect">
-                                  <p:stCondLst>
-                                    <p:cond delay="0"/>
-                                  </p:stCondLst>
-                                  <p:childTnLst>
-                                    <p:set>
-                                      <p:cBhvr>
-                                        <p:cTn id="12" dur="1" fill="hold">
-                                          <p:stCondLst>
-                                            <p:cond delay="0"/>
-                                          </p:stCondLst>
-                                        </p:cTn>
-                                        <p:tgtEl>
-                                          <p:spTgt spid="2"/>
-                                        </p:tgtEl>
-                                        <p:attrNameLst>
-                                          <p:attrName>style.visibility</p:attrName>
-                                        </p:attrNameLst>
-                                      </p:cBhvr>
-                                      <p:to>
-                                        <p:strVal val="visible"/>
-                                      </p:to>
-                                    </p:set>
-                                    <p:animEffect transition="in" filter="fade">
-                                      <p:cBhvr>
-                                        <p:cTn id="13" dur="500"/>
-                                        <p:tgtEl>
-                                          <p:spTgt spid="2"/>
-                                        </p:tgtEl>
-                                      </p:cBhvr>
-                                    </p:animEffect>
-                                  </p:childTnLst>
-                                </p:cTn>
-                              </p:par>
-                            </p:childTnLst>
-                          </p:cTn>
-                        </p:par>
-                      </p:childTnLst>
-                    </p:cTn>
-                  </p:par>
-                </p:childTnLst>
-              </p:cTn>
-              <p:prevCondLst>
-                <p:cond evt="onPrev" delay="0">
-                  <p:tgtEl>
-                    <p:sldTgt/>
-                  </p:tgtEl>
-                </p:cond>
-              </p:prevCondLst>
-              <p:nextCondLst>
-                <p:cond evt="onNext" delay="0">
-                  <p:tgtEl>
-                    <p:sldTgt/>
-                  </p:tgtEl>
-                </p:cond>
-              </p:nextCondLst>
-            </p:seq>
-          </p:childTnLst>
-        </p:cTn>
-      </p:par>
-    </p:tnLst>
-    <p:bldLst>
-      <p:bldP spid="6" grpId="0" animBg="1"/>
-      <p:bldP spid="10" grpId="0"/>
-    </p:bldLst>
-  </p:timing>
-</p:sld>
-</file>
-
-<file path=ppt/slides/slide27.xml><?xml version="1.0" encoding="utf-8"?>
-<p:sld xmlns:a="http://schemas.openxmlformats.org/drawingml/2006/main" xmlns:r="http://schemas.openxmlformats.org/officeDocument/2006/relationships" xmlns:p="http://schemas.openxmlformats.org/presentationml/2006/main">
-  <p:cSld>
-    <p:spTree>
-      <p:nvGrpSpPr>
-        <p:cNvPr id="1" name=""/>
-        <p:cNvGrpSpPr/>
-        <p:nvPr/>
-      </p:nvGrpSpPr>
-      <p:grpSpPr>
-        <a:xfrm>
-          <a:off x="0" y="0"/>
-          <a:ext cx="0" cy="0"/>
-          <a:chOff x="0" y="0"/>
-          <a:chExt cx="0" cy="0"/>
-        </a:xfrm>
-      </p:grpSpPr>
-      <p:pic>
-        <p:nvPicPr>
-          <p:cNvPr id="43" name="Picture 42"/>
-          <p:cNvPicPr>
-            <a:picLocks noChangeAspect="1"/>
-          </p:cNvPicPr>
-          <p:nvPr/>
-        </p:nvPicPr>
-        <p:blipFill>
-          <a:blip r:embed="rId3" cstate="print">
-            <a:duotone>
-              <a:prstClr val="black"/>
-              <a:schemeClr val="tx2">
-                <a:tint val="45000"/>
-                <a:satMod val="400000"/>
-              </a:schemeClr>
-            </a:duotone>
-            <a:extLst>
-              <a:ext uri="{28A0092B-C50C-407E-A947-70E740481C1C}">
-                <a14:useLocalDpi xmlns:a14="http://schemas.microsoft.com/office/drawing/2010/main" val="0"/>
-              </a:ext>
-            </a:extLst>
-          </a:blip>
-          <a:stretch>
-            <a:fillRect/>
-          </a:stretch>
-        </p:blipFill>
-        <p:spPr>
-          <a:xfrm>
-            <a:off x="-11637" y="9143199"/>
-            <a:ext cx="18302812" cy="1146976"/>
-          </a:xfrm>
-          <a:prstGeom prst="rect">
-            <a:avLst/>
-          </a:prstGeom>
-        </p:spPr>
-      </p:pic>
-      <p:sp>
-        <p:nvSpPr>
-          <p:cNvPr id="2" name="Rectangle 1"/>
-          <p:cNvSpPr/>
-          <p:nvPr/>
-        </p:nvSpPr>
-        <p:spPr>
-          <a:xfrm>
-            <a:off x="0" y="1040631"/>
-            <a:ext cx="5401171" cy="864096"/>
-          </a:xfrm>
-          <a:prstGeom prst="rect">
-            <a:avLst/>
-          </a:prstGeom>
-          <a:solidFill>
-            <a:srgbClr val="565D6F"/>
-          </a:solidFill>
-          <a:ln>
-            <a:noFill/>
-          </a:ln>
-        </p:spPr>
-        <p:style>
-          <a:lnRef idx="2">
-            <a:schemeClr val="accent1">
-              <a:shade val="50000"/>
-            </a:schemeClr>
-          </a:lnRef>
-          <a:fillRef idx="1">
-            <a:schemeClr val="accent1"/>
-          </a:fillRef>
-          <a:effectRef idx="0">
-            <a:schemeClr val="accent1"/>
-          </a:effectRef>
-          <a:fontRef idx="minor">
-            <a:schemeClr val="lt1"/>
-          </a:fontRef>
-        </p:style>
-        <p:txBody>
-          <a:bodyPr rtlCol="0" anchor="ctr"/>
-          <a:lstStyle/>
-          <a:p>
-            <a:pPr algn="ctr"/>
-            <a:endParaRPr lang="tr-TR"/>
-          </a:p>
-        </p:txBody>
-      </p:sp>
-      <p:sp>
-        <p:nvSpPr>
-          <p:cNvPr id="9" name="Rectangle 8"/>
-          <p:cNvSpPr/>
-          <p:nvPr/>
-        </p:nvSpPr>
-        <p:spPr>
-          <a:xfrm>
-            <a:off x="5401172" y="1040631"/>
-            <a:ext cx="180020" cy="864096"/>
-          </a:xfrm>
-          <a:prstGeom prst="rect">
-            <a:avLst/>
-          </a:prstGeom>
-          <a:solidFill>
-            <a:schemeClr val="bg1">
-              <a:lumMod val="75000"/>
-            </a:schemeClr>
-          </a:solidFill>
-          <a:ln>
-            <a:noFill/>
-          </a:ln>
-        </p:spPr>
-        <p:style>
-          <a:lnRef idx="2">
-            <a:schemeClr val="accent1">
-              <a:shade val="50000"/>
-            </a:schemeClr>
-          </a:lnRef>
-          <a:fillRef idx="1">
-            <a:schemeClr val="accent1"/>
-          </a:fillRef>
-          <a:effectRef idx="0">
-            <a:schemeClr val="accent1"/>
-          </a:effectRef>
-          <a:fontRef idx="minor">
-            <a:schemeClr val="lt1"/>
-          </a:fontRef>
-        </p:style>
-        <p:txBody>
-          <a:bodyPr rtlCol="0" anchor="ctr"/>
-          <a:lstStyle/>
-          <a:p>
-            <a:pPr algn="ctr"/>
-            <a:endParaRPr lang="tr-TR"/>
-          </a:p>
-        </p:txBody>
-      </p:sp>
-      <p:sp>
-        <p:nvSpPr>
-          <p:cNvPr id="12" name="TextBox 11"/>
-          <p:cNvSpPr txBox="1"/>
-          <p:nvPr/>
-        </p:nvSpPr>
-        <p:spPr>
-          <a:xfrm>
-            <a:off x="324392" y="1149513"/>
-            <a:ext cx="4752385" cy="646331"/>
-          </a:xfrm>
-          <a:prstGeom prst="rect">
-            <a:avLst/>
-          </a:prstGeom>
-          <a:noFill/>
-        </p:spPr>
-        <p:txBody>
-          <a:bodyPr wrap="square" rtlCol="0">
-            <a:spAutoFit/>
-          </a:bodyPr>
-          <a:lstStyle/>
-          <a:p>
-            <a:pPr algn="ctr"/>
-            <a:r>
-              <a:rPr lang="fr-FR" sz="3600" b="1" dirty="0" smtClean="0">
-                <a:solidFill>
-                  <a:schemeClr val="bg1">
-                    <a:lumMod val="95000"/>
-                  </a:schemeClr>
-                </a:solidFill>
-                <a:latin typeface="Caviar Dreams" pitchFamily="34" charset="-94"/>
-                <a:ea typeface="Open Sans" pitchFamily="34" charset="0"/>
-                <a:cs typeface="Open Sans" pitchFamily="34" charset="0"/>
-              </a:rPr>
-              <a:t>RSMART CONTROL</a:t>
-            </a:r>
-            <a:endParaRPr lang="tr-TR" sz="3600" b="1" dirty="0">
-              <a:solidFill>
-                <a:schemeClr val="bg1">
-                  <a:lumMod val="95000"/>
-                </a:schemeClr>
-              </a:solidFill>
-              <a:latin typeface="Caviar Dreams" pitchFamily="34" charset="-94"/>
-              <a:ea typeface="Open Sans" pitchFamily="34" charset="0"/>
-              <a:cs typeface="Open Sans" pitchFamily="34" charset="0"/>
-            </a:endParaRPr>
-          </a:p>
-        </p:txBody>
-      </p:sp>
-      <p:sp>
-        <p:nvSpPr>
-          <p:cNvPr id="53" name="Oval 52"/>
-          <p:cNvSpPr/>
-          <p:nvPr/>
-        </p:nvSpPr>
-        <p:spPr>
-          <a:xfrm>
-            <a:off x="8816986" y="9449582"/>
-            <a:ext cx="654224" cy="648817"/>
-          </a:xfrm>
-          <a:prstGeom prst="ellipse">
-            <a:avLst/>
-          </a:prstGeom>
-          <a:solidFill>
-            <a:schemeClr val="bg1"/>
-          </a:solidFill>
-          <a:ln>
-            <a:noFill/>
-          </a:ln>
-        </p:spPr>
-        <p:style>
-          <a:lnRef idx="2">
-            <a:schemeClr val="accent1">
-              <a:shade val="50000"/>
-            </a:schemeClr>
-          </a:lnRef>
-          <a:fillRef idx="1">
-            <a:schemeClr val="accent1"/>
-          </a:fillRef>
-          <a:effectRef idx="0">
-            <a:schemeClr val="accent1"/>
-          </a:effectRef>
-          <a:fontRef idx="minor">
-            <a:schemeClr val="lt1"/>
-          </a:fontRef>
-        </p:style>
-        <p:txBody>
-          <a:bodyPr rtlCol="0" anchor="ctr"/>
-          <a:lstStyle/>
-          <a:p>
-            <a:pPr algn="ctr"/>
-            <a:endParaRPr lang="tr-TR"/>
-          </a:p>
-        </p:txBody>
-      </p:sp>
-      <p:sp>
-        <p:nvSpPr>
-          <p:cNvPr id="54" name="TextBox 53"/>
-          <p:cNvSpPr txBox="1"/>
-          <p:nvPr/>
-        </p:nvSpPr>
-        <p:spPr>
-          <a:xfrm>
-            <a:off x="8880355" y="9464822"/>
-            <a:ext cx="504056" cy="600164"/>
-          </a:xfrm>
-          <a:prstGeom prst="rect">
-            <a:avLst/>
-          </a:prstGeom>
-          <a:noFill/>
-        </p:spPr>
-        <p:txBody>
-          <a:bodyPr wrap="square" rtlCol="0">
-            <a:spAutoFit/>
-          </a:bodyPr>
-          <a:lstStyle/>
-          <a:p>
-            <a:pPr algn="ctr"/>
-            <a:r>
-              <a:rPr lang="fr-FR" sz="3300" b="1" dirty="0">
-                <a:solidFill>
-                  <a:srgbClr val="565D6F"/>
-                </a:solidFill>
-                <a:latin typeface="Caviar Dreams" pitchFamily="34" charset="-94"/>
-                <a:ea typeface="Open Sans" pitchFamily="34" charset="0"/>
-                <a:cs typeface="Open Sans" pitchFamily="34" charset="0"/>
-              </a:rPr>
-              <a:t>R</a:t>
-            </a:r>
-            <a:endParaRPr lang="tr-TR" sz="3300" b="1" dirty="0">
-              <a:solidFill>
-                <a:srgbClr val="565D6F"/>
-              </a:solidFill>
-              <a:latin typeface="Caviar Dreams" pitchFamily="34" charset="-94"/>
-              <a:ea typeface="Open Sans" pitchFamily="34" charset="0"/>
-              <a:cs typeface="Open Sans" pitchFamily="34" charset="0"/>
-            </a:endParaRPr>
-          </a:p>
-        </p:txBody>
-      </p:sp>
-      <p:pic>
-        <p:nvPicPr>
-          <p:cNvPr id="4" name="Image 3"/>
-          <p:cNvPicPr>
-            <a:picLocks noChangeAspect="1"/>
-          </p:cNvPicPr>
-          <p:nvPr/>
-        </p:nvPicPr>
-        <p:blipFill>
-          <a:blip r:embed="rId4">
-            <a:extLst>
-              <a:ext uri="{28A0092B-C50C-407E-A947-70E740481C1C}">
-                <a14:useLocalDpi xmlns:a14="http://schemas.microsoft.com/office/drawing/2010/main" val="0"/>
-              </a:ext>
-            </a:extLst>
-          </a:blip>
-          <a:stretch>
-            <a:fillRect/>
-          </a:stretch>
-        </p:blipFill>
-        <p:spPr>
-          <a:xfrm>
-            <a:off x="-143445" y="-183505"/>
-            <a:ext cx="18434620" cy="11503793"/>
-          </a:xfrm>
-          <a:prstGeom prst="rect">
-            <a:avLst/>
-          </a:prstGeom>
-        </p:spPr>
-      </p:pic>
-    </p:spTree>
-    <p:extLst>
-      <p:ext uri="{BB962C8B-B14F-4D97-AF65-F5344CB8AC3E}">
-        <p14:creationId xmlns:p14="http://schemas.microsoft.com/office/powerpoint/2010/main" val="2160197003"/>
-      </p:ext>
-    </p:extLst>
-  </p:cSld>
-  <p:clrMapOvr>
-    <a:masterClrMapping/>
-  </p:clrMapOvr>
-  <mc:AlternateContent xmlns:mc="http://schemas.openxmlformats.org/markup-compatibility/2006" xmlns:p14="http://schemas.microsoft.com/office/powerpoint/2010/main">
-    <mc:Choice Requires="p14">
-      <p:transition spd="med" p14:dur="700">
-        <p:fade/>
-      </p:transition>
-    </mc:Choice>
-    <mc:Fallback xmlns="">
-      <p:transition spd="med">
-        <p:fade/>
-      </p:transition>
-    </mc:Fallback>
-  </mc:AlternateContent>
-  <p:timing>
-    <p:tnLst>
-      <p:par>
-        <p:cTn id="1" dur="indefinite" restart="never" nodeType="tmRoot">
-          <p:childTnLst>
-            <p:seq concurrent="1" nextAc="seek">
-              <p:cTn id="2" dur="indefinite" nodeType="mainSeq">
-                <p:childTnLst>
-                  <p:par>
-                    <p:cTn id="3" fill="hold">
-                      <p:stCondLst>
-                        <p:cond delay="indefinite"/>
-                        <p:cond evt="onBegin" delay="0">
-                          <p:tn val="2"/>
-                        </p:cond>
-                      </p:stCondLst>
-                      <p:childTnLst>
-                        <p:par>
-                          <p:cTn id="4" fill="hold">
-                            <p:stCondLst>
-                              <p:cond delay="0"/>
-                            </p:stCondLst>
-                            <p:childTnLst>
-                              <p:par>
-                                <p:cTn id="5" presetID="10" presetClass="entr" presetSubtype="0" fill="hold" grpId="0" nodeType="withEffect">
-                                  <p:stCondLst>
-                                    <p:cond delay="0"/>
-                                  </p:stCondLst>
-                                  <p:childTnLst>
-                                    <p:set>
-                                      <p:cBhvr>
-                                        <p:cTn id="6" dur="1" fill="hold">
-                                          <p:stCondLst>
-                                            <p:cond delay="0"/>
-                                          </p:stCondLst>
-                                        </p:cTn>
-                                        <p:tgtEl>
-                                          <p:spTgt spid="2"/>
-                                        </p:tgtEl>
-                                        <p:attrNameLst>
-                                          <p:attrName>style.visibility</p:attrName>
-                                        </p:attrNameLst>
-                                      </p:cBhvr>
-                                      <p:to>
-                                        <p:strVal val="visible"/>
-                                      </p:to>
-                                    </p:set>
-                                    <p:animEffect transition="in" filter="fade">
-                                      <p:cBhvr>
-                                        <p:cTn id="7" dur="500"/>
-                                        <p:tgtEl>
-                                          <p:spTgt spid="2"/>
-                                        </p:tgtEl>
-                                      </p:cBhvr>
-                                    </p:animEffect>
-                                  </p:childTnLst>
-                                </p:cTn>
-                              </p:par>
-                              <p:par>
-                                <p:cTn id="8" presetID="10" presetClass="entr" presetSubtype="0" fill="hold" grpId="0" nodeType="withEffect">
-                                  <p:stCondLst>
-                                    <p:cond delay="0"/>
-                                  </p:stCondLst>
-                                  <p:childTnLst>
-                                    <p:set>
-                                      <p:cBhvr>
-                                        <p:cTn id="9" dur="1" fill="hold">
-                                          <p:stCondLst>
-                                            <p:cond delay="0"/>
-                                          </p:stCondLst>
-                                        </p:cTn>
-                                        <p:tgtEl>
-                                          <p:spTgt spid="9"/>
-                                        </p:tgtEl>
-                                        <p:attrNameLst>
-                                          <p:attrName>style.visibility</p:attrName>
-                                        </p:attrNameLst>
-                                      </p:cBhvr>
-                                      <p:to>
-                                        <p:strVal val="visible"/>
-                                      </p:to>
-                                    </p:set>
-                                    <p:animEffect transition="in" filter="fade">
-                                      <p:cBhvr>
-                                        <p:cTn id="10" dur="500"/>
-                                        <p:tgtEl>
-                                          <p:spTgt spid="9"/>
-                                        </p:tgtEl>
-                                      </p:cBhvr>
-                                    </p:animEffect>
-                                  </p:childTnLst>
-                                </p:cTn>
-                              </p:par>
-                              <p:par>
-                                <p:cTn id="11" presetID="10" presetClass="entr" presetSubtype="0" fill="hold" grpId="0" nodeType="withEffect">
-                                  <p:stCondLst>
-                                    <p:cond delay="0"/>
-                                  </p:stCondLst>
-                                  <p:childTnLst>
-                                    <p:set>
-                                      <p:cBhvr>
-                                        <p:cTn id="12" dur="1" fill="hold">
-                                          <p:stCondLst>
-                                            <p:cond delay="0"/>
-                                          </p:stCondLst>
-                                        </p:cTn>
-                                        <p:tgtEl>
-                                          <p:spTgt spid="12"/>
-                                        </p:tgtEl>
-                                        <p:attrNameLst>
-                                          <p:attrName>style.visibility</p:attrName>
-                                        </p:attrNameLst>
-                                      </p:cBhvr>
-                                      <p:to>
-                                        <p:strVal val="visible"/>
-                                      </p:to>
-                                    </p:set>
-                                    <p:animEffect transition="in" filter="fade">
-                                      <p:cBhvr>
-                                        <p:cTn id="13" dur="500"/>
-                                        <p:tgtEl>
-                                          <p:spTgt spid="12"/>
-                                        </p:tgtEl>
-                                      </p:cBhvr>
-                                    </p:animEffect>
-                                  </p:childTnLst>
-                                </p:cTn>
-                              </p:par>
-                            </p:childTnLst>
-                          </p:cTn>
-                        </p:par>
-                      </p:childTnLst>
-                    </p:cTn>
-                  </p:par>
-                </p:childTnLst>
-              </p:cTn>
-              <p:prevCondLst>
-                <p:cond evt="onPrev" delay="0">
-                  <p:tgtEl>
-                    <p:sldTgt/>
-                  </p:tgtEl>
-                </p:cond>
-              </p:prevCondLst>
-              <p:nextCondLst>
-                <p:cond evt="onNext" delay="0">
-                  <p:tgtEl>
-                    <p:sldTgt/>
-                  </p:tgtEl>
-                </p:cond>
-              </p:nextCondLst>
-            </p:seq>
-          </p:childTnLst>
-        </p:cTn>
-      </p:par>
-    </p:tnLst>
-    <p:bldLst>
-      <p:bldP spid="2" grpId="0" animBg="1"/>
-      <p:bldP spid="9" grpId="0" animBg="1"/>
-      <p:bldP spid="12" grpId="0"/>
-    </p:bldLst>
-  </p:timing>
-</p:sld>
-</file>
-
-<file path=ppt/slides/slide28.xml><?xml version="1.0" encoding="utf-8"?>
-<p:sld xmlns:a="http://schemas.openxmlformats.org/drawingml/2006/main" xmlns:r="http://schemas.openxmlformats.org/officeDocument/2006/relationships" xmlns:p="http://schemas.openxmlformats.org/presentationml/2006/main">
-  <p:cSld>
-    <p:spTree>
-      <p:nvGrpSpPr>
-        <p:cNvPr id="1" name=""/>
-        <p:cNvGrpSpPr/>
-        <p:nvPr/>
-      </p:nvGrpSpPr>
-      <p:grpSpPr>
-        <a:xfrm>
-          <a:off x="0" y="0"/>
-          <a:ext cx="0" cy="0"/>
-          <a:chOff x="0" y="0"/>
-          <a:chExt cx="0" cy="0"/>
-        </a:xfrm>
-      </p:grpSpPr>
-      <p:pic>
-        <p:nvPicPr>
-          <p:cNvPr id="7" name="Picture 6"/>
-          <p:cNvPicPr>
-            <a:picLocks noChangeAspect="1"/>
-          </p:cNvPicPr>
-          <p:nvPr/>
-        </p:nvPicPr>
-        <p:blipFill>
-          <a:blip r:embed="rId3" cstate="print">
-            <a:duotone>
-              <a:prstClr val="black"/>
-              <a:schemeClr val="tx2">
-                <a:tint val="45000"/>
-                <a:satMod val="400000"/>
-              </a:schemeClr>
-            </a:duotone>
-            <a:extLst>
-              <a:ext uri="{28A0092B-C50C-407E-A947-70E740481C1C}">
-                <a14:useLocalDpi xmlns:a14="http://schemas.microsoft.com/office/drawing/2010/main" val="0"/>
-              </a:ext>
-            </a:extLst>
-          </a:blip>
-          <a:stretch>
-            <a:fillRect/>
-          </a:stretch>
-        </p:blipFill>
-        <p:spPr>
-          <a:xfrm>
-            <a:off x="-11637" y="9143199"/>
-            <a:ext cx="18302812" cy="1146976"/>
-          </a:xfrm>
-          <a:prstGeom prst="rect">
-            <a:avLst/>
-          </a:prstGeom>
-        </p:spPr>
-      </p:pic>
-      <p:sp>
-        <p:nvSpPr>
-          <p:cNvPr id="6" name="Oval 5"/>
-          <p:cNvSpPr/>
-          <p:nvPr/>
-        </p:nvSpPr>
-        <p:spPr>
-          <a:xfrm>
-            <a:off x="7885447" y="2912839"/>
-            <a:ext cx="2520280" cy="2520280"/>
-          </a:xfrm>
-          <a:prstGeom prst="ellipse">
-            <a:avLst/>
-          </a:prstGeom>
-          <a:solidFill>
-            <a:srgbClr val="565D6F"/>
-          </a:solidFill>
-          <a:ln>
-            <a:noFill/>
-          </a:ln>
-        </p:spPr>
-        <p:style>
-          <a:lnRef idx="2">
-            <a:schemeClr val="accent1">
-              <a:shade val="50000"/>
-            </a:schemeClr>
-          </a:lnRef>
-          <a:fillRef idx="1">
-            <a:schemeClr val="accent1"/>
-          </a:fillRef>
-          <a:effectRef idx="0">
-            <a:schemeClr val="accent1"/>
-          </a:effectRef>
-          <a:fontRef idx="minor">
-            <a:schemeClr val="lt1"/>
-          </a:fontRef>
-        </p:style>
-        <p:txBody>
-          <a:bodyPr rtlCol="0" anchor="ctr"/>
-          <a:lstStyle/>
-          <a:p>
-            <a:pPr algn="ctr"/>
-            <a:endParaRPr lang="tr-TR"/>
-          </a:p>
-        </p:txBody>
-      </p:sp>
-      <p:sp>
-        <p:nvSpPr>
-          <p:cNvPr id="10" name="TextBox 9"/>
-          <p:cNvSpPr txBox="1"/>
-          <p:nvPr/>
-        </p:nvSpPr>
-        <p:spPr>
-          <a:xfrm>
-            <a:off x="5105622" y="5793159"/>
-            <a:ext cx="8068294" cy="861774"/>
-          </a:xfrm>
-          <a:prstGeom prst="rect">
-            <a:avLst/>
-          </a:prstGeom>
-          <a:noFill/>
-        </p:spPr>
-        <p:txBody>
-          <a:bodyPr wrap="square" rtlCol="0">
-            <a:spAutoFit/>
-          </a:bodyPr>
-          <a:lstStyle/>
-          <a:p>
-            <a:pPr algn="ctr"/>
-            <a:r>
-              <a:rPr lang="fr-FR" sz="5000" b="1" dirty="0" smtClean="0">
-                <a:solidFill>
-                  <a:schemeClr val="tx1">
-                    <a:lumMod val="65000"/>
-                    <a:lumOff val="35000"/>
-                  </a:schemeClr>
-                </a:solidFill>
-                <a:latin typeface="Caviar Dreams" pitchFamily="34" charset="-94"/>
-                <a:ea typeface="Open Sans" pitchFamily="34" charset="0"/>
-                <a:cs typeface="Open Sans" pitchFamily="34" charset="0"/>
-              </a:rPr>
-              <a:t>Server Library</a:t>
-            </a:r>
-            <a:endParaRPr lang="tr-TR" sz="5000" b="1" dirty="0">
-              <a:solidFill>
-                <a:schemeClr val="tx1">
-                  <a:lumMod val="65000"/>
-                  <a:lumOff val="35000"/>
-                </a:schemeClr>
-              </a:solidFill>
-              <a:latin typeface="Caviar Dreams" pitchFamily="34" charset="-94"/>
-              <a:ea typeface="Open Sans" pitchFamily="34" charset="0"/>
-              <a:cs typeface="Open Sans" pitchFamily="34" charset="0"/>
-            </a:endParaRPr>
-          </a:p>
-        </p:txBody>
-      </p:sp>
-      <p:sp>
-        <p:nvSpPr>
-          <p:cNvPr id="15" name="Oval 14"/>
-          <p:cNvSpPr/>
-          <p:nvPr/>
-        </p:nvSpPr>
-        <p:spPr>
-          <a:xfrm>
-            <a:off x="8816986" y="9449582"/>
-            <a:ext cx="654224" cy="648817"/>
-          </a:xfrm>
-          <a:prstGeom prst="ellipse">
-            <a:avLst/>
-          </a:prstGeom>
-          <a:solidFill>
-            <a:schemeClr val="bg1"/>
-          </a:solidFill>
-          <a:ln>
-            <a:noFill/>
-          </a:ln>
-        </p:spPr>
-        <p:style>
-          <a:lnRef idx="2">
-            <a:schemeClr val="accent1">
-              <a:shade val="50000"/>
-            </a:schemeClr>
-          </a:lnRef>
-          <a:fillRef idx="1">
-            <a:schemeClr val="accent1"/>
-          </a:fillRef>
-          <a:effectRef idx="0">
-            <a:schemeClr val="accent1"/>
-          </a:effectRef>
-          <a:fontRef idx="minor">
-            <a:schemeClr val="lt1"/>
-          </a:fontRef>
-        </p:style>
-        <p:txBody>
-          <a:bodyPr rtlCol="0" anchor="ctr"/>
-          <a:lstStyle/>
-          <a:p>
-            <a:pPr algn="ctr"/>
-            <a:endParaRPr lang="tr-TR"/>
-          </a:p>
-        </p:txBody>
-      </p:sp>
-      <p:sp>
-        <p:nvSpPr>
-          <p:cNvPr id="16" name="TextBox 15"/>
-          <p:cNvSpPr txBox="1"/>
-          <p:nvPr/>
-        </p:nvSpPr>
-        <p:spPr>
-          <a:xfrm>
-            <a:off x="8880355" y="9464822"/>
-            <a:ext cx="504056" cy="1107996"/>
-          </a:xfrm>
-          <a:prstGeom prst="rect">
-            <a:avLst/>
-          </a:prstGeom>
-          <a:noFill/>
-        </p:spPr>
-        <p:txBody>
-          <a:bodyPr wrap="square" rtlCol="0">
-            <a:spAutoFit/>
-          </a:bodyPr>
-          <a:lstStyle/>
-          <a:p>
-            <a:pPr algn="ctr"/>
-            <a:r>
-              <a:rPr lang="fr-FR" sz="3300" b="1" dirty="0">
-                <a:solidFill>
-                  <a:srgbClr val="565D6F"/>
-                </a:solidFill>
-                <a:latin typeface="Caviar Dreams" pitchFamily="34" charset="-94"/>
-                <a:ea typeface="Open Sans" pitchFamily="34" charset="0"/>
-                <a:cs typeface="Open Sans" pitchFamily="34" charset="0"/>
-              </a:rPr>
-              <a:t>R</a:t>
-            </a:r>
-            <a:endParaRPr lang="tr-TR" sz="3300" b="1" dirty="0">
-              <a:solidFill>
-                <a:srgbClr val="565D6F"/>
-              </a:solidFill>
-              <a:latin typeface="Caviar Dreams" pitchFamily="34" charset="-94"/>
-              <a:ea typeface="Open Sans" pitchFamily="34" charset="0"/>
-              <a:cs typeface="Open Sans" pitchFamily="34" charset="0"/>
-            </a:endParaRPr>
-          </a:p>
-          <a:p>
-            <a:pPr algn="ctr"/>
-            <a:endParaRPr lang="tr-TR" sz="3300" b="1" dirty="0">
-              <a:solidFill>
-                <a:srgbClr val="009CD6"/>
-              </a:solidFill>
-              <a:latin typeface="Caviar Dreams" pitchFamily="34" charset="-94"/>
-              <a:ea typeface="Open Sans" pitchFamily="34" charset="0"/>
-              <a:cs typeface="Open Sans" pitchFamily="34" charset="0"/>
-            </a:endParaRPr>
-          </a:p>
-        </p:txBody>
-      </p:sp>
-      <p:pic>
-        <p:nvPicPr>
-          <p:cNvPr id="2" name="Image 1"/>
-          <p:cNvPicPr>
-            <a:picLocks noChangeAspect="1"/>
-          </p:cNvPicPr>
-          <p:nvPr/>
-        </p:nvPicPr>
-        <p:blipFill>
-          <a:blip r:embed="rId4">
-            <a:lum bright="70000" contrast="-70000"/>
-            <a:extLst>
-              <a:ext uri="{28A0092B-C50C-407E-A947-70E740481C1C}">
-                <a14:useLocalDpi xmlns:a14="http://schemas.microsoft.com/office/drawing/2010/main" val="0"/>
-              </a:ext>
-            </a:extLst>
-          </a:blip>
-          <a:stretch>
-            <a:fillRect/>
-          </a:stretch>
-        </p:blipFill>
-        <p:spPr>
-          <a:xfrm>
-            <a:off x="7754848" y="3237075"/>
-            <a:ext cx="2769841" cy="1871807"/>
-          </a:xfrm>
-          <a:prstGeom prst="rect">
-            <a:avLst/>
-          </a:prstGeom>
-        </p:spPr>
-      </p:pic>
-    </p:spTree>
-    <p:extLst>
-      <p:ext uri="{BB962C8B-B14F-4D97-AF65-F5344CB8AC3E}">
-        <p14:creationId xmlns:p14="http://schemas.microsoft.com/office/powerpoint/2010/main" val="2400804383"/>
-      </p:ext>
-    </p:extLst>
-  </p:cSld>
-  <p:clrMapOvr>
-    <a:masterClrMapping/>
-  </p:clrMapOvr>
-  <mc:AlternateContent xmlns:mc="http://schemas.openxmlformats.org/markup-compatibility/2006" xmlns:p14="http://schemas.microsoft.com/office/powerpoint/2010/main">
-    <mc:Choice Requires="p14">
-      <p:transition spd="med" p14:dur="700">
-        <p:fade/>
-      </p:transition>
-    </mc:Choice>
-    <mc:Fallback xmlns="">
-      <p:transition spd="med">
-        <p:fade/>
-      </p:transition>
-    </mc:Fallback>
-  </mc:AlternateContent>
-  <p:timing>
-    <p:tnLst>
-      <p:par>
-        <p:cTn id="1" dur="indefinite" restart="never" nodeType="tmRoot">
-          <p:childTnLst>
-            <p:seq concurrent="1" nextAc="seek">
-              <p:cTn id="2" dur="indefinite" nodeType="mainSeq">
-                <p:childTnLst>
-                  <p:par>
-                    <p:cTn id="3" fill="hold">
-                      <p:stCondLst>
-                        <p:cond delay="indefinite"/>
-                        <p:cond evt="onBegin" delay="0">
-                          <p:tn val="2"/>
-                        </p:cond>
-                      </p:stCondLst>
-                      <p:childTnLst>
-                        <p:par>
-                          <p:cTn id="4" fill="hold">
-                            <p:stCondLst>
-                              <p:cond delay="0"/>
-                            </p:stCondLst>
-                            <p:childTnLst>
-                              <p:par>
-                                <p:cTn id="5" presetID="10" presetClass="entr" presetSubtype="0" fill="hold" grpId="0" nodeType="withEffect">
-                                  <p:stCondLst>
-                                    <p:cond delay="0"/>
-                                  </p:stCondLst>
-                                  <p:childTnLst>
-                                    <p:set>
-                                      <p:cBhvr>
-                                        <p:cTn id="6" dur="1" fill="hold">
-                                          <p:stCondLst>
-                                            <p:cond delay="0"/>
-                                          </p:stCondLst>
-                                        </p:cTn>
-                                        <p:tgtEl>
-                                          <p:spTgt spid="6"/>
-                                        </p:tgtEl>
-                                        <p:attrNameLst>
-                                          <p:attrName>style.visibility</p:attrName>
-                                        </p:attrNameLst>
-                                      </p:cBhvr>
-                                      <p:to>
-                                        <p:strVal val="visible"/>
-                                      </p:to>
-                                    </p:set>
-                                    <p:animEffect transition="in" filter="fade">
-                                      <p:cBhvr>
-                                        <p:cTn id="7" dur="500"/>
-                                        <p:tgtEl>
-                                          <p:spTgt spid="6"/>
-                                        </p:tgtEl>
-                                      </p:cBhvr>
-                                    </p:animEffect>
-                                  </p:childTnLst>
-                                </p:cTn>
-                              </p:par>
-                              <p:par>
-                                <p:cTn id="8" presetID="10" presetClass="entr" presetSubtype="0" fill="hold" grpId="0" nodeType="withEffect">
-                                  <p:stCondLst>
-                                    <p:cond delay="0"/>
-                                  </p:stCondLst>
-                                  <p:childTnLst>
-                                    <p:set>
-                                      <p:cBhvr>
-                                        <p:cTn id="9" dur="1" fill="hold">
-                                          <p:stCondLst>
-                                            <p:cond delay="0"/>
-                                          </p:stCondLst>
-                                        </p:cTn>
-                                        <p:tgtEl>
-                                          <p:spTgt spid="10"/>
-                                        </p:tgtEl>
-                                        <p:attrNameLst>
-                                          <p:attrName>style.visibility</p:attrName>
-                                        </p:attrNameLst>
-                                      </p:cBhvr>
-                                      <p:to>
-                                        <p:strVal val="visible"/>
-                                      </p:to>
-                                    </p:set>
-                                    <p:animEffect transition="in" filter="fade">
-                                      <p:cBhvr>
-                                        <p:cTn id="10" dur="500"/>
-                                        <p:tgtEl>
-                                          <p:spTgt spid="10"/>
-                                        </p:tgtEl>
-                                      </p:cBhvr>
-                                    </p:animEffect>
-                                  </p:childTnLst>
-                                </p:cTn>
-                              </p:par>
-                              <p:par>
-                                <p:cTn id="11" presetID="10" presetClass="entr" presetSubtype="0" fill="hold" nodeType="withEffect">
-                                  <p:stCondLst>
-                                    <p:cond delay="0"/>
-                                  </p:stCondLst>
-                                  <p:childTnLst>
-                                    <p:set>
-                                      <p:cBhvr>
-                                        <p:cTn id="12" dur="1" fill="hold">
-                                          <p:stCondLst>
-                                            <p:cond delay="0"/>
-                                          </p:stCondLst>
-                                        </p:cTn>
-                                        <p:tgtEl>
-                                          <p:spTgt spid="2"/>
-                                        </p:tgtEl>
-                                        <p:attrNameLst>
-                                          <p:attrName>style.visibility</p:attrName>
-                                        </p:attrNameLst>
-                                      </p:cBhvr>
-                                      <p:to>
-                                        <p:strVal val="visible"/>
-                                      </p:to>
-                                    </p:set>
-                                    <p:animEffect transition="in" filter="fade">
-                                      <p:cBhvr>
-                                        <p:cTn id="13" dur="500"/>
-                                        <p:tgtEl>
-                                          <p:spTgt spid="2"/>
-                                        </p:tgtEl>
-                                      </p:cBhvr>
-                                    </p:animEffect>
-                                  </p:childTnLst>
-                                </p:cTn>
-                              </p:par>
-                            </p:childTnLst>
-                          </p:cTn>
-                        </p:par>
-                      </p:childTnLst>
-                    </p:cTn>
-                  </p:par>
-                </p:childTnLst>
-              </p:cTn>
-              <p:prevCondLst>
-                <p:cond evt="onPrev" delay="0">
-                  <p:tgtEl>
-                    <p:sldTgt/>
-                  </p:tgtEl>
-                </p:cond>
-              </p:prevCondLst>
-              <p:nextCondLst>
-                <p:cond evt="onNext" delay="0">
-                  <p:tgtEl>
-                    <p:sldTgt/>
-                  </p:tgtEl>
-                </p:cond>
-              </p:nextCondLst>
-            </p:seq>
-          </p:childTnLst>
-        </p:cTn>
-      </p:par>
-    </p:tnLst>
-    <p:bldLst>
-      <p:bldP spid="6" grpId="0" animBg="1"/>
-      <p:bldP spid="10" grpId="0"/>
-    </p:bldLst>
-  </p:timing>
-</p:sld>
-</file>
-
-<file path=ppt/slides/slide29.xml><?xml version="1.0" encoding="utf-8"?>
-<p:sld xmlns:a="http://schemas.openxmlformats.org/drawingml/2006/main" xmlns:r="http://schemas.openxmlformats.org/officeDocument/2006/relationships" xmlns:p="http://schemas.openxmlformats.org/presentationml/2006/main">
-  <p:cSld>
-    <p:spTree>
-      <p:nvGrpSpPr>
-        <p:cNvPr id="1" name=""/>
-        <p:cNvGrpSpPr/>
-        <p:nvPr/>
-      </p:nvGrpSpPr>
-      <p:grpSpPr>
-        <a:xfrm>
-          <a:off x="0" y="0"/>
-          <a:ext cx="0" cy="0"/>
-          <a:chOff x="0" y="0"/>
-          <a:chExt cx="0" cy="0"/>
-        </a:xfrm>
-      </p:grpSpPr>
-      <p:pic>
-        <p:nvPicPr>
-          <p:cNvPr id="43" name="Picture 42"/>
-          <p:cNvPicPr>
-            <a:picLocks noChangeAspect="1"/>
-          </p:cNvPicPr>
-          <p:nvPr/>
-        </p:nvPicPr>
-        <p:blipFill>
-          <a:blip r:embed="rId3" cstate="print">
-            <a:duotone>
-              <a:prstClr val="black"/>
-              <a:schemeClr val="tx2">
-                <a:tint val="45000"/>
-                <a:satMod val="400000"/>
-              </a:schemeClr>
-            </a:duotone>
-            <a:extLst>
-              <a:ext uri="{28A0092B-C50C-407E-A947-70E740481C1C}">
-                <a14:useLocalDpi xmlns:a14="http://schemas.microsoft.com/office/drawing/2010/main" val="0"/>
-              </a:ext>
-            </a:extLst>
-          </a:blip>
-          <a:stretch>
-            <a:fillRect/>
-          </a:stretch>
-        </p:blipFill>
-        <p:spPr>
-          <a:xfrm>
-            <a:off x="-11637" y="9143199"/>
-            <a:ext cx="18302812" cy="1146976"/>
-          </a:xfrm>
-          <a:prstGeom prst="rect">
-            <a:avLst/>
-          </a:prstGeom>
-        </p:spPr>
-      </p:pic>
-      <p:sp>
-        <p:nvSpPr>
-          <p:cNvPr id="2" name="Rectangle 1"/>
-          <p:cNvSpPr/>
-          <p:nvPr/>
-        </p:nvSpPr>
-        <p:spPr>
-          <a:xfrm>
-            <a:off x="0" y="1040631"/>
-            <a:ext cx="5401171" cy="864096"/>
-          </a:xfrm>
-          <a:prstGeom prst="rect">
-            <a:avLst/>
-          </a:prstGeom>
-          <a:solidFill>
-            <a:srgbClr val="565D6F"/>
-          </a:solidFill>
-          <a:ln>
-            <a:noFill/>
-          </a:ln>
-        </p:spPr>
-        <p:style>
-          <a:lnRef idx="2">
-            <a:schemeClr val="accent1">
-              <a:shade val="50000"/>
-            </a:schemeClr>
-          </a:lnRef>
-          <a:fillRef idx="1">
-            <a:schemeClr val="accent1"/>
-          </a:fillRef>
-          <a:effectRef idx="0">
-            <a:schemeClr val="accent1"/>
-          </a:effectRef>
-          <a:fontRef idx="minor">
-            <a:schemeClr val="lt1"/>
-          </a:fontRef>
-        </p:style>
-        <p:txBody>
-          <a:bodyPr rtlCol="0" anchor="ctr"/>
-          <a:lstStyle/>
-          <a:p>
-            <a:pPr algn="ctr"/>
-            <a:endParaRPr lang="tr-TR"/>
-          </a:p>
-        </p:txBody>
-      </p:sp>
-      <p:sp>
-        <p:nvSpPr>
-          <p:cNvPr id="9" name="Rectangle 8"/>
-          <p:cNvSpPr/>
-          <p:nvPr/>
-        </p:nvSpPr>
-        <p:spPr>
-          <a:xfrm>
-            <a:off x="5401172" y="1040631"/>
-            <a:ext cx="180020" cy="864096"/>
-          </a:xfrm>
-          <a:prstGeom prst="rect">
-            <a:avLst/>
-          </a:prstGeom>
-          <a:solidFill>
-            <a:schemeClr val="bg1">
-              <a:lumMod val="75000"/>
-            </a:schemeClr>
-          </a:solidFill>
-          <a:ln>
-            <a:noFill/>
-          </a:ln>
-        </p:spPr>
-        <p:style>
-          <a:lnRef idx="2">
-            <a:schemeClr val="accent1">
-              <a:shade val="50000"/>
-            </a:schemeClr>
-          </a:lnRef>
-          <a:fillRef idx="1">
-            <a:schemeClr val="accent1"/>
-          </a:fillRef>
-          <a:effectRef idx="0">
-            <a:schemeClr val="accent1"/>
-          </a:effectRef>
-          <a:fontRef idx="minor">
-            <a:schemeClr val="lt1"/>
-          </a:fontRef>
-        </p:style>
-        <p:txBody>
-          <a:bodyPr rtlCol="0" anchor="ctr"/>
-          <a:lstStyle/>
-          <a:p>
-            <a:pPr algn="ctr"/>
-            <a:endParaRPr lang="tr-TR"/>
-          </a:p>
-        </p:txBody>
-      </p:sp>
-      <p:sp>
-        <p:nvSpPr>
-          <p:cNvPr id="53" name="Oval 52"/>
-          <p:cNvSpPr/>
-          <p:nvPr/>
-        </p:nvSpPr>
-        <p:spPr>
-          <a:xfrm>
-            <a:off x="8816986" y="9449582"/>
-            <a:ext cx="654224" cy="648817"/>
-          </a:xfrm>
-          <a:prstGeom prst="ellipse">
-            <a:avLst/>
-          </a:prstGeom>
-          <a:solidFill>
-            <a:schemeClr val="bg1"/>
-          </a:solidFill>
-          <a:ln>
-            <a:noFill/>
-          </a:ln>
-        </p:spPr>
-        <p:style>
-          <a:lnRef idx="2">
-            <a:schemeClr val="accent1">
-              <a:shade val="50000"/>
-            </a:schemeClr>
-          </a:lnRef>
-          <a:fillRef idx="1">
-            <a:schemeClr val="accent1"/>
-          </a:fillRef>
-          <a:effectRef idx="0">
-            <a:schemeClr val="accent1"/>
-          </a:effectRef>
-          <a:fontRef idx="minor">
-            <a:schemeClr val="lt1"/>
-          </a:fontRef>
-        </p:style>
-        <p:txBody>
-          <a:bodyPr rtlCol="0" anchor="ctr"/>
-          <a:lstStyle/>
-          <a:p>
-            <a:pPr algn="ctr"/>
-            <a:endParaRPr lang="tr-TR"/>
-          </a:p>
-        </p:txBody>
-      </p:sp>
-      <p:sp>
-        <p:nvSpPr>
-          <p:cNvPr id="54" name="TextBox 53"/>
-          <p:cNvSpPr txBox="1"/>
-          <p:nvPr/>
-        </p:nvSpPr>
-        <p:spPr>
-          <a:xfrm>
-            <a:off x="8880355" y="9464822"/>
-            <a:ext cx="504056" cy="600164"/>
-          </a:xfrm>
-          <a:prstGeom prst="rect">
-            <a:avLst/>
-          </a:prstGeom>
-          <a:noFill/>
-        </p:spPr>
-        <p:txBody>
-          <a:bodyPr wrap="square" rtlCol="0">
-            <a:spAutoFit/>
-          </a:bodyPr>
-          <a:lstStyle/>
-          <a:p>
-            <a:pPr algn="ctr"/>
-            <a:r>
-              <a:rPr lang="fr-FR" sz="3300" b="1" dirty="0">
-                <a:solidFill>
-                  <a:srgbClr val="565D6F"/>
-                </a:solidFill>
-                <a:latin typeface="Caviar Dreams" pitchFamily="34" charset="-94"/>
-                <a:ea typeface="Open Sans" pitchFamily="34" charset="0"/>
-                <a:cs typeface="Open Sans" pitchFamily="34" charset="0"/>
-              </a:rPr>
-              <a:t>R</a:t>
-            </a:r>
-            <a:endParaRPr lang="tr-TR" sz="3300" b="1" dirty="0">
-              <a:solidFill>
-                <a:srgbClr val="565D6F"/>
-              </a:solidFill>
-              <a:latin typeface="Caviar Dreams" pitchFamily="34" charset="-94"/>
-              <a:ea typeface="Open Sans" pitchFamily="34" charset="0"/>
-              <a:cs typeface="Open Sans" pitchFamily="34" charset="0"/>
-            </a:endParaRPr>
-          </a:p>
-        </p:txBody>
-      </p:sp>
-      <p:pic>
-        <p:nvPicPr>
-          <p:cNvPr id="3" name="Image 2"/>
-          <p:cNvPicPr>
-            <a:picLocks noChangeAspect="1"/>
-          </p:cNvPicPr>
-          <p:nvPr/>
-        </p:nvPicPr>
-        <p:blipFill>
-          <a:blip r:embed="rId4">
-            <a:extLst>
-              <a:ext uri="{28A0092B-C50C-407E-A947-70E740481C1C}">
-                <a14:useLocalDpi xmlns:a14="http://schemas.microsoft.com/office/drawing/2010/main" val="0"/>
-              </a:ext>
-            </a:extLst>
-          </a:blip>
-          <a:stretch>
-            <a:fillRect/>
-          </a:stretch>
-        </p:blipFill>
-        <p:spPr>
-          <a:xfrm>
-            <a:off x="-4535933" y="-2271737"/>
-            <a:ext cx="27291032" cy="14822963"/>
-          </a:xfrm>
-          <a:prstGeom prst="rect">
-            <a:avLst/>
-          </a:prstGeom>
-        </p:spPr>
-      </p:pic>
-    </p:spTree>
-    <p:extLst>
-      <p:ext uri="{BB962C8B-B14F-4D97-AF65-F5344CB8AC3E}">
-        <p14:creationId xmlns:p14="http://schemas.microsoft.com/office/powerpoint/2010/main" val="2735977730"/>
-      </p:ext>
-    </p:extLst>
-  </p:cSld>
-  <p:clrMapOvr>
-    <a:masterClrMapping/>
-  </p:clrMapOvr>
-  <mc:AlternateContent xmlns:mc="http://schemas.openxmlformats.org/markup-compatibility/2006" xmlns:p14="http://schemas.microsoft.com/office/powerpoint/2010/main">
-    <mc:Choice Requires="p14">
-      <p:transition spd="med" p14:dur="700">
-        <p:fade/>
-      </p:transition>
-    </mc:Choice>
-    <mc:Fallback xmlns="">
-      <p:transition spd="med">
-        <p:fade/>
-      </p:transition>
-    </mc:Fallback>
-  </mc:AlternateContent>
-  <p:timing>
-    <p:tnLst>
-      <p:par>
-        <p:cTn id="1" dur="indefinite" restart="never" nodeType="tmRoot">
-          <p:childTnLst>
-            <p:seq concurrent="1" nextAc="seek">
-              <p:cTn id="2" dur="indefinite" nodeType="mainSeq">
-                <p:childTnLst>
-                  <p:par>
-                    <p:cTn id="3" fill="hold">
-                      <p:stCondLst>
-                        <p:cond delay="indefinite"/>
-                        <p:cond evt="onBegin" delay="0">
-                          <p:tn val="2"/>
-                        </p:cond>
-                      </p:stCondLst>
-                      <p:childTnLst>
-                        <p:par>
-                          <p:cTn id="4" fill="hold">
-                            <p:stCondLst>
-                              <p:cond delay="0"/>
-                            </p:stCondLst>
-                            <p:childTnLst>
-                              <p:par>
-                                <p:cTn id="5" presetID="10" presetClass="entr" presetSubtype="0" fill="hold" grpId="0" nodeType="withEffect">
-                                  <p:stCondLst>
-                                    <p:cond delay="0"/>
-                                  </p:stCondLst>
-                                  <p:childTnLst>
-                                    <p:set>
-                                      <p:cBhvr>
-                                        <p:cTn id="6" dur="1" fill="hold">
-                                          <p:stCondLst>
-                                            <p:cond delay="0"/>
-                                          </p:stCondLst>
-                                        </p:cTn>
-                                        <p:tgtEl>
-                                          <p:spTgt spid="2"/>
-                                        </p:tgtEl>
-                                        <p:attrNameLst>
-                                          <p:attrName>style.visibility</p:attrName>
-                                        </p:attrNameLst>
-                                      </p:cBhvr>
-                                      <p:to>
-                                        <p:strVal val="visible"/>
-                                      </p:to>
-                                    </p:set>
-                                    <p:animEffect transition="in" filter="fade">
-                                      <p:cBhvr>
-                                        <p:cTn id="7" dur="500"/>
-                                        <p:tgtEl>
-                                          <p:spTgt spid="2"/>
-                                        </p:tgtEl>
-                                      </p:cBhvr>
-                                    </p:animEffect>
-                                  </p:childTnLst>
-                                </p:cTn>
-                              </p:par>
-                              <p:par>
-                                <p:cTn id="8" presetID="10" presetClass="entr" presetSubtype="0" fill="hold" grpId="0" nodeType="withEffect">
-                                  <p:stCondLst>
-                                    <p:cond delay="0"/>
-                                  </p:stCondLst>
-                                  <p:childTnLst>
-                                    <p:set>
-                                      <p:cBhvr>
-                                        <p:cTn id="9" dur="1" fill="hold">
-                                          <p:stCondLst>
-                                            <p:cond delay="0"/>
-                                          </p:stCondLst>
-                                        </p:cTn>
-                                        <p:tgtEl>
-                                          <p:spTgt spid="9"/>
-                                        </p:tgtEl>
-                                        <p:attrNameLst>
-                                          <p:attrName>style.visibility</p:attrName>
-                                        </p:attrNameLst>
-                                      </p:cBhvr>
-                                      <p:to>
-                                        <p:strVal val="visible"/>
-                                      </p:to>
-                                    </p:set>
-                                    <p:animEffect transition="in" filter="fade">
-                                      <p:cBhvr>
-                                        <p:cTn id="10" dur="500"/>
-                                        <p:tgtEl>
-                                          <p:spTgt spid="9"/>
-                                        </p:tgtEl>
-                                      </p:cBhvr>
-                                    </p:animEffect>
-                                  </p:childTnLst>
-                                </p:cTn>
-                              </p:par>
-                            </p:childTnLst>
-                          </p:cTn>
-                        </p:par>
-                      </p:childTnLst>
-                    </p:cTn>
-                  </p:par>
-                </p:childTnLst>
-              </p:cTn>
-              <p:prevCondLst>
-                <p:cond evt="onPrev" delay="0">
-                  <p:tgtEl>
-                    <p:sldTgt/>
-                  </p:tgtEl>
-                </p:cond>
-              </p:prevCondLst>
-              <p:nextCondLst>
-                <p:cond evt="onNext" delay="0">
-                  <p:tgtEl>
-                    <p:sldTgt/>
-                  </p:tgtEl>
-                </p:cond>
-              </p:nextCondLst>
-            </p:seq>
-          </p:childTnLst>
-        </p:cTn>
-      </p:par>
-    </p:tnLst>
-    <p:bldLst>
-      <p:bldP spid="2" grpId="0" animBg="1"/>
-      <p:bldP spid="9" grpId="0" animBg="1"/>
     </p:bldLst>
   </p:timing>
 </p:sld>
@@ -27915,7 +28359,7 @@
                 </a:solidFill>
                 <a:latin typeface="Bebas Neue" panose="020B0606020202050201" pitchFamily="34" charset="0"/>
               </a:rPr>
-              <a:t>Mathématiques</a:t>
+              <a:t>Mathématiques avancées</a:t>
             </a:r>
             <a:endParaRPr lang="tr-TR" sz="3300" b="1" dirty="0">
               <a:solidFill>
@@ -29881,7 +30325,7 @@
       </p:sp>
       <p:pic>
         <p:nvPicPr>
-          <p:cNvPr id="4" name="Image 3"/>
+          <p:cNvPr id="10" name="Image 9"/>
           <p:cNvPicPr>
             <a:picLocks noChangeAspect="1"/>
           </p:cNvPicPr>
@@ -29901,8 +30345,8 @@
         </p:blipFill>
         <p:spPr>
           <a:xfrm>
-            <a:off x="5855901" y="3522706"/>
-            <a:ext cx="6539682" cy="6539682"/>
+            <a:off x="5491753" y="4029831"/>
+            <a:ext cx="7260722" cy="5445542"/>
           </a:xfrm>
           <a:prstGeom prst="rect">
             <a:avLst/>
